--- a/09-approaches_to_extending_resources.pptx
+++ b/09-approaches_to_extending_resources.pptx
@@ -2528,10 +2528,9 @@
         <a:lstStyle/>
         <a:p>
           <a:r>
-            <a:rPr lang="en-US" dirty="0" smtClean="0"/>
+            <a:rPr lang="en-US" dirty="0"/>
             <a:t>Chef::Resource</a:t>
           </a:r>
-          <a:endParaRPr lang="en-US" dirty="0"/>
         </a:p>
       </dgm:t>
     </dgm:pt>
@@ -2565,10 +2564,9 @@
         <a:lstStyle/>
         <a:p>
           <a:r>
-            <a:rPr lang="en-US" dirty="0" smtClean="0"/>
+            <a:rPr lang="en-US" dirty="0"/>
             <a:t>Chef::Resource::Package</a:t>
           </a:r>
-          <a:endParaRPr lang="en-US" dirty="0"/>
         </a:p>
       </dgm:t>
     </dgm:pt>
@@ -2602,16 +2600,15 @@
         <a:lstStyle/>
         <a:p>
           <a:r>
-            <a:rPr lang="en-US" dirty="0" smtClean="0"/>
+            <a:rPr lang="en-US" dirty="0"/>
             <a:t>Resource</a:t>
           </a:r>
         </a:p>
         <a:p>
           <a:r>
-            <a:rPr lang="en-US" dirty="0" smtClean="0"/>
+            <a:rPr lang="en-US" dirty="0"/>
             <a:t>Class</a:t>
           </a:r>
-          <a:endParaRPr lang="en-US" dirty="0"/>
         </a:p>
       </dgm:t>
     </dgm:pt>
@@ -2645,7 +2642,7 @@
         <a:lstStyle/>
         <a:p>
           <a:r>
-            <a:rPr lang="en-US" dirty="0" err="1" smtClean="0"/>
+            <a:rPr lang="en-US" dirty="0" err="1"/>
             <a:t>MyCustomResource</a:t>
           </a:r>
           <a:endParaRPr lang="en-US" dirty="0"/>
@@ -2685,13 +2682,6 @@
         </dgm:presLayoutVars>
       </dgm:prSet>
       <dgm:spPr/>
-      <dgm:t>
-        <a:bodyPr/>
-        <a:lstStyle/>
-        <a:p>
-          <a:endParaRPr lang="en-US"/>
-        </a:p>
-      </dgm:t>
     </dgm:pt>
     <dgm:pt modelId="{55054789-C8E3-EB49-9E88-0BBA2EBB8022}" type="pres">
       <dgm:prSet presAssocID="{BFCE3FFC-2A5A-B94A-B315-321077FA6C2F}" presName="hierFlow" presStyleCnt="0"/>
@@ -2722,13 +2712,6 @@
         </dgm:presLayoutVars>
       </dgm:prSet>
       <dgm:spPr/>
-      <dgm:t>
-        <a:bodyPr/>
-        <a:lstStyle/>
-        <a:p>
-          <a:endParaRPr lang="en-US"/>
-        </a:p>
-      </dgm:t>
     </dgm:pt>
     <dgm:pt modelId="{D2A53AF5-86E7-5A46-B4C2-6702F604270D}" type="pres">
       <dgm:prSet presAssocID="{7D94CC99-D4ED-3844-BB9D-D17C4AC621C8}" presName="hierChild2" presStyleCnt="0"/>
@@ -2737,13 +2720,6 @@
     <dgm:pt modelId="{C1B72476-6374-F145-B693-31BC43DDD245}" type="pres">
       <dgm:prSet presAssocID="{6FDEFC39-92E6-4544-8DEB-299A9A1A5E04}" presName="Name19" presStyleLbl="parChTrans1D2" presStyleIdx="0" presStyleCnt="2"/>
       <dgm:spPr/>
-      <dgm:t>
-        <a:bodyPr/>
-        <a:lstStyle/>
-        <a:p>
-          <a:endParaRPr lang="en-US"/>
-        </a:p>
-      </dgm:t>
     </dgm:pt>
     <dgm:pt modelId="{2209BFF2-F540-4944-9BF0-2ECB943AF620}" type="pres">
       <dgm:prSet presAssocID="{F92E669F-FF9B-9D46-96C4-DFBB264A8167}" presName="Name21" presStyleCnt="0"/>
@@ -2752,13 +2728,6 @@
     <dgm:pt modelId="{F964036A-2DA8-F746-9B9E-C7A93BFCEDD5}" type="pres">
       <dgm:prSet presAssocID="{F92E669F-FF9B-9D46-96C4-DFBB264A8167}" presName="level2Shape" presStyleLbl="asst1" presStyleIdx="0" presStyleCnt="2"/>
       <dgm:spPr/>
-      <dgm:t>
-        <a:bodyPr/>
-        <a:lstStyle/>
-        <a:p>
-          <a:endParaRPr lang="en-US"/>
-        </a:p>
-      </dgm:t>
     </dgm:pt>
     <dgm:pt modelId="{65D0BE99-3FB5-7E4A-AE43-2E8AC946F35C}" type="pres">
       <dgm:prSet presAssocID="{F92E669F-FF9B-9D46-96C4-DFBB264A8167}" presName="hierChild3" presStyleCnt="0"/>
@@ -2767,13 +2736,6 @@
     <dgm:pt modelId="{B468D280-2B6E-B541-9463-2B326EE1440C}" type="pres">
       <dgm:prSet presAssocID="{85D4C2C2-5B28-B740-9604-687CBBE39E64}" presName="Name19" presStyleLbl="parChTrans1D2" presStyleIdx="1" presStyleCnt="2"/>
       <dgm:spPr/>
-      <dgm:t>
-        <a:bodyPr/>
-        <a:lstStyle/>
-        <a:p>
-          <a:endParaRPr lang="en-US"/>
-        </a:p>
-      </dgm:t>
     </dgm:pt>
     <dgm:pt modelId="{F5B0F88A-17D5-844D-BE29-1458A243ED5B}" type="pres">
       <dgm:prSet presAssocID="{3436EACD-6E7D-B148-872B-E7C187CB5172}" presName="Name21" presStyleCnt="0"/>
@@ -2782,13 +2744,6 @@
     <dgm:pt modelId="{83BAD75A-F368-4445-B581-4167182FB09B}" type="pres">
       <dgm:prSet presAssocID="{3436EACD-6E7D-B148-872B-E7C187CB5172}" presName="level2Shape" presStyleLbl="asst1" presStyleIdx="1" presStyleCnt="2"/>
       <dgm:spPr/>
-      <dgm:t>
-        <a:bodyPr/>
-        <a:lstStyle/>
-        <a:p>
-          <a:endParaRPr lang="en-US"/>
-        </a:p>
-      </dgm:t>
     </dgm:pt>
     <dgm:pt modelId="{3E00BD43-30BD-144B-981D-414961462D1A}" type="pres">
       <dgm:prSet presAssocID="{3436EACD-6E7D-B148-872B-E7C187CB5172}" presName="hierChild3" presStyleCnt="0"/>
@@ -2805,13 +2760,6 @@
     <dgm:pt modelId="{3176E86A-1827-0D4B-9465-580EF442C7B6}" type="pres">
       <dgm:prSet presAssocID="{4EF5B90F-E66D-9045-9328-9CAA26398402}" presName="bgRect" presStyleLbl="bgShp" presStyleIdx="0" presStyleCnt="1" custScaleX="99463" custScaleY="99956"/>
       <dgm:spPr/>
-      <dgm:t>
-        <a:bodyPr/>
-        <a:lstStyle/>
-        <a:p>
-          <a:endParaRPr lang="en-US"/>
-        </a:p>
-      </dgm:t>
     </dgm:pt>
     <dgm:pt modelId="{C754E328-6289-604D-9416-520169F5ED05}" type="pres">
       <dgm:prSet presAssocID="{4EF5B90F-E66D-9045-9328-9CAA26398402}" presName="bgRectTx" presStyleLbl="bgShp" presStyleIdx="0" presStyleCnt="1">
@@ -2820,28 +2768,21 @@
         </dgm:presLayoutVars>
       </dgm:prSet>
       <dgm:spPr/>
-      <dgm:t>
-        <a:bodyPr/>
-        <a:lstStyle/>
-        <a:p>
-          <a:endParaRPr lang="en-US"/>
-        </a:p>
-      </dgm:t>
     </dgm:pt>
   </dgm:ptLst>
   <dgm:cxnLst>
+    <dgm:cxn modelId="{E0252704-E36D-0E40-A7CD-A7E0C25DFFC2}" srcId="{BFCE3FFC-2A5A-B94A-B315-321077FA6C2F}" destId="{4EF5B90F-E66D-9045-9328-9CAA26398402}" srcOrd="1" destOrd="0" parTransId="{D801D17D-09CB-3E46-8D9C-D44CF684F89B}" sibTransId="{91D55987-A2F3-864F-8F5B-7EAD2CC40E09}"/>
+    <dgm:cxn modelId="{E9C5720B-6A61-7B4E-9DA8-BE1EA391BD3B}" type="presOf" srcId="{3436EACD-6E7D-B148-872B-E7C187CB5172}" destId="{83BAD75A-F368-4445-B581-4167182FB09B}" srcOrd="0" destOrd="0" presId="urn:microsoft.com/office/officeart/2005/8/layout/hierarchy6"/>
+    <dgm:cxn modelId="{78E80016-BF62-114E-BA7A-B8D99A7046AB}" type="presOf" srcId="{85D4C2C2-5B28-B740-9604-687CBBE39E64}" destId="{B468D280-2B6E-B541-9463-2B326EE1440C}" srcOrd="0" destOrd="0" presId="urn:microsoft.com/office/officeart/2005/8/layout/hierarchy6"/>
+    <dgm:cxn modelId="{D696A424-CE97-6345-9CFC-FFA849F6F529}" type="presOf" srcId="{BFCE3FFC-2A5A-B94A-B315-321077FA6C2F}" destId="{E230A971-600F-2D4C-8DFD-67362DB11070}" srcOrd="0" destOrd="0" presId="urn:microsoft.com/office/officeart/2005/8/layout/hierarchy6"/>
+    <dgm:cxn modelId="{8439FD33-94E4-7F4E-9E0B-E9115C268642}" type="presOf" srcId="{4EF5B90F-E66D-9045-9328-9CAA26398402}" destId="{C754E328-6289-604D-9416-520169F5ED05}" srcOrd="1" destOrd="0" presId="urn:microsoft.com/office/officeart/2005/8/layout/hierarchy6"/>
+    <dgm:cxn modelId="{1708AF9C-37B8-804D-80AD-F3647BDB4F97}" srcId="{BFCE3FFC-2A5A-B94A-B315-321077FA6C2F}" destId="{7D94CC99-D4ED-3844-BB9D-D17C4AC621C8}" srcOrd="0" destOrd="0" parTransId="{CF9FFD62-1D3B-3743-A5D0-DD85018F0CDF}" sibTransId="{8E96BD9F-BD6D-2547-97EF-53082827455D}"/>
+    <dgm:cxn modelId="{C37C01C1-54C0-9F47-8311-047EB220BF1A}" type="presOf" srcId="{F92E669F-FF9B-9D46-96C4-DFBB264A8167}" destId="{F964036A-2DA8-F746-9B9E-C7A93BFCEDD5}" srcOrd="0" destOrd="0" presId="urn:microsoft.com/office/officeart/2005/8/layout/hierarchy6"/>
     <dgm:cxn modelId="{984578C2-D3F1-6F44-8876-DFA7BCDE7251}" type="presOf" srcId="{6FDEFC39-92E6-4544-8DEB-299A9A1A5E04}" destId="{C1B72476-6374-F145-B693-31BC43DDD245}" srcOrd="0" destOrd="0" presId="urn:microsoft.com/office/officeart/2005/8/layout/hierarchy6"/>
-    <dgm:cxn modelId="{E9C5720B-6A61-7B4E-9DA8-BE1EA391BD3B}" type="presOf" srcId="{3436EACD-6E7D-B148-872B-E7C187CB5172}" destId="{83BAD75A-F368-4445-B581-4167182FB09B}" srcOrd="0" destOrd="0" presId="urn:microsoft.com/office/officeart/2005/8/layout/hierarchy6"/>
-    <dgm:cxn modelId="{1708AF9C-37B8-804D-80AD-F3647BDB4F97}" srcId="{BFCE3FFC-2A5A-B94A-B315-321077FA6C2F}" destId="{7D94CC99-D4ED-3844-BB9D-D17C4AC621C8}" srcOrd="0" destOrd="0" parTransId="{CF9FFD62-1D3B-3743-A5D0-DD85018F0CDF}" sibTransId="{8E96BD9F-BD6D-2547-97EF-53082827455D}"/>
     <dgm:cxn modelId="{5E464FEF-DB3C-0B44-9051-F306F87FA02B}" type="presOf" srcId="{4EF5B90F-E66D-9045-9328-9CAA26398402}" destId="{3176E86A-1827-0D4B-9465-580EF442C7B6}" srcOrd="0" destOrd="0" presId="urn:microsoft.com/office/officeart/2005/8/layout/hierarchy6"/>
+    <dgm:cxn modelId="{3B2545F3-2CAD-A84C-8ADB-BE1C196F1F0D}" srcId="{7D94CC99-D4ED-3844-BB9D-D17C4AC621C8}" destId="{3436EACD-6E7D-B148-872B-E7C187CB5172}" srcOrd="1" destOrd="0" parTransId="{85D4C2C2-5B28-B740-9604-687CBBE39E64}" sibTransId="{41D54E00-9A79-974B-8323-73ADFED0D596}"/>
+    <dgm:cxn modelId="{FE9D8EF6-9706-AE4B-B310-B976D09489A5}" srcId="{7D94CC99-D4ED-3844-BB9D-D17C4AC621C8}" destId="{F92E669F-FF9B-9D46-96C4-DFBB264A8167}" srcOrd="0" destOrd="0" parTransId="{6FDEFC39-92E6-4544-8DEB-299A9A1A5E04}" sibTransId="{8E714A7D-F986-F549-96B2-C2DE12428F60}"/>
     <dgm:cxn modelId="{FA8BDAF7-C154-6D4C-AE3C-06BF47342911}" type="presOf" srcId="{7D94CC99-D4ED-3844-BB9D-D17C4AC621C8}" destId="{033BA684-AD15-344B-8D1B-336C3D682DBB}" srcOrd="0" destOrd="0" presId="urn:microsoft.com/office/officeart/2005/8/layout/hierarchy6"/>
-    <dgm:cxn modelId="{78E80016-BF62-114E-BA7A-B8D99A7046AB}" type="presOf" srcId="{85D4C2C2-5B28-B740-9604-687CBBE39E64}" destId="{B468D280-2B6E-B541-9463-2B326EE1440C}" srcOrd="0" destOrd="0" presId="urn:microsoft.com/office/officeart/2005/8/layout/hierarchy6"/>
-    <dgm:cxn modelId="{8439FD33-94E4-7F4E-9E0B-E9115C268642}" type="presOf" srcId="{4EF5B90F-E66D-9045-9328-9CAA26398402}" destId="{C754E328-6289-604D-9416-520169F5ED05}" srcOrd="1" destOrd="0" presId="urn:microsoft.com/office/officeart/2005/8/layout/hierarchy6"/>
-    <dgm:cxn modelId="{D696A424-CE97-6345-9CFC-FFA849F6F529}" type="presOf" srcId="{BFCE3FFC-2A5A-B94A-B315-321077FA6C2F}" destId="{E230A971-600F-2D4C-8DFD-67362DB11070}" srcOrd="0" destOrd="0" presId="urn:microsoft.com/office/officeart/2005/8/layout/hierarchy6"/>
-    <dgm:cxn modelId="{FE9D8EF6-9706-AE4B-B310-B976D09489A5}" srcId="{7D94CC99-D4ED-3844-BB9D-D17C4AC621C8}" destId="{F92E669F-FF9B-9D46-96C4-DFBB264A8167}" srcOrd="0" destOrd="0" parTransId="{6FDEFC39-92E6-4544-8DEB-299A9A1A5E04}" sibTransId="{8E714A7D-F986-F549-96B2-C2DE12428F60}"/>
-    <dgm:cxn modelId="{C37C01C1-54C0-9F47-8311-047EB220BF1A}" type="presOf" srcId="{F92E669F-FF9B-9D46-96C4-DFBB264A8167}" destId="{F964036A-2DA8-F746-9B9E-C7A93BFCEDD5}" srcOrd="0" destOrd="0" presId="urn:microsoft.com/office/officeart/2005/8/layout/hierarchy6"/>
-    <dgm:cxn modelId="{3B2545F3-2CAD-A84C-8ADB-BE1C196F1F0D}" srcId="{7D94CC99-D4ED-3844-BB9D-D17C4AC621C8}" destId="{3436EACD-6E7D-B148-872B-E7C187CB5172}" srcOrd="1" destOrd="0" parTransId="{85D4C2C2-5B28-B740-9604-687CBBE39E64}" sibTransId="{41D54E00-9A79-974B-8323-73ADFED0D596}"/>
-    <dgm:cxn modelId="{E0252704-E36D-0E40-A7CD-A7E0C25DFFC2}" srcId="{BFCE3FFC-2A5A-B94A-B315-321077FA6C2F}" destId="{4EF5B90F-E66D-9045-9328-9CAA26398402}" srcOrd="1" destOrd="0" parTransId="{D801D17D-09CB-3E46-8D9C-D44CF684F89B}" sibTransId="{91D55987-A2F3-864F-8F5B-7EAD2CC40E09}"/>
     <dgm:cxn modelId="{D93BCFF4-0306-4B40-AA0D-106AB2886B02}" type="presParOf" srcId="{E230A971-600F-2D4C-8DFD-67362DB11070}" destId="{55054789-C8E3-EB49-9E88-0BBA2EBB8022}" srcOrd="0" destOrd="0" presId="urn:microsoft.com/office/officeart/2005/8/layout/hierarchy6"/>
     <dgm:cxn modelId="{3D4F3804-A77D-6C49-A2AF-7F5B51582EB2}" type="presParOf" srcId="{55054789-C8E3-EB49-9E88-0BBA2EBB8022}" destId="{638DCB60-5E4B-D045-A8FF-21D0BEA4C06E}" srcOrd="0" destOrd="0" presId="urn:microsoft.com/office/officeart/2005/8/layout/hierarchy6"/>
     <dgm:cxn modelId="{A7E65578-47D4-8F4B-AAF6-D14772095AA0}" type="presParOf" srcId="{55054789-C8E3-EB49-9E88-0BBA2EBB8022}" destId="{F0D78BD3-8F55-C04A-94F7-7CAB08445FF4}" srcOrd="1" destOrd="0" presId="urn:microsoft.com/office/officeart/2005/8/layout/hierarchy6"/>
@@ -2893,10 +2834,9 @@
         <a:lstStyle/>
         <a:p>
           <a:r>
-            <a:rPr lang="en-US" dirty="0" smtClean="0"/>
+            <a:rPr lang="en-US" dirty="0"/>
             <a:t>Chef::Provider</a:t>
           </a:r>
-          <a:endParaRPr lang="en-US" dirty="0"/>
         </a:p>
       </dgm:t>
     </dgm:pt>
@@ -2930,10 +2870,9 @@
         <a:lstStyle/>
         <a:p>
           <a:r>
-            <a:rPr lang="en-US" dirty="0" smtClean="0"/>
+            <a:rPr lang="en-US" dirty="0"/>
             <a:t>Chef::Provider::Package</a:t>
           </a:r>
-          <a:endParaRPr lang="en-US" dirty="0"/>
         </a:p>
       </dgm:t>
     </dgm:pt>
@@ -2967,10 +2906,9 @@
         <a:lstStyle/>
         <a:p>
           <a:r>
-            <a:rPr lang="en-US" dirty="0" smtClean="0"/>
+            <a:rPr lang="en-US" dirty="0"/>
             <a:t>Provider Class</a:t>
           </a:r>
-          <a:endParaRPr lang="en-US" dirty="0"/>
         </a:p>
       </dgm:t>
     </dgm:pt>
@@ -3004,7 +2942,7 @@
         <a:lstStyle/>
         <a:p>
           <a:r>
-            <a:rPr lang="en-US" dirty="0" err="1" smtClean="0"/>
+            <a:rPr lang="en-US" dirty="0" err="1"/>
             <a:t>MyCustomResource</a:t>
           </a:r>
           <a:endParaRPr lang="en-US" dirty="0"/>
@@ -3030,13 +2968,6 @@
         </dgm:presLayoutVars>
       </dgm:prSet>
       <dgm:spPr/>
-      <dgm:t>
-        <a:bodyPr/>
-        <a:lstStyle/>
-        <a:p>
-          <a:endParaRPr lang="en-US"/>
-        </a:p>
-      </dgm:t>
     </dgm:pt>
     <dgm:pt modelId="{A55CB6D8-C4AA-DA46-8579-50729B692120}" type="pres">
       <dgm:prSet presAssocID="{BFCE3FFC-2A5A-B94A-B315-321077FA6C2F}" presName="hierFlow" presStyleCnt="0"/>
@@ -3067,13 +2998,6 @@
         </dgm:presLayoutVars>
       </dgm:prSet>
       <dgm:spPr/>
-      <dgm:t>
-        <a:bodyPr/>
-        <a:lstStyle/>
-        <a:p>
-          <a:endParaRPr lang="en-US"/>
-        </a:p>
-      </dgm:t>
     </dgm:pt>
     <dgm:pt modelId="{85783E51-6404-114A-88C8-2F6F95D761D8}" type="pres">
       <dgm:prSet presAssocID="{7D94CC99-D4ED-3844-BB9D-D17C4AC621C8}" presName="hierChild2" presStyleCnt="0"/>
@@ -3090,13 +3014,6 @@
     <dgm:pt modelId="{D1518E98-7014-1346-9956-93532FAEE1F6}" type="pres">
       <dgm:prSet presAssocID="{2FFF5727-C808-AA44-B424-22D114F80618}" presName="level2Shape" presStyleLbl="asst1" presStyleIdx="0" presStyleCnt="2"/>
       <dgm:spPr/>
-      <dgm:t>
-        <a:bodyPr/>
-        <a:lstStyle/>
-        <a:p>
-          <a:endParaRPr lang="en-US"/>
-        </a:p>
-      </dgm:t>
     </dgm:pt>
     <dgm:pt modelId="{80DA7478-3077-9645-9A33-918B2810F381}" type="pres">
       <dgm:prSet presAssocID="{2FFF5727-C808-AA44-B424-22D114F80618}" presName="hierChild3" presStyleCnt="0"/>
@@ -3105,13 +3022,6 @@
     <dgm:pt modelId="{E0B08550-95F8-B846-B6FA-2811AA8AD3BF}" type="pres">
       <dgm:prSet presAssocID="{85D4C2C2-5B28-B740-9604-687CBBE39E64}" presName="Name19" presStyleLbl="parChTrans1D2" presStyleIdx="1" presStyleCnt="2"/>
       <dgm:spPr/>
-      <dgm:t>
-        <a:bodyPr/>
-        <a:lstStyle/>
-        <a:p>
-          <a:endParaRPr lang="en-US"/>
-        </a:p>
-      </dgm:t>
     </dgm:pt>
     <dgm:pt modelId="{3F36F7F2-021F-F247-B972-601387DAD0AE}" type="pres">
       <dgm:prSet presAssocID="{3436EACD-6E7D-B148-872B-E7C187CB5172}" presName="Name21" presStyleCnt="0"/>
@@ -3120,13 +3030,6 @@
     <dgm:pt modelId="{402812DC-EDB5-CA4B-ABE2-5EF799AB7C71}" type="pres">
       <dgm:prSet presAssocID="{3436EACD-6E7D-B148-872B-E7C187CB5172}" presName="level2Shape" presStyleLbl="asst1" presStyleIdx="1" presStyleCnt="2"/>
       <dgm:spPr/>
-      <dgm:t>
-        <a:bodyPr/>
-        <a:lstStyle/>
-        <a:p>
-          <a:endParaRPr lang="en-US"/>
-        </a:p>
-      </dgm:t>
     </dgm:pt>
     <dgm:pt modelId="{E8939FCF-4C3D-FD4E-B641-59347FA82088}" type="pres">
       <dgm:prSet presAssocID="{3436EACD-6E7D-B148-872B-E7C187CB5172}" presName="hierChild3" presStyleCnt="0"/>
@@ -3143,13 +3046,6 @@
     <dgm:pt modelId="{CCC0B040-7331-E24C-BCF2-6749065DA94E}" type="pres">
       <dgm:prSet presAssocID="{E185FB68-F9F0-7049-B24A-AE5A5533C111}" presName="bgRect" presStyleLbl="bgShp" presStyleIdx="0" presStyleCnt="1" custScaleX="98630" custScaleY="99119"/>
       <dgm:spPr/>
-      <dgm:t>
-        <a:bodyPr/>
-        <a:lstStyle/>
-        <a:p>
-          <a:endParaRPr lang="en-US"/>
-        </a:p>
-      </dgm:t>
     </dgm:pt>
     <dgm:pt modelId="{7115D795-B8AD-D94E-8A72-798C7D5483A5}" type="pres">
       <dgm:prSet presAssocID="{E185FB68-F9F0-7049-B24A-AE5A5533C111}" presName="bgRectTx" presStyleLbl="bgShp" presStyleIdx="0" presStyleCnt="1">
@@ -3158,28 +3054,21 @@
         </dgm:presLayoutVars>
       </dgm:prSet>
       <dgm:spPr/>
-      <dgm:t>
-        <a:bodyPr/>
-        <a:lstStyle/>
-        <a:p>
-          <a:endParaRPr lang="en-US"/>
-        </a:p>
-      </dgm:t>
     </dgm:pt>
   </dgm:ptLst>
   <dgm:cxnLst>
+    <dgm:cxn modelId="{F4DE8C46-0B40-884E-80D6-59AA2904653D}" type="presOf" srcId="{BFCE3FFC-2A5A-B94A-B315-321077FA6C2F}" destId="{98702761-CB5E-3340-A16B-7F22126C918F}" srcOrd="0" destOrd="0" presId="urn:microsoft.com/office/officeart/2005/8/layout/hierarchy6"/>
+    <dgm:cxn modelId="{B006F36C-6982-1241-B4A4-47AF0917CA45}" type="presOf" srcId="{2FFF5727-C808-AA44-B424-22D114F80618}" destId="{D1518E98-7014-1346-9956-93532FAEE1F6}" srcOrd="0" destOrd="0" presId="urn:microsoft.com/office/officeart/2005/8/layout/hierarchy6"/>
+    <dgm:cxn modelId="{19F54271-9CEB-8D40-8DCC-15BA62B81F38}" type="presOf" srcId="{3436EACD-6E7D-B148-872B-E7C187CB5172}" destId="{402812DC-EDB5-CA4B-ABE2-5EF799AB7C71}" srcOrd="0" destOrd="0" presId="urn:microsoft.com/office/officeart/2005/8/layout/hierarchy6"/>
+    <dgm:cxn modelId="{96632554-B1C1-1348-BEC1-6F4DEE507156}" type="presOf" srcId="{7D94CC99-D4ED-3844-BB9D-D17C4AC621C8}" destId="{01A38D8A-860D-2747-B413-E49CE58D40F5}" srcOrd="0" destOrd="0" presId="urn:microsoft.com/office/officeart/2005/8/layout/hierarchy6"/>
     <dgm:cxn modelId="{61491158-B047-E346-A100-A4B63E5DD5B1}" srcId="{BFCE3FFC-2A5A-B94A-B315-321077FA6C2F}" destId="{E185FB68-F9F0-7049-B24A-AE5A5533C111}" srcOrd="1" destOrd="0" parTransId="{996F819F-5AAC-FD48-9978-8D200E71065A}" sibTransId="{4A5EAB6D-77EF-EB48-9D69-B11771F898A6}"/>
-    <dgm:cxn modelId="{B006F36C-6982-1241-B4A4-47AF0917CA45}" type="presOf" srcId="{2FFF5727-C808-AA44-B424-22D114F80618}" destId="{D1518E98-7014-1346-9956-93532FAEE1F6}" srcOrd="0" destOrd="0" presId="urn:microsoft.com/office/officeart/2005/8/layout/hierarchy6"/>
-    <dgm:cxn modelId="{F4DE8C46-0B40-884E-80D6-59AA2904653D}" type="presOf" srcId="{BFCE3FFC-2A5A-B94A-B315-321077FA6C2F}" destId="{98702761-CB5E-3340-A16B-7F22126C918F}" srcOrd="0" destOrd="0" presId="urn:microsoft.com/office/officeart/2005/8/layout/hierarchy6"/>
+    <dgm:cxn modelId="{4A8A2D7D-EE89-4F4B-B89D-36AA4DFA4471}" type="presOf" srcId="{E185FB68-F9F0-7049-B24A-AE5A5533C111}" destId="{7115D795-B8AD-D94E-8A72-798C7D5483A5}" srcOrd="1" destOrd="0" presId="urn:microsoft.com/office/officeart/2005/8/layout/hierarchy6"/>
     <dgm:cxn modelId="{3DDE6A81-B40E-7242-8078-3BFCFC15299D}" type="presOf" srcId="{85D4C2C2-5B28-B740-9604-687CBBE39E64}" destId="{E0B08550-95F8-B846-B6FA-2811AA8AD3BF}" srcOrd="0" destOrd="0" presId="urn:microsoft.com/office/officeart/2005/8/layout/hierarchy6"/>
-    <dgm:cxn modelId="{96632554-B1C1-1348-BEC1-6F4DEE507156}" type="presOf" srcId="{7D94CC99-D4ED-3844-BB9D-D17C4AC621C8}" destId="{01A38D8A-860D-2747-B413-E49CE58D40F5}" srcOrd="0" destOrd="0" presId="urn:microsoft.com/office/officeart/2005/8/layout/hierarchy6"/>
+    <dgm:cxn modelId="{1708AF9C-37B8-804D-80AD-F3647BDB4F97}" srcId="{BFCE3FFC-2A5A-B94A-B315-321077FA6C2F}" destId="{7D94CC99-D4ED-3844-BB9D-D17C4AC621C8}" srcOrd="0" destOrd="0" parTransId="{CF9FFD62-1D3B-3743-A5D0-DD85018F0CDF}" sibTransId="{8E96BD9F-BD6D-2547-97EF-53082827455D}"/>
+    <dgm:cxn modelId="{D87D77A0-7DE6-814D-A4F7-BF9BF7915A7B}" type="presOf" srcId="{E185FB68-F9F0-7049-B24A-AE5A5533C111}" destId="{CCC0B040-7331-E24C-BCF2-6749065DA94E}" srcOrd="0" destOrd="0" presId="urn:microsoft.com/office/officeart/2005/8/layout/hierarchy6"/>
+    <dgm:cxn modelId="{96967DCA-666C-434F-9C4F-6098FFD0059F}" type="presOf" srcId="{672103A9-5FF0-0746-B985-951FFDCEE628}" destId="{036989EB-DEF3-5345-BF6E-EE8865D1688C}" srcOrd="0" destOrd="0" presId="urn:microsoft.com/office/officeart/2005/8/layout/hierarchy6"/>
     <dgm:cxn modelId="{A62CD4E3-6887-DA4B-84A6-4A6A1238D278}" srcId="{7D94CC99-D4ED-3844-BB9D-D17C4AC621C8}" destId="{2FFF5727-C808-AA44-B424-22D114F80618}" srcOrd="0" destOrd="0" parTransId="{672103A9-5FF0-0746-B985-951FFDCEE628}" sibTransId="{926E5AF6-7AF9-8B46-A76C-428409BE033F}"/>
-    <dgm:cxn modelId="{D87D77A0-7DE6-814D-A4F7-BF9BF7915A7B}" type="presOf" srcId="{E185FB68-F9F0-7049-B24A-AE5A5533C111}" destId="{CCC0B040-7331-E24C-BCF2-6749065DA94E}" srcOrd="0" destOrd="0" presId="urn:microsoft.com/office/officeart/2005/8/layout/hierarchy6"/>
-    <dgm:cxn modelId="{19F54271-9CEB-8D40-8DCC-15BA62B81F38}" type="presOf" srcId="{3436EACD-6E7D-B148-872B-E7C187CB5172}" destId="{402812DC-EDB5-CA4B-ABE2-5EF799AB7C71}" srcOrd="0" destOrd="0" presId="urn:microsoft.com/office/officeart/2005/8/layout/hierarchy6"/>
-    <dgm:cxn modelId="{4A8A2D7D-EE89-4F4B-B89D-36AA4DFA4471}" type="presOf" srcId="{E185FB68-F9F0-7049-B24A-AE5A5533C111}" destId="{7115D795-B8AD-D94E-8A72-798C7D5483A5}" srcOrd="1" destOrd="0" presId="urn:microsoft.com/office/officeart/2005/8/layout/hierarchy6"/>
     <dgm:cxn modelId="{3B2545F3-2CAD-A84C-8ADB-BE1C196F1F0D}" srcId="{7D94CC99-D4ED-3844-BB9D-D17C4AC621C8}" destId="{3436EACD-6E7D-B148-872B-E7C187CB5172}" srcOrd="1" destOrd="0" parTransId="{85D4C2C2-5B28-B740-9604-687CBBE39E64}" sibTransId="{41D54E00-9A79-974B-8323-73ADFED0D596}"/>
-    <dgm:cxn modelId="{96967DCA-666C-434F-9C4F-6098FFD0059F}" type="presOf" srcId="{672103A9-5FF0-0746-B985-951FFDCEE628}" destId="{036989EB-DEF3-5345-BF6E-EE8865D1688C}" srcOrd="0" destOrd="0" presId="urn:microsoft.com/office/officeart/2005/8/layout/hierarchy6"/>
-    <dgm:cxn modelId="{1708AF9C-37B8-804D-80AD-F3647BDB4F97}" srcId="{BFCE3FFC-2A5A-B94A-B315-321077FA6C2F}" destId="{7D94CC99-D4ED-3844-BB9D-D17C4AC621C8}" srcOrd="0" destOrd="0" parTransId="{CF9FFD62-1D3B-3743-A5D0-DD85018F0CDF}" sibTransId="{8E96BD9F-BD6D-2547-97EF-53082827455D}"/>
     <dgm:cxn modelId="{14300046-0A6D-124C-AA5B-49ADDB9E5543}" type="presParOf" srcId="{98702761-CB5E-3340-A16B-7F22126C918F}" destId="{A55CB6D8-C4AA-DA46-8579-50729B692120}" srcOrd="0" destOrd="0" presId="urn:microsoft.com/office/officeart/2005/8/layout/hierarchy6"/>
     <dgm:cxn modelId="{E2C74212-234E-554D-A7DE-631EC1707DDA}" type="presParOf" srcId="{A55CB6D8-C4AA-DA46-8579-50729B692120}" destId="{4A696294-EA96-EB4D-9E35-EF4986B4BFD2}" srcOrd="0" destOrd="0" presId="urn:microsoft.com/office/officeart/2005/8/layout/hierarchy6"/>
     <dgm:cxn modelId="{7262A5EB-3478-8A48-A542-FD69FED22C39}" type="presParOf" srcId="{A55CB6D8-C4AA-DA46-8579-50729B692120}" destId="{28803686-477F-D44A-9C1C-605018CE9AD0}" srcOrd="1" destOrd="0" presId="urn:microsoft.com/office/officeart/2005/8/layout/hierarchy6"/>
@@ -3248,7 +3137,7 @@
         <a:lstStyle/>
         <a:p>
           <a:r>
-            <a:rPr lang="en-US" b="1" dirty="0" err="1" smtClean="0">
+            <a:rPr lang="en-US" b="1" dirty="0" err="1">
               <a:latin typeface="Courier New" charset="0"/>
               <a:ea typeface="Courier New" charset="0"/>
               <a:cs typeface="Courier New" charset="0"/>
@@ -3293,18 +3182,13 @@
         <a:lstStyle/>
         <a:p>
           <a:r>
-            <a:rPr lang="en-US" b="1" dirty="0" smtClean="0">
+            <a:rPr lang="en-US" b="1" dirty="0">
               <a:latin typeface="Courier New" charset="0"/>
               <a:ea typeface="Courier New" charset="0"/>
               <a:cs typeface="Courier New" charset="0"/>
             </a:rPr>
             <a:t>libraries/</a:t>
           </a:r>
-          <a:endParaRPr lang="en-US" b="1" dirty="0">
-            <a:latin typeface="Courier New" charset="0"/>
-            <a:ea typeface="Courier New" charset="0"/>
-            <a:cs typeface="Courier New" charset="0"/>
-          </a:endParaRPr>
         </a:p>
       </dgm:t>
     </dgm:pt>
@@ -3338,7 +3222,7 @@
         <a:lstStyle/>
         <a:p>
           <a:r>
-            <a:rPr lang="en-US" b="1" dirty="0" smtClean="0">
+            <a:rPr lang="en-US" b="1" dirty="0">
               <a:latin typeface="Courier New" charset="0"/>
               <a:ea typeface="Courier New" charset="0"/>
               <a:cs typeface="Courier New" charset="0"/>
@@ -3346,7 +3230,7 @@
             <a:t>[</a:t>
           </a:r>
           <a:r>
-            <a:rPr lang="en-US" b="1" dirty="0" err="1" smtClean="0">
+            <a:rPr lang="en-US" b="1" dirty="0" err="1">
               <a:latin typeface="Courier New" charset="0"/>
               <a:ea typeface="Courier New" charset="0"/>
               <a:cs typeface="Courier New" charset="0"/>
@@ -3354,7 +3238,7 @@
             <a:t>my_custom_resource</a:t>
           </a:r>
           <a:r>
-            <a:rPr lang="en-US" b="1" dirty="0" smtClean="0">
+            <a:rPr lang="en-US" b="1" dirty="0">
               <a:latin typeface="Courier New" charset="0"/>
               <a:ea typeface="Courier New" charset="0"/>
               <a:cs typeface="Courier New" charset="0"/>
@@ -3362,7 +3246,7 @@
             <a:t>]_</a:t>
           </a:r>
           <a:r>
-            <a:rPr lang="en-US" b="1" dirty="0" err="1" smtClean="0">
+            <a:rPr lang="en-US" b="1" dirty="0" err="1">
               <a:latin typeface="Courier New" charset="0"/>
               <a:ea typeface="Courier New" charset="0"/>
               <a:cs typeface="Courier New" charset="0"/>
@@ -3407,7 +3291,7 @@
         <a:lstStyle/>
         <a:p>
           <a:r>
-            <a:rPr lang="en-US" b="1" dirty="0" smtClean="0">
+            <a:rPr lang="en-US" b="1" dirty="0">
               <a:latin typeface="Courier New" charset="0"/>
               <a:ea typeface="Courier New" charset="0"/>
               <a:cs typeface="Courier New" charset="0"/>
@@ -3415,7 +3299,7 @@
             <a:t>[</a:t>
           </a:r>
           <a:r>
-            <a:rPr lang="en-US" b="1" dirty="0" err="1" smtClean="0">
+            <a:rPr lang="en-US" b="1" dirty="0" err="1">
               <a:latin typeface="Courier New" charset="0"/>
               <a:ea typeface="Courier New" charset="0"/>
               <a:cs typeface="Courier New" charset="0"/>
@@ -3423,7 +3307,7 @@
             <a:t>my_custom_resource</a:t>
           </a:r>
           <a:r>
-            <a:rPr lang="en-US" b="1" dirty="0" smtClean="0">
+            <a:rPr lang="en-US" b="1" dirty="0">
               <a:latin typeface="Courier New" charset="0"/>
               <a:ea typeface="Courier New" charset="0"/>
               <a:cs typeface="Courier New" charset="0"/>
@@ -3431,7 +3315,7 @@
             <a:t>]_</a:t>
           </a:r>
           <a:r>
-            <a:rPr lang="en-US" b="1" dirty="0" err="1" smtClean="0">
+            <a:rPr lang="en-US" b="1" dirty="0" err="1">
               <a:latin typeface="Courier New" charset="0"/>
               <a:ea typeface="Courier New" charset="0"/>
               <a:cs typeface="Courier New" charset="0"/>
@@ -3479,46 +3363,18 @@
         </dgm:presLayoutVars>
       </dgm:prSet>
       <dgm:spPr/>
-      <dgm:t>
-        <a:bodyPr/>
-        <a:lstStyle/>
-        <a:p>
-          <a:endParaRPr lang="en-US"/>
-        </a:p>
-      </dgm:t>
     </dgm:pt>
     <dgm:pt modelId="{8E6DF72E-768C-D84E-818B-C1B88164469B}" type="pres">
       <dgm:prSet presAssocID="{3D5EFE47-78AE-7042-9893-BC218D180474}" presName="outerBox" presStyleCnt="0"/>
       <dgm:spPr/>
-      <dgm:t>
-        <a:bodyPr/>
-        <a:lstStyle/>
-        <a:p>
-          <a:endParaRPr lang="en-US"/>
-        </a:p>
-      </dgm:t>
     </dgm:pt>
     <dgm:pt modelId="{8A880941-977D-8D43-A10A-80809A0760CB}" type="pres">
       <dgm:prSet presAssocID="{3D5EFE47-78AE-7042-9893-BC218D180474}" presName="outerBoxParent" presStyleLbl="node1" presStyleIdx="0" presStyleCnt="1" custLinFactNeighborY="-2388"/>
       <dgm:spPr/>
-      <dgm:t>
-        <a:bodyPr/>
-        <a:lstStyle/>
-        <a:p>
-          <a:endParaRPr lang="en-US"/>
-        </a:p>
-      </dgm:t>
     </dgm:pt>
     <dgm:pt modelId="{EF1BE89C-B79E-FB4F-8C08-11B0B56FBC7F}" type="pres">
       <dgm:prSet presAssocID="{3D5EFE47-78AE-7042-9893-BC218D180474}" presName="outerBoxChildren" presStyleCnt="0"/>
       <dgm:spPr/>
-      <dgm:t>
-        <a:bodyPr/>
-        <a:lstStyle/>
-        <a:p>
-          <a:endParaRPr lang="en-US"/>
-        </a:p>
-      </dgm:t>
     </dgm:pt>
     <dgm:pt modelId="{786A698B-F9CB-5E4D-B216-D48868D2B235}" type="pres">
       <dgm:prSet presAssocID="{6D1811BA-303C-DF43-A7B8-4D589036259C}" presName="oChild" presStyleLbl="fgAcc1" presStyleIdx="0" presStyleCnt="1">
@@ -3527,24 +3383,17 @@
         </dgm:presLayoutVars>
       </dgm:prSet>
       <dgm:spPr/>
-      <dgm:t>
-        <a:bodyPr/>
-        <a:lstStyle/>
-        <a:p>
-          <a:endParaRPr lang="en-US"/>
-        </a:p>
-      </dgm:t>
     </dgm:pt>
   </dgm:ptLst>
   <dgm:cxnLst>
-    <dgm:cxn modelId="{8F471DB5-2C89-9A43-8BD8-492F94EDCCB3}" type="presOf" srcId="{6D1811BA-303C-DF43-A7B8-4D589036259C}" destId="{786A698B-F9CB-5E4D-B216-D48868D2B235}" srcOrd="0" destOrd="0" presId="urn:microsoft.com/office/officeart/2005/8/layout/target2"/>
-    <dgm:cxn modelId="{4E55DA6A-D140-DD43-B8A4-DBCA19D91255}" type="presOf" srcId="{C4337650-8C6B-CE4E-9546-23C08AEC1E85}" destId="{786A698B-F9CB-5E4D-B216-D48868D2B235}" srcOrd="0" destOrd="2" presId="urn:microsoft.com/office/officeart/2005/8/layout/target2"/>
-    <dgm:cxn modelId="{A33B2B4C-299E-D84D-9894-695AE6262439}" srcId="{3D5EFE47-78AE-7042-9893-BC218D180474}" destId="{879B3F58-CE5B-724D-B140-E8DC7B56172C}" srcOrd="0" destOrd="0" parTransId="{7B27EF20-7696-A24E-880A-8C19187E2C8B}" sibTransId="{7B946E38-ECDA-CF4D-9308-3D1F708910F6}"/>
     <dgm:cxn modelId="{7F42F216-B7C0-A347-BA42-EFDB4730CE43}" srcId="{6D1811BA-303C-DF43-A7B8-4D589036259C}" destId="{A6C4A678-19B0-3C4E-B0CB-693A430E4A19}" srcOrd="0" destOrd="0" parTransId="{B98EE58F-0888-E441-8A36-8C5063AEB8C6}" sibTransId="{058D59A9-0C42-FF4B-B99D-3B5F66E95B3C}"/>
     <dgm:cxn modelId="{5C072A26-70DF-7147-BCAD-E270EF0A19B8}" type="presOf" srcId="{879B3F58-CE5B-724D-B140-E8DC7B56172C}" destId="{8A880941-977D-8D43-A10A-80809A0760CB}" srcOrd="0" destOrd="0" presId="urn:microsoft.com/office/officeart/2005/8/layout/target2"/>
     <dgm:cxn modelId="{61EDB326-1564-4244-A3DF-96D8708C3B9E}" srcId="{6D1811BA-303C-DF43-A7B8-4D589036259C}" destId="{C4337650-8C6B-CE4E-9546-23C08AEC1E85}" srcOrd="1" destOrd="0" parTransId="{A9C970DF-0D62-5343-89F7-32769FC21B2C}" sibTransId="{BEE8361F-BF99-624A-92CD-BDEC3D897E9C}"/>
+    <dgm:cxn modelId="{4E55DA6A-D140-DD43-B8A4-DBCA19D91255}" type="presOf" srcId="{C4337650-8C6B-CE4E-9546-23C08AEC1E85}" destId="{786A698B-F9CB-5E4D-B216-D48868D2B235}" srcOrd="0" destOrd="2" presId="urn:microsoft.com/office/officeart/2005/8/layout/target2"/>
+    <dgm:cxn modelId="{A33B2B4C-299E-D84D-9894-695AE6262439}" srcId="{3D5EFE47-78AE-7042-9893-BC218D180474}" destId="{879B3F58-CE5B-724D-B140-E8DC7B56172C}" srcOrd="0" destOrd="0" parTransId="{7B27EF20-7696-A24E-880A-8C19187E2C8B}" sibTransId="{7B946E38-ECDA-CF4D-9308-3D1F708910F6}"/>
+    <dgm:cxn modelId="{F85BA382-9D23-894A-AE40-13EBD6D3586F}" srcId="{879B3F58-CE5B-724D-B140-E8DC7B56172C}" destId="{6D1811BA-303C-DF43-A7B8-4D589036259C}" srcOrd="0" destOrd="0" parTransId="{7CACE5D6-FBAD-4041-9801-B9433867A768}" sibTransId="{02AA3A28-BD89-0544-801A-3F0414A3CB37}"/>
+    <dgm:cxn modelId="{8F471DB5-2C89-9A43-8BD8-492F94EDCCB3}" type="presOf" srcId="{6D1811BA-303C-DF43-A7B8-4D589036259C}" destId="{786A698B-F9CB-5E4D-B216-D48868D2B235}" srcOrd="0" destOrd="0" presId="urn:microsoft.com/office/officeart/2005/8/layout/target2"/>
     <dgm:cxn modelId="{499A68BF-A7F1-B840-BF69-92E51A37487C}" type="presOf" srcId="{A6C4A678-19B0-3C4E-B0CB-693A430E4A19}" destId="{786A698B-F9CB-5E4D-B216-D48868D2B235}" srcOrd="0" destOrd="1" presId="urn:microsoft.com/office/officeart/2005/8/layout/target2"/>
-    <dgm:cxn modelId="{F85BA382-9D23-894A-AE40-13EBD6D3586F}" srcId="{879B3F58-CE5B-724D-B140-E8DC7B56172C}" destId="{6D1811BA-303C-DF43-A7B8-4D589036259C}" srcOrd="0" destOrd="0" parTransId="{7CACE5D6-FBAD-4041-9801-B9433867A768}" sibTransId="{02AA3A28-BD89-0544-801A-3F0414A3CB37}"/>
     <dgm:cxn modelId="{1BCC5CEF-5688-EA48-A825-CAB2D34FD2D6}" type="presOf" srcId="{3D5EFE47-78AE-7042-9893-BC218D180474}" destId="{0734286F-2847-154B-913B-2B62F44073F1}" srcOrd="0" destOrd="0" presId="urn:microsoft.com/office/officeart/2005/8/layout/target2"/>
     <dgm:cxn modelId="{C21440FE-4B63-2042-9055-1EDC782D57E3}" type="presParOf" srcId="{0734286F-2847-154B-913B-2B62F44073F1}" destId="{8E6DF72E-768C-D84E-818B-C1B88164469B}" srcOrd="0" destOrd="0" presId="urn:microsoft.com/office/officeart/2005/8/layout/target2"/>
     <dgm:cxn modelId="{76CA4B0C-CBE9-6C49-A345-1DDB07E1AE66}" type="presParOf" srcId="{8E6DF72E-768C-D84E-818B-C1B88164469B}" destId="{8A880941-977D-8D43-A10A-80809A0760CB}" srcOrd="0" destOrd="0" presId="urn:microsoft.com/office/officeart/2005/8/layout/target2"/>
@@ -3616,7 +3465,7 @@
         </a:bodyPr>
         <a:lstStyle/>
         <a:p>
-          <a:pPr lvl="0" algn="ctr" defTabSz="1422400">
+          <a:pPr marL="0" lvl="0" indent="0" algn="ctr" defTabSz="1422400">
             <a:lnSpc>
               <a:spcPct val="90000"/>
             </a:lnSpc>
@@ -3626,14 +3475,15 @@
             <a:spcAft>
               <a:spcPct val="35000"/>
             </a:spcAft>
+            <a:buNone/>
           </a:pPr>
           <a:r>
-            <a:rPr lang="en-US" sz="3200" kern="1200" dirty="0" smtClean="0"/>
+            <a:rPr lang="en-US" sz="3200" kern="1200" dirty="0"/>
             <a:t>Resource</a:t>
           </a:r>
         </a:p>
         <a:p>
-          <a:pPr lvl="0" algn="ctr" defTabSz="1422400">
+          <a:pPr marL="0" lvl="0" indent="0" algn="ctr" defTabSz="1422400">
             <a:lnSpc>
               <a:spcPct val="90000"/>
             </a:lnSpc>
@@ -3643,12 +3493,12 @@
             <a:spcAft>
               <a:spcPct val="35000"/>
             </a:spcAft>
+            <a:buNone/>
           </a:pPr>
           <a:r>
-            <a:rPr lang="en-US" sz="3200" kern="1200" dirty="0" smtClean="0"/>
+            <a:rPr lang="en-US" sz="3200" kern="1200" dirty="0"/>
             <a:t>Class</a:t>
           </a:r>
-          <a:endParaRPr lang="en-US" sz="3200" kern="1200" dirty="0"/>
         </a:p>
       </dsp:txBody>
       <dsp:txXfrm>
@@ -3718,7 +3568,7 @@
         </a:bodyPr>
         <a:lstStyle/>
         <a:p>
-          <a:pPr lvl="0" algn="ctr" defTabSz="577850">
+          <a:pPr marL="0" lvl="0" indent="0" algn="ctr" defTabSz="577850">
             <a:lnSpc>
               <a:spcPct val="90000"/>
             </a:lnSpc>
@@ -3728,12 +3578,12 @@
             <a:spcAft>
               <a:spcPct val="35000"/>
             </a:spcAft>
+            <a:buNone/>
           </a:pPr>
           <a:r>
-            <a:rPr lang="en-US" sz="1300" kern="1200" dirty="0" smtClean="0"/>
+            <a:rPr lang="en-US" sz="1300" kern="1200" dirty="0"/>
             <a:t>Chef::Resource</a:t>
           </a:r>
-          <a:endParaRPr lang="en-US" sz="1300" kern="1200" dirty="0"/>
         </a:p>
       </dsp:txBody>
       <dsp:txXfrm>
@@ -3864,7 +3714,7 @@
         </a:bodyPr>
         <a:lstStyle/>
         <a:p>
-          <a:pPr lvl="0" algn="ctr" defTabSz="577850">
+          <a:pPr marL="0" lvl="0" indent="0" algn="ctr" defTabSz="577850">
             <a:lnSpc>
               <a:spcPct val="90000"/>
             </a:lnSpc>
@@ -3874,9 +3724,10 @@
             <a:spcAft>
               <a:spcPct val="35000"/>
             </a:spcAft>
+            <a:buNone/>
           </a:pPr>
           <a:r>
-            <a:rPr lang="en-US" sz="1300" kern="1200" dirty="0" err="1" smtClean="0"/>
+            <a:rPr lang="en-US" sz="1300" kern="1200" dirty="0" err="1"/>
             <a:t>MyCustomResource</a:t>
           </a:r>
           <a:endParaRPr lang="en-US" sz="1300" kern="1200" dirty="0"/>
@@ -4010,7 +3861,7 @@
         </a:bodyPr>
         <a:lstStyle/>
         <a:p>
-          <a:pPr lvl="0" algn="ctr" defTabSz="577850">
+          <a:pPr marL="0" lvl="0" indent="0" algn="ctr" defTabSz="577850">
             <a:lnSpc>
               <a:spcPct val="90000"/>
             </a:lnSpc>
@@ -4020,12 +3871,12 @@
             <a:spcAft>
               <a:spcPct val="35000"/>
             </a:spcAft>
+            <a:buNone/>
           </a:pPr>
           <a:r>
-            <a:rPr lang="en-US" sz="1300" kern="1200" dirty="0" smtClean="0"/>
+            <a:rPr lang="en-US" sz="1300" kern="1200" dirty="0"/>
             <a:t>Chef::Resource::Package</a:t>
           </a:r>
-          <a:endParaRPr lang="en-US" sz="1300" kern="1200" dirty="0"/>
         </a:p>
       </dsp:txBody>
       <dsp:txXfrm>
@@ -4092,7 +3943,7 @@
         </a:bodyPr>
         <a:lstStyle/>
         <a:p>
-          <a:pPr lvl="0" algn="ctr" defTabSz="1555750">
+          <a:pPr marL="0" lvl="0" indent="0" algn="ctr" defTabSz="1555750">
             <a:lnSpc>
               <a:spcPct val="90000"/>
             </a:lnSpc>
@@ -4102,12 +3953,12 @@
             <a:spcAft>
               <a:spcPct val="35000"/>
             </a:spcAft>
+            <a:buNone/>
           </a:pPr>
           <a:r>
-            <a:rPr lang="en-US" sz="3500" kern="1200" dirty="0" smtClean="0"/>
+            <a:rPr lang="en-US" sz="3500" kern="1200" dirty="0"/>
             <a:t>Provider Class</a:t>
           </a:r>
-          <a:endParaRPr lang="en-US" sz="3500" kern="1200" dirty="0"/>
         </a:p>
       </dsp:txBody>
       <dsp:txXfrm>
@@ -4177,7 +4028,7 @@
         </a:bodyPr>
         <a:lstStyle/>
         <a:p>
-          <a:pPr lvl="0" algn="ctr" defTabSz="622300">
+          <a:pPr marL="0" lvl="0" indent="0" algn="ctr" defTabSz="622300">
             <a:lnSpc>
               <a:spcPct val="90000"/>
             </a:lnSpc>
@@ -4187,12 +4038,12 @@
             <a:spcAft>
               <a:spcPct val="35000"/>
             </a:spcAft>
+            <a:buNone/>
           </a:pPr>
           <a:r>
-            <a:rPr lang="en-US" sz="1400" kern="1200" dirty="0" smtClean="0"/>
+            <a:rPr lang="en-US" sz="1400" kern="1200" dirty="0"/>
             <a:t>Chef::Provider</a:t>
           </a:r>
-          <a:endParaRPr lang="en-US" sz="1400" kern="1200" dirty="0"/>
         </a:p>
       </dsp:txBody>
       <dsp:txXfrm>
@@ -4323,7 +4174,7 @@
         </a:bodyPr>
         <a:lstStyle/>
         <a:p>
-          <a:pPr lvl="0" algn="ctr" defTabSz="622300">
+          <a:pPr marL="0" lvl="0" indent="0" algn="ctr" defTabSz="622300">
             <a:lnSpc>
               <a:spcPct val="90000"/>
             </a:lnSpc>
@@ -4333,9 +4184,10 @@
             <a:spcAft>
               <a:spcPct val="35000"/>
             </a:spcAft>
+            <a:buNone/>
           </a:pPr>
           <a:r>
-            <a:rPr lang="en-US" sz="1400" kern="1200" dirty="0" err="1" smtClean="0"/>
+            <a:rPr lang="en-US" sz="1400" kern="1200" dirty="0" err="1"/>
             <a:t>MyCustomResource</a:t>
           </a:r>
           <a:endParaRPr lang="en-US" sz="1400" kern="1200" dirty="0"/>
@@ -4469,7 +4321,7 @@
         </a:bodyPr>
         <a:lstStyle/>
         <a:p>
-          <a:pPr lvl="0" algn="ctr" defTabSz="622300">
+          <a:pPr marL="0" lvl="0" indent="0" algn="ctr" defTabSz="622300">
             <a:lnSpc>
               <a:spcPct val="90000"/>
             </a:lnSpc>
@@ -4479,12 +4331,12 @@
             <a:spcAft>
               <a:spcPct val="35000"/>
             </a:spcAft>
+            <a:buNone/>
           </a:pPr>
           <a:r>
-            <a:rPr lang="en-US" sz="1400" kern="1200" dirty="0" smtClean="0"/>
+            <a:rPr lang="en-US" sz="1400" kern="1200" dirty="0"/>
             <a:t>Chef::Provider::Package</a:t>
           </a:r>
-          <a:endParaRPr lang="en-US" sz="1400" kern="1200" dirty="0"/>
         </a:p>
       </dsp:txBody>
       <dsp:txXfrm>
@@ -4554,7 +4406,7 @@
         </a:bodyPr>
         <a:lstStyle/>
         <a:p>
-          <a:pPr lvl="0" algn="l" defTabSz="2444750">
+          <a:pPr marL="0" lvl="0" indent="0" algn="l" defTabSz="2444750">
             <a:lnSpc>
               <a:spcPct val="90000"/>
             </a:lnSpc>
@@ -4564,9 +4416,10 @@
             <a:spcAft>
               <a:spcPct val="35000"/>
             </a:spcAft>
+            <a:buNone/>
           </a:pPr>
           <a:r>
-            <a:rPr lang="en-US" sz="5500" b="1" kern="1200" dirty="0" err="1" smtClean="0">
+            <a:rPr lang="en-US" sz="5500" b="1" kern="1200" dirty="0" err="1">
               <a:latin typeface="Courier New" charset="0"/>
               <a:ea typeface="Courier New" charset="0"/>
               <a:cs typeface="Courier New" charset="0"/>
@@ -4646,7 +4499,7 @@
         </a:bodyPr>
         <a:lstStyle/>
         <a:p>
-          <a:pPr lvl="0" algn="l" defTabSz="1066800">
+          <a:pPr marL="0" lvl="0" indent="0" algn="l" defTabSz="1066800">
             <a:lnSpc>
               <a:spcPct val="90000"/>
             </a:lnSpc>
@@ -4656,20 +4509,16 @@
             <a:spcAft>
               <a:spcPct val="35000"/>
             </a:spcAft>
+            <a:buNone/>
           </a:pPr>
           <a:r>
-            <a:rPr lang="en-US" sz="2400" b="1" kern="1200" dirty="0" smtClean="0">
+            <a:rPr lang="en-US" sz="2400" b="1" kern="1200" dirty="0">
               <a:latin typeface="Courier New" charset="0"/>
               <a:ea typeface="Courier New" charset="0"/>
               <a:cs typeface="Courier New" charset="0"/>
             </a:rPr>
             <a:t>libraries/</a:t>
           </a:r>
-          <a:endParaRPr lang="en-US" sz="2400" b="1" kern="1200" dirty="0">
-            <a:latin typeface="Courier New" charset="0"/>
-            <a:ea typeface="Courier New" charset="0"/>
-            <a:cs typeface="Courier New" charset="0"/>
-          </a:endParaRPr>
         </a:p>
         <a:p>
           <a:pPr marL="171450" lvl="1" indent="-171450" algn="l" defTabSz="844550">
@@ -4685,7 +4534,7 @@
             <a:buChar char="•"/>
           </a:pPr>
           <a:r>
-            <a:rPr lang="en-US" sz="1900" b="1" kern="1200" dirty="0" smtClean="0">
+            <a:rPr lang="en-US" sz="1900" b="1" kern="1200" dirty="0">
               <a:latin typeface="Courier New" charset="0"/>
               <a:ea typeface="Courier New" charset="0"/>
               <a:cs typeface="Courier New" charset="0"/>
@@ -4693,7 +4542,7 @@
             <a:t>[</a:t>
           </a:r>
           <a:r>
-            <a:rPr lang="en-US" sz="1900" b="1" kern="1200" dirty="0" err="1" smtClean="0">
+            <a:rPr lang="en-US" sz="1900" b="1" kern="1200" dirty="0" err="1">
               <a:latin typeface="Courier New" charset="0"/>
               <a:ea typeface="Courier New" charset="0"/>
               <a:cs typeface="Courier New" charset="0"/>
@@ -4701,7 +4550,7 @@
             <a:t>my_custom_resource</a:t>
           </a:r>
           <a:r>
-            <a:rPr lang="en-US" sz="1900" b="1" kern="1200" dirty="0" smtClean="0">
+            <a:rPr lang="en-US" sz="1900" b="1" kern="1200" dirty="0">
               <a:latin typeface="Courier New" charset="0"/>
               <a:ea typeface="Courier New" charset="0"/>
               <a:cs typeface="Courier New" charset="0"/>
@@ -4709,7 +4558,7 @@
             <a:t>]_</a:t>
           </a:r>
           <a:r>
-            <a:rPr lang="en-US" sz="1900" b="1" kern="1200" dirty="0" err="1" smtClean="0">
+            <a:rPr lang="en-US" sz="1900" b="1" kern="1200" dirty="0" err="1">
               <a:latin typeface="Courier New" charset="0"/>
               <a:ea typeface="Courier New" charset="0"/>
               <a:cs typeface="Courier New" charset="0"/>
@@ -4736,7 +4585,7 @@
             <a:buChar char="•"/>
           </a:pPr>
           <a:r>
-            <a:rPr lang="en-US" sz="1900" b="1" kern="1200" dirty="0" smtClean="0">
+            <a:rPr lang="en-US" sz="1900" b="1" kern="1200" dirty="0">
               <a:latin typeface="Courier New" charset="0"/>
               <a:ea typeface="Courier New" charset="0"/>
               <a:cs typeface="Courier New" charset="0"/>
@@ -4744,7 +4593,7 @@
             <a:t>[</a:t>
           </a:r>
           <a:r>
-            <a:rPr lang="en-US" sz="1900" b="1" kern="1200" dirty="0" err="1" smtClean="0">
+            <a:rPr lang="en-US" sz="1900" b="1" kern="1200" dirty="0" err="1">
               <a:latin typeface="Courier New" charset="0"/>
               <a:ea typeface="Courier New" charset="0"/>
               <a:cs typeface="Courier New" charset="0"/>
@@ -4752,7 +4601,7 @@
             <a:t>my_custom_resource</a:t>
           </a:r>
           <a:r>
-            <a:rPr lang="en-US" sz="1900" b="1" kern="1200" dirty="0" smtClean="0">
+            <a:rPr lang="en-US" sz="1900" b="1" kern="1200" dirty="0">
               <a:latin typeface="Courier New" charset="0"/>
               <a:ea typeface="Courier New" charset="0"/>
               <a:cs typeface="Courier New" charset="0"/>
@@ -4760,7 +4609,7 @@
             <a:t>]_</a:t>
           </a:r>
           <a:r>
-            <a:rPr lang="en-US" sz="1900" b="1" kern="1200" dirty="0" err="1" smtClean="0">
+            <a:rPr lang="en-US" sz="1900" b="1" kern="1200" dirty="0" err="1">
               <a:latin typeface="Courier New" charset="0"/>
               <a:ea typeface="Courier New" charset="0"/>
               <a:cs typeface="Courier New" charset="0"/>
@@ -9752,10 +9601,9 @@
               <a:defRPr/>
             </a:pPr>
             <a:r>
-              <a:rPr lang="en-US" smtClean="0"/>
+              <a:rPr lang="en-US"/>
               <a:t>Chef Intermediate</a:t>
             </a:r>
-            <a:endParaRPr lang="en-US"/>
           </a:p>
         </p:txBody>
       </p:sp>
@@ -9800,7 +9648,7 @@
               <a:defRPr/>
             </a:pPr>
             <a:r>
-              <a:rPr lang="en-US" smtClean="0"/>
+              <a:rPr lang="en-US"/>
               <a:t>Chef Software, Inc.</a:t>
             </a:r>
             <a:endParaRPr lang="en-US" dirty="0"/>
@@ -9980,7 +9828,7 @@
               <a:defRPr/>
             </a:pPr>
             <a:r>
-              <a:rPr lang="en-US" smtClean="0"/>
+              <a:rPr lang="en-US"/>
               <a:t>Chef Software, Inc.</a:t>
             </a:r>
             <a:endParaRPr lang="en-US" dirty="0"/>
@@ -10048,38 +9896,37 @@
           <a:p>
             <a:pPr lvl="0"/>
             <a:r>
-              <a:rPr lang="en-US" noProof="0" dirty="0" smtClean="0"/>
+              <a:rPr lang="en-US" noProof="0" dirty="0"/>
               <a:t>Click to edit Master text styles</a:t>
             </a:r>
           </a:p>
           <a:p>
             <a:pPr lvl="1"/>
             <a:r>
-              <a:rPr lang="en-US" noProof="0" dirty="0" smtClean="0"/>
+              <a:rPr lang="en-US" noProof="0" dirty="0"/>
               <a:t>Second level</a:t>
             </a:r>
           </a:p>
           <a:p>
             <a:pPr lvl="2"/>
             <a:r>
-              <a:rPr lang="en-US" noProof="0" dirty="0" smtClean="0"/>
+              <a:rPr lang="en-US" noProof="0" dirty="0"/>
               <a:t>Third level</a:t>
             </a:r>
           </a:p>
           <a:p>
             <a:pPr lvl="3"/>
             <a:r>
-              <a:rPr lang="en-US" noProof="0" dirty="0" smtClean="0"/>
+              <a:rPr lang="en-US" noProof="0" dirty="0"/>
               <a:t>Fourth level</a:t>
             </a:r>
           </a:p>
           <a:p>
             <a:pPr lvl="4"/>
             <a:r>
-              <a:rPr lang="en-US" noProof="0" dirty="0" smtClean="0"/>
+              <a:rPr lang="en-US" noProof="0" dirty="0"/>
               <a:t>Fifth level</a:t>
             </a:r>
-            <a:endParaRPr lang="en-US" noProof="0" dirty="0"/>
           </a:p>
         </p:txBody>
       </p:sp>
@@ -10124,7 +9971,7 @@
               <a:defRPr/>
             </a:pPr>
             <a:r>
-              <a:rPr lang="en-US" smtClean="0"/>
+              <a:rPr lang="en-US"/>
               <a:t>Chef Intermediate</a:t>
             </a:r>
             <a:endParaRPr lang="en-US" dirty="0"/>
@@ -10333,28 +10180,27 @@
           <a:lstStyle/>
           <a:p>
             <a:r>
-              <a:rPr lang="en-US" dirty="0" smtClean="0"/>
+              <a:rPr lang="en-US" dirty="0"/>
               <a:t>You express the state of your infrastructure with resources, defined in recipes, encapsulated in cookbooks. Chef provides a core set of resources (dependent on your version of Chef and your platform). These core resources allow you to express the desired state of your infrastructure in a majority of situations. They can also be combined together to express the desired state where these individual resources fall short.</a:t>
             </a:r>
           </a:p>
           <a:p>
-            <a:endParaRPr lang="en-US" dirty="0" smtClean="0"/>
-          </a:p>
-          <a:p>
-            <a:r>
-              <a:rPr lang="en-US" dirty="0" smtClean="0"/>
+            <a:endParaRPr lang="en-US" dirty="0"/>
+          </a:p>
+          <a:p>
+            <a:r>
+              <a:rPr lang="en-US" dirty="0"/>
               <a:t>Early on when working with Chef these core resources and their ability to be combined will handle a majority of the configuration management issues that you face. After awhile you will come across more specific resource needs that have not yet been created or perhaps help describe a common set of resources you continue to use together.</a:t>
             </a:r>
           </a:p>
           <a:p>
-            <a:endParaRPr lang="en-US" dirty="0" smtClean="0"/>
-          </a:p>
-          <a:p>
-            <a:r>
-              <a:rPr lang="en-US" dirty="0" smtClean="0"/>
+            <a:endParaRPr lang="en-US" dirty="0"/>
+          </a:p>
+          <a:p>
+            <a:r>
+              <a:rPr lang="en-US" dirty="0"/>
               <a:t>When a necessary resource does not exist or when you want to express a group of resources a single resource, Chef provides a few ways to accomplish this.</a:t>
             </a:r>
-            <a:endParaRPr lang="en-US" dirty="0"/>
           </a:p>
         </p:txBody>
       </p:sp>
@@ -10377,10 +10223,9 @@
               <a:defRPr/>
             </a:pPr>
             <a:r>
-              <a:rPr lang="en-US" smtClean="0"/>
+              <a:rPr lang="en-US"/>
               <a:t>Chef Intermediate</a:t>
             </a:r>
-            <a:endParaRPr lang="en-US"/>
           </a:p>
         </p:txBody>
       </p:sp>
@@ -10403,7 +10248,7 @@
               <a:defRPr/>
             </a:pPr>
             <a:r>
-              <a:rPr lang="en-US" smtClean="0"/>
+              <a:rPr lang="en-US"/>
               <a:t>Chef Software, Inc.</a:t>
             </a:r>
             <a:endParaRPr lang="en-US" dirty="0"/>
@@ -10485,7 +10330,7 @@
               <a:defRPr/>
             </a:pPr>
             <a:r>
-              <a:rPr lang="en-US" baseline="0" dirty="0" smtClean="0"/>
+              <a:rPr lang="en-US" baseline="0" dirty="0"/>
               <a:t>HWRP are incredibly useful when you need the full power of Ruby to implement your own resource. However, they come at the cost of understanding a number of Object-Oriented Programming techniques and the Ruby language. When exploring community cookbooks you may find examples of these resources in use.</a:t>
             </a:r>
           </a:p>
@@ -10510,10 +10355,9 @@
               <a:defRPr/>
             </a:pPr>
             <a:r>
-              <a:rPr lang="en-US" smtClean="0"/>
+              <a:rPr lang="en-US"/>
               <a:t>Chef Intermediate</a:t>
             </a:r>
-            <a:endParaRPr lang="en-US"/>
           </a:p>
         </p:txBody>
       </p:sp>
@@ -10536,7 +10380,7 @@
               <a:defRPr/>
             </a:pPr>
             <a:r>
-              <a:rPr lang="en-US" smtClean="0"/>
+              <a:rPr lang="en-US"/>
               <a:t>Chef Software, Inc.</a:t>
             </a:r>
             <a:endParaRPr lang="en-US" dirty="0"/>
@@ -10618,7 +10462,7 @@
               <a:defRPr/>
             </a:pPr>
             <a:r>
-              <a:rPr lang="en-US" baseline="0" dirty="0" smtClean="0"/>
+              <a:rPr lang="en-US" baseline="0" dirty="0"/>
               <a:t>Definitions behaves like a compile time macro that is reusable across recipes. Macros all you to write a small amount of code that expands out into the contents of the definition wherever it is found within the recipes. With a definition you give it a name, provide parameters, and specify a block of code.</a:t>
             </a:r>
           </a:p>
@@ -10643,10 +10487,9 @@
               <a:defRPr/>
             </a:pPr>
             <a:r>
-              <a:rPr lang="en-US" smtClean="0"/>
+              <a:rPr lang="en-US"/>
               <a:t>Chef Intermediate</a:t>
             </a:r>
-            <a:endParaRPr lang="en-US"/>
           </a:p>
         </p:txBody>
       </p:sp>
@@ -10669,7 +10512,7 @@
               <a:defRPr/>
             </a:pPr>
             <a:r>
-              <a:rPr lang="en-US" smtClean="0"/>
+              <a:rPr lang="en-US"/>
               <a:t>Chef Software, Inc.</a:t>
             </a:r>
             <a:endParaRPr lang="en-US" dirty="0"/>
@@ -10751,7 +10594,7 @@
               <a:defRPr/>
             </a:pPr>
             <a:r>
-              <a:rPr lang="en-US" baseline="0" dirty="0" smtClean="0"/>
+              <a:rPr lang="en-US" baseline="0" dirty="0"/>
               <a:t>The code that defines the definition is stored within a definitions directory in a Ruby file that is processed with the definition Domain Specific Language.</a:t>
             </a:r>
           </a:p>
@@ -10776,10 +10619,9 @@
               <a:defRPr/>
             </a:pPr>
             <a:r>
-              <a:rPr lang="en-US" smtClean="0"/>
+              <a:rPr lang="en-US"/>
               <a:t>Chef Intermediate</a:t>
             </a:r>
-            <a:endParaRPr lang="en-US"/>
           </a:p>
         </p:txBody>
       </p:sp>
@@ -10802,7 +10644,7 @@
               <a:defRPr/>
             </a:pPr>
             <a:r>
-              <a:rPr lang="en-US" smtClean="0"/>
+              <a:rPr lang="en-US"/>
               <a:t>Chef Software, Inc.</a:t>
             </a:r>
             <a:endParaRPr lang="en-US" dirty="0"/>
@@ -10884,31 +10726,31 @@
               <a:defRPr/>
             </a:pPr>
             <a:r>
-              <a:rPr lang="en-US" baseline="0" dirty="0" smtClean="0"/>
+              <a:rPr lang="en-US" baseline="0" dirty="0"/>
               <a:t>When creating a definition you specify a name and a hash of any parameters you wish to provide. Within the definition the parameters are retrievable from a hash named </a:t>
             </a:r>
             <a:r>
-              <a:rPr lang="en-US" baseline="0" dirty="0" err="1" smtClean="0"/>
+              <a:rPr lang="en-US" baseline="0" dirty="0" err="1"/>
               <a:t>params</a:t>
             </a:r>
             <a:r>
-              <a:rPr lang="en-US" baseline="0" dirty="0" smtClean="0"/>
+              <a:rPr lang="en-US" baseline="0" dirty="0"/>
               <a:t>. The use of the definition within a recipe looks similar to a resource but that is not the case. Definitions cannot notify other resources, subscribe to notifications from other resources, (i.e. `notifies` and `subscribes`) and cannot employ guards (i.e. `</a:t>
             </a:r>
             <a:r>
-              <a:rPr lang="en-US" baseline="0" dirty="0" err="1" smtClean="0"/>
+              <a:rPr lang="en-US" baseline="0" dirty="0" err="1"/>
               <a:t>only_if</a:t>
             </a:r>
             <a:r>
-              <a:rPr lang="en-US" baseline="0" dirty="0" smtClean="0"/>
+              <a:rPr lang="en-US" baseline="0" dirty="0"/>
               <a:t>` and `</a:t>
             </a:r>
             <a:r>
-              <a:rPr lang="en-US" baseline="0" dirty="0" err="1" smtClean="0"/>
+              <a:rPr lang="en-US" baseline="0" dirty="0" err="1"/>
               <a:t>not_if</a:t>
             </a:r>
             <a:r>
-              <a:rPr lang="en-US" baseline="0" dirty="0" smtClean="0"/>
+              <a:rPr lang="en-US" baseline="0" dirty="0"/>
               <a:t>`).</a:t>
             </a:r>
           </a:p>
@@ -10933,10 +10775,9 @@
               <a:defRPr/>
             </a:pPr>
             <a:r>
-              <a:rPr lang="en-US" smtClean="0"/>
+              <a:rPr lang="en-US"/>
               <a:t>Chef Intermediate</a:t>
             </a:r>
-            <a:endParaRPr lang="en-US"/>
           </a:p>
         </p:txBody>
       </p:sp>
@@ -10959,7 +10800,7 @@
               <a:defRPr/>
             </a:pPr>
             <a:r>
-              <a:rPr lang="en-US" smtClean="0"/>
+              <a:rPr lang="en-US"/>
               <a:t>Chef Software, Inc.</a:t>
             </a:r>
             <a:endParaRPr lang="en-US" dirty="0"/>
@@ -11041,7 +10882,7 @@
               <a:defRPr/>
             </a:pPr>
             <a:r>
-              <a:rPr lang="en-US" baseline="0" dirty="0" smtClean="0"/>
+              <a:rPr lang="en-US" baseline="0" dirty="0"/>
               <a:t>Definitions shipped in some of the earliest versions of Chef and are still supported today. However, as of Chef 12.5 it is strongly recommended that you choose a solution built with custom resources.</a:t>
             </a:r>
           </a:p>
@@ -11066,10 +10907,9 @@
               <a:defRPr/>
             </a:pPr>
             <a:r>
-              <a:rPr lang="en-US" smtClean="0"/>
+              <a:rPr lang="en-US"/>
               <a:t>Chef Intermediate</a:t>
             </a:r>
-            <a:endParaRPr lang="en-US"/>
           </a:p>
         </p:txBody>
       </p:sp>
@@ -11092,7 +10932,7 @@
               <a:defRPr/>
             </a:pPr>
             <a:r>
-              <a:rPr lang="en-US" smtClean="0"/>
+              <a:rPr lang="en-US"/>
               <a:t>Chef Software, Inc.</a:t>
             </a:r>
             <a:endParaRPr lang="en-US" dirty="0"/>
@@ -11174,7 +11014,7 @@
               <a:defRPr/>
             </a:pPr>
             <a:r>
-              <a:rPr lang="en-US" baseline="0" dirty="0" smtClean="0"/>
+              <a:rPr lang="en-US" baseline="0" dirty="0"/>
               <a:t>Light-Weight Resource-Provider, or LWRP, are Chef resources defined in two Domain Specific Languages (DSL) that allow you to create resources without having to understand the complexity presented by HWRP.</a:t>
             </a:r>
           </a:p>
@@ -11196,7 +11036,7 @@
               <a:tabLst/>
               <a:defRPr/>
             </a:pPr>
-            <a:endParaRPr lang="en-US" baseline="0" dirty="0" smtClean="0"/>
+            <a:endParaRPr lang="en-US" baseline="0" dirty="0"/>
           </a:p>
           <a:p>
             <a:pPr marL="0" marR="0" indent="0" algn="l" defTabSz="1217613" rtl="0" eaLnBrk="1" fontAlgn="base" latinLnBrk="0" hangingPunct="1">
@@ -11217,7 +11057,7 @@
               <a:defRPr/>
             </a:pPr>
             <a:r>
-              <a:rPr lang="en-US" baseline="0" dirty="0" smtClean="0"/>
+              <a:rPr lang="en-US" baseline="0" dirty="0"/>
               <a:t>An LWRP is as much a resource as the core resources defined in Chef. The resource and the provider is parsed and converted into Ruby objects.</a:t>
             </a:r>
           </a:p>
@@ -11242,10 +11082,9 @@
               <a:defRPr/>
             </a:pPr>
             <a:r>
-              <a:rPr lang="en-US" smtClean="0"/>
+              <a:rPr lang="en-US"/>
               <a:t>Chef Intermediate</a:t>
             </a:r>
-            <a:endParaRPr lang="en-US"/>
           </a:p>
         </p:txBody>
       </p:sp>
@@ -11268,7 +11107,7 @@
               <a:defRPr/>
             </a:pPr>
             <a:r>
-              <a:rPr lang="en-US" smtClean="0"/>
+              <a:rPr lang="en-US"/>
               <a:t>Chef Software, Inc.</a:t>
             </a:r>
             <a:endParaRPr lang="en-US" dirty="0"/>
@@ -11350,7 +11189,7 @@
               <a:defRPr/>
             </a:pPr>
             <a:r>
-              <a:rPr lang="en-US" baseline="0" dirty="0" smtClean="0"/>
+              <a:rPr lang="en-US" baseline="0" dirty="0"/>
               <a:t> A single LWRP definition is defined in two separate files. The file is named exactly the same but one file resides in the 'resources' directory; the other in the 'providers' directory. Both of these files are parsed after the cookbook is synchronized and loaded. Each file's DSL is then converted into Ruby class at runtime.</a:t>
             </a:r>
           </a:p>
@@ -11372,7 +11211,7 @@
               <a:tabLst/>
               <a:defRPr/>
             </a:pPr>
-            <a:endParaRPr lang="en-US" baseline="0" dirty="0" smtClean="0"/>
+            <a:endParaRPr lang="en-US" baseline="0" dirty="0"/>
           </a:p>
           <a:p>
             <a:pPr marL="0" marR="0" indent="0" algn="l" defTabSz="1217613" rtl="0" eaLnBrk="1" fontAlgn="base" latinLnBrk="0" hangingPunct="1">
@@ -11393,7 +11232,7 @@
               <a:defRPr/>
             </a:pPr>
             <a:r>
-              <a:rPr lang="en-US" baseline="0" dirty="0" smtClean="0"/>
+              <a:rPr lang="en-US" baseline="0" dirty="0"/>
               <a:t>Within the file in the 'resources' directory you define the interface for the custom resource. There, within a resource DSL, you can specify a name of the resource, the list of available actions, the default action, and the properties that may be set for the resource. Within the file in the 'providers' directory you define the implementation for the custom resource. There, within a provider DSL, you specify what happens when an action is chosen.</a:t>
             </a:r>
           </a:p>
@@ -11418,10 +11257,9 @@
               <a:defRPr/>
             </a:pPr>
             <a:r>
-              <a:rPr lang="en-US" smtClean="0"/>
+              <a:rPr lang="en-US"/>
               <a:t>Chef Intermediate</a:t>
             </a:r>
-            <a:endParaRPr lang="en-US"/>
           </a:p>
         </p:txBody>
       </p:sp>
@@ -11444,7 +11282,7 @@
               <a:defRPr/>
             </a:pPr>
             <a:r>
-              <a:rPr lang="en-US" smtClean="0"/>
+              <a:rPr lang="en-US"/>
               <a:t>Chef Software, Inc.</a:t>
             </a:r>
             <a:endParaRPr lang="en-US" dirty="0"/>
@@ -11526,7 +11364,7 @@
               <a:defRPr/>
             </a:pPr>
             <a:r>
-              <a:rPr lang="en-US" baseline="0" dirty="0" smtClean="0"/>
+              <a:rPr lang="en-US" baseline="0" dirty="0"/>
               <a:t>Within the resources file you specify the available actions, the default action, and the supported attributes that can be used when specifying the resource.</a:t>
             </a:r>
           </a:p>
@@ -11551,10 +11389,9 @@
               <a:defRPr/>
             </a:pPr>
             <a:r>
-              <a:rPr lang="en-US" smtClean="0"/>
+              <a:rPr lang="en-US"/>
               <a:t>Chef Intermediate</a:t>
             </a:r>
-            <a:endParaRPr lang="en-US"/>
           </a:p>
         </p:txBody>
       </p:sp>
@@ -11577,7 +11414,7 @@
               <a:defRPr/>
             </a:pPr>
             <a:r>
-              <a:rPr lang="en-US" smtClean="0"/>
+              <a:rPr lang="en-US"/>
               <a:t>Chef Software, Inc.</a:t>
             </a:r>
             <a:endParaRPr lang="en-US" dirty="0"/>
@@ -11659,15 +11496,15 @@
               <a:defRPr/>
             </a:pPr>
             <a:r>
-              <a:rPr lang="en-US" baseline="0" dirty="0" smtClean="0"/>
+              <a:rPr lang="en-US" baseline="0" dirty="0"/>
               <a:t>Within the provider definition you specify action blocks for each of the actions defined in the resource file. Within the action you specify resources as if you are defining a small recipe. The attributes defined for the resource are available within the action through a local variable or method named '</a:t>
             </a:r>
             <a:r>
-              <a:rPr lang="en-US" baseline="0" dirty="0" err="1" smtClean="0"/>
+              <a:rPr lang="en-US" baseline="0" dirty="0" err="1"/>
               <a:t>new_resource</a:t>
             </a:r>
             <a:r>
-              <a:rPr lang="en-US" baseline="0" dirty="0" smtClean="0"/>
+              <a:rPr lang="en-US" baseline="0" dirty="0"/>
               <a:t>'.</a:t>
             </a:r>
           </a:p>
@@ -11692,10 +11529,9 @@
               <a:defRPr/>
             </a:pPr>
             <a:r>
-              <a:rPr lang="en-US" smtClean="0"/>
+              <a:rPr lang="en-US"/>
               <a:t>Chef Intermediate</a:t>
             </a:r>
-            <a:endParaRPr lang="en-US"/>
           </a:p>
         </p:txBody>
       </p:sp>
@@ -11718,7 +11554,7 @@
               <a:defRPr/>
             </a:pPr>
             <a:r>
-              <a:rPr lang="en-US" smtClean="0"/>
+              <a:rPr lang="en-US"/>
               <a:t>Chef Software, Inc.</a:t>
             </a:r>
             <a:endParaRPr lang="en-US" dirty="0"/>
@@ -11800,7 +11636,7 @@
               <a:defRPr/>
             </a:pPr>
             <a:r>
-              <a:rPr lang="en-US" baseline="0" dirty="0" smtClean="0"/>
+              <a:rPr lang="en-US" baseline="0" dirty="0"/>
               <a:t>The name of the cookbook is combined with the name of the resource/provider file name with an underscore to create the user defined resource. This was explicitly defined in the HWRP but is automatically generated.</a:t>
             </a:r>
           </a:p>
@@ -11822,7 +11658,7 @@
               <a:tabLst/>
               <a:defRPr/>
             </a:pPr>
-            <a:endParaRPr lang="en-US" baseline="0" dirty="0" smtClean="0"/>
+            <a:endParaRPr lang="en-US" baseline="0" dirty="0"/>
           </a:p>
           <a:p>
             <a:pPr marL="0" marR="0" indent="0" algn="l" defTabSz="1217613" rtl="0" eaLnBrk="1" fontAlgn="base" latinLnBrk="0" hangingPunct="1">
@@ -11843,7 +11679,7 @@
               <a:defRPr/>
             </a:pPr>
             <a:r>
-              <a:rPr lang="en-US" baseline="0" dirty="0" smtClean="0"/>
+              <a:rPr lang="en-US" baseline="0" dirty="0"/>
               <a:t>Otherwise this is the same results as the one defined by the HWRP.</a:t>
             </a:r>
           </a:p>
@@ -11868,10 +11704,9 @@
               <a:defRPr/>
             </a:pPr>
             <a:r>
-              <a:rPr lang="en-US" smtClean="0"/>
+              <a:rPr lang="en-US"/>
               <a:t>Chef Intermediate</a:t>
             </a:r>
-            <a:endParaRPr lang="en-US"/>
           </a:p>
         </p:txBody>
       </p:sp>
@@ -11894,7 +11729,7 @@
               <a:defRPr/>
             </a:pPr>
             <a:r>
-              <a:rPr lang="en-US" smtClean="0"/>
+              <a:rPr lang="en-US"/>
               <a:t>Chef Software, Inc.</a:t>
             </a:r>
             <a:endParaRPr lang="en-US" dirty="0"/>
@@ -11959,27 +11794,27 @@
           <a:lstStyle/>
           <a:p>
             <a:r>
-              <a:rPr lang="en-US" dirty="0" smtClean="0"/>
+              <a:rPr lang="en-US" dirty="0"/>
               <a:t>After completing this module you will be able to</a:t>
             </a:r>
             <a:r>
-              <a:rPr lang="en-US" baseline="0" dirty="0" smtClean="0"/>
+              <a:rPr lang="en-US" baseline="0" dirty="0"/>
               <a:t> d</a:t>
             </a:r>
             <a:r>
-              <a:rPr lang="en-US" dirty="0" smtClean="0"/>
+              <a:rPr lang="en-US" dirty="0"/>
               <a:t>escribe the differences between Custom Resources, Definitions, Heavy-Weight Resource Providers</a:t>
             </a:r>
             <a:r>
-              <a:rPr lang="en-US" baseline="0" dirty="0" smtClean="0"/>
+              <a:rPr lang="en-US" baseline="0" dirty="0"/>
               <a:t> and </a:t>
             </a:r>
             <a:r>
-              <a:rPr lang="en-US" dirty="0" smtClean="0"/>
+              <a:rPr lang="en-US" dirty="0"/>
               <a:t>Light-Weight Resource </a:t>
             </a:r>
             <a:r>
-              <a:rPr lang="en-US" smtClean="0"/>
+              <a:rPr lang="en-US"/>
               <a:t>Providers.</a:t>
             </a:r>
             <a:endParaRPr lang="en-US" dirty="0"/>
@@ -12005,10 +11840,9 @@
               <a:defRPr/>
             </a:pPr>
             <a:r>
-              <a:rPr lang="en-US" smtClean="0"/>
+              <a:rPr lang="en-US"/>
               <a:t>Chef Intermediate</a:t>
             </a:r>
-            <a:endParaRPr lang="en-US"/>
           </a:p>
         </p:txBody>
       </p:sp>
@@ -12031,7 +11865,7 @@
               <a:defRPr/>
             </a:pPr>
             <a:r>
-              <a:rPr lang="en-US" smtClean="0"/>
+              <a:rPr lang="en-US"/>
               <a:t>Chef Software, Inc.</a:t>
             </a:r>
             <a:endParaRPr lang="en-US" dirty="0"/>
@@ -12113,7 +11947,7 @@
               <a:defRPr/>
             </a:pPr>
             <a:r>
-              <a:rPr lang="en-US" baseline="0" dirty="0" smtClean="0"/>
+              <a:rPr lang="en-US" baseline="0" dirty="0"/>
               <a:t>Implementing resources with LWRP is not the favored way to develop a resource in later versions of Chef (Chef 12.5). However, they are still in wide use within older cookbooks like those found within the Chef Supermarket.</a:t>
             </a:r>
           </a:p>
@@ -12138,10 +11972,9 @@
               <a:defRPr/>
             </a:pPr>
             <a:r>
-              <a:rPr lang="en-US" smtClean="0"/>
+              <a:rPr lang="en-US"/>
               <a:t>Chef Intermediate</a:t>
             </a:r>
-            <a:endParaRPr lang="en-US"/>
           </a:p>
         </p:txBody>
       </p:sp>
@@ -12164,7 +11997,7 @@
               <a:defRPr/>
             </a:pPr>
             <a:r>
-              <a:rPr lang="en-US" smtClean="0"/>
+              <a:rPr lang="en-US"/>
               <a:t>Chef Software, Inc.</a:t>
             </a:r>
             <a:endParaRPr lang="en-US" dirty="0"/>
@@ -12246,7 +12079,7 @@
               <a:defRPr/>
             </a:pPr>
             <a:r>
-              <a:rPr lang="en-US" baseline="0" dirty="0" smtClean="0"/>
+              <a:rPr lang="en-US" baseline="0" dirty="0"/>
               <a:t>Custom Resources are Chef resources defined in a Domain Specific Language (DSL) that allow you to create resources without having to understand the complexity presented by HWRP. At its core it is a simplification of the work done with LWRP.</a:t>
             </a:r>
           </a:p>
@@ -12268,7 +12101,7 @@
               <a:tabLst/>
               <a:defRPr/>
             </a:pPr>
-            <a:endParaRPr lang="en-US" baseline="0" dirty="0" smtClean="0"/>
+            <a:endParaRPr lang="en-US" baseline="0" dirty="0"/>
           </a:p>
           <a:p>
             <a:pPr marL="0" marR="0" indent="0" algn="l" defTabSz="1217613" rtl="0" eaLnBrk="1" fontAlgn="base" latinLnBrk="0" hangingPunct="1">
@@ -12289,7 +12122,7 @@
               <a:defRPr/>
             </a:pPr>
             <a:r>
-              <a:rPr lang="en-US" baseline="0" dirty="0" smtClean="0"/>
+              <a:rPr lang="en-US" baseline="0" dirty="0"/>
               <a:t>An custom resource is as much a resource as the core resources defined in Chef. A custom resource definition is defined in a single file that resides in the 'resources' directory. This file is parsed after the cookbook is synchronized and loaded. The custom resource DSL is then converted into Ruby class at runtime.</a:t>
             </a:r>
           </a:p>
@@ -12314,10 +12147,9 @@
               <a:defRPr/>
             </a:pPr>
             <a:r>
-              <a:rPr lang="en-US" smtClean="0"/>
+              <a:rPr lang="en-US"/>
               <a:t>Chef Intermediate</a:t>
             </a:r>
-            <a:endParaRPr lang="en-US"/>
           </a:p>
         </p:txBody>
       </p:sp>
@@ -12340,7 +12172,7 @@
               <a:defRPr/>
             </a:pPr>
             <a:r>
-              <a:rPr lang="en-US" smtClean="0"/>
+              <a:rPr lang="en-US"/>
               <a:t>Chef Software, Inc.</a:t>
             </a:r>
             <a:endParaRPr lang="en-US" dirty="0"/>
@@ -12422,7 +12254,7 @@
               <a:defRPr/>
             </a:pPr>
             <a:r>
-              <a:rPr lang="en-US" baseline="0" dirty="0" smtClean="0"/>
+              <a:rPr lang="en-US" baseline="0" dirty="0"/>
               <a:t>Within the file in the 'resources' directory you define the interface and the implementation for the custom resource. This is written in a custom resource DSL where you can specify the name of the resource, the default action, the properties that may be set, and all the actions that the resource supports.</a:t>
             </a:r>
           </a:p>
@@ -12447,10 +12279,9 @@
               <a:defRPr/>
             </a:pPr>
             <a:r>
-              <a:rPr lang="en-US" smtClean="0"/>
+              <a:rPr lang="en-US"/>
               <a:t>Chef Intermediate</a:t>
             </a:r>
-            <a:endParaRPr lang="en-US"/>
           </a:p>
         </p:txBody>
       </p:sp>
@@ -12473,7 +12304,7 @@
               <a:defRPr/>
             </a:pPr>
             <a:r>
-              <a:rPr lang="en-US" smtClean="0"/>
+              <a:rPr lang="en-US"/>
               <a:t>Chef Software, Inc.</a:t>
             </a:r>
             <a:endParaRPr lang="en-US" dirty="0"/>
@@ -12555,15 +12386,15 @@
               <a:defRPr/>
             </a:pPr>
             <a:r>
-              <a:rPr lang="en-US" baseline="0" dirty="0" smtClean="0"/>
+              <a:rPr lang="en-US" baseline="0" dirty="0"/>
               <a:t>The custom resource implementation is similar to the LWRP except all of the details that describe the resource are combined into a single file. The custom resource DSL is similar to one defined for the LWRP resource and LWRP provider DSL. It is an evolution of the LWRP implementation with some minor changes. The attributes are instead called properties and when used within the action implementations they no longer require the '</a:t>
             </a:r>
             <a:r>
-              <a:rPr lang="en-US" baseline="0" dirty="0" err="1" smtClean="0"/>
+              <a:rPr lang="en-US" baseline="0" dirty="0" err="1"/>
               <a:t>new_resource</a:t>
             </a:r>
             <a:r>
-              <a:rPr lang="en-US" baseline="0" dirty="0" smtClean="0"/>
+              <a:rPr lang="en-US" baseline="0" dirty="0"/>
               <a:t>' local variable or method. The default action is assumed to be the first action defined in this file: create.</a:t>
             </a:r>
           </a:p>
@@ -12588,10 +12419,9 @@
               <a:defRPr/>
             </a:pPr>
             <a:r>
-              <a:rPr lang="en-US" smtClean="0"/>
+              <a:rPr lang="en-US"/>
               <a:t>Chef Intermediate</a:t>
             </a:r>
-            <a:endParaRPr lang="en-US"/>
           </a:p>
         </p:txBody>
       </p:sp>
@@ -12614,7 +12444,7 @@
               <a:defRPr/>
             </a:pPr>
             <a:r>
-              <a:rPr lang="en-US" smtClean="0"/>
+              <a:rPr lang="en-US"/>
               <a:t>Chef Software, Inc.</a:t>
             </a:r>
             <a:endParaRPr lang="en-US" dirty="0"/>
@@ -12696,7 +12526,7 @@
               <a:defRPr/>
             </a:pPr>
             <a:r>
-              <a:rPr lang="en-US" baseline="0" dirty="0" smtClean="0"/>
+              <a:rPr lang="en-US" baseline="0" dirty="0"/>
               <a:t>The result is the same here as the HWRP and LWRP. </a:t>
             </a:r>
           </a:p>
@@ -12718,7 +12548,7 @@
               <a:tabLst/>
               <a:defRPr/>
             </a:pPr>
-            <a:endParaRPr lang="en-US" baseline="0" dirty="0" smtClean="0"/>
+            <a:endParaRPr lang="en-US" baseline="0" dirty="0"/>
           </a:p>
           <a:p>
             <a:pPr marL="0" marR="0" indent="0" algn="l" defTabSz="1217613" rtl="0" eaLnBrk="1" fontAlgn="base" latinLnBrk="0" hangingPunct="1">
@@ -12739,7 +12569,7 @@
               <a:defRPr/>
             </a:pPr>
             <a:r>
-              <a:rPr lang="en-US" baseline="0" dirty="0" smtClean="0"/>
+              <a:rPr lang="en-US" baseline="0" dirty="0"/>
               <a:t>The default action is determined by the first action listed in the custom resource definition.</a:t>
             </a:r>
           </a:p>
@@ -12764,10 +12594,9 @@
               <a:defRPr/>
             </a:pPr>
             <a:r>
-              <a:rPr lang="en-US" smtClean="0"/>
+              <a:rPr lang="en-US"/>
               <a:t>Chef Intermediate</a:t>
             </a:r>
-            <a:endParaRPr lang="en-US"/>
           </a:p>
         </p:txBody>
       </p:sp>
@@ -12790,7 +12619,7 @@
               <a:defRPr/>
             </a:pPr>
             <a:r>
-              <a:rPr lang="en-US" smtClean="0"/>
+              <a:rPr lang="en-US"/>
               <a:t>Chef Software, Inc.</a:t>
             </a:r>
             <a:endParaRPr lang="en-US" dirty="0"/>
@@ -12872,7 +12701,7 @@
               <a:defRPr/>
             </a:pPr>
             <a:r>
-              <a:rPr lang="en-US" baseline="0" dirty="0" smtClean="0"/>
+              <a:rPr lang="en-US" baseline="0" dirty="0"/>
               <a:t>Implementing resources with a custom resource is the current favored way to develop a resource for versions of Chef 12.5.X or greater. They are easier to implement than a pure Ruby implementation and are defined in a single file compared to the LWRP implementation.</a:t>
             </a:r>
           </a:p>
@@ -12897,10 +12726,9 @@
               <a:defRPr/>
             </a:pPr>
             <a:r>
-              <a:rPr lang="en-US" smtClean="0"/>
+              <a:rPr lang="en-US"/>
               <a:t>Chef Intermediate</a:t>
             </a:r>
-            <a:endParaRPr lang="en-US"/>
           </a:p>
         </p:txBody>
       </p:sp>
@@ -12923,7 +12751,7 @@
               <a:defRPr/>
             </a:pPr>
             <a:r>
-              <a:rPr lang="en-US" smtClean="0"/>
+              <a:rPr lang="en-US"/>
               <a:t>Chef Software, Inc.</a:t>
             </a:r>
             <a:endParaRPr lang="en-US" dirty="0"/>
@@ -12988,10 +12816,9 @@
           <a:lstStyle/>
           <a:p>
             <a:r>
-              <a:rPr lang="en-US" dirty="0" smtClean="0"/>
+              <a:rPr lang="en-US" dirty="0"/>
               <a:t>As you can see there are more than a few ways to extend Chef and create a resource or resource-like implementation within your recipes.</a:t>
             </a:r>
-            <a:endParaRPr lang="en-US" dirty="0"/>
           </a:p>
         </p:txBody>
       </p:sp>
@@ -13014,10 +12841,9 @@
               <a:defRPr/>
             </a:pPr>
             <a:r>
-              <a:rPr lang="en-US" smtClean="0"/>
+              <a:rPr lang="en-US"/>
               <a:t>Chef Intermediate</a:t>
             </a:r>
-            <a:endParaRPr lang="en-US"/>
           </a:p>
         </p:txBody>
       </p:sp>
@@ -13040,7 +12866,7 @@
               <a:defRPr/>
             </a:pPr>
             <a:r>
-              <a:rPr lang="en-US" smtClean="0"/>
+              <a:rPr lang="en-US"/>
               <a:t>Chef Software, Inc.</a:t>
             </a:r>
             <a:endParaRPr lang="en-US" dirty="0"/>
@@ -13105,19 +12931,19 @@
           <a:lstStyle/>
           <a:p>
             <a:r>
-              <a:rPr lang="en-US" baseline="0" dirty="0" smtClean="0"/>
+              <a:rPr lang="en-US" baseline="0" dirty="0"/>
               <a:t>As a group, let's answer these questions.</a:t>
             </a:r>
           </a:p>
           <a:p>
-            <a:endParaRPr lang="en-US" baseline="0" dirty="0" smtClean="0"/>
-          </a:p>
-          <a:p>
-            <a:r>
-              <a:rPr lang="en-US" baseline="0" dirty="0" smtClean="0"/>
+            <a:endParaRPr lang="en-US" baseline="0" dirty="0"/>
+          </a:p>
+          <a:p>
+            <a:r>
+              <a:rPr lang="en-US" baseline="0" dirty="0"/>
               <a:t>Instructor Note: With large groups I often find it better to have individuals turn to the individuals around them, form groups of whatever size they feel comfortable, and have them take turns asking and answering the questions. When all the groups are done I then open the discussion up to the entire group allowing each group or individuals to share their answers.</a:t>
             </a:r>
-            <a:endParaRPr lang="en-US" dirty="0" smtClean="0"/>
+            <a:endParaRPr lang="en-US" dirty="0"/>
           </a:p>
           <a:p>
             <a:endParaRPr lang="en-US" dirty="0"/>
@@ -13143,10 +12969,9 @@
               <a:defRPr/>
             </a:pPr>
             <a:r>
-              <a:rPr lang="en-US" smtClean="0"/>
+              <a:rPr lang="en-US"/>
               <a:t>Chef Intermediate</a:t>
             </a:r>
-            <a:endParaRPr lang="en-US"/>
           </a:p>
         </p:txBody>
       </p:sp>
@@ -13169,7 +12994,7 @@
               <a:defRPr/>
             </a:pPr>
             <a:r>
-              <a:rPr lang="en-US" smtClean="0"/>
+              <a:rPr lang="en-US"/>
               <a:t>Chef Software, Inc.</a:t>
             </a:r>
             <a:endParaRPr lang="en-US" dirty="0"/>
@@ -13234,11 +13059,11 @@
           <a:lstStyle/>
           <a:p>
             <a:r>
-              <a:rPr lang="en-US" dirty="0" smtClean="0"/>
+              <a:rPr lang="en-US" dirty="0"/>
               <a:t>What</a:t>
             </a:r>
             <a:r>
-              <a:rPr lang="en-US" baseline="0" dirty="0" smtClean="0"/>
+              <a:rPr lang="en-US" baseline="0" dirty="0"/>
               <a:t> questions can we answer for you?</a:t>
             </a:r>
             <a:endParaRPr lang="en-US" dirty="0"/>
@@ -13264,10 +13089,9 @@
               <a:defRPr/>
             </a:pPr>
             <a:r>
-              <a:rPr lang="en-US" smtClean="0"/>
+              <a:rPr lang="en-US"/>
               <a:t>Chef Intermediate</a:t>
             </a:r>
-            <a:endParaRPr lang="en-US"/>
           </a:p>
         </p:txBody>
       </p:sp>
@@ -13290,7 +13114,7 @@
               <a:defRPr/>
             </a:pPr>
             <a:r>
-              <a:rPr lang="en-US" smtClean="0"/>
+              <a:rPr lang="en-US"/>
               <a:t>Chef Software, Inc.</a:t>
             </a:r>
             <a:endParaRPr lang="en-US" dirty="0"/>
@@ -13355,19 +13179,19 @@
           <a:lstStyle/>
           <a:p>
             <a:r>
-              <a:rPr lang="en-US" dirty="0" smtClean="0"/>
+              <a:rPr lang="en-US" dirty="0"/>
               <a:t>Having reached the limit of the core set of resources presents a new set of challenges before you. Fortunately these challenges are not insurmountable because of some of the design choices Chef has made to make it possible to extend its functionality.</a:t>
             </a:r>
             <a:r>
-              <a:rPr lang="en-US" baseline="0" dirty="0" smtClean="0"/>
+              <a:rPr lang="en-US" baseline="0" dirty="0"/>
               <a:t> Chef is a maturing product that continues to evolve to bring joy to its users. </a:t>
             </a:r>
             <a:r>
-              <a:rPr lang="en-US" dirty="0" smtClean="0"/>
+              <a:rPr lang="en-US" dirty="0"/>
               <a:t>While we</a:t>
             </a:r>
             <a:r>
-              <a:rPr lang="en-US" baseline="0" dirty="0" smtClean="0"/>
+              <a:rPr lang="en-US" baseline="0" dirty="0"/>
               <a:t> are going to focus on Custom Resources it is important that have a basic understanding of these other implementations.</a:t>
             </a:r>
             <a:endParaRPr lang="en-US" dirty="0"/>
@@ -13393,10 +13217,9 @@
               <a:defRPr/>
             </a:pPr>
             <a:r>
-              <a:rPr lang="en-US" smtClean="0"/>
+              <a:rPr lang="en-US"/>
               <a:t>Chef Intermediate</a:t>
             </a:r>
-            <a:endParaRPr lang="en-US"/>
           </a:p>
         </p:txBody>
       </p:sp>
@@ -13419,7 +13242,7 @@
               <a:defRPr/>
             </a:pPr>
             <a:r>
-              <a:rPr lang="en-US" smtClean="0"/>
+              <a:rPr lang="en-US"/>
               <a:t>Chef Software, Inc.</a:t>
             </a:r>
             <a:endParaRPr lang="en-US" dirty="0"/>
@@ -13501,11 +13324,11 @@
               <a:defRPr/>
             </a:pPr>
             <a:r>
-              <a:rPr lang="en-US" dirty="0" smtClean="0"/>
+              <a:rPr lang="en-US" dirty="0"/>
               <a:t>I</a:t>
             </a:r>
             <a:r>
-              <a:rPr lang="en-US" baseline="0" dirty="0" smtClean="0"/>
+              <a:rPr lang="en-US" baseline="0" dirty="0"/>
               <a:t> will provide a description of each, explain the files and folder structure, take a quick look at how each is implemented, and then talk about any requirements or limitations when pursing this implementation choice.</a:t>
             </a:r>
             <a:endParaRPr lang="en-US" dirty="0"/>
@@ -13531,10 +13354,9 @@
               <a:defRPr/>
             </a:pPr>
             <a:r>
-              <a:rPr lang="en-US" smtClean="0"/>
+              <a:rPr lang="en-US"/>
               <a:t>Chef Intermediate</a:t>
             </a:r>
-            <a:endParaRPr lang="en-US"/>
           </a:p>
         </p:txBody>
       </p:sp>
@@ -13557,7 +13379,7 @@
               <a:defRPr/>
             </a:pPr>
             <a:r>
-              <a:rPr lang="en-US" smtClean="0"/>
+              <a:rPr lang="en-US"/>
               <a:t>Chef Software, Inc.</a:t>
             </a:r>
             <a:endParaRPr lang="en-US" dirty="0"/>
@@ -13622,36 +13444,36 @@
           <a:lstStyle/>
           <a:p>
             <a:r>
-              <a:rPr lang="en-US" dirty="0" smtClean="0"/>
+              <a:rPr lang="en-US" dirty="0"/>
               <a:t>Chef's</a:t>
             </a:r>
             <a:r>
-              <a:rPr lang="en-US" baseline="0" dirty="0" smtClean="0"/>
+              <a:rPr lang="en-US" baseline="0" dirty="0"/>
               <a:t> core resources are written in Ruby. The first approach to creating your own resources is to create your own with Ruby classes. These pure Ruby implementations of Resources is often referred to as </a:t>
             </a:r>
             <a:r>
-              <a:rPr lang="en-US" dirty="0" smtClean="0"/>
+              <a:rPr lang="en-US" dirty="0"/>
               <a:t>Heavy-Weight Resource-Provider, or HWRP. Each resource defined in Chef is defined</a:t>
             </a:r>
             <a:r>
-              <a:rPr lang="en-US" baseline="0" dirty="0" smtClean="0"/>
+              <a:rPr lang="en-US" baseline="0" dirty="0"/>
               <a:t> in two classes which sub-class the core Chef Resource and Chef Provider class. </a:t>
             </a:r>
             <a:r>
-              <a:rPr lang="en-US" dirty="0" smtClean="0"/>
+              <a:rPr lang="en-US" dirty="0"/>
               <a:t>Sub-classing is an object-oriented programming term that means to inherit characteristics (e.g. methods and variables) from the parent class. Within the subclass you are required to override specific methods for the class to behave as a resource within the system.</a:t>
             </a:r>
           </a:p>
           <a:p>
-            <a:endParaRPr lang="en-US" dirty="0" smtClean="0"/>
-          </a:p>
-          <a:p>
-            <a:r>
-              <a:rPr lang="en-US" dirty="0" smtClean="0"/>
+            <a:endParaRPr lang="en-US" dirty="0"/>
+          </a:p>
+          <a:p>
+            <a:r>
+              <a:rPr lang="en-US" dirty="0"/>
               <a:t>The</a:t>
             </a:r>
             <a:r>
-              <a:rPr lang="en-US" baseline="0" dirty="0" smtClean="0"/>
+              <a:rPr lang="en-US" baseline="0" dirty="0"/>
               <a:t> Chef::Resource class describes how the resource appears within the recipe; the interface. The Chef::Provider class describes how the resource will act when it takes one of the supported action on each supported platform.</a:t>
             </a:r>
             <a:endParaRPr lang="en-US" dirty="0"/>
@@ -13677,10 +13499,9 @@
               <a:defRPr/>
             </a:pPr>
             <a:r>
-              <a:rPr lang="en-US" smtClean="0"/>
+              <a:rPr lang="en-US"/>
               <a:t>Chef Intermediate</a:t>
             </a:r>
-            <a:endParaRPr lang="en-US"/>
           </a:p>
         </p:txBody>
       </p:sp>
@@ -13703,7 +13524,7 @@
               <a:defRPr/>
             </a:pPr>
             <a:r>
-              <a:rPr lang="en-US" smtClean="0"/>
+              <a:rPr lang="en-US"/>
               <a:t>Chef Software, Inc.</a:t>
             </a:r>
             <a:endParaRPr lang="en-US" dirty="0"/>
@@ -13785,51 +13606,51 @@
               <a:defRPr/>
             </a:pPr>
             <a:r>
-              <a:rPr lang="en-US" dirty="0" smtClean="0"/>
+              <a:rPr lang="en-US" dirty="0"/>
               <a:t>An</a:t>
             </a:r>
             <a:r>
-              <a:rPr lang="en-US" baseline="0" dirty="0" smtClean="0"/>
+              <a:rPr lang="en-US" baseline="0" dirty="0"/>
               <a:t> </a:t>
             </a:r>
             <a:r>
-              <a:rPr lang="en-US" dirty="0" smtClean="0"/>
+              <a:rPr lang="en-US" dirty="0"/>
               <a:t>HWRP,</a:t>
             </a:r>
             <a:r>
-              <a:rPr lang="en-US" baseline="0" dirty="0" smtClean="0"/>
+              <a:rPr lang="en-US" baseline="0" dirty="0"/>
               <a:t> as </a:t>
             </a:r>
             <a:r>
-              <a:rPr lang="en-US" dirty="0" smtClean="0"/>
+              <a:rPr lang="en-US" dirty="0"/>
               <a:t>pure Ruby,</a:t>
             </a:r>
             <a:r>
-              <a:rPr lang="en-US" baseline="0" dirty="0" smtClean="0"/>
+              <a:rPr lang="en-US" baseline="0" dirty="0"/>
               <a:t> is </a:t>
             </a:r>
             <a:r>
-              <a:rPr lang="en-US" dirty="0" smtClean="0"/>
+              <a:rPr lang="en-US" dirty="0"/>
               <a:t>stored in</a:t>
             </a:r>
             <a:r>
-              <a:rPr lang="en-US" baseline="0" dirty="0" smtClean="0"/>
+              <a:rPr lang="en-US" baseline="0" dirty="0"/>
               <a:t> </a:t>
             </a:r>
             <a:r>
-              <a:rPr lang="en-US" dirty="0" smtClean="0"/>
+              <a:rPr lang="en-US" dirty="0"/>
               <a:t>within the 'libraries' directory.</a:t>
             </a:r>
             <a:r>
-              <a:rPr lang="en-US" baseline="0" dirty="0" smtClean="0"/>
+              <a:rPr lang="en-US" baseline="0" dirty="0"/>
               <a:t> Each class, one for the resource and the provider, are stored in separate files. The name of the file matches the class name except it has been snake-cased. Snake-casing lower cases the class name and places underscores between letters where capital letters used to exist. This is a common Ruby practice and one enforced by </a:t>
             </a:r>
             <a:r>
-              <a:rPr lang="en-US" baseline="0" dirty="0" err="1" smtClean="0"/>
+              <a:rPr lang="en-US" baseline="0" dirty="0" err="1"/>
               <a:t>Rubocop</a:t>
             </a:r>
             <a:r>
-              <a:rPr lang="en-US" baseline="0" dirty="0" smtClean="0"/>
+              <a:rPr lang="en-US" baseline="0" dirty="0"/>
               <a:t>. All the Ruby files within that directory are evaluated after the cookbook is synchronized and loaded.</a:t>
             </a:r>
           </a:p>
@@ -13851,7 +13672,7 @@
               <a:tabLst/>
               <a:defRPr/>
             </a:pPr>
-            <a:endParaRPr lang="en-US" baseline="0" dirty="0" smtClean="0"/>
+            <a:endParaRPr lang="en-US" baseline="0" dirty="0"/>
           </a:p>
           <a:p>
             <a:pPr marL="0" marR="0" indent="0" algn="l" defTabSz="1217613" rtl="0" eaLnBrk="1" fontAlgn="base" latinLnBrk="0" hangingPunct="1">
@@ -13871,7 +13692,7 @@
               <a:tabLst/>
               <a:defRPr/>
             </a:pPr>
-            <a:endParaRPr lang="en-US" baseline="0" dirty="0" smtClean="0"/>
+            <a:endParaRPr lang="en-US" baseline="0" dirty="0"/>
           </a:p>
         </p:txBody>
       </p:sp>
@@ -13894,10 +13715,9 @@
               <a:defRPr/>
             </a:pPr>
             <a:r>
-              <a:rPr lang="en-US" smtClean="0"/>
+              <a:rPr lang="en-US"/>
               <a:t>Chef Intermediate</a:t>
             </a:r>
-            <a:endParaRPr lang="en-US"/>
           </a:p>
         </p:txBody>
       </p:sp>
@@ -13920,7 +13740,7 @@
               <a:defRPr/>
             </a:pPr>
             <a:r>
-              <a:rPr lang="en-US" smtClean="0"/>
+              <a:rPr lang="en-US"/>
               <a:t>Chef Software, Inc.</a:t>
             </a:r>
             <a:endParaRPr lang="en-US" dirty="0"/>
@@ -14002,7 +13822,7 @@
               <a:defRPr/>
             </a:pPr>
             <a:r>
-              <a:rPr lang="en-US" baseline="0" dirty="0" smtClean="0"/>
+              <a:rPr lang="en-US" baseline="0" dirty="0"/>
               <a:t>When defining the resource for a Heavy-Weight Resource-Provider you sub-class the Chef Resource class. The initialize method is overridden to specify new default values and allows us to configure the class as necessary when the resource is created in memory. Each potential attribute is defined as a method which uses a helper to setup the default values, value types it supports, etc.</a:t>
             </a:r>
           </a:p>
@@ -14027,10 +13847,9 @@
               <a:defRPr/>
             </a:pPr>
             <a:r>
-              <a:rPr lang="en-US" smtClean="0"/>
+              <a:rPr lang="en-US"/>
               <a:t>Chef Intermediate</a:t>
             </a:r>
-            <a:endParaRPr lang="en-US"/>
           </a:p>
         </p:txBody>
       </p:sp>
@@ -14053,7 +13872,7 @@
               <a:defRPr/>
             </a:pPr>
             <a:r>
-              <a:rPr lang="en-US" smtClean="0"/>
+              <a:rPr lang="en-US"/>
               <a:t>Chef Software, Inc.</a:t>
             </a:r>
             <a:endParaRPr lang="en-US" dirty="0"/>
@@ -14135,15 +13954,15 @@
               <a:defRPr/>
             </a:pPr>
             <a:r>
-              <a:rPr lang="en-US" baseline="0" dirty="0" smtClean="0"/>
+              <a:rPr lang="en-US" baseline="0" dirty="0"/>
               <a:t>When defining the provider for a Heavy-Weight Resource-Provider you sub-class the Chef Provider class. The initialize method does not have to be overridden. The </a:t>
             </a:r>
             <a:r>
-              <a:rPr lang="en-US" baseline="0" dirty="0" err="1" smtClean="0"/>
+              <a:rPr lang="en-US" baseline="0" dirty="0" err="1"/>
               <a:t>load_current_resource</a:t>
             </a:r>
             <a:r>
-              <a:rPr lang="en-US" baseline="0" dirty="0" smtClean="0"/>
+              <a:rPr lang="en-US" baseline="0" dirty="0"/>
               <a:t> method must be overridden and is where the configuration from the resource is created and configured for use in each of the supported actions. The actions here are defined as methods with the prefix 'action_' and within them you would define the code necessary to perform the operations for this resource.</a:t>
             </a:r>
           </a:p>
@@ -14165,7 +13984,7 @@
               <a:tabLst/>
               <a:defRPr/>
             </a:pPr>
-            <a:endParaRPr lang="en-US" baseline="0" dirty="0" smtClean="0"/>
+            <a:endParaRPr lang="en-US" baseline="0" dirty="0"/>
           </a:p>
           <a:p>
             <a:pPr marL="0" marR="0" indent="0" algn="l" defTabSz="1217613" rtl="0" eaLnBrk="1" fontAlgn="base" latinLnBrk="0" hangingPunct="1">
@@ -14186,7 +14005,7 @@
               <a:defRPr/>
             </a:pPr>
             <a:r>
-              <a:rPr lang="en-US" baseline="0" dirty="0" smtClean="0"/>
+              <a:rPr lang="en-US" baseline="0" dirty="0"/>
               <a:t>Chef provides additional helpers to allow you to shell out to perform operations on the system. You also have the entire Ruby language and any gems that might be packaged with the Chef DK (or you have added to Chef DK) at your disposal.</a:t>
             </a:r>
           </a:p>
@@ -14211,10 +14030,9 @@
               <a:defRPr/>
             </a:pPr>
             <a:r>
-              <a:rPr lang="en-US" smtClean="0"/>
+              <a:rPr lang="en-US"/>
               <a:t>Chef Intermediate</a:t>
             </a:r>
-            <a:endParaRPr lang="en-US"/>
           </a:p>
         </p:txBody>
       </p:sp>
@@ -14237,7 +14055,7 @@
               <a:defRPr/>
             </a:pPr>
             <a:r>
-              <a:rPr lang="en-US" smtClean="0"/>
+              <a:rPr lang="en-US"/>
               <a:t>Chef Software, Inc.</a:t>
             </a:r>
             <a:endParaRPr lang="en-US" dirty="0"/>
@@ -14319,7 +14137,7 @@
               <a:defRPr/>
             </a:pPr>
             <a:r>
-              <a:rPr lang="en-US" baseline="0" dirty="0" smtClean="0"/>
+              <a:rPr lang="en-US" baseline="0" dirty="0"/>
               <a:t>The resource would now be available within any recipe defined in this cookbook or any cookbook that adds this cookbook as a dependency. Here in this example recipe the resources delete and creates apache sites. All three of the resources rely on the site name attribute being tied to the name provided to the resource. The first deletes the welcome site. The next two both rely on the default action of create. The second resource assumes the default site port value.</a:t>
             </a:r>
           </a:p>
@@ -14344,10 +14162,9 @@
               <a:defRPr/>
             </a:pPr>
             <a:r>
-              <a:rPr lang="en-US" smtClean="0"/>
+              <a:rPr lang="en-US"/>
               <a:t>Chef Intermediate</a:t>
             </a:r>
-            <a:endParaRPr lang="en-US"/>
           </a:p>
         </p:txBody>
       </p:sp>
@@ -14370,7 +14187,7 @@
               <a:defRPr/>
             </a:pPr>
             <a:r>
-              <a:rPr lang="en-US" smtClean="0"/>
+              <a:rPr lang="en-US"/>
               <a:t>Chef Software, Inc.</a:t>
             </a:r>
             <a:endParaRPr lang="en-US" dirty="0"/>
@@ -14453,7 +14270,7 @@
           </a:lstStyle>
           <a:p>
             <a:r>
-              <a:rPr lang="en-US" smtClean="0"/>
+              <a:rPr lang="en-US"/>
               <a:t>Click to edit Master title style</a:t>
             </a:r>
             <a:endParaRPr lang="en-US" dirty="0"/>
@@ -14511,7 +14328,7 @@
           <a:p>
             <a:pPr lvl="0"/>
             <a:r>
-              <a:rPr lang="en-US" smtClean="0"/>
+              <a:rPr lang="en-US"/>
               <a:t>Click to edit Master text styles</a:t>
             </a:r>
           </a:p>
@@ -14593,7 +14410,7 @@
           </a:lstStyle>
           <a:p>
             <a:r>
-              <a:rPr lang="en-US" smtClean="0"/>
+              <a:rPr lang="en-US"/>
               <a:t>Click to edit Master title style</a:t>
             </a:r>
             <a:endParaRPr lang="en-US" dirty="0"/>
@@ -14651,7 +14468,7 @@
           <a:p>
             <a:pPr lvl="0"/>
             <a:r>
-              <a:rPr lang="en-US" dirty="0" smtClean="0"/>
+              <a:rPr lang="en-US" dirty="0"/>
               <a:t>source code</a:t>
             </a:r>
           </a:p>
@@ -14697,28 +14514,28 @@
           <a:p>
             <a:pPr lvl="0"/>
             <a:r>
-              <a:rPr lang="en-US" smtClean="0"/>
+              <a:rPr lang="en-US"/>
               <a:t>Click to edit Master text styles</a:t>
             </a:r>
           </a:p>
           <a:p>
             <a:pPr lvl="1"/>
             <a:r>
-              <a:rPr lang="en-US" smtClean="0"/>
+              <a:rPr lang="en-US"/>
               <a:t>Second level</a:t>
             </a:r>
           </a:p>
           <a:p>
             <a:pPr lvl="2"/>
             <a:r>
-              <a:rPr lang="en-US" smtClean="0"/>
+              <a:rPr lang="en-US"/>
               <a:t>Third level</a:t>
             </a:r>
           </a:p>
           <a:p>
             <a:pPr lvl="3"/>
             <a:r>
-              <a:rPr lang="en-US" smtClean="0"/>
+              <a:rPr lang="en-US"/>
               <a:t>Fourth level</a:t>
             </a:r>
           </a:p>
@@ -14762,7 +14579,7 @@
           <a:p>
             <a:pPr lvl="0"/>
             <a:r>
-              <a:rPr lang="en-US" dirty="0" smtClean="0"/>
+              <a:rPr lang="en-US" dirty="0"/>
               <a:t>-</a:t>
             </a:r>
           </a:p>
@@ -14806,7 +14623,7 @@
           <a:p>
             <a:pPr lvl="0"/>
             <a:r>
-              <a:rPr lang="en-US" dirty="0" smtClean="0"/>
+              <a:rPr lang="en-US" dirty="0"/>
               <a:t>+</a:t>
             </a:r>
           </a:p>
@@ -14955,14 +14772,14 @@
           </a:ln>
           <a:extLst>
             <a:ext uri="{909E8E84-426E-40dd-AFC4-6F175D3DCCD1}">
-              <a14:hiddenFill xmlns:a14="http://schemas.microsoft.com/office/drawing/2010/main" xmlns="">
+              <a14:hiddenFill xmlns="" xmlns:a14="http://schemas.microsoft.com/office/drawing/2010/main">
                 <a:solidFill>
                   <a:srgbClr val="FFFFFF"/>
                 </a:solidFill>
               </a14:hiddenFill>
             </a:ext>
             <a:ext uri="{91240B29-F687-4f45-9708-019B960494DF}">
-              <a14:hiddenLine xmlns:a14="http://schemas.microsoft.com/office/drawing/2010/main" xmlns="" w="9525">
+              <a14:hiddenLine xmlns="" xmlns:a14="http://schemas.microsoft.com/office/drawing/2010/main" w="9525">
                 <a:solidFill>
                   <a:srgbClr val="000000"/>
                 </a:solidFill>
@@ -15110,14 +14927,14 @@
           </a:ln>
           <a:extLst>
             <a:ext uri="{909E8E84-426E-40dd-AFC4-6F175D3DCCD1}">
-              <a14:hiddenFill xmlns:a14="http://schemas.microsoft.com/office/drawing/2010/main" xmlns="">
+              <a14:hiddenFill xmlns="" xmlns:a14="http://schemas.microsoft.com/office/drawing/2010/main">
                 <a:solidFill>
                   <a:srgbClr val="FFFFFF"/>
                 </a:solidFill>
               </a14:hiddenFill>
             </a:ext>
             <a:ext uri="{91240B29-F687-4f45-9708-019B960494DF}">
-              <a14:hiddenLine xmlns:a14="http://schemas.microsoft.com/office/drawing/2010/main" xmlns="" w="9525">
+              <a14:hiddenLine xmlns="" xmlns:a14="http://schemas.microsoft.com/office/drawing/2010/main" w="9525">
                 <a:solidFill>
                   <a:srgbClr val="000000"/>
                 </a:solidFill>
@@ -15345,21 +15162,21 @@
           <a:p>
             <a:pPr lvl="0"/>
             <a:r>
-              <a:rPr lang="en-US" smtClean="0"/>
+              <a:rPr lang="en-US"/>
               <a:t>Click to edit Master text styles</a:t>
             </a:r>
           </a:p>
           <a:p>
             <a:pPr lvl="1"/>
             <a:r>
-              <a:rPr lang="en-US" smtClean="0"/>
+              <a:rPr lang="en-US"/>
               <a:t>Second level</a:t>
             </a:r>
           </a:p>
           <a:p>
             <a:pPr lvl="2"/>
             <a:r>
-              <a:rPr lang="en-US" smtClean="0"/>
+              <a:rPr lang="en-US"/>
               <a:t>Third level</a:t>
             </a:r>
           </a:p>
@@ -15405,21 +15222,21 @@
           <a:p>
             <a:pPr lvl="0"/>
             <a:r>
-              <a:rPr lang="en-US" smtClean="0"/>
+              <a:rPr lang="en-US"/>
               <a:t>Click to edit Master text styles</a:t>
             </a:r>
           </a:p>
           <a:p>
             <a:pPr lvl="1"/>
             <a:r>
-              <a:rPr lang="en-US" smtClean="0"/>
+              <a:rPr lang="en-US"/>
               <a:t>Second level</a:t>
             </a:r>
           </a:p>
           <a:p>
             <a:pPr lvl="2"/>
             <a:r>
-              <a:rPr lang="en-US" smtClean="0"/>
+              <a:rPr lang="en-US"/>
               <a:t>Third level</a:t>
             </a:r>
           </a:p>
@@ -15459,7 +15276,7 @@
           <a:p>
             <a:pPr lvl="0"/>
             <a:r>
-              <a:rPr lang="en-US" dirty="0" smtClean="0"/>
+              <a:rPr lang="en-US" dirty="0"/>
               <a:t>A</a:t>
             </a:r>
           </a:p>
@@ -15499,7 +15316,7 @@
           <a:p>
             <a:pPr lvl="0"/>
             <a:r>
-              <a:rPr lang="en-US" dirty="0" smtClean="0"/>
+              <a:rPr lang="en-US" dirty="0"/>
               <a:t>B</a:t>
             </a:r>
           </a:p>
@@ -15608,14 +15425,14 @@
           </a:ln>
           <a:extLst>
             <a:ext uri="{909E8E84-426E-40dd-AFC4-6F175D3DCCD1}">
-              <a14:hiddenFill xmlns:a14="http://schemas.microsoft.com/office/drawing/2010/main" xmlns="">
+              <a14:hiddenFill xmlns="" xmlns:a14="http://schemas.microsoft.com/office/drawing/2010/main">
                 <a:solidFill>
                   <a:srgbClr val="FFFFFF"/>
                 </a:solidFill>
               </a14:hiddenFill>
             </a:ext>
             <a:ext uri="{91240B29-F687-4f45-9708-019B960494DF}">
-              <a14:hiddenLine xmlns:a14="http://schemas.microsoft.com/office/drawing/2010/main" xmlns="" w="9525">
+              <a14:hiddenLine xmlns="" xmlns:a14="http://schemas.microsoft.com/office/drawing/2010/main" w="9525">
                 <a:solidFill>
                   <a:srgbClr val="000000"/>
                 </a:solidFill>
@@ -15778,10 +15595,9 @@
           </a:lstStyle>
           <a:p>
             <a:r>
-              <a:rPr lang="en-US" dirty="0" smtClean="0"/>
+              <a:rPr lang="en-US" dirty="0"/>
               <a:t>Motivation</a:t>
             </a:r>
-            <a:endParaRPr lang="en-US" dirty="0"/>
           </a:p>
         </p:txBody>
       </p:sp>
@@ -15908,7 +15724,7 @@
           </a:lstStyle>
           <a:p>
             <a:r>
-              <a:rPr lang="en-US" dirty="0" smtClean="0"/>
+              <a:rPr lang="en-US" dirty="0"/>
               <a:t>Click to edit Master subtitle style</a:t>
             </a:r>
           </a:p>
@@ -16065,10 +15881,9 @@
           </a:lstStyle>
           <a:p>
             <a:r>
-              <a:rPr lang="en-US" dirty="0" smtClean="0"/>
+              <a:rPr lang="en-US" dirty="0"/>
               <a:t>Problem</a:t>
             </a:r>
-            <a:endParaRPr lang="en-US" dirty="0"/>
           </a:p>
         </p:txBody>
       </p:sp>
@@ -16195,7 +16010,7 @@
           </a:lstStyle>
           <a:p>
             <a:r>
-              <a:rPr lang="en-US" dirty="0" smtClean="0"/>
+              <a:rPr lang="en-US" dirty="0"/>
               <a:t>Click to edit Master subtitle style</a:t>
             </a:r>
           </a:p>
@@ -16268,7 +16083,7 @@
               <a:defRPr/>
             </a:pPr>
             <a:r>
-              <a:rPr lang="en-US" sz="16933" dirty="0" smtClean="0">
+              <a:rPr lang="en-US" sz="16933" dirty="0">
                 <a:ln w="18415" cmpd="sng">
                   <a:solidFill>
                     <a:srgbClr val="FFFFFF"/>
@@ -16287,23 +16102,6 @@
               </a:rPr>
               <a:t>REFERENCE</a:t>
             </a:r>
-            <a:endParaRPr lang="en-US" sz="16933" dirty="0">
-              <a:ln w="18415" cmpd="sng">
-                <a:solidFill>
-                  <a:srgbClr val="FFFFFF"/>
-                </a:solidFill>
-                <a:prstDash val="solid"/>
-              </a:ln>
-              <a:solidFill>
-                <a:schemeClr val="bg2">
-                  <a:lumMod val="95000"/>
-                  <a:alpha val="50000"/>
-                </a:schemeClr>
-              </a:solidFill>
-              <a:latin typeface="+mn-lt"/>
-              <a:ea typeface="+mn-ea"/>
-              <a:cs typeface="+mn-cs"/>
-            </a:endParaRPr>
           </a:p>
         </p:txBody>
       </p:sp>
@@ -16369,10 +16167,9 @@
           </a:lstStyle>
           <a:p>
             <a:r>
-              <a:rPr lang="en-US" dirty="0" smtClean="0"/>
+              <a:rPr lang="en-US" dirty="0"/>
               <a:t>Documentation</a:t>
             </a:r>
-            <a:endParaRPr lang="en-US" dirty="0"/>
           </a:p>
         </p:txBody>
       </p:sp>
@@ -16499,7 +16296,7 @@
           </a:lstStyle>
           <a:p>
             <a:r>
-              <a:rPr lang="en-US" dirty="0" smtClean="0"/>
+              <a:rPr lang="en-US" dirty="0"/>
               <a:t>Click to edit Master subtitle style</a:t>
             </a:r>
           </a:p>
@@ -16539,14 +16336,14 @@
           <a:p>
             <a:pPr lvl="0"/>
             <a:r>
-              <a:rPr lang="en-US" dirty="0" smtClean="0"/>
+              <a:rPr lang="en-US" dirty="0"/>
               <a:t>http://</a:t>
             </a:r>
             <a:r>
-              <a:rPr lang="en-US" dirty="0" err="1" smtClean="0"/>
+              <a:rPr lang="en-US" dirty="0" err="1"/>
               <a:t>docs.chef.io</a:t>
             </a:r>
-            <a:endParaRPr lang="en-US" dirty="0" smtClean="0"/>
+            <a:endParaRPr lang="en-US" dirty="0"/>
           </a:p>
         </p:txBody>
       </p:sp>
@@ -16701,10 +16498,9 @@
           </a:lstStyle>
           <a:p>
             <a:r>
-              <a:rPr lang="en-US" dirty="0" smtClean="0"/>
+              <a:rPr lang="en-US" dirty="0"/>
               <a:t>Concept</a:t>
             </a:r>
-            <a:endParaRPr lang="en-US" dirty="0"/>
           </a:p>
         </p:txBody>
       </p:sp>
@@ -16831,7 +16627,7 @@
           </a:lstStyle>
           <a:p>
             <a:r>
-              <a:rPr lang="en-US" dirty="0" smtClean="0"/>
+              <a:rPr lang="en-US" dirty="0"/>
               <a:t>Click to edit Master subtitle style</a:t>
             </a:r>
           </a:p>
@@ -16988,10 +16784,9 @@
           </a:lstStyle>
           <a:p>
             <a:r>
-              <a:rPr lang="en-US" dirty="0" smtClean="0"/>
+              <a:rPr lang="en-US" dirty="0"/>
               <a:t>Group Exercise</a:t>
             </a:r>
-            <a:endParaRPr lang="en-US" dirty="0"/>
           </a:p>
         </p:txBody>
       </p:sp>
@@ -17036,7 +16831,7 @@
           <a:p>
             <a:pPr lvl="0"/>
             <a:r>
-              <a:rPr lang="en-US" dirty="0" smtClean="0"/>
+              <a:rPr lang="en-US" dirty="0"/>
               <a:t>Click to edit Master text styles</a:t>
             </a:r>
           </a:p>
@@ -17064,14 +16859,14 @@
           </a:ln>
           <a:extLst>
             <a:ext uri="{909E8E84-426E-40dd-AFC4-6F175D3DCCD1}">
-              <a14:hiddenFill xmlns:a14="http://schemas.microsoft.com/office/drawing/2010/main" xmlns="">
+              <a14:hiddenFill xmlns="" xmlns:a14="http://schemas.microsoft.com/office/drawing/2010/main">
                 <a:solidFill>
                   <a:srgbClr val="FFFFFF"/>
                 </a:solidFill>
               </a14:hiddenFill>
             </a:ext>
             <a:ext uri="{91240B29-F687-4f45-9708-019B960494DF}">
-              <a14:hiddenLine xmlns:a14="http://schemas.microsoft.com/office/drawing/2010/main" xmlns="" w="9525">
+              <a14:hiddenLine xmlns="" xmlns:a14="http://schemas.microsoft.com/office/drawing/2010/main" w="9525">
                 <a:solidFill>
                   <a:srgbClr val="000000"/>
                 </a:solidFill>
@@ -17231,28 +17026,28 @@
           <a:p>
             <a:pPr lvl="0"/>
             <a:r>
-              <a:rPr lang="en-US" dirty="0" smtClean="0"/>
+              <a:rPr lang="en-US" dirty="0"/>
               <a:t>Click to edit Master text styles</a:t>
             </a:r>
           </a:p>
           <a:p>
             <a:pPr lvl="1"/>
             <a:r>
-              <a:rPr lang="en-US" dirty="0" smtClean="0"/>
+              <a:rPr lang="en-US" dirty="0"/>
               <a:t>Second level</a:t>
             </a:r>
           </a:p>
           <a:p>
             <a:pPr lvl="2"/>
             <a:r>
-              <a:rPr lang="en-US" dirty="0" smtClean="0"/>
+              <a:rPr lang="en-US" dirty="0"/>
               <a:t>Third level</a:t>
             </a:r>
           </a:p>
           <a:p>
             <a:pPr lvl="3"/>
             <a:r>
-              <a:rPr lang="en-US" dirty="0" smtClean="0"/>
+              <a:rPr lang="en-US" dirty="0"/>
               <a:t>Fourth level</a:t>
             </a:r>
           </a:p>
@@ -17409,10 +17204,9 @@
           </a:lstStyle>
           <a:p>
             <a:r>
-              <a:rPr lang="en-US" dirty="0" smtClean="0"/>
+              <a:rPr lang="en-US" dirty="0"/>
               <a:t>Lab</a:t>
             </a:r>
-            <a:endParaRPr lang="en-US" dirty="0"/>
           </a:p>
         </p:txBody>
       </p:sp>
@@ -17540,7 +17334,7 @@
           </a:lstStyle>
           <a:p>
             <a:r>
-              <a:rPr lang="en-US" dirty="0" smtClean="0"/>
+              <a:rPr lang="en-US" dirty="0"/>
               <a:t>Click to edit Master subtitle style</a:t>
             </a:r>
           </a:p>
@@ -17697,10 +17491,9 @@
           </a:lstStyle>
           <a:p>
             <a:r>
-              <a:rPr lang="en-US" dirty="0" smtClean="0"/>
+              <a:rPr lang="en-US" dirty="0"/>
               <a:t>Commit</a:t>
             </a:r>
-            <a:endParaRPr lang="en-US" dirty="0"/>
           </a:p>
         </p:txBody>
       </p:sp>
@@ -17829,30 +17622,30 @@
           </a:lstStyle>
           <a:p>
             <a:r>
-              <a:rPr lang="en-US" dirty="0" smtClean="0"/>
+              <a:rPr lang="en-US" dirty="0"/>
               <a:t>$ cd repo</a:t>
             </a:r>
           </a:p>
           <a:p>
             <a:r>
-              <a:rPr lang="en-US" dirty="0" smtClean="0"/>
+              <a:rPr lang="en-US" dirty="0"/>
               <a:t>$ git </a:t>
             </a:r>
             <a:r>
-              <a:rPr lang="en-US" dirty="0" err="1" smtClean="0"/>
+              <a:rPr lang="en-US" dirty="0" err="1"/>
               <a:t>init</a:t>
             </a:r>
-            <a:endParaRPr lang="en-US" dirty="0" smtClean="0"/>
-          </a:p>
-          <a:p>
-            <a:r>
-              <a:rPr lang="en-US" dirty="0" smtClean="0"/>
+            <a:endParaRPr lang="en-US" dirty="0"/>
+          </a:p>
+          <a:p>
+            <a:r>
+              <a:rPr lang="en-US" dirty="0"/>
               <a:t>$ git add .</a:t>
             </a:r>
           </a:p>
           <a:p>
             <a:r>
-              <a:rPr lang="en-US" dirty="0" smtClean="0"/>
+              <a:rPr lang="en-US" dirty="0"/>
               <a:t>$ git commit -m "Work Complete"</a:t>
             </a:r>
           </a:p>
@@ -17923,7 +17716,7 @@
           <a:lstStyle/>
           <a:p>
             <a:r>
-              <a:rPr lang="en-US" smtClean="0"/>
+              <a:rPr lang="en-US"/>
               <a:t>Click to edit Master title style</a:t>
             </a:r>
             <a:endParaRPr lang="en-US" dirty="0"/>
@@ -18015,21 +17808,21 @@
           <a:p>
             <a:pPr lvl="0"/>
             <a:r>
-              <a:rPr lang="en-US" smtClean="0"/>
+              <a:rPr lang="en-US"/>
               <a:t>Click to edit Master text styles</a:t>
             </a:r>
           </a:p>
           <a:p>
             <a:pPr lvl="1"/>
             <a:r>
-              <a:rPr lang="en-US" smtClean="0"/>
+              <a:rPr lang="en-US"/>
               <a:t>Second level</a:t>
             </a:r>
           </a:p>
           <a:p>
             <a:pPr lvl="2"/>
             <a:r>
-              <a:rPr lang="en-US" smtClean="0"/>
+              <a:rPr lang="en-US"/>
               <a:t>Third level</a:t>
             </a:r>
           </a:p>
@@ -18102,7 +17895,7 @@
               <a:defRPr/>
             </a:pPr>
             <a:r>
-              <a:rPr lang="en-US" sz="16933" dirty="0" smtClean="0">
+              <a:rPr lang="en-US" sz="16933" dirty="0">
                 <a:ln w="18415" cmpd="sng">
                   <a:solidFill>
                     <a:srgbClr val="FFFFFF"/>
@@ -18121,23 +17914,6 @@
               </a:rPr>
               <a:t>DISCUSSION</a:t>
             </a:r>
-            <a:endParaRPr lang="en-US" sz="16933" dirty="0">
-              <a:ln w="18415" cmpd="sng">
-                <a:solidFill>
-                  <a:srgbClr val="FFFFFF"/>
-                </a:solidFill>
-                <a:prstDash val="solid"/>
-              </a:ln>
-              <a:solidFill>
-                <a:schemeClr val="bg2">
-                  <a:lumMod val="95000"/>
-                  <a:alpha val="50000"/>
-                </a:schemeClr>
-              </a:solidFill>
-              <a:latin typeface="+mn-lt"/>
-              <a:ea typeface="+mn-ea"/>
-              <a:cs typeface="+mn-cs"/>
-            </a:endParaRPr>
           </a:p>
         </p:txBody>
       </p:sp>
@@ -18203,10 +17979,9 @@
           </a:lstStyle>
           <a:p>
             <a:r>
-              <a:rPr lang="en-US" dirty="0" smtClean="0"/>
+              <a:rPr lang="en-US" dirty="0"/>
               <a:t>Discussion</a:t>
             </a:r>
-            <a:endParaRPr lang="en-US" dirty="0"/>
           </a:p>
         </p:txBody>
       </p:sp>
@@ -18333,7 +18108,7 @@
           </a:lstStyle>
           <a:p>
             <a:r>
-              <a:rPr lang="en-US" dirty="0" smtClean="0"/>
+              <a:rPr lang="en-US" dirty="0"/>
               <a:t>Questions</a:t>
             </a:r>
           </a:p>
@@ -18425,14 +18200,14 @@
           </a:ln>
           <a:extLst>
             <a:ext uri="{909E8E84-426E-40dd-AFC4-6F175D3DCCD1}">
-              <a14:hiddenFill xmlns:a14="http://schemas.microsoft.com/office/drawing/2010/main" xmlns="">
+              <a14:hiddenFill xmlns="" xmlns:a14="http://schemas.microsoft.com/office/drawing/2010/main">
                 <a:solidFill>
                   <a:srgbClr val="FFFFFF"/>
                 </a:solidFill>
               </a14:hiddenFill>
             </a:ext>
             <a:ext uri="{91240B29-F687-4f45-9708-019B960494DF}">
-              <a14:hiddenLine xmlns:a14="http://schemas.microsoft.com/office/drawing/2010/main" xmlns="" w="9525">
+              <a14:hiddenLine xmlns="" xmlns:a14="http://schemas.microsoft.com/office/drawing/2010/main" w="9525">
                 <a:solidFill>
                   <a:srgbClr val="000000"/>
                 </a:solidFill>
@@ -18564,7 +18339,7 @@
           <a:p>
             <a:pPr lvl="0"/>
             <a:r>
-              <a:rPr lang="en-US" dirty="0" smtClean="0"/>
+              <a:rPr lang="en-US" dirty="0"/>
               <a:t>RESULT</a:t>
             </a:r>
           </a:p>
@@ -18611,7 +18386,7 @@
           <a:p>
             <a:pPr lvl="0"/>
             <a:r>
-              <a:rPr lang="en-US" dirty="0" smtClean="0"/>
+              <a:rPr lang="en-US" dirty="0"/>
               <a:t>&gt; command</a:t>
             </a:r>
           </a:p>
@@ -18663,7 +18438,7 @@
           <a:p>
             <a:pPr lvl="0"/>
             <a:r>
-              <a:rPr lang="en-US" dirty="0" smtClean="0"/>
+              <a:rPr lang="en-US" dirty="0"/>
               <a:t> </a:t>
             </a:r>
           </a:p>
@@ -18691,7 +18466,7 @@
           </a:lstStyle>
           <a:p>
             <a:r>
-              <a:rPr lang="en-US" smtClean="0"/>
+              <a:rPr lang="en-US"/>
               <a:t>Click to edit Master title style</a:t>
             </a:r>
             <a:endParaRPr lang="en-US" dirty="0"/>
@@ -18774,7 +18549,7 @@
           </a:lstStyle>
           <a:p>
             <a:r>
-              <a:rPr lang="en-US" smtClean="0"/>
+              <a:rPr lang="en-US"/>
               <a:t>Click to edit Master title style</a:t>
             </a:r>
             <a:endParaRPr lang="en-US" dirty="0"/>
@@ -18838,7 +18613,7 @@
           <a:p>
             <a:pPr lvl="0"/>
             <a:r>
-              <a:rPr lang="en-US" dirty="0" smtClean="0"/>
+              <a:rPr lang="en-US" dirty="0"/>
               <a:t>command or result</a:t>
             </a:r>
           </a:p>
@@ -18884,21 +18659,21 @@
           <a:p>
             <a:pPr lvl="0"/>
             <a:r>
-              <a:rPr lang="en-US" smtClean="0"/>
+              <a:rPr lang="en-US"/>
               <a:t>Click to edit Master text styles</a:t>
             </a:r>
           </a:p>
           <a:p>
             <a:pPr lvl="1"/>
             <a:r>
-              <a:rPr lang="en-US" smtClean="0"/>
+              <a:rPr lang="en-US"/>
               <a:t>Second level</a:t>
             </a:r>
           </a:p>
           <a:p>
             <a:pPr lvl="2"/>
             <a:r>
-              <a:rPr lang="en-US" smtClean="0"/>
+              <a:rPr lang="en-US"/>
               <a:t>Third level</a:t>
             </a:r>
           </a:p>
@@ -18990,14 +18765,14 @@
           </a:ln>
           <a:extLst>
             <a:ext uri="{909E8E84-426E-40dd-AFC4-6F175D3DCCD1}">
-              <a14:hiddenFill xmlns:a14="http://schemas.microsoft.com/office/drawing/2010/main" xmlns="">
+              <a14:hiddenFill xmlns="" xmlns:a14="http://schemas.microsoft.com/office/drawing/2010/main">
                 <a:solidFill>
                   <a:srgbClr val="FFFFFF"/>
                 </a:solidFill>
               </a14:hiddenFill>
             </a:ext>
             <a:ext uri="{91240B29-F687-4f45-9708-019B960494DF}">
-              <a14:hiddenLine xmlns:a14="http://schemas.microsoft.com/office/drawing/2010/main" xmlns="" w="9525">
+              <a14:hiddenLine xmlns="" xmlns:a14="http://schemas.microsoft.com/office/drawing/2010/main" w="9525">
                 <a:solidFill>
                   <a:srgbClr val="000000"/>
                 </a:solidFill>
@@ -19069,7 +18844,7 @@
           </a:lstStyle>
           <a:p>
             <a:r>
-              <a:rPr lang="en-US" smtClean="0"/>
+              <a:rPr lang="en-US"/>
               <a:t>Click to edit Master title style</a:t>
             </a:r>
             <a:endParaRPr lang="en-US" dirty="0"/>
@@ -19163,7 +18938,7 @@
           <a:p>
             <a:pPr lvl="0"/>
             <a:r>
-              <a:rPr lang="en-US" dirty="0" smtClean="0"/>
+              <a:rPr lang="en-US" dirty="0"/>
               <a:t>RESULT</a:t>
             </a:r>
           </a:p>
@@ -19212,7 +18987,7 @@
           <a:p>
             <a:pPr lvl="0"/>
             <a:r>
-              <a:rPr lang="en-US" dirty="0" smtClean="0"/>
+              <a:rPr lang="en-US" dirty="0"/>
               <a:t>&gt; command</a:t>
             </a:r>
           </a:p>
@@ -19264,7 +19039,7 @@
           <a:p>
             <a:pPr lvl="0"/>
             <a:r>
-              <a:rPr lang="en-US" dirty="0" smtClean="0"/>
+              <a:rPr lang="en-US" dirty="0"/>
               <a:t> </a:t>
             </a:r>
           </a:p>
@@ -19346,7 +19121,7 @@
           </a:lstStyle>
           <a:p>
             <a:r>
-              <a:rPr lang="en-US" smtClean="0"/>
+              <a:rPr lang="en-US"/>
               <a:t>Click to edit Master title style</a:t>
             </a:r>
             <a:endParaRPr lang="en-US" dirty="0"/>
@@ -19412,7 +19187,7 @@
           <a:p>
             <a:pPr lvl="0"/>
             <a:r>
-              <a:rPr lang="en-US" dirty="0" smtClean="0"/>
+              <a:rPr lang="en-US" dirty="0"/>
               <a:t>command or result</a:t>
             </a:r>
           </a:p>
@@ -19458,21 +19233,21 @@
           <a:p>
             <a:pPr lvl="0"/>
             <a:r>
-              <a:rPr lang="en-US" smtClean="0"/>
+              <a:rPr lang="en-US"/>
               <a:t>Click to edit Master text styles</a:t>
             </a:r>
           </a:p>
           <a:p>
             <a:pPr lvl="1"/>
             <a:r>
-              <a:rPr lang="en-US" smtClean="0"/>
+              <a:rPr lang="en-US"/>
               <a:t>Second level</a:t>
             </a:r>
           </a:p>
           <a:p>
             <a:pPr lvl="2"/>
             <a:r>
-              <a:rPr lang="en-US" smtClean="0"/>
+              <a:rPr lang="en-US"/>
               <a:t>Third level</a:t>
             </a:r>
           </a:p>
@@ -19564,14 +19339,14 @@
           </a:ln>
           <a:extLst>
             <a:ext uri="{909E8E84-426E-40dd-AFC4-6F175D3DCCD1}">
-              <a14:hiddenFill xmlns:a14="http://schemas.microsoft.com/office/drawing/2010/main" xmlns="">
+              <a14:hiddenFill xmlns="" xmlns:a14="http://schemas.microsoft.com/office/drawing/2010/main">
                 <a:solidFill>
                   <a:srgbClr val="FFFFFF"/>
                 </a:solidFill>
               </a14:hiddenFill>
             </a:ext>
             <a:ext uri="{91240B29-F687-4f45-9708-019B960494DF}">
-              <a14:hiddenLine xmlns:a14="http://schemas.microsoft.com/office/drawing/2010/main" xmlns="" w="9525">
+              <a14:hiddenLine xmlns="" xmlns:a14="http://schemas.microsoft.com/office/drawing/2010/main" w="9525">
                 <a:solidFill>
                   <a:srgbClr val="000000"/>
                 </a:solidFill>
@@ -19608,7 +19383,7 @@
           </a:lstStyle>
           <a:p>
             <a:r>
-              <a:rPr lang="en-US" smtClean="0"/>
+              <a:rPr lang="en-US"/>
               <a:t>Click to edit Master title style</a:t>
             </a:r>
             <a:endParaRPr lang="en-US" dirty="0"/>
@@ -19678,7 +19453,7 @@
           <a:p>
             <a:pPr lvl="0"/>
             <a:r>
-              <a:rPr lang="en-US" dirty="0" smtClean="0"/>
+              <a:rPr lang="en-US" dirty="0"/>
               <a:t>SOURCE</a:t>
             </a:r>
           </a:p>
@@ -19722,22 +19497,22 @@
           <a:p>
             <a:pPr lvl="0"/>
             <a:r>
-              <a:rPr lang="en-US" dirty="0" smtClean="0"/>
+              <a:rPr lang="en-US" dirty="0"/>
               <a:t>/</a:t>
             </a:r>
             <a:r>
-              <a:rPr lang="en-US" dirty="0" err="1" smtClean="0"/>
+              <a:rPr lang="en-US" dirty="0" err="1"/>
               <a:t>filepath</a:t>
             </a:r>
             <a:r>
-              <a:rPr lang="en-US" dirty="0" smtClean="0"/>
+              <a:rPr lang="en-US" dirty="0"/>
               <a:t>/</a:t>
             </a:r>
             <a:r>
-              <a:rPr lang="en-US" dirty="0" err="1" smtClean="0"/>
+              <a:rPr lang="en-US" dirty="0" err="1"/>
               <a:t>file.rb</a:t>
             </a:r>
-            <a:endParaRPr lang="en-US" dirty="0" smtClean="0"/>
+            <a:endParaRPr lang="en-US" dirty="0"/>
           </a:p>
         </p:txBody>
       </p:sp>
@@ -19779,7 +19554,7 @@
           <a:p>
             <a:pPr lvl="0"/>
             <a:r>
-              <a:rPr lang="en-US" dirty="0" smtClean="0"/>
+              <a:rPr lang="en-US" dirty="0"/>
               <a:t>-</a:t>
             </a:r>
           </a:p>
@@ -19823,7 +19598,7 @@
           <a:p>
             <a:pPr lvl="0"/>
             <a:r>
-              <a:rPr lang="en-US" dirty="0" smtClean="0"/>
+              <a:rPr lang="en-US" dirty="0"/>
               <a:t>+</a:t>
             </a:r>
           </a:p>
@@ -19905,7 +19680,7 @@
           </a:lstStyle>
           <a:p>
             <a:r>
-              <a:rPr lang="en-US" smtClean="0"/>
+              <a:rPr lang="en-US"/>
               <a:t>Click to edit Master title style</a:t>
             </a:r>
             <a:endParaRPr lang="en-US" dirty="0"/>
@@ -19963,7 +19738,7 @@
           <a:p>
             <a:pPr lvl="0"/>
             <a:r>
-              <a:rPr lang="en-US" dirty="0" smtClean="0"/>
+              <a:rPr lang="en-US" dirty="0"/>
               <a:t>source code without a file</a:t>
             </a:r>
           </a:p>
@@ -20007,7 +19782,7 @@
           <a:p>
             <a:pPr lvl="0"/>
             <a:r>
-              <a:rPr lang="en-US" dirty="0" smtClean="0"/>
+              <a:rPr lang="en-US" dirty="0"/>
               <a:t>-</a:t>
             </a:r>
           </a:p>
@@ -20051,7 +19826,7 @@
           <a:p>
             <a:pPr lvl="0"/>
             <a:r>
-              <a:rPr lang="en-US" dirty="0" smtClean="0"/>
+              <a:rPr lang="en-US" dirty="0"/>
               <a:t>+</a:t>
             </a:r>
           </a:p>
@@ -20133,7 +19908,7 @@
           </a:lstStyle>
           <a:p>
             <a:r>
-              <a:rPr lang="en-US" smtClean="0"/>
+              <a:rPr lang="en-US"/>
               <a:t>Click to edit Master title style</a:t>
             </a:r>
             <a:endParaRPr lang="en-US" dirty="0"/>
@@ -20191,7 +19966,7 @@
           <a:p>
             <a:pPr lvl="0"/>
             <a:r>
-              <a:rPr lang="en-US" dirty="0" smtClean="0"/>
+              <a:rPr lang="en-US" dirty="0"/>
               <a:t>source code</a:t>
             </a:r>
           </a:p>
@@ -20237,21 +20012,21 @@
           <a:p>
             <a:pPr lvl="0"/>
             <a:r>
-              <a:rPr lang="en-US" smtClean="0"/>
+              <a:rPr lang="en-US"/>
               <a:t>Click to edit Master text styles</a:t>
             </a:r>
           </a:p>
           <a:p>
             <a:pPr lvl="1"/>
             <a:r>
-              <a:rPr lang="en-US" smtClean="0"/>
+              <a:rPr lang="en-US"/>
               <a:t>Second level</a:t>
             </a:r>
           </a:p>
           <a:p>
             <a:pPr lvl="2"/>
             <a:r>
-              <a:rPr lang="en-US" smtClean="0"/>
+              <a:rPr lang="en-US"/>
               <a:t>Third level</a:t>
             </a:r>
           </a:p>
@@ -20295,7 +20070,7 @@
           <a:p>
             <a:pPr lvl="0"/>
             <a:r>
-              <a:rPr lang="en-US" dirty="0" smtClean="0"/>
+              <a:rPr lang="en-US" dirty="0"/>
               <a:t>-</a:t>
             </a:r>
           </a:p>
@@ -20339,7 +20114,7 @@
           <a:p>
             <a:pPr lvl="0"/>
             <a:r>
-              <a:rPr lang="en-US" dirty="0" smtClean="0"/>
+              <a:rPr lang="en-US" dirty="0"/>
               <a:t>+</a:t>
             </a:r>
           </a:p>
@@ -20422,7 +20197,7 @@
           <a:lstStyle/>
           <a:p>
             <a:r>
-              <a:rPr lang="en-CA" dirty="0" smtClean="0"/>
+              <a:rPr lang="en-CA" dirty="0"/>
               <a:t>Title Text</a:t>
             </a:r>
             <a:endParaRPr lang="en-US" dirty="0"/>
@@ -20456,21 +20231,21 @@
           <a:p>
             <a:pPr lvl="0"/>
             <a:r>
-              <a:rPr lang="en-US" dirty="0" smtClean="0"/>
+              <a:rPr lang="en-US" dirty="0"/>
               <a:t>Click to edit Master text styles</a:t>
             </a:r>
           </a:p>
           <a:p>
             <a:pPr lvl="1"/>
             <a:r>
-              <a:rPr lang="en-US" dirty="0" smtClean="0"/>
+              <a:rPr lang="en-US" dirty="0"/>
               <a:t>Second level</a:t>
             </a:r>
           </a:p>
           <a:p>
             <a:pPr lvl="2"/>
             <a:r>
-              <a:rPr lang="en-US" dirty="0" smtClean="0"/>
+              <a:rPr lang="en-US" dirty="0"/>
               <a:t>Third level</a:t>
             </a:r>
           </a:p>
@@ -20511,14 +20286,14 @@
           </a:ln>
           <a:extLst>
             <a:ext uri="{909E8E84-426E-40dd-AFC4-6F175D3DCCD1}">
-              <a14:hiddenFill xmlns:a14="http://schemas.microsoft.com/office/drawing/2010/main" xmlns="">
+              <a14:hiddenFill xmlns="" xmlns:a14="http://schemas.microsoft.com/office/drawing/2010/main">
                 <a:solidFill>
                   <a:srgbClr val="FFFFFF"/>
                 </a:solidFill>
               </a14:hiddenFill>
             </a:ext>
             <a:ext uri="{91240B29-F687-4f45-9708-019B960494DF}">
-              <a14:hiddenLine xmlns:a14="http://schemas.microsoft.com/office/drawing/2010/main" xmlns="" w="9525">
+              <a14:hiddenLine xmlns="" xmlns:a14="http://schemas.microsoft.com/office/drawing/2010/main" w="9525">
                 <a:solidFill>
                   <a:srgbClr val="000000"/>
                 </a:solidFill>
@@ -20598,39 +20373,6 @@
               <a:defRPr/>
             </a:pPr>
             <a:r>
-              <a:rPr lang="en-US" dirty="0" smtClean="0">
-                <a:solidFill>
-                  <a:srgbClr val="7D868C"/>
-                </a:solidFill>
-                <a:latin typeface="+mn-lt"/>
-                <a:ea typeface="+mn-ea"/>
-                <a:cs typeface="+mn-cs"/>
-              </a:rPr>
-              <a:t>©</a:t>
-            </a:r>
-            <a:r>
-              <a:rPr lang="is-IS" dirty="0" smtClean="0">
-                <a:solidFill>
-                  <a:srgbClr val="7D868C"/>
-                </a:solidFill>
-                <a:latin typeface="+mn-lt"/>
-                <a:ea typeface="+mn-ea"/>
-                <a:cs typeface="+mn-cs"/>
-              </a:rPr>
-              <a:t>2017</a:t>
-            </a:r>
-            <a:r>
-              <a:rPr lang="en-US" dirty="0" smtClean="0">
-                <a:solidFill>
-                  <a:srgbClr val="7D868C"/>
-                </a:solidFill>
-                <a:latin typeface="+mn-lt"/>
-                <a:ea typeface="+mn-ea"/>
-                <a:cs typeface="+mn-cs"/>
-              </a:rPr>
-              <a:t> </a:t>
-            </a:r>
-            <a:r>
               <a:rPr lang="en-US" dirty="0">
                 <a:solidFill>
                   <a:srgbClr val="7D868C"/>
@@ -20639,7 +20381,29 @@
                 <a:ea typeface="+mn-ea"/>
                 <a:cs typeface="+mn-cs"/>
               </a:rPr>
-              <a:t>Chef Software Inc</a:t>
+              <a:t>©</a:t>
+            </a:r>
+            <a:r>
+              <a:rPr lang="is-IS" dirty="0">
+                <a:solidFill>
+                  <a:srgbClr val="7D868C"/>
+                </a:solidFill>
+                <a:latin typeface="+mn-lt"/>
+                <a:ea typeface="+mn-ea"/>
+                <a:cs typeface="+mn-cs"/>
+              </a:rPr>
+              <a:t>2017</a:t>
+            </a:r>
+            <a:r>
+              <a:rPr lang="en-US" dirty="0">
+                <a:solidFill>
+                  <a:srgbClr val="7D868C"/>
+                </a:solidFill>
+                <a:latin typeface="+mn-lt"/>
+                <a:ea typeface="+mn-ea"/>
+                <a:cs typeface="+mn-cs"/>
+              </a:rPr>
+              <a:t> Chef Software Inc</a:t>
             </a:r>
             <a:r>
               <a:rPr lang="en-US" dirty="0">
@@ -20707,18 +20471,7 @@
                 <a:ea typeface="+mn-ea"/>
                 <a:cs typeface="+mn-cs"/>
               </a:rPr>
-              <a:t>2</a:t>
-            </a:r>
-            <a:r>
-              <a:rPr lang="en-US" dirty="0" smtClean="0">
-                <a:solidFill>
-                  <a:srgbClr val="7F7F7F"/>
-                </a:solidFill>
-                <a:latin typeface="+mn-lt"/>
-                <a:ea typeface="+mn-ea"/>
-                <a:cs typeface="+mn-cs"/>
-              </a:rPr>
-              <a:t>-</a:t>
+              <a:t>2-</a:t>
             </a:r>
             <a:fld id="{F0B79B2F-E1DD-4D43-95B3-EA08C411D807}" type="slidenum">
               <a:rPr lang="en-US" smtClean="0">
@@ -20771,13 +20524,6 @@
   <p:transition spd="med">
     <p:fade/>
   </p:transition>
-  <p:timing>
-    <p:tnLst>
-      <p:par>
-        <p:cTn id="1" dur="indefinite" restart="never" nodeType="tmRoot"/>
-      </p:par>
-    </p:tnLst>
-  </p:timing>
   <p:hf hdr="0" dt="0"/>
   <p:txStyles>
     <p:titleStyle>
@@ -21260,7 +21006,7 @@
           <a:lstStyle/>
           <a:p>
             <a:r>
-              <a:rPr lang="en-CA" dirty="0" smtClean="0"/>
+              <a:rPr lang="en-CA" dirty="0"/>
               <a:t>Title Text</a:t>
             </a:r>
             <a:endParaRPr lang="en-US" dirty="0"/>
@@ -21302,14 +21048,14 @@
           </a:ln>
           <a:extLst>
             <a:ext uri="{909E8E84-426E-40dd-AFC4-6F175D3DCCD1}">
-              <a14:hiddenFill xmlns:a14="http://schemas.microsoft.com/office/drawing/2010/main" xmlns="">
+              <a14:hiddenFill xmlns="" xmlns:a14="http://schemas.microsoft.com/office/drawing/2010/main">
                 <a:solidFill>
                   <a:srgbClr val="FFFFFF"/>
                 </a:solidFill>
               </a14:hiddenFill>
             </a:ext>
             <a:ext uri="{91240B29-F687-4f45-9708-019B960494DF}">
-              <a14:hiddenLine xmlns:a14="http://schemas.microsoft.com/office/drawing/2010/main" xmlns="" w="9525">
+              <a14:hiddenLine xmlns="" xmlns:a14="http://schemas.microsoft.com/office/drawing/2010/main" w="9525">
                 <a:solidFill>
                   <a:srgbClr val="000000"/>
                 </a:solidFill>
@@ -21389,39 +21135,6 @@
               <a:defRPr/>
             </a:pPr>
             <a:r>
-              <a:rPr lang="en-US" dirty="0" smtClean="0">
-                <a:solidFill>
-                  <a:srgbClr val="7D868C"/>
-                </a:solidFill>
-                <a:latin typeface="+mn-lt"/>
-                <a:ea typeface="+mn-ea"/>
-                <a:cs typeface="+mn-cs"/>
-              </a:rPr>
-              <a:t>©</a:t>
-            </a:r>
-            <a:r>
-              <a:rPr lang="is-IS" dirty="0" smtClean="0">
-                <a:solidFill>
-                  <a:srgbClr val="7D868C"/>
-                </a:solidFill>
-                <a:latin typeface="+mn-lt"/>
-                <a:ea typeface="+mn-ea"/>
-                <a:cs typeface="+mn-cs"/>
-              </a:rPr>
-              <a:t>2017</a:t>
-            </a:r>
-            <a:r>
-              <a:rPr lang="en-US" dirty="0" smtClean="0">
-                <a:solidFill>
-                  <a:srgbClr val="7D868C"/>
-                </a:solidFill>
-                <a:latin typeface="+mn-lt"/>
-                <a:ea typeface="+mn-ea"/>
-                <a:cs typeface="+mn-cs"/>
-              </a:rPr>
-              <a:t> </a:t>
-            </a:r>
-            <a:r>
               <a:rPr lang="en-US" dirty="0">
                 <a:solidFill>
                   <a:srgbClr val="7D868C"/>
@@ -21430,7 +21143,29 @@
                 <a:ea typeface="+mn-ea"/>
                 <a:cs typeface="+mn-cs"/>
               </a:rPr>
-              <a:t>Chef Software Inc</a:t>
+              <a:t>©</a:t>
+            </a:r>
+            <a:r>
+              <a:rPr lang="is-IS" dirty="0">
+                <a:solidFill>
+                  <a:srgbClr val="7D868C"/>
+                </a:solidFill>
+                <a:latin typeface="+mn-lt"/>
+                <a:ea typeface="+mn-ea"/>
+                <a:cs typeface="+mn-cs"/>
+              </a:rPr>
+              <a:t>2017</a:t>
+            </a:r>
+            <a:r>
+              <a:rPr lang="en-US" dirty="0">
+                <a:solidFill>
+                  <a:srgbClr val="7D868C"/>
+                </a:solidFill>
+                <a:latin typeface="+mn-lt"/>
+                <a:ea typeface="+mn-ea"/>
+                <a:cs typeface="+mn-cs"/>
+              </a:rPr>
+              <a:t> Chef Software Inc</a:t>
             </a:r>
             <a:r>
               <a:rPr lang="en-US" dirty="0">
@@ -21498,18 +21233,7 @@
                 <a:ea typeface="+mn-ea"/>
                 <a:cs typeface="+mn-cs"/>
               </a:rPr>
-              <a:t>2</a:t>
-            </a:r>
-            <a:r>
-              <a:rPr lang="en-US" dirty="0" smtClean="0">
-                <a:solidFill>
-                  <a:srgbClr val="7F7F7F"/>
-                </a:solidFill>
-                <a:latin typeface="+mn-lt"/>
-                <a:ea typeface="+mn-ea"/>
-                <a:cs typeface="+mn-cs"/>
-              </a:rPr>
-              <a:t>-</a:t>
+              <a:t>2-</a:t>
             </a:r>
             <a:fld id="{F0B79B2F-E1DD-4D43-95B3-EA08C411D807}" type="slidenum">
               <a:rPr lang="en-US" smtClean="0">
@@ -21633,13 +21357,6 @@
   <p:transition spd="med">
     <p:fade/>
   </p:transition>
-  <p:timing>
-    <p:tnLst>
-      <p:par>
-        <p:cTn id="1" dur="indefinite" restart="never" nodeType="tmRoot"/>
-      </p:par>
-    </p:tnLst>
-  </p:timing>
   <p:hf hdr="0" dt="0"/>
   <p:txStyles>
     <p:titleStyle>
@@ -22094,10 +21811,9 @@
           <a:lstStyle/>
           <a:p>
             <a:r>
-              <a:rPr lang="en-US" dirty="0" smtClean="0"/>
+              <a:rPr lang="en-US" dirty="0"/>
               <a:t>Approaches to Extending Resources</a:t>
             </a:r>
-            <a:endParaRPr lang="en-US" dirty="0"/>
           </a:p>
         </p:txBody>
       </p:sp>
@@ -22133,13 +21849,6 @@
   <p:transition spd="med">
     <p:fade/>
   </p:transition>
-  <p:timing>
-    <p:tnLst>
-      <p:par>
-        <p:cTn id="1" dur="indefinite" restart="never" nodeType="tmRoot"/>
-      </p:par>
-    </p:tnLst>
-  </p:timing>
 </p:sld>
 </file>
 
@@ -22176,7 +21885,7 @@
           <a:lstStyle/>
           <a:p>
             <a:r>
-              <a:rPr lang="en-US" smtClean="0"/>
+              <a:rPr lang="en-US"/>
               <a:t> </a:t>
             </a:r>
             <a:endParaRPr lang="en-US" dirty="0"/>
@@ -22208,7 +21917,7 @@
               <a:buChar char="•"/>
             </a:pPr>
             <a:r>
-              <a:rPr lang="en-US" dirty="0" smtClean="0"/>
+              <a:rPr lang="en-US" dirty="0"/>
               <a:t>Available in some of the earliest versions of Chef</a:t>
             </a:r>
           </a:p>
@@ -22218,7 +21927,7 @@
               <a:buChar char="•"/>
             </a:pPr>
             <a:r>
-              <a:rPr lang="en-US" dirty="0" smtClean="0"/>
+              <a:rPr lang="en-US" dirty="0"/>
               <a:t>Allows for extremely flexible and powerful resource implementations</a:t>
             </a:r>
           </a:p>
@@ -22228,7 +21937,7 @@
               <a:buChar char="•"/>
             </a:pPr>
             <a:r>
-              <a:rPr lang="en-US" dirty="0" smtClean="0"/>
+              <a:rPr lang="en-US" dirty="0"/>
               <a:t>Requires knowledge of Ruby</a:t>
             </a:r>
           </a:p>
@@ -22238,7 +21947,7 @@
               <a:buChar char="•"/>
             </a:pPr>
             <a:r>
-              <a:rPr lang="en-US" dirty="0" smtClean="0"/>
+              <a:rPr lang="en-US" dirty="0"/>
               <a:t>Requires knowledge of Object-Oriented Programming techniques</a:t>
             </a:r>
           </a:p>
@@ -22247,7 +21956,7 @@
               <a:buFont typeface="Arial" charset="0"/>
               <a:buChar char="•"/>
             </a:pPr>
-            <a:endParaRPr lang="en-US" dirty="0" smtClean="0"/>
+            <a:endParaRPr lang="en-US" dirty="0"/>
           </a:p>
           <a:p>
             <a:endParaRPr lang="en-US" dirty="0"/>
@@ -22292,7 +22001,7 @@
           <a:lstStyle/>
           <a:p>
             <a:r>
-              <a:rPr lang="en-US" sz="3600" dirty="0" smtClean="0"/>
+              <a:rPr lang="en-US" sz="3600" dirty="0"/>
               <a:t>Pure Ruby (Heavy-Weight Resource-Providers)</a:t>
             </a:r>
           </a:p>
@@ -22358,19 +22067,6 @@
               </a:rPr>
               <a:t>1</a:t>
             </a:r>
-            <a:endParaRPr lang="en-US" sz="4000" b="1" dirty="0" smtClean="0">
-              <a:gradFill>
-                <a:gsLst>
-                  <a:gs pos="0">
-                    <a:srgbClr val="FFFFFF"/>
-                  </a:gs>
-                  <a:gs pos="100000">
-                    <a:srgbClr val="FFFFFF"/>
-                  </a:gs>
-                </a:gsLst>
-                <a:lin ang="5400000" scaled="0"/>
-              </a:gradFill>
-            </a:endParaRPr>
           </a:p>
         </p:txBody>
       </p:sp>
@@ -22419,7 +22115,7 @@
           <a:p>
             <a:pPr algn="r" defTabSz="914099"/>
             <a:r>
-              <a:rPr lang="en-US" b="1" dirty="0" smtClean="0">
+              <a:rPr lang="en-US" b="1" dirty="0">
                 <a:gradFill>
                   <a:gsLst>
                     <a:gs pos="0">
@@ -22434,7 +22130,7 @@
               </a:rPr>
               <a:t>BENEFITS &amp; DRAWBACKS</a:t>
             </a:r>
-            <a:endParaRPr lang="en-US" sz="2400" b="1" dirty="0" smtClean="0">
+            <a:endParaRPr lang="en-US" sz="2400" b="1" dirty="0">
               <a:gradFill>
                 <a:gsLst>
                   <a:gs pos="0">
@@ -22463,13 +22159,6 @@
   <p:transition spd="med">
     <p:fade/>
   </p:transition>
-  <p:timing>
-    <p:tnLst>
-      <p:par>
-        <p:cTn id="1" dur="indefinite" restart="never" nodeType="tmRoot"/>
-      </p:par>
-    </p:tnLst>
-  </p:timing>
 </p:sld>
 </file>
 
@@ -22552,10 +22241,9 @@
           <a:lstStyle/>
           <a:p>
             <a:r>
-              <a:rPr lang="en-US" dirty="0" smtClean="0"/>
+              <a:rPr lang="en-US" dirty="0"/>
               <a:t> </a:t>
             </a:r>
-            <a:endParaRPr lang="en-US" dirty="0"/>
           </a:p>
         </p:txBody>
       </p:sp>
@@ -22597,7 +22285,7 @@
           <a:lstStyle/>
           <a:p>
             <a:r>
-              <a:rPr lang="en-US" sz="3600" dirty="0" smtClean="0"/>
+              <a:rPr lang="en-US" sz="3600" dirty="0"/>
               <a:t>Definitions</a:t>
             </a:r>
           </a:p>
@@ -22663,19 +22351,6 @@
               </a:rPr>
               <a:t>2</a:t>
             </a:r>
-            <a:endParaRPr lang="en-US" sz="4000" b="1" dirty="0" smtClean="0">
-              <a:gradFill>
-                <a:gsLst>
-                  <a:gs pos="0">
-                    <a:srgbClr val="FFFFFF"/>
-                  </a:gs>
-                  <a:gs pos="100000">
-                    <a:srgbClr val="FFFFFF"/>
-                  </a:gs>
-                </a:gsLst>
-                <a:lin ang="5400000" scaled="0"/>
-              </a:gradFill>
-            </a:endParaRPr>
           </a:p>
         </p:txBody>
       </p:sp>
@@ -22724,7 +22399,7 @@
           <a:p>
             <a:pPr algn="r" defTabSz="914099"/>
             <a:r>
-              <a:rPr lang="en-US" b="1" dirty="0" smtClean="0">
+              <a:rPr lang="en-US" b="1" dirty="0">
                 <a:gradFill>
                   <a:gsLst>
                     <a:gs pos="0">
@@ -22739,7 +22414,7 @@
               </a:rPr>
               <a:t>DESCRIPTION</a:t>
             </a:r>
-            <a:endParaRPr lang="en-US" sz="2400" b="1" dirty="0" smtClean="0">
+            <a:endParaRPr lang="en-US" sz="2400" b="1" dirty="0">
               <a:gradFill>
                 <a:gsLst>
                   <a:gs pos="0">
@@ -22785,7 +22460,7 @@
           <a:lstStyle/>
           <a:p>
             <a:r>
-              <a:rPr lang="en-US" b="1" dirty="0" err="1" smtClean="0">
+              <a:rPr lang="en-US" b="1" dirty="0" err="1">
                 <a:latin typeface="Courier New" charset="0"/>
                 <a:ea typeface="Courier New" charset="0"/>
                 <a:cs typeface="Courier New" charset="0"/>
@@ -22793,7 +22468,7 @@
               <a:t>apache_vhost</a:t>
             </a:r>
             <a:r>
-              <a:rPr lang="en-US" b="1" dirty="0" smtClean="0">
+              <a:rPr lang="en-US" b="1" dirty="0">
                 <a:latin typeface="Courier New" charset="0"/>
                 <a:ea typeface="Courier New" charset="0"/>
                 <a:cs typeface="Courier New" charset="0"/>
@@ -22803,7 +22478,7 @@
           </a:p>
           <a:p>
             <a:r>
-              <a:rPr lang="en-US" b="1" dirty="0" smtClean="0">
+              <a:rPr lang="en-US" b="1" dirty="0">
                 <a:latin typeface="Courier New" charset="0"/>
                 <a:ea typeface="Courier New" charset="0"/>
                 <a:cs typeface="Courier New" charset="0"/>
@@ -22811,7 +22486,7 @@
               <a:t>  </a:t>
             </a:r>
             <a:r>
-              <a:rPr lang="en-US" b="1" dirty="0" err="1" smtClean="0">
+              <a:rPr lang="en-US" b="1" dirty="0" err="1">
                 <a:latin typeface="Courier New" charset="0"/>
                 <a:ea typeface="Courier New" charset="0"/>
                 <a:cs typeface="Courier New" charset="0"/>
@@ -22819,7 +22494,7 @@
               <a:t>site_name</a:t>
             </a:r>
             <a:r>
-              <a:rPr lang="en-US" b="1" dirty="0" smtClean="0">
+              <a:rPr lang="en-US" b="1" dirty="0">
                 <a:latin typeface="Courier New" charset="0"/>
                 <a:ea typeface="Courier New" charset="0"/>
                 <a:cs typeface="Courier New" charset="0"/>
@@ -22829,18 +22504,13 @@
           </a:p>
           <a:p>
             <a:r>
-              <a:rPr lang="en-US" b="1" dirty="0" smtClean="0">
+              <a:rPr lang="en-US" b="1" dirty="0">
                 <a:latin typeface="Courier New" charset="0"/>
                 <a:ea typeface="Courier New" charset="0"/>
                 <a:cs typeface="Courier New" charset="0"/>
               </a:rPr>
               <a:t>end</a:t>
             </a:r>
-            <a:endParaRPr lang="en-US" b="1" dirty="0">
-              <a:latin typeface="Courier New" charset="0"/>
-              <a:ea typeface="Courier New" charset="0"/>
-              <a:cs typeface="Courier New" charset="0"/>
-            </a:endParaRPr>
           </a:p>
         </p:txBody>
       </p:sp>
@@ -22875,75 +22545,21 @@
           <a:lstStyle/>
           <a:p>
             <a:r>
-              <a:rPr lang="en-US" sz="2000" b="1" dirty="0" smtClean="0">
-                <a:latin typeface="Courier New" charset="0"/>
-                <a:ea typeface="Courier New" charset="0"/>
-                <a:cs typeface="Courier New" charset="0"/>
-              </a:rPr>
-              <a:t>define :</a:t>
-            </a:r>
-            <a:r>
-              <a:rPr lang="en-US" sz="2000" b="1" dirty="0" err="1" smtClean="0">
-                <a:latin typeface="Courier New" charset="0"/>
-                <a:ea typeface="Courier New" charset="0"/>
-                <a:cs typeface="Courier New" charset="0"/>
-              </a:rPr>
-              <a:t>apache_vhost</a:t>
-            </a:r>
-            <a:r>
-              <a:rPr lang="en-US" sz="2000" b="1" dirty="0" smtClean="0">
-                <a:latin typeface="Courier New" charset="0"/>
-                <a:ea typeface="Courier New" charset="0"/>
-                <a:cs typeface="Courier New" charset="0"/>
-              </a:rPr>
-              <a:t> </a:t>
-            </a:r>
-            <a:r>
-              <a:rPr lang="en-US" sz="2000" b="1" dirty="0" err="1" smtClean="0">
-                <a:latin typeface="Courier New" charset="0"/>
-                <a:ea typeface="Courier New" charset="0"/>
-                <a:cs typeface="Courier New" charset="0"/>
-              </a:rPr>
-              <a:t>site_name</a:t>
-            </a:r>
-            <a:r>
-              <a:rPr lang="en-US" sz="2000" b="1" dirty="0" smtClean="0">
-                <a:latin typeface="Courier New" charset="0"/>
-                <a:ea typeface="Courier New" charset="0"/>
-                <a:cs typeface="Courier New" charset="0"/>
-              </a:rPr>
-              <a:t>: 'default' do</a:t>
-            </a:r>
-          </a:p>
-          <a:p>
-            <a:r>
-              <a:rPr lang="en-US" sz="2000" b="1" dirty="0" smtClean="0">
-                <a:latin typeface="Courier New" charset="0"/>
-                <a:ea typeface="Courier New" charset="0"/>
-                <a:cs typeface="Courier New" charset="0"/>
-              </a:rPr>
-              <a:t>  </a:t>
-            </a:r>
-          </a:p>
-          <a:p>
-            <a:r>
               <a:rPr lang="en-US" sz="2000" b="1" dirty="0">
                 <a:latin typeface="Courier New" charset="0"/>
                 <a:ea typeface="Courier New" charset="0"/>
                 <a:cs typeface="Courier New" charset="0"/>
               </a:rPr>
-              <a:t> </a:t>
-            </a:r>
-            <a:r>
-              <a:rPr lang="en-US" sz="2000" b="1" dirty="0" smtClean="0">
+              <a:t>define :</a:t>
+            </a:r>
+            <a:r>
+              <a:rPr lang="en-US" sz="2000" b="1" dirty="0" err="1">
                 <a:latin typeface="Courier New" charset="0"/>
                 <a:ea typeface="Courier New" charset="0"/>
                 <a:cs typeface="Courier New" charset="0"/>
               </a:rPr>
-              <a:t> directory ...</a:t>
-            </a:r>
-          </a:p>
-          <a:p>
+              <a:t>apache_vhost</a:t>
+            </a:r>
             <a:r>
               <a:rPr lang="en-US" sz="2000" b="1" dirty="0">
                 <a:latin typeface="Courier New" charset="0"/>
@@ -22953,30 +22569,20 @@
               <a:t> </a:t>
             </a:r>
             <a:r>
-              <a:rPr lang="en-US" sz="2000" b="1" dirty="0" smtClean="0">
+              <a:rPr lang="en-US" sz="2000" b="1" dirty="0" err="1">
                 <a:latin typeface="Courier New" charset="0"/>
                 <a:ea typeface="Courier New" charset="0"/>
                 <a:cs typeface="Courier New" charset="0"/>
               </a:rPr>
-              <a:t> </a:t>
-            </a:r>
-          </a:p>
-          <a:p>
+              <a:t>site_name</a:t>
+            </a:r>
             <a:r>
               <a:rPr lang="en-US" sz="2000" b="1" dirty="0">
                 <a:latin typeface="Courier New" charset="0"/>
                 <a:ea typeface="Courier New" charset="0"/>
                 <a:cs typeface="Courier New" charset="0"/>
               </a:rPr>
-              <a:t> </a:t>
-            </a:r>
-            <a:r>
-              <a:rPr lang="en-US" sz="2000" b="1" dirty="0" smtClean="0">
-                <a:latin typeface="Courier New" charset="0"/>
-                <a:ea typeface="Courier New" charset="0"/>
-                <a:cs typeface="Courier New" charset="0"/>
-              </a:rPr>
-              <a:t> template ...</a:t>
+              <a:t>: 'default' do</a:t>
             </a:r>
           </a:p>
           <a:p>
@@ -22986,15 +22592,7 @@
                 <a:ea typeface="Courier New" charset="0"/>
                 <a:cs typeface="Courier New" charset="0"/>
               </a:rPr>
-              <a:t> </a:t>
-            </a:r>
-            <a:r>
-              <a:rPr lang="en-US" sz="2000" b="1" dirty="0" smtClean="0">
-                <a:latin typeface="Courier New" charset="0"/>
-                <a:ea typeface="Courier New" charset="0"/>
-                <a:cs typeface="Courier New" charset="0"/>
-              </a:rPr>
-              <a:t> </a:t>
+              <a:t>  </a:t>
             </a:r>
           </a:p>
           <a:p>
@@ -23004,15 +22602,47 @@
                 <a:ea typeface="Courier New" charset="0"/>
                 <a:cs typeface="Courier New" charset="0"/>
               </a:rPr>
-              <a:t> </a:t>
-            </a:r>
-            <a:r>
-              <a:rPr lang="en-US" sz="2000" b="1" dirty="0" smtClean="0">
+              <a:t>  directory ...</a:t>
+            </a:r>
+          </a:p>
+          <a:p>
+            <a:r>
+              <a:rPr lang="en-US" sz="2000" b="1" dirty="0">
                 <a:latin typeface="Courier New" charset="0"/>
                 <a:ea typeface="Courier New" charset="0"/>
                 <a:cs typeface="Courier New" charset="0"/>
               </a:rPr>
-              <a:t> file ...</a:t>
+              <a:t>  </a:t>
+            </a:r>
+          </a:p>
+          <a:p>
+            <a:r>
+              <a:rPr lang="en-US" sz="2000" b="1" dirty="0">
+                <a:latin typeface="Courier New" charset="0"/>
+                <a:ea typeface="Courier New" charset="0"/>
+                <a:cs typeface="Courier New" charset="0"/>
+              </a:rPr>
+              <a:t>  template ...</a:t>
+            </a:r>
+          </a:p>
+          <a:p>
+            <a:r>
+              <a:rPr lang="en-US" sz="2000" b="1" dirty="0">
+                <a:latin typeface="Courier New" charset="0"/>
+                <a:ea typeface="Courier New" charset="0"/>
+                <a:cs typeface="Courier New" charset="0"/>
+              </a:rPr>
+              <a:t>  </a:t>
+            </a:r>
+          </a:p>
+          <a:p>
+            <a:r>
+              <a:rPr lang="en-US" sz="2000" b="1" dirty="0">
+                <a:latin typeface="Courier New" charset="0"/>
+                <a:ea typeface="Courier New" charset="0"/>
+                <a:cs typeface="Courier New" charset="0"/>
+              </a:rPr>
+              <a:t>  file ...</a:t>
             </a:r>
           </a:p>
           <a:p>
@@ -23024,7 +22654,7 @@
           </a:p>
           <a:p>
             <a:r>
-              <a:rPr lang="en-US" sz="2000" b="1" dirty="0" smtClean="0">
+              <a:rPr lang="en-US" sz="2000" b="1" dirty="0">
                 <a:latin typeface="Courier New" charset="0"/>
                 <a:ea typeface="Courier New" charset="0"/>
                 <a:cs typeface="Courier New" charset="0"/>
@@ -23062,7 +22692,7 @@
           <a:lstStyle/>
           <a:p>
             <a:r>
-              <a:rPr lang="en-US" b="1" dirty="0" smtClean="0">
+              <a:rPr lang="en-US" b="1" dirty="0">
                 <a:latin typeface="Courier New" charset="0"/>
                 <a:ea typeface="Courier New" charset="0"/>
                 <a:cs typeface="Courier New" charset="0"/>
@@ -23070,14 +22700,14 @@
               <a:t>definitions/</a:t>
             </a:r>
             <a:r>
-              <a:rPr lang="en-US" b="1" dirty="0" err="1" smtClean="0">
+              <a:rPr lang="en-US" b="1" dirty="0" err="1">
                 <a:latin typeface="Courier New" charset="0"/>
                 <a:ea typeface="Courier New" charset="0"/>
                 <a:cs typeface="Courier New" charset="0"/>
               </a:rPr>
               <a:t>apache_vhost.rb</a:t>
             </a:r>
-            <a:endParaRPr lang="en-US" b="1" dirty="0" smtClean="0">
+            <a:endParaRPr lang="en-US" b="1" dirty="0">
               <a:latin typeface="Courier New" charset="0"/>
               <a:ea typeface="Courier New" charset="0"/>
               <a:cs typeface="Courier New" charset="0"/>
@@ -23115,7 +22745,7 @@
           <a:lstStyle/>
           <a:p>
             <a:r>
-              <a:rPr lang="en-US" b="1" dirty="0" err="1" smtClean="0">
+              <a:rPr lang="en-US" b="1" dirty="0" err="1">
                 <a:latin typeface="Courier New" charset="0"/>
                 <a:ea typeface="Courier New" charset="0"/>
                 <a:cs typeface="Courier New" charset="0"/>
@@ -23123,7 +22753,7 @@
               <a:t>apache_vhost</a:t>
             </a:r>
             <a:r>
-              <a:rPr lang="en-US" b="1" dirty="0" smtClean="0">
+              <a:rPr lang="en-US" b="1" dirty="0">
                 <a:latin typeface="Courier New" charset="0"/>
                 <a:ea typeface="Courier New" charset="0"/>
                 <a:cs typeface="Courier New" charset="0"/>
@@ -23133,7 +22763,7 @@
           </a:p>
           <a:p>
             <a:r>
-              <a:rPr lang="en-US" b="1" dirty="0" smtClean="0">
+              <a:rPr lang="en-US" b="1" dirty="0">
                 <a:latin typeface="Courier New" charset="0"/>
                 <a:ea typeface="Courier New" charset="0"/>
                 <a:cs typeface="Courier New" charset="0"/>
@@ -23141,7 +22771,7 @@
               <a:t>  </a:t>
             </a:r>
             <a:r>
-              <a:rPr lang="en-US" b="1" dirty="0" err="1" smtClean="0">
+              <a:rPr lang="en-US" b="1" dirty="0" err="1">
                 <a:latin typeface="Courier New" charset="0"/>
                 <a:ea typeface="Courier New" charset="0"/>
                 <a:cs typeface="Courier New" charset="0"/>
@@ -23149,7 +22779,7 @@
               <a:t>site_name</a:t>
             </a:r>
             <a:r>
-              <a:rPr lang="en-US" b="1" dirty="0" smtClean="0">
+              <a:rPr lang="en-US" b="1" dirty="0">
                 <a:latin typeface="Courier New" charset="0"/>
                 <a:ea typeface="Courier New" charset="0"/>
                 <a:cs typeface="Courier New" charset="0"/>
@@ -23159,18 +22789,13 @@
           </a:p>
           <a:p>
             <a:r>
-              <a:rPr lang="en-US" b="1" dirty="0" smtClean="0">
+              <a:rPr lang="en-US" b="1" dirty="0">
                 <a:latin typeface="Courier New" charset="0"/>
                 <a:ea typeface="Courier New" charset="0"/>
                 <a:cs typeface="Courier New" charset="0"/>
               </a:rPr>
               <a:t>end</a:t>
             </a:r>
-            <a:endParaRPr lang="en-US" b="1" dirty="0">
-              <a:latin typeface="Courier New" charset="0"/>
-              <a:ea typeface="Courier New" charset="0"/>
-              <a:cs typeface="Courier New" charset="0"/>
-            </a:endParaRPr>
           </a:p>
         </p:txBody>
       </p:sp>
@@ -23205,7 +22830,7 @@
           <a:lstStyle/>
           <a:p>
             <a:r>
-              <a:rPr lang="en-US" b="1" dirty="0" smtClean="0">
+              <a:rPr lang="en-US" b="1" dirty="0">
                 <a:latin typeface="Courier New" charset="0"/>
                 <a:ea typeface="Courier New" charset="0"/>
                 <a:cs typeface="Courier New" charset="0"/>
@@ -23213,14 +22838,14 @@
               <a:t>recipes/</a:t>
             </a:r>
             <a:r>
-              <a:rPr lang="en-US" b="1" dirty="0" err="1" smtClean="0">
+              <a:rPr lang="en-US" b="1" dirty="0" err="1">
                 <a:latin typeface="Courier New" charset="0"/>
                 <a:ea typeface="Courier New" charset="0"/>
                 <a:cs typeface="Courier New" charset="0"/>
               </a:rPr>
               <a:t>admins_site.rb</a:t>
             </a:r>
-            <a:endParaRPr lang="en-US" b="1" dirty="0" smtClean="0">
+            <a:endParaRPr lang="en-US" b="1" dirty="0">
               <a:latin typeface="Courier New" charset="0"/>
               <a:ea typeface="Courier New" charset="0"/>
               <a:cs typeface="Courier New" charset="0"/>
@@ -23256,7 +22881,7 @@
           <a:lstStyle/>
           <a:p>
             <a:r>
-              <a:rPr lang="en-US" b="1" dirty="0" smtClean="0">
+              <a:rPr lang="en-US" b="1" dirty="0">
                 <a:latin typeface="Courier New" charset="0"/>
                 <a:ea typeface="Courier New" charset="0"/>
                 <a:cs typeface="Courier New" charset="0"/>
@@ -23264,14 +22889,14 @@
               <a:t>recipes/</a:t>
             </a:r>
             <a:r>
-              <a:rPr lang="en-US" b="1" dirty="0" err="1" smtClean="0">
+              <a:rPr lang="en-US" b="1" dirty="0" err="1">
                 <a:latin typeface="Courier New" charset="0"/>
                 <a:ea typeface="Courier New" charset="0"/>
                 <a:cs typeface="Courier New" charset="0"/>
               </a:rPr>
               <a:t>users_site.rb</a:t>
             </a:r>
-            <a:endParaRPr lang="en-US" b="1" dirty="0" smtClean="0">
+            <a:endParaRPr lang="en-US" b="1" dirty="0">
               <a:latin typeface="Courier New" charset="0"/>
               <a:ea typeface="Courier New" charset="0"/>
               <a:cs typeface="Courier New" charset="0"/>
@@ -23310,7 +22935,7 @@
           <a:lstStyle/>
           <a:p>
             <a:r>
-              <a:rPr lang="en-US" b="1" dirty="0" smtClean="0">
+              <a:rPr lang="en-US" b="1" dirty="0">
                 <a:latin typeface="Courier New" charset="0"/>
                 <a:ea typeface="Courier New" charset="0"/>
                 <a:cs typeface="Courier New" charset="0"/>
@@ -23348,7 +22973,7 @@
           <a:lstStyle/>
           <a:p>
             <a:r>
-              <a:rPr lang="en-US" b="1" dirty="0" smtClean="0">
+              <a:rPr lang="en-US" b="1" dirty="0">
                 <a:latin typeface="Courier New" charset="0"/>
                 <a:ea typeface="Courier New" charset="0"/>
                 <a:cs typeface="Courier New" charset="0"/>
@@ -23356,14 +22981,14 @@
               <a:t>recipes/</a:t>
             </a:r>
             <a:r>
-              <a:rPr lang="en-US" b="1" dirty="0" err="1" smtClean="0">
+              <a:rPr lang="en-US" b="1" dirty="0" err="1">
                 <a:latin typeface="Courier New" charset="0"/>
                 <a:ea typeface="Courier New" charset="0"/>
                 <a:cs typeface="Courier New" charset="0"/>
               </a:rPr>
               <a:t>dogs_site.rb</a:t>
             </a:r>
-            <a:endParaRPr lang="en-US" b="1" dirty="0" smtClean="0">
+            <a:endParaRPr lang="en-US" b="1" dirty="0">
               <a:latin typeface="Courier New" charset="0"/>
               <a:ea typeface="Courier New" charset="0"/>
               <a:cs typeface="Courier New" charset="0"/>
@@ -23384,13 +23009,6 @@
   <p:transition spd="med">
     <p:fade/>
   </p:transition>
-  <p:timing>
-    <p:tnLst>
-      <p:par>
-        <p:cTn id="1" dur="indefinite" restart="never" nodeType="tmRoot"/>
-      </p:par>
-    </p:tnLst>
-  </p:timing>
 </p:sld>
 </file>
 
@@ -23427,10 +23045,9 @@
           <a:lstStyle/>
           <a:p>
             <a:r>
-              <a:rPr lang="en-US" dirty="0" smtClean="0"/>
+              <a:rPr lang="en-US" dirty="0"/>
               <a:t> </a:t>
             </a:r>
-            <a:endParaRPr lang="en-US" dirty="0"/>
           </a:p>
         </p:txBody>
       </p:sp>
@@ -23472,7 +23089,7 @@
           <a:lstStyle/>
           <a:p>
             <a:r>
-              <a:rPr lang="en-US" sz="3600" dirty="0" smtClean="0"/>
+              <a:rPr lang="en-US" sz="3600" dirty="0"/>
               <a:t>Definitions</a:t>
             </a:r>
           </a:p>
@@ -23538,19 +23155,6 @@
               </a:rPr>
               <a:t>2</a:t>
             </a:r>
-            <a:endParaRPr lang="en-US" sz="4000" b="1" dirty="0" smtClean="0">
-              <a:gradFill>
-                <a:gsLst>
-                  <a:gs pos="0">
-                    <a:srgbClr val="FFFFFF"/>
-                  </a:gs>
-                  <a:gs pos="100000">
-                    <a:srgbClr val="FFFFFF"/>
-                  </a:gs>
-                </a:gsLst>
-                <a:lin ang="5400000" scaled="0"/>
-              </a:gradFill>
-            </a:endParaRPr>
           </a:p>
         </p:txBody>
       </p:sp>
@@ -23599,7 +23203,7 @@
           <a:p>
             <a:pPr algn="r" defTabSz="914099"/>
             <a:r>
-              <a:rPr lang="en-US" b="1" dirty="0" smtClean="0">
+              <a:rPr lang="en-US" b="1" dirty="0">
                 <a:gradFill>
                   <a:gsLst>
                     <a:gs pos="0">
@@ -23614,7 +23218,7 @@
               </a:rPr>
               <a:t>STRUCTURE</a:t>
             </a:r>
-            <a:endParaRPr lang="en-US" sz="2400" b="1" dirty="0" smtClean="0">
+            <a:endParaRPr lang="en-US" sz="2400" b="1" dirty="0">
               <a:gradFill>
                 <a:gsLst>
                   <a:gs pos="0">
@@ -23725,7 +23329,7 @@
                 </a:spcAft>
               </a:pPr>
               <a:r>
-                <a:rPr lang="en-US" sz="5600" b="1" kern="1200" dirty="0" err="1" smtClean="0">
+                <a:rPr lang="en-US" sz="5600" b="1" kern="1200" dirty="0" err="1">
                   <a:latin typeface="Courier New" charset="0"/>
                   <a:ea typeface="Courier New" charset="0"/>
                   <a:cs typeface="Courier New" charset="0"/>
@@ -23861,7 +23465,7 @@
                 </a:spcAft>
               </a:pPr>
               <a:r>
-                <a:rPr lang="en-US" b="1" dirty="0" smtClean="0">
+                <a:rPr lang="en-US" b="1" dirty="0">
                   <a:latin typeface="Courier New" charset="0"/>
                   <a:ea typeface="Courier New" charset="0"/>
                   <a:cs typeface="Courier New" charset="0"/>
@@ -23888,7 +23492,7 @@
                 <a:buChar char="••"/>
               </a:pPr>
               <a:r>
-                <a:rPr lang="en-US" sz="1900" b="1" dirty="0" smtClean="0">
+                <a:rPr lang="en-US" sz="1900" b="1" dirty="0">
                   <a:latin typeface="Courier New" charset="0"/>
                   <a:ea typeface="Courier New" charset="0"/>
                   <a:cs typeface="Courier New" charset="0"/>
@@ -23896,7 +23500,7 @@
                 <a:t>[</a:t>
               </a:r>
               <a:r>
-                <a:rPr lang="en-US" sz="1900" b="1" dirty="0" err="1" smtClean="0">
+                <a:rPr lang="en-US" sz="1900" b="1" dirty="0" err="1">
                   <a:latin typeface="Courier New" charset="0"/>
                   <a:ea typeface="Courier New" charset="0"/>
                   <a:cs typeface="Courier New" charset="0"/>
@@ -23909,18 +23513,10 @@
                   <a:ea typeface="Courier New" charset="0"/>
                   <a:cs typeface="Courier New" charset="0"/>
                 </a:rPr>
-                <a:t>]</a:t>
+                <a:t>].</a:t>
               </a:r>
               <a:r>
-                <a:rPr lang="en-US" sz="1900" b="1" dirty="0" smtClean="0">
-                  <a:latin typeface="Courier New" charset="0"/>
-                  <a:ea typeface="Courier New" charset="0"/>
-                  <a:cs typeface="Courier New" charset="0"/>
-                </a:rPr>
-                <a:t>.</a:t>
-              </a:r>
-              <a:r>
-                <a:rPr lang="en-US" sz="1900" b="1" dirty="0" err="1" smtClean="0">
+                <a:rPr lang="en-US" sz="1900" b="1" dirty="0" err="1">
                   <a:latin typeface="Courier New" charset="0"/>
                   <a:ea typeface="Courier New" charset="0"/>
                   <a:cs typeface="Courier New" charset="0"/>
@@ -23958,7 +23554,7 @@
           <a:lstStyle/>
           <a:p>
             <a:r>
-              <a:rPr lang="en-US" dirty="0" smtClean="0"/>
+              <a:rPr lang="en-US" dirty="0"/>
               <a:t>They are stored within the definitions folder and often the name of the definition defines of the file.</a:t>
             </a:r>
           </a:p>
@@ -23977,13 +23573,6 @@
   <p:transition spd="med">
     <p:fade/>
   </p:transition>
-  <p:timing>
-    <p:tnLst>
-      <p:par>
-        <p:cTn id="1" dur="indefinite" restart="never" nodeType="tmRoot"/>
-      </p:par>
-    </p:tnLst>
-  </p:timing>
 </p:sld>
 </file>
 
@@ -24020,10 +23609,9 @@
           <a:lstStyle/>
           <a:p>
             <a:r>
-              <a:rPr lang="en-US" dirty="0" smtClean="0"/>
+              <a:rPr lang="en-US" dirty="0"/>
               <a:t> </a:t>
             </a:r>
-            <a:endParaRPr lang="en-US" dirty="0"/>
           </a:p>
         </p:txBody>
       </p:sp>
@@ -24065,7 +23653,7 @@
           <a:lstStyle/>
           <a:p>
             <a:r>
-              <a:rPr lang="en-US" sz="3600" dirty="0" smtClean="0"/>
+              <a:rPr lang="en-US" sz="3600" dirty="0"/>
               <a:t>Definitions</a:t>
             </a:r>
           </a:p>
@@ -24131,19 +23719,6 @@
               </a:rPr>
               <a:t>2</a:t>
             </a:r>
-            <a:endParaRPr lang="en-US" sz="4000" b="1" dirty="0" smtClean="0">
-              <a:gradFill>
-                <a:gsLst>
-                  <a:gs pos="0">
-                    <a:srgbClr val="FFFFFF"/>
-                  </a:gs>
-                  <a:gs pos="100000">
-                    <a:srgbClr val="FFFFFF"/>
-                  </a:gs>
-                </a:gsLst>
-                <a:lin ang="5400000" scaled="0"/>
-              </a:gradFill>
-            </a:endParaRPr>
           </a:p>
         </p:txBody>
       </p:sp>
@@ -24192,7 +23767,7 @@
           <a:p>
             <a:pPr algn="r" defTabSz="914099"/>
             <a:r>
-              <a:rPr lang="en-US" b="1" dirty="0" smtClean="0">
+              <a:rPr lang="en-US" b="1" dirty="0">
                 <a:gradFill>
                   <a:gsLst>
                     <a:gs pos="0">
@@ -24207,7 +23782,7 @@
               </a:rPr>
               <a:t>IMPLEMENTATION LANGUAGE</a:t>
             </a:r>
-            <a:endParaRPr lang="en-US" sz="2400" b="1" dirty="0" smtClean="0">
+            <a:endParaRPr lang="en-US" sz="2400" b="1" dirty="0">
               <a:gradFill>
                 <a:gsLst>
                   <a:gs pos="0">
@@ -24288,31 +23863,15 @@
                 <a:ea typeface="Courier New" charset="0"/>
                 <a:cs typeface="Courier New" charset="0"/>
               </a:rPr>
-              <a:t>: </a:t>
-            </a:r>
-            <a:r>
-              <a:rPr lang="en-US" sz="2000" b="1" dirty="0" smtClean="0">
+              <a:t>: 'default', </a:t>
+            </a:r>
+            <a:r>
+              <a:rPr lang="en-US" sz="2000" b="1" dirty="0" err="1">
                 <a:latin typeface="Courier New" charset="0"/>
                 <a:ea typeface="Courier New" charset="0"/>
                 <a:cs typeface="Courier New" charset="0"/>
               </a:rPr>
-              <a:t>'default', </a:t>
-            </a:r>
-            <a:r>
-              <a:rPr lang="en-US" sz="2000" b="1" dirty="0" err="1" smtClean="0">
-                <a:latin typeface="Courier New" charset="0"/>
-                <a:ea typeface="Courier New" charset="0"/>
-                <a:cs typeface="Courier New" charset="0"/>
-              </a:rPr>
               <a:t>site_port</a:t>
-            </a:r>
-            <a:r>
-              <a:rPr lang="en-US" sz="2000" b="1" dirty="0" smtClean="0">
-                <a:latin typeface="Courier New" charset="0"/>
-                <a:ea typeface="Courier New" charset="0"/>
-                <a:cs typeface="Courier New" charset="0"/>
-              </a:rPr>
-              <a:t>: 80 </a:t>
             </a:r>
             <a:r>
               <a:rPr lang="en-US" sz="2000" b="1" dirty="0">
@@ -24320,65 +23879,7 @@
                 <a:ea typeface="Courier New" charset="0"/>
                 <a:cs typeface="Courier New" charset="0"/>
               </a:rPr>
-              <a:t>do</a:t>
-            </a:r>
-          </a:p>
-          <a:p>
-            <a:r>
-              <a:rPr lang="en-US" sz="2000" b="1" dirty="0" smtClean="0">
-                <a:latin typeface="Courier New" charset="0"/>
-                <a:ea typeface="Courier New" charset="0"/>
-                <a:cs typeface="Courier New" charset="0"/>
-              </a:rPr>
-              <a:t>  directory "/</a:t>
-            </a:r>
-            <a:r>
-              <a:rPr lang="en-US" sz="2000" b="1" dirty="0" err="1" smtClean="0">
-                <a:latin typeface="Courier New" charset="0"/>
-                <a:ea typeface="Courier New" charset="0"/>
-                <a:cs typeface="Courier New" charset="0"/>
-              </a:rPr>
-              <a:t>srv</a:t>
-            </a:r>
-            <a:r>
-              <a:rPr lang="en-US" sz="2000" b="1" dirty="0" smtClean="0">
-                <a:latin typeface="Courier New" charset="0"/>
-                <a:ea typeface="Courier New" charset="0"/>
-                <a:cs typeface="Courier New" charset="0"/>
-              </a:rPr>
-              <a:t>/apache/#{</a:t>
-            </a:r>
-            <a:r>
-              <a:rPr lang="en-US" sz="2000" b="1" dirty="0" err="1" smtClean="0">
-                <a:latin typeface="Courier New" charset="0"/>
-                <a:ea typeface="Courier New" charset="0"/>
-                <a:cs typeface="Courier New" charset="0"/>
-              </a:rPr>
-              <a:t>params</a:t>
-            </a:r>
-            <a:r>
-              <a:rPr lang="en-US" sz="2000" b="1" dirty="0" smtClean="0">
-                <a:latin typeface="Courier New" charset="0"/>
-                <a:ea typeface="Courier New" charset="0"/>
-                <a:cs typeface="Courier New" charset="0"/>
-              </a:rPr>
-              <a:t>[:</a:t>
-            </a:r>
-            <a:r>
-              <a:rPr lang="en-US" sz="2000" b="1" dirty="0" err="1" smtClean="0">
-                <a:latin typeface="Courier New" charset="0"/>
-                <a:ea typeface="Courier New" charset="0"/>
-                <a:cs typeface="Courier New" charset="0"/>
-              </a:rPr>
-              <a:t>site_name</a:t>
-            </a:r>
-            <a:r>
-              <a:rPr lang="en-US" sz="2000" b="1" dirty="0" smtClean="0">
-                <a:latin typeface="Courier New" charset="0"/>
-                <a:ea typeface="Courier New" charset="0"/>
-                <a:cs typeface="Courier New" charset="0"/>
-              </a:rPr>
-              <a:t>]}/html' do</a:t>
+              <a:t>: 80 do</a:t>
             </a:r>
           </a:p>
           <a:p>
@@ -24388,51 +23889,85 @@
                 <a:ea typeface="Courier New" charset="0"/>
                 <a:cs typeface="Courier New" charset="0"/>
               </a:rPr>
-              <a:t> </a:t>
-            </a:r>
-            <a:r>
-              <a:rPr lang="en-US" sz="2000" b="1" dirty="0" smtClean="0">
+              <a:t>  directory "/</a:t>
+            </a:r>
+            <a:r>
+              <a:rPr lang="en-US" sz="2000" b="1" dirty="0" err="1">
                 <a:latin typeface="Courier New" charset="0"/>
                 <a:ea typeface="Courier New" charset="0"/>
                 <a:cs typeface="Courier New" charset="0"/>
               </a:rPr>
-              <a:t>   recursive true</a:t>
-            </a:r>
-          </a:p>
-          <a:p>
+              <a:t>srv</a:t>
+            </a:r>
             <a:r>
               <a:rPr lang="en-US" sz="2000" b="1" dirty="0">
                 <a:latin typeface="Courier New" charset="0"/>
                 <a:ea typeface="Courier New" charset="0"/>
                 <a:cs typeface="Courier New" charset="0"/>
               </a:rPr>
-              <a:t> </a:t>
-            </a:r>
-            <a:r>
-              <a:rPr lang="en-US" sz="2000" b="1" dirty="0" smtClean="0">
+              <a:t>/apache/#{</a:t>
+            </a:r>
+            <a:r>
+              <a:rPr lang="en-US" sz="2000" b="1" dirty="0" err="1">
                 <a:latin typeface="Courier New" charset="0"/>
                 <a:ea typeface="Courier New" charset="0"/>
                 <a:cs typeface="Courier New" charset="0"/>
               </a:rPr>
-              <a:t>   mode '0755'</a:t>
-            </a:r>
-          </a:p>
-          <a:p>
+              <a:t>params</a:t>
+            </a:r>
             <a:r>
               <a:rPr lang="en-US" sz="2000" b="1" dirty="0">
                 <a:latin typeface="Courier New" charset="0"/>
                 <a:ea typeface="Courier New" charset="0"/>
                 <a:cs typeface="Courier New" charset="0"/>
               </a:rPr>
-              <a:t> </a:t>
-            </a:r>
-            <a:r>
-              <a:rPr lang="en-US" sz="2000" b="1" dirty="0" smtClean="0">
+              <a:t>[:</a:t>
+            </a:r>
+            <a:r>
+              <a:rPr lang="en-US" sz="2000" b="1" dirty="0" err="1">
                 <a:latin typeface="Courier New" charset="0"/>
                 <a:ea typeface="Courier New" charset="0"/>
                 <a:cs typeface="Courier New" charset="0"/>
               </a:rPr>
-              <a:t> end</a:t>
+              <a:t>site_name</a:t>
+            </a:r>
+            <a:r>
+              <a:rPr lang="en-US" sz="2000" b="1" dirty="0">
+                <a:latin typeface="Courier New" charset="0"/>
+                <a:ea typeface="Courier New" charset="0"/>
+                <a:cs typeface="Courier New" charset="0"/>
+              </a:rPr>
+              <a:t>]}/html' do</a:t>
+            </a:r>
+          </a:p>
+          <a:p>
+            <a:r>
+              <a:rPr lang="en-US" sz="2000" b="1" dirty="0">
+                <a:latin typeface="Courier New" charset="0"/>
+                <a:ea typeface="Courier New" charset="0"/>
+                <a:cs typeface="Courier New" charset="0"/>
+              </a:rPr>
+              <a:t>    recursive true</a:t>
+            </a:r>
+          </a:p>
+          <a:p>
+            <a:r>
+              <a:rPr lang="en-US" sz="2000" b="1" dirty="0">
+                <a:latin typeface="Courier New" charset="0"/>
+                <a:ea typeface="Courier New" charset="0"/>
+                <a:cs typeface="Courier New" charset="0"/>
+              </a:rPr>
+              <a:t>    mode '0755'</a:t>
+            </a:r>
+          </a:p>
+          <a:p>
+            <a:r>
+              <a:rPr lang="en-US" sz="2000" b="1" dirty="0">
+                <a:latin typeface="Courier New" charset="0"/>
+                <a:ea typeface="Courier New" charset="0"/>
+                <a:cs typeface="Courier New" charset="0"/>
+              </a:rPr>
+              <a:t>  end</a:t>
             </a:r>
           </a:p>
           <a:p>
@@ -24444,244 +23979,60 @@
           </a:p>
           <a:p>
             <a:r>
-              <a:rPr lang="en-US" sz="2000" b="1" dirty="0" smtClean="0">
-                <a:latin typeface="Courier New" charset="0"/>
-                <a:ea typeface="Courier New" charset="0"/>
-                <a:cs typeface="Courier New" charset="0"/>
-              </a:rPr>
-              <a:t>  templates "/</a:t>
-            </a:r>
-            <a:r>
-              <a:rPr lang="en-US" sz="2000" b="1" dirty="0" err="1" smtClean="0">
-                <a:latin typeface="Courier New" charset="0"/>
-                <a:ea typeface="Courier New" charset="0"/>
-                <a:cs typeface="Courier New" charset="0"/>
-              </a:rPr>
-              <a:t>srv</a:t>
-            </a:r>
-            <a:r>
-              <a:rPr lang="en-US" sz="2000" b="1" dirty="0" smtClean="0">
-                <a:latin typeface="Courier New" charset="0"/>
-                <a:ea typeface="Courier New" charset="0"/>
-                <a:cs typeface="Courier New" charset="0"/>
-              </a:rPr>
-              <a:t>/apache/#{</a:t>
-            </a:r>
-            <a:r>
-              <a:rPr lang="en-US" sz="2000" b="1" dirty="0" err="1" smtClean="0">
-                <a:latin typeface="Courier New" charset="0"/>
-                <a:ea typeface="Courier New" charset="0"/>
-                <a:cs typeface="Courier New" charset="0"/>
-              </a:rPr>
-              <a:t>params</a:t>
-            </a:r>
-            <a:r>
-              <a:rPr lang="en-US" sz="2000" b="1" dirty="0" smtClean="0">
-                <a:latin typeface="Courier New" charset="0"/>
-                <a:ea typeface="Courier New" charset="0"/>
-                <a:cs typeface="Courier New" charset="0"/>
-              </a:rPr>
-              <a:t>[:</a:t>
-            </a:r>
-            <a:r>
-              <a:rPr lang="en-US" sz="2000" b="1" dirty="0" err="1" smtClean="0">
-                <a:latin typeface="Courier New" charset="0"/>
-                <a:ea typeface="Courier New" charset="0"/>
-                <a:cs typeface="Courier New" charset="0"/>
-              </a:rPr>
-              <a:t>site_name</a:t>
-            </a:r>
-            <a:r>
-              <a:rPr lang="en-US" sz="2000" b="1" dirty="0" smtClean="0">
-                <a:latin typeface="Courier New" charset="0"/>
-                <a:ea typeface="Courier New" charset="0"/>
-                <a:cs typeface="Courier New" charset="0"/>
-              </a:rPr>
-              <a:t>]}/html" do</a:t>
-            </a:r>
-          </a:p>
-          <a:p>
-            <a:r>
               <a:rPr lang="en-US" sz="2000" b="1" dirty="0">
                 <a:latin typeface="Courier New" charset="0"/>
                 <a:ea typeface="Courier New" charset="0"/>
                 <a:cs typeface="Courier New" charset="0"/>
               </a:rPr>
-              <a:t> </a:t>
-            </a:r>
-            <a:r>
-              <a:rPr lang="en-US" sz="2000" b="1" dirty="0" smtClean="0">
+              <a:t>  templates "/</a:t>
+            </a:r>
+            <a:r>
+              <a:rPr lang="en-US" sz="2000" b="1" dirty="0" err="1">
                 <a:latin typeface="Courier New" charset="0"/>
                 <a:ea typeface="Courier New" charset="0"/>
                 <a:cs typeface="Courier New" charset="0"/>
               </a:rPr>
-              <a:t>   source '</a:t>
-            </a:r>
-            <a:r>
-              <a:rPr lang="en-US" sz="2000" b="1" dirty="0" err="1" smtClean="0">
-                <a:latin typeface="Courier New" charset="0"/>
-                <a:ea typeface="Courier New" charset="0"/>
-                <a:cs typeface="Courier New" charset="0"/>
-              </a:rPr>
-              <a:t>conf.erb</a:t>
-            </a:r>
-            <a:r>
-              <a:rPr lang="en-US" sz="2000" b="1" dirty="0" smtClean="0">
-                <a:latin typeface="Courier New" charset="0"/>
-                <a:ea typeface="Courier New" charset="0"/>
-                <a:cs typeface="Courier New" charset="0"/>
-              </a:rPr>
-              <a:t>'</a:t>
-            </a:r>
-          </a:p>
-          <a:p>
+              <a:t>srv</a:t>
+            </a:r>
             <a:r>
               <a:rPr lang="en-US" sz="2000" b="1" dirty="0">
                 <a:latin typeface="Courier New" charset="0"/>
                 <a:ea typeface="Courier New" charset="0"/>
                 <a:cs typeface="Courier New" charset="0"/>
               </a:rPr>
-              <a:t> </a:t>
-            </a:r>
-            <a:r>
-              <a:rPr lang="en-US" sz="2000" b="1" dirty="0" smtClean="0">
+              <a:t>/apache/#{</a:t>
+            </a:r>
+            <a:r>
+              <a:rPr lang="en-US" sz="2000" b="1" dirty="0" err="1">
                 <a:latin typeface="Courier New" charset="0"/>
                 <a:ea typeface="Courier New" charset="0"/>
                 <a:cs typeface="Courier New" charset="0"/>
               </a:rPr>
-              <a:t>   mode '0644'</a:t>
-            </a:r>
-          </a:p>
-          <a:p>
+              <a:t>params</a:t>
+            </a:r>
             <a:r>
               <a:rPr lang="en-US" sz="2000" b="1" dirty="0">
                 <a:latin typeface="Courier New" charset="0"/>
                 <a:ea typeface="Courier New" charset="0"/>
                 <a:cs typeface="Courier New" charset="0"/>
               </a:rPr>
-              <a:t> </a:t>
-            </a:r>
-            <a:r>
-              <a:rPr lang="en-US" sz="2000" b="1" dirty="0" smtClean="0">
+              <a:t>[:</a:t>
+            </a:r>
+            <a:r>
+              <a:rPr lang="en-US" sz="2000" b="1" dirty="0" err="1">
                 <a:latin typeface="Courier New" charset="0"/>
                 <a:ea typeface="Courier New" charset="0"/>
                 <a:cs typeface="Courier New" charset="0"/>
               </a:rPr>
-              <a:t>   variables(</a:t>
-            </a:r>
-            <a:r>
-              <a:rPr lang="en-US" sz="2000" b="1" dirty="0" err="1" smtClean="0">
-                <a:latin typeface="Courier New" charset="0"/>
-                <a:ea typeface="Courier New" charset="0"/>
-                <a:cs typeface="Courier New" charset="0"/>
-              </a:rPr>
-              <a:t>document_root</a:t>
-            </a:r>
-            <a:r>
-              <a:rPr lang="en-US" sz="2000" b="1" dirty="0" smtClean="0">
-                <a:latin typeface="Courier New" charset="0"/>
-                <a:ea typeface="Courier New" charset="0"/>
-                <a:cs typeface="Courier New" charset="0"/>
-              </a:rPr>
-              <a:t>: "/</a:t>
-            </a:r>
-            <a:r>
-              <a:rPr lang="en-US" sz="2000" b="1" dirty="0" err="1" smtClean="0">
-                <a:latin typeface="Courier New" charset="0"/>
-                <a:ea typeface="Courier New" charset="0"/>
-                <a:cs typeface="Courier New" charset="0"/>
-              </a:rPr>
-              <a:t>srv</a:t>
-            </a:r>
-            <a:r>
-              <a:rPr lang="en-US" sz="2000" b="1" dirty="0" smtClean="0">
-                <a:latin typeface="Courier New" charset="0"/>
-                <a:ea typeface="Courier New" charset="0"/>
-                <a:cs typeface="Courier New" charset="0"/>
-              </a:rPr>
-              <a:t>/apache/#{</a:t>
-            </a:r>
-            <a:r>
-              <a:rPr lang="en-US" sz="2000" b="1" dirty="0" err="1" smtClean="0">
-                <a:latin typeface="Courier New" charset="0"/>
-                <a:ea typeface="Courier New" charset="0"/>
-                <a:cs typeface="Courier New" charset="0"/>
-              </a:rPr>
-              <a:t>params</a:t>
-            </a:r>
-            <a:r>
-              <a:rPr lang="en-US" sz="2000" b="1" dirty="0" smtClean="0">
-                <a:latin typeface="Courier New" charset="0"/>
-                <a:ea typeface="Courier New" charset="0"/>
-                <a:cs typeface="Courier New" charset="0"/>
-              </a:rPr>
-              <a:t>[:</a:t>
-            </a:r>
-            <a:r>
-              <a:rPr lang="en-US" sz="2000" b="1" dirty="0" err="1" smtClean="0">
-                <a:latin typeface="Courier New" charset="0"/>
-                <a:ea typeface="Courier New" charset="0"/>
-                <a:cs typeface="Courier New" charset="0"/>
-              </a:rPr>
               <a:t>site_name</a:t>
             </a:r>
-            <a:r>
-              <a:rPr lang="en-US" sz="2000" b="1" dirty="0" smtClean="0">
-                <a:latin typeface="Courier New" charset="0"/>
-                <a:ea typeface="Courier New" charset="0"/>
-                <a:cs typeface="Courier New" charset="0"/>
-              </a:rPr>
-              <a:t>]}/html", port: </a:t>
-            </a:r>
-            <a:r>
-              <a:rPr lang="en-US" sz="2000" b="1" dirty="0" err="1" smtClean="0">
-                <a:latin typeface="Courier New" charset="0"/>
-                <a:ea typeface="Courier New" charset="0"/>
-                <a:cs typeface="Courier New" charset="0"/>
-              </a:rPr>
-              <a:t>params</a:t>
-            </a:r>
-            <a:r>
-              <a:rPr lang="en-US" sz="2000" b="1" dirty="0" smtClean="0">
-                <a:latin typeface="Courier New" charset="0"/>
-                <a:ea typeface="Courier New" charset="0"/>
-                <a:cs typeface="Courier New" charset="0"/>
-              </a:rPr>
-              <a:t>[:</a:t>
-            </a:r>
-            <a:r>
-              <a:rPr lang="en-US" sz="2000" b="1" dirty="0" err="1" smtClean="0">
-                <a:latin typeface="Courier New" charset="0"/>
-                <a:ea typeface="Courier New" charset="0"/>
-                <a:cs typeface="Courier New" charset="0"/>
-              </a:rPr>
-              <a:t>site_port</a:t>
-            </a:r>
-            <a:r>
-              <a:rPr lang="en-US" sz="2000" b="1" dirty="0" smtClean="0">
-                <a:latin typeface="Courier New" charset="0"/>
-                <a:ea typeface="Courier New" charset="0"/>
-                <a:cs typeface="Courier New" charset="0"/>
-              </a:rPr>
-              <a:t>]</a:t>
-            </a:r>
-          </a:p>
-          <a:p>
             <a:r>
               <a:rPr lang="en-US" sz="2000" b="1" dirty="0">
                 <a:latin typeface="Courier New" charset="0"/>
                 <a:ea typeface="Courier New" charset="0"/>
                 <a:cs typeface="Courier New" charset="0"/>
               </a:rPr>
-              <a:t> </a:t>
-            </a:r>
-            <a:r>
-              <a:rPr lang="en-US" sz="2000" b="1" dirty="0" smtClean="0">
-                <a:latin typeface="Courier New" charset="0"/>
-                <a:ea typeface="Courier New" charset="0"/>
-                <a:cs typeface="Courier New" charset="0"/>
-              </a:rPr>
-              <a:t>   mode '0755'</a:t>
+              <a:t>]}/html" do</a:t>
             </a:r>
           </a:p>
           <a:p>
@@ -24691,36 +24042,180 @@
                 <a:ea typeface="Courier New" charset="0"/>
                 <a:cs typeface="Courier New" charset="0"/>
               </a:rPr>
-              <a:t> </a:t>
-            </a:r>
-            <a:r>
-              <a:rPr lang="en-US" sz="2000" b="1" dirty="0" smtClean="0">
+              <a:t>    source '</a:t>
+            </a:r>
+            <a:r>
+              <a:rPr lang="en-US" sz="2000" b="1" dirty="0" err="1">
                 <a:latin typeface="Courier New" charset="0"/>
                 <a:ea typeface="Courier New" charset="0"/>
                 <a:cs typeface="Courier New" charset="0"/>
               </a:rPr>
-              <a:t>   notifies :restart, 'service[</a:t>
-            </a:r>
-            <a:r>
-              <a:rPr lang="en-US" sz="2000" b="1" dirty="0" err="1" smtClean="0">
+              <a:t>conf.erb</a:t>
+            </a:r>
+            <a:r>
+              <a:rPr lang="en-US" sz="2000" b="1" dirty="0">
                 <a:latin typeface="Courier New" charset="0"/>
                 <a:ea typeface="Courier New" charset="0"/>
                 <a:cs typeface="Courier New" charset="0"/>
               </a:rPr>
-              <a:t>httpd</a:t>
-            </a:r>
-            <a:r>
-              <a:rPr lang="en-US" sz="2000" b="1" dirty="0" smtClean="0">
+              <a:t>'</a:t>
+            </a:r>
+          </a:p>
+          <a:p>
+            <a:r>
+              <a:rPr lang="en-US" sz="2000" b="1" dirty="0">
                 <a:latin typeface="Courier New" charset="0"/>
                 <a:ea typeface="Courier New" charset="0"/>
                 <a:cs typeface="Courier New" charset="0"/>
               </a:rPr>
+              <a:t>    mode '0644'</a:t>
+            </a:r>
+          </a:p>
+          <a:p>
+            <a:r>
+              <a:rPr lang="en-US" sz="2000" b="1" dirty="0">
+                <a:latin typeface="Courier New" charset="0"/>
+                <a:ea typeface="Courier New" charset="0"/>
+                <a:cs typeface="Courier New" charset="0"/>
+              </a:rPr>
+              <a:t>    variables(</a:t>
+            </a:r>
+            <a:r>
+              <a:rPr lang="en-US" sz="2000" b="1" dirty="0" err="1">
+                <a:latin typeface="Courier New" charset="0"/>
+                <a:ea typeface="Courier New" charset="0"/>
+                <a:cs typeface="Courier New" charset="0"/>
+              </a:rPr>
+              <a:t>document_root</a:t>
+            </a:r>
+            <a:r>
+              <a:rPr lang="en-US" sz="2000" b="1" dirty="0">
+                <a:latin typeface="Courier New" charset="0"/>
+                <a:ea typeface="Courier New" charset="0"/>
+                <a:cs typeface="Courier New" charset="0"/>
+              </a:rPr>
+              <a:t>: "/</a:t>
+            </a:r>
+            <a:r>
+              <a:rPr lang="en-US" sz="2000" b="1" dirty="0" err="1">
+                <a:latin typeface="Courier New" charset="0"/>
+                <a:ea typeface="Courier New" charset="0"/>
+                <a:cs typeface="Courier New" charset="0"/>
+              </a:rPr>
+              <a:t>srv</a:t>
+            </a:r>
+            <a:r>
+              <a:rPr lang="en-US" sz="2000" b="1" dirty="0">
+                <a:latin typeface="Courier New" charset="0"/>
+                <a:ea typeface="Courier New" charset="0"/>
+                <a:cs typeface="Courier New" charset="0"/>
+              </a:rPr>
+              <a:t>/apache/#{</a:t>
+            </a:r>
+            <a:r>
+              <a:rPr lang="en-US" sz="2000" b="1" dirty="0" err="1">
+                <a:latin typeface="Courier New" charset="0"/>
+                <a:ea typeface="Courier New" charset="0"/>
+                <a:cs typeface="Courier New" charset="0"/>
+              </a:rPr>
+              <a:t>params</a:t>
+            </a:r>
+            <a:r>
+              <a:rPr lang="en-US" sz="2000" b="1" dirty="0">
+                <a:latin typeface="Courier New" charset="0"/>
+                <a:ea typeface="Courier New" charset="0"/>
+                <a:cs typeface="Courier New" charset="0"/>
+              </a:rPr>
+              <a:t>[:</a:t>
+            </a:r>
+            <a:r>
+              <a:rPr lang="en-US" sz="2000" b="1" dirty="0" err="1">
+                <a:latin typeface="Courier New" charset="0"/>
+                <a:ea typeface="Courier New" charset="0"/>
+                <a:cs typeface="Courier New" charset="0"/>
+              </a:rPr>
+              <a:t>site_name</a:t>
+            </a:r>
+            <a:r>
+              <a:rPr lang="en-US" sz="2000" b="1" dirty="0">
+                <a:latin typeface="Courier New" charset="0"/>
+                <a:ea typeface="Courier New" charset="0"/>
+                <a:cs typeface="Courier New" charset="0"/>
+              </a:rPr>
+              <a:t>]}/html", port: </a:t>
+            </a:r>
+            <a:r>
+              <a:rPr lang="en-US" sz="2000" b="1" dirty="0" err="1">
+                <a:latin typeface="Courier New" charset="0"/>
+                <a:ea typeface="Courier New" charset="0"/>
+                <a:cs typeface="Courier New" charset="0"/>
+              </a:rPr>
+              <a:t>params</a:t>
+            </a:r>
+            <a:r>
+              <a:rPr lang="en-US" sz="2000" b="1" dirty="0">
+                <a:latin typeface="Courier New" charset="0"/>
+                <a:ea typeface="Courier New" charset="0"/>
+                <a:cs typeface="Courier New" charset="0"/>
+              </a:rPr>
+              <a:t>[:</a:t>
+            </a:r>
+            <a:r>
+              <a:rPr lang="en-US" sz="2000" b="1" dirty="0" err="1">
+                <a:latin typeface="Courier New" charset="0"/>
+                <a:ea typeface="Courier New" charset="0"/>
+                <a:cs typeface="Courier New" charset="0"/>
+              </a:rPr>
+              <a:t>site_port</a:t>
+            </a:r>
+            <a:r>
+              <a:rPr lang="en-US" sz="2000" b="1" dirty="0">
+                <a:latin typeface="Courier New" charset="0"/>
+                <a:ea typeface="Courier New" charset="0"/>
+                <a:cs typeface="Courier New" charset="0"/>
+              </a:rPr>
+              <a:t>]</a:t>
+            </a:r>
+          </a:p>
+          <a:p>
+            <a:r>
+              <a:rPr lang="en-US" sz="2000" b="1" dirty="0">
+                <a:latin typeface="Courier New" charset="0"/>
+                <a:ea typeface="Courier New" charset="0"/>
+                <a:cs typeface="Courier New" charset="0"/>
+              </a:rPr>
+              <a:t>    mode '0755'</a:t>
+            </a:r>
+          </a:p>
+          <a:p>
+            <a:r>
+              <a:rPr lang="en-US" sz="2000" b="1" dirty="0">
+                <a:latin typeface="Courier New" charset="0"/>
+                <a:ea typeface="Courier New" charset="0"/>
+                <a:cs typeface="Courier New" charset="0"/>
+              </a:rPr>
+              <a:t>    notifies :restart, 'service[</a:t>
+            </a:r>
+            <a:r>
+              <a:rPr lang="en-US" sz="2000" b="1" dirty="0" err="1">
+                <a:latin typeface="Courier New" charset="0"/>
+                <a:ea typeface="Courier New" charset="0"/>
+                <a:cs typeface="Courier New" charset="0"/>
+              </a:rPr>
+              <a:t>httpd</a:t>
+            </a:r>
+            <a:r>
+              <a:rPr lang="en-US" sz="2000" b="1" dirty="0">
+                <a:latin typeface="Courier New" charset="0"/>
+                <a:ea typeface="Courier New" charset="0"/>
+                <a:cs typeface="Courier New" charset="0"/>
+              </a:rPr>
               <a:t>]'</a:t>
             </a:r>
           </a:p>
           <a:p>
             <a:r>
-              <a:rPr lang="en-US" sz="2000" b="1" dirty="0" smtClean="0">
+              <a:rPr lang="en-US" sz="2000" b="1" dirty="0">
                 <a:latin typeface="Courier New" charset="0"/>
                 <a:ea typeface="Courier New" charset="0"/>
                 <a:cs typeface="Courier New" charset="0"/>
@@ -24737,33 +24232,23 @@
           </a:p>
           <a:p>
             <a:r>
-              <a:rPr lang="en-US" sz="2000" b="1" dirty="0" smtClean="0">
+              <a:rPr lang="en-US" sz="2000" b="1" dirty="0">
                 <a:latin typeface="Courier New" charset="0"/>
                 <a:ea typeface="Courier New" charset="0"/>
                 <a:cs typeface="Courier New" charset="0"/>
               </a:rPr>
               <a:t>  # ... remaining resources ...</a:t>
             </a:r>
-            <a:endParaRPr lang="en-US" sz="2000" b="1" dirty="0">
-              <a:latin typeface="Courier New" charset="0"/>
-              <a:ea typeface="Courier New" charset="0"/>
-              <a:cs typeface="Courier New" charset="0"/>
-            </a:endParaRPr>
-          </a:p>
-          <a:p>
-            <a:r>
-              <a:rPr lang="en-US" sz="2000" b="1" dirty="0" smtClean="0">
+          </a:p>
+          <a:p>
+            <a:r>
+              <a:rPr lang="en-US" sz="2000" b="1" dirty="0">
                 <a:latin typeface="Courier New" charset="0"/>
                 <a:ea typeface="Courier New" charset="0"/>
                 <a:cs typeface="Courier New" charset="0"/>
               </a:rPr>
               <a:t>end</a:t>
             </a:r>
-            <a:endParaRPr lang="en-US" sz="2000" b="1" dirty="0">
-              <a:latin typeface="Courier New" charset="0"/>
-              <a:ea typeface="Courier New" charset="0"/>
-              <a:cs typeface="Courier New" charset="0"/>
-            </a:endParaRPr>
           </a:p>
         </p:txBody>
       </p:sp>
@@ -24795,7 +24280,7 @@
           <a:lstStyle/>
           <a:p>
             <a:r>
-              <a:rPr lang="en-US" b="1" dirty="0" smtClean="0">
+              <a:rPr lang="en-US" b="1" dirty="0">
                 <a:latin typeface="Courier New" charset="0"/>
                 <a:ea typeface="Courier New" charset="0"/>
                 <a:cs typeface="Courier New" charset="0"/>
@@ -24803,14 +24288,14 @@
               <a:t>definitions/</a:t>
             </a:r>
             <a:r>
-              <a:rPr lang="en-US" b="1" dirty="0" err="1" smtClean="0">
+              <a:rPr lang="en-US" b="1" dirty="0" err="1">
                 <a:latin typeface="Courier New" charset="0"/>
                 <a:ea typeface="Courier New" charset="0"/>
                 <a:cs typeface="Courier New" charset="0"/>
               </a:rPr>
               <a:t>apache_vhost.rb</a:t>
             </a:r>
-            <a:endParaRPr lang="en-US" b="1" dirty="0" smtClean="0">
+            <a:endParaRPr lang="en-US" b="1" dirty="0">
               <a:latin typeface="Courier New" charset="0"/>
               <a:ea typeface="Courier New" charset="0"/>
               <a:cs typeface="Courier New" charset="0"/>
@@ -24831,13 +24316,6 @@
   <p:transition spd="med">
     <p:fade/>
   </p:transition>
-  <p:timing>
-    <p:tnLst>
-      <p:par>
-        <p:cTn id="1" dur="indefinite" restart="never" nodeType="tmRoot"/>
-      </p:par>
-    </p:tnLst>
-  </p:timing>
 </p:sld>
 </file>
 
@@ -24874,10 +24352,9 @@
           <a:lstStyle/>
           <a:p>
             <a:r>
-              <a:rPr lang="en-US" dirty="0" smtClean="0"/>
+              <a:rPr lang="en-US" dirty="0"/>
               <a:t> </a:t>
             </a:r>
-            <a:endParaRPr lang="en-US" dirty="0"/>
           </a:p>
         </p:txBody>
       </p:sp>
@@ -24919,7 +24396,7 @@
           <a:lstStyle/>
           <a:p>
             <a:r>
-              <a:rPr lang="en-US" sz="3600" dirty="0" smtClean="0"/>
+              <a:rPr lang="en-US" sz="3600" dirty="0"/>
               <a:t>Definitions</a:t>
             </a:r>
           </a:p>
@@ -24985,19 +24462,6 @@
               </a:rPr>
               <a:t>2</a:t>
             </a:r>
-            <a:endParaRPr lang="en-US" sz="4000" b="1" dirty="0" smtClean="0">
-              <a:gradFill>
-                <a:gsLst>
-                  <a:gs pos="0">
-                    <a:srgbClr val="FFFFFF"/>
-                  </a:gs>
-                  <a:gs pos="100000">
-                    <a:srgbClr val="FFFFFF"/>
-                  </a:gs>
-                </a:gsLst>
-                <a:lin ang="5400000" scaled="0"/>
-              </a:gradFill>
-            </a:endParaRPr>
           </a:p>
         </p:txBody>
       </p:sp>
@@ -25046,7 +24510,7 @@
           <a:p>
             <a:pPr algn="r" defTabSz="914099"/>
             <a:r>
-              <a:rPr lang="en-US" b="1" dirty="0" smtClean="0">
+              <a:rPr lang="en-US" b="1" dirty="0">
                 <a:gradFill>
                   <a:gsLst>
                     <a:gs pos="0">
@@ -25061,19 +24525,6 @@
               </a:rPr>
               <a:t>BENEFITS &amp; DRAWBACKS</a:t>
             </a:r>
-            <a:endParaRPr lang="en-US" b="1" dirty="0">
-              <a:gradFill>
-                <a:gsLst>
-                  <a:gs pos="0">
-                    <a:srgbClr val="FFFFFF"/>
-                  </a:gs>
-                  <a:gs pos="100000">
-                    <a:srgbClr val="FFFFFF"/>
-                  </a:gs>
-                </a:gsLst>
-                <a:lin ang="5400000" scaled="0"/>
-              </a:gradFill>
-            </a:endParaRPr>
           </a:p>
         </p:txBody>
       </p:sp>
@@ -25112,7 +24563,7 @@
               <a:buChar char="•"/>
             </a:pPr>
             <a:r>
-              <a:rPr lang="en-US" dirty="0" smtClean="0"/>
+              <a:rPr lang="en-US" dirty="0"/>
               <a:t>Allows for code re-use within recipes</a:t>
             </a:r>
           </a:p>
@@ -25122,7 +24573,7 @@
               <a:buChar char="•"/>
             </a:pPr>
             <a:r>
-              <a:rPr lang="en-US" dirty="0" smtClean="0"/>
+              <a:rPr lang="en-US" dirty="0"/>
               <a:t>Definition usage could be mistaken for a true resource</a:t>
             </a:r>
           </a:p>
@@ -25132,11 +24583,11 @@
               <a:buChar char="•"/>
             </a:pPr>
             <a:r>
-              <a:rPr lang="en-US" dirty="0" smtClean="0"/>
+              <a:rPr lang="en-US" dirty="0"/>
               <a:t>Definitions do not support notifications (</a:t>
             </a:r>
             <a:r>
-              <a:rPr lang="en-US" dirty="0" smtClean="0">
+              <a:rPr lang="en-US" dirty="0">
                 <a:latin typeface="Courier New" charset="0"/>
                 <a:ea typeface="Courier New" charset="0"/>
                 <a:cs typeface="Courier New" charset="0"/>
@@ -25144,11 +24595,11 @@
               <a:t>subscribes</a:t>
             </a:r>
             <a:r>
-              <a:rPr lang="en-US" dirty="0" smtClean="0"/>
+              <a:rPr lang="en-US" dirty="0"/>
               <a:t> and </a:t>
             </a:r>
             <a:r>
-              <a:rPr lang="en-US" dirty="0" smtClean="0">
+              <a:rPr lang="en-US" dirty="0">
                 <a:latin typeface="Courier New" charset="0"/>
                 <a:ea typeface="Courier New" charset="0"/>
                 <a:cs typeface="Courier New" charset="0"/>
@@ -25156,7 +24607,7 @@
               <a:t>notifies</a:t>
             </a:r>
             <a:r>
-              <a:rPr lang="en-US" dirty="0" smtClean="0"/>
+              <a:rPr lang="en-US" dirty="0"/>
               <a:t>) </a:t>
             </a:r>
           </a:p>
@@ -25178,13 +24629,6 @@
   <p:transition spd="med">
     <p:fade/>
   </p:transition>
-  <p:timing>
-    <p:tnLst>
-      <p:par>
-        <p:cTn id="1" dur="indefinite" restart="never" nodeType="tmRoot"/>
-      </p:par>
-    </p:tnLst>
-  </p:timing>
 </p:sld>
 </file>
 
@@ -25221,10 +24665,9 @@
           <a:lstStyle/>
           <a:p>
             <a:r>
-              <a:rPr lang="en-US" dirty="0" smtClean="0"/>
+              <a:rPr lang="en-US" dirty="0"/>
               <a:t> </a:t>
             </a:r>
-            <a:endParaRPr lang="en-US" dirty="0"/>
           </a:p>
         </p:txBody>
       </p:sp>
@@ -25266,7 +24709,7 @@
           <a:lstStyle/>
           <a:p>
             <a:r>
-              <a:rPr lang="en-US" sz="3600" dirty="0" smtClean="0"/>
+              <a:rPr lang="en-US" sz="3600" dirty="0"/>
               <a:t>Light-Weight  Resource-Providers (LWRP)</a:t>
             </a:r>
           </a:p>
@@ -25332,19 +24775,6 @@
               </a:rPr>
               <a:t>3</a:t>
             </a:r>
-            <a:endParaRPr lang="en-US" sz="4000" b="1" dirty="0" smtClean="0">
-              <a:gradFill>
-                <a:gsLst>
-                  <a:gs pos="0">
-                    <a:srgbClr val="FFFFFF"/>
-                  </a:gs>
-                  <a:gs pos="100000">
-                    <a:srgbClr val="FFFFFF"/>
-                  </a:gs>
-                </a:gsLst>
-                <a:lin ang="5400000" scaled="0"/>
-              </a:gradFill>
-            </a:endParaRPr>
           </a:p>
         </p:txBody>
       </p:sp>
@@ -25393,7 +24823,7 @@
           <a:p>
             <a:pPr algn="r" defTabSz="914099"/>
             <a:r>
-              <a:rPr lang="en-US" b="1" dirty="0" smtClean="0">
+              <a:rPr lang="en-US" b="1" dirty="0">
                 <a:gradFill>
                   <a:gsLst>
                     <a:gs pos="0">
@@ -25408,7 +24838,7 @@
               </a:rPr>
               <a:t>DESCRIPTION</a:t>
             </a:r>
-            <a:endParaRPr lang="en-US" sz="2400" b="1" dirty="0" smtClean="0">
+            <a:endParaRPr lang="en-US" sz="2400" b="1" dirty="0">
               <a:gradFill>
                 <a:gsLst>
                   <a:gs pos="0">
@@ -25472,7 +24902,7 @@
           <a:p>
             <a:pPr algn="ctr" defTabSz="914099"/>
             <a:r>
-              <a:rPr lang="en-US" sz="2400" dirty="0" smtClean="0">
+              <a:rPr lang="en-US" sz="2400" dirty="0">
                 <a:solidFill>
                   <a:schemeClr val="tx1"/>
                 </a:solidFill>
@@ -25530,7 +24960,7 @@
           <a:p>
             <a:pPr algn="ctr" defTabSz="914099"/>
             <a:r>
-              <a:rPr lang="en-US" sz="2400" dirty="0" smtClean="0">
+              <a:rPr lang="en-US" sz="2400" dirty="0">
                 <a:solidFill>
                   <a:schemeClr val="tx1"/>
                 </a:solidFill>
@@ -25588,7 +25018,7 @@
           <a:p>
             <a:pPr algn="ctr" defTabSz="914099"/>
             <a:r>
-              <a:rPr lang="en-US" sz="2400" smtClean="0">
+              <a:rPr lang="en-US" sz="2400">
                 <a:solidFill>
                   <a:schemeClr val="tx1"/>
                 </a:solidFill>
@@ -25646,7 +25076,7 @@
           <a:p>
             <a:pPr algn="ctr" defTabSz="914099"/>
             <a:r>
-              <a:rPr lang="en-US" sz="2400" dirty="0" smtClean="0">
+              <a:rPr lang="en-US" sz="2400" dirty="0">
                 <a:solidFill>
                   <a:schemeClr val="tx1"/>
                 </a:solidFill>
@@ -25750,7 +25180,7 @@
           <a:p>
             <a:pPr algn="ctr" defTabSz="914099"/>
             <a:r>
-              <a:rPr lang="en-US" sz="3200" dirty="0" smtClean="0">
+              <a:rPr lang="en-US" sz="3200" dirty="0">
                 <a:solidFill>
                   <a:schemeClr val="tx1"/>
                 </a:solidFill>
@@ -25845,13 +25275,6 @@
   <p:transition spd="med">
     <p:fade/>
   </p:transition>
-  <p:timing>
-    <p:tnLst>
-      <p:par>
-        <p:cTn id="1" dur="indefinite" restart="never" nodeType="tmRoot"/>
-      </p:par>
-    </p:tnLst>
-  </p:timing>
 </p:sld>
 </file>
 
@@ -25888,10 +25311,9 @@
           <a:lstStyle/>
           <a:p>
             <a:r>
-              <a:rPr lang="en-US" dirty="0" smtClean="0"/>
+              <a:rPr lang="en-US" dirty="0"/>
               <a:t> </a:t>
             </a:r>
-            <a:endParaRPr lang="en-US" dirty="0"/>
           </a:p>
         </p:txBody>
       </p:sp>
@@ -25999,19 +25421,6 @@
               </a:rPr>
               <a:t>3</a:t>
             </a:r>
-            <a:endParaRPr lang="en-US" sz="4000" b="1" dirty="0" smtClean="0">
-              <a:gradFill>
-                <a:gsLst>
-                  <a:gs pos="0">
-                    <a:srgbClr val="FFFFFF"/>
-                  </a:gs>
-                  <a:gs pos="100000">
-                    <a:srgbClr val="FFFFFF"/>
-                  </a:gs>
-                </a:gsLst>
-                <a:lin ang="5400000" scaled="0"/>
-              </a:gradFill>
-            </a:endParaRPr>
           </a:p>
         </p:txBody>
       </p:sp>
@@ -26060,7 +25469,7 @@
           <a:p>
             <a:pPr algn="r" defTabSz="914099"/>
             <a:r>
-              <a:rPr lang="en-US" b="1" dirty="0" smtClean="0">
+              <a:rPr lang="en-US" b="1" dirty="0">
                 <a:gradFill>
                   <a:gsLst>
                     <a:gs pos="0">
@@ -26075,7 +25484,7 @@
               </a:rPr>
               <a:t>STRUCTURE</a:t>
             </a:r>
-            <a:endParaRPr lang="en-US" sz="2400" b="1" dirty="0" smtClean="0">
+            <a:endParaRPr lang="en-US" sz="2400" b="1" dirty="0">
               <a:gradFill>
                 <a:gsLst>
                   <a:gs pos="0">
@@ -26186,7 +25595,7 @@
                 </a:spcAft>
               </a:pPr>
               <a:r>
-                <a:rPr lang="en-US" sz="5600" b="1" kern="1200" dirty="0" err="1" smtClean="0">
+                <a:rPr lang="en-US" sz="5600" b="1" kern="1200" dirty="0" err="1">
                   <a:latin typeface="Courier New" charset="0"/>
                   <a:ea typeface="Courier New" charset="0"/>
                   <a:cs typeface="Courier New" charset="0"/>
@@ -26322,7 +25731,7 @@
                 </a:spcAft>
               </a:pPr>
               <a:r>
-                <a:rPr lang="en-US" b="1" dirty="0" smtClean="0">
+                <a:rPr lang="en-US" b="1" dirty="0">
                   <a:latin typeface="Courier New" charset="0"/>
                   <a:ea typeface="Courier New" charset="0"/>
                   <a:cs typeface="Courier New" charset="0"/>
@@ -26349,7 +25758,7 @@
                 <a:buChar char="••"/>
               </a:pPr>
               <a:r>
-                <a:rPr lang="en-US" sz="1900" b="1" dirty="0" smtClean="0">
+                <a:rPr lang="en-US" sz="1900" b="1" dirty="0">
                   <a:latin typeface="Courier New" charset="0"/>
                   <a:ea typeface="Courier New" charset="0"/>
                   <a:cs typeface="Courier New" charset="0"/>
@@ -26357,7 +25766,7 @@
                 <a:t>[</a:t>
               </a:r>
               <a:r>
-                <a:rPr lang="en-US" sz="1900" b="1" dirty="0" err="1" smtClean="0">
+                <a:rPr lang="en-US" sz="1900" b="1" dirty="0" err="1">
                   <a:latin typeface="Courier New" charset="0"/>
                   <a:ea typeface="Courier New" charset="0"/>
                   <a:cs typeface="Courier New" charset="0"/>
@@ -26365,7 +25774,7 @@
                 <a:t>my_resource_name</a:t>
               </a:r>
               <a:r>
-                <a:rPr lang="en-US" sz="1900" b="1" dirty="0" smtClean="0">
+                <a:rPr lang="en-US" sz="1900" b="1" dirty="0">
                   <a:latin typeface="Courier New" charset="0"/>
                   <a:ea typeface="Courier New" charset="0"/>
                   <a:cs typeface="Courier New" charset="0"/>
@@ -26373,14 +25782,14 @@
                 <a:t>].</a:t>
               </a:r>
               <a:r>
-                <a:rPr lang="en-US" sz="1900" b="1" dirty="0" err="1" smtClean="0">
+                <a:rPr lang="en-US" sz="1900" b="1" dirty="0" err="1">
                   <a:latin typeface="Courier New" charset="0"/>
                   <a:ea typeface="Courier New" charset="0"/>
                   <a:cs typeface="Courier New" charset="0"/>
                 </a:rPr>
                 <a:t>rb</a:t>
               </a:r>
-              <a:endParaRPr lang="en-US" sz="1900" b="1" dirty="0" smtClean="0">
+              <a:endParaRPr lang="en-US" sz="1900" b="1" dirty="0">
                 <a:latin typeface="Courier New" charset="0"/>
                 <a:ea typeface="Courier New" charset="0"/>
                 <a:cs typeface="Courier New" charset="0"/>
@@ -26396,18 +25805,13 @@
                 </a:spcAft>
               </a:pPr>
               <a:r>
-                <a:rPr lang="en-US" b="1" dirty="0" smtClean="0">
+                <a:rPr lang="en-US" b="1" dirty="0">
                   <a:latin typeface="Courier New" charset="0"/>
                   <a:ea typeface="Courier New" charset="0"/>
                   <a:cs typeface="Courier New" charset="0"/>
                 </a:rPr>
                 <a:t>providers/</a:t>
               </a:r>
-              <a:endParaRPr lang="en-US" b="1" dirty="0">
-                <a:latin typeface="Courier New" charset="0"/>
-                <a:ea typeface="Courier New" charset="0"/>
-                <a:cs typeface="Courier New" charset="0"/>
-              </a:endParaRPr>
             </a:p>
             <a:p>
               <a:pPr marL="171450" lvl="1" indent="-171450" defTabSz="844550">
@@ -26500,7 +25904,7 @@
           <a:lstStyle/>
           <a:p>
             <a:r>
-              <a:rPr lang="en-US" dirty="0" smtClean="0"/>
+              <a:rPr lang="en-US" dirty="0"/>
               <a:t>An LWRP is defined in two separate files that share the same name. The resource definition is defined in the resources directory of the cookbook; the provider definition in the providers directory.</a:t>
             </a:r>
           </a:p>
@@ -26510,11 +25914,7 @@
           <a:p>
             <a:r>
               <a:rPr lang="en-US" dirty="0"/>
-              <a:t>The cookbook </a:t>
-            </a:r>
-            <a:r>
-              <a:rPr lang="en-US" dirty="0" smtClean="0"/>
-              <a:t>name is combined with the file name to create the name of the resource.</a:t>
+              <a:t>The cookbook name is combined with the file name to create the name of the resource.</a:t>
             </a:r>
           </a:p>
         </p:txBody>
@@ -26532,13 +25932,6 @@
   <p:transition spd="med">
     <p:fade/>
   </p:transition>
-  <p:timing>
-    <p:tnLst>
-      <p:par>
-        <p:cTn id="1" dur="indefinite" restart="never" nodeType="tmRoot"/>
-      </p:par>
-    </p:tnLst>
-  </p:timing>
 </p:sld>
 </file>
 
@@ -26575,10 +25968,9 @@
           <a:lstStyle/>
           <a:p>
             <a:r>
-              <a:rPr lang="en-US" dirty="0" smtClean="0"/>
+              <a:rPr lang="en-US" dirty="0"/>
               <a:t> </a:t>
             </a:r>
-            <a:endParaRPr lang="en-US" dirty="0"/>
           </a:p>
         </p:txBody>
       </p:sp>
@@ -26686,19 +26078,6 @@
               </a:rPr>
               <a:t>3</a:t>
             </a:r>
-            <a:endParaRPr lang="en-US" sz="4000" b="1" dirty="0" smtClean="0">
-              <a:gradFill>
-                <a:gsLst>
-                  <a:gs pos="0">
-                    <a:srgbClr val="FFFFFF"/>
-                  </a:gs>
-                  <a:gs pos="100000">
-                    <a:srgbClr val="FFFFFF"/>
-                  </a:gs>
-                </a:gsLst>
-                <a:lin ang="5400000" scaled="0"/>
-              </a:gradFill>
-            </a:endParaRPr>
           </a:p>
         </p:txBody>
       </p:sp>
@@ -26747,7 +26126,7 @@
           <a:p>
             <a:pPr algn="r" defTabSz="914099"/>
             <a:r>
-              <a:rPr lang="en-US" b="1" dirty="0" smtClean="0">
+              <a:rPr lang="en-US" b="1" dirty="0">
                 <a:gradFill>
                   <a:gsLst>
                     <a:gs pos="0">
@@ -26762,7 +26141,7 @@
               </a:rPr>
               <a:t>IMPLEMENTATION LANGUAGE - RESOURCE</a:t>
             </a:r>
-            <a:endParaRPr lang="en-US" sz="2400" b="1" dirty="0" smtClean="0">
+            <a:endParaRPr lang="en-US" sz="2400" b="1" dirty="0">
               <a:gradFill>
                 <a:gsLst>
                   <a:gs pos="0">
@@ -26806,7 +26185,7 @@
           <a:lstStyle/>
           <a:p>
             <a:r>
-              <a:rPr lang="en-US" sz="2000" b="1" dirty="0" smtClean="0">
+              <a:rPr lang="en-US" sz="2000" b="1" dirty="0">
                 <a:latin typeface="Courier New" charset="0"/>
                 <a:ea typeface="Courier New" charset="0"/>
                 <a:cs typeface="Courier New" charset="0"/>
@@ -26823,7 +26202,7 @@
           </a:p>
           <a:p>
             <a:r>
-              <a:rPr lang="en-US" sz="2000" b="1" dirty="0" err="1" smtClean="0">
+              <a:rPr lang="en-US" sz="2000" b="1" dirty="0" err="1">
                 <a:latin typeface="Courier New" charset="0"/>
                 <a:ea typeface="Courier New" charset="0"/>
                 <a:cs typeface="Courier New" charset="0"/>
@@ -26831,7 +26210,7 @@
               <a:t>default_action</a:t>
             </a:r>
             <a:r>
-              <a:rPr lang="en-US" sz="2000" b="1" dirty="0" smtClean="0">
+              <a:rPr lang="en-US" sz="2000" b="1" dirty="0">
                 <a:latin typeface="Courier New" charset="0"/>
                 <a:ea typeface="Courier New" charset="0"/>
                 <a:cs typeface="Courier New" charset="0"/>
@@ -26848,7 +26227,7 @@
           </a:p>
           <a:p>
             <a:r>
-              <a:rPr lang="en-US" sz="2000" b="1" dirty="0" smtClean="0">
+              <a:rPr lang="en-US" sz="2000" b="1" dirty="0">
                 <a:latin typeface="Courier New" charset="0"/>
                 <a:ea typeface="Courier New" charset="0"/>
                 <a:cs typeface="Courier New" charset="0"/>
@@ -26856,7 +26235,7 @@
               <a:t>attribute :</a:t>
             </a:r>
             <a:r>
-              <a:rPr lang="en-US" sz="2000" b="1" dirty="0" err="1" smtClean="0">
+              <a:rPr lang="en-US" sz="2000" b="1" dirty="0" err="1">
                 <a:latin typeface="Courier New" charset="0"/>
                 <a:ea typeface="Courier New" charset="0"/>
                 <a:cs typeface="Courier New" charset="0"/>
@@ -26864,7 +26243,7 @@
               <a:t>site_name</a:t>
             </a:r>
             <a:r>
-              <a:rPr lang="en-US" sz="2000" b="1" dirty="0" smtClean="0">
+              <a:rPr lang="en-US" sz="2000" b="1" dirty="0">
                 <a:latin typeface="Courier New" charset="0"/>
                 <a:ea typeface="Courier New" charset="0"/>
                 <a:cs typeface="Courier New" charset="0"/>
@@ -26872,7 +26251,7 @@
               <a:t>, String, </a:t>
             </a:r>
             <a:r>
-              <a:rPr lang="en-US" sz="2000" b="1" dirty="0" err="1" smtClean="0">
+              <a:rPr lang="en-US" sz="2000" b="1" dirty="0" err="1">
                 <a:latin typeface="Courier New" charset="0"/>
                 <a:ea typeface="Courier New" charset="0"/>
                 <a:cs typeface="Courier New" charset="0"/>
@@ -26880,7 +26259,7 @@
               <a:t>name_attribute</a:t>
             </a:r>
             <a:r>
-              <a:rPr lang="en-US" sz="2000" b="1" dirty="0" smtClean="0">
+              <a:rPr lang="en-US" sz="2000" b="1" dirty="0">
                 <a:latin typeface="Courier New" charset="0"/>
                 <a:ea typeface="Courier New" charset="0"/>
                 <a:cs typeface="Courier New" charset="0"/>
@@ -26890,7 +26269,7 @@
           </a:p>
           <a:p>
             <a:r>
-              <a:rPr lang="en-US" sz="2000" b="1" dirty="0" smtClean="0">
+              <a:rPr lang="en-US" sz="2000" b="1" dirty="0">
                 <a:latin typeface="Courier New" charset="0"/>
                 <a:ea typeface="Courier New" charset="0"/>
                 <a:cs typeface="Courier New" charset="0"/>
@@ -26898,7 +26277,7 @@
               <a:t>attribute :</a:t>
             </a:r>
             <a:r>
-              <a:rPr lang="en-US" sz="2000" b="1" dirty="0" err="1" smtClean="0">
+              <a:rPr lang="en-US" sz="2000" b="1" dirty="0" err="1">
                 <a:latin typeface="Courier New" charset="0"/>
                 <a:ea typeface="Courier New" charset="0"/>
                 <a:cs typeface="Courier New" charset="0"/>
@@ -26906,7 +26285,7 @@
               <a:t>site_port</a:t>
             </a:r>
             <a:r>
-              <a:rPr lang="en-US" sz="2000" b="1" dirty="0" smtClean="0">
+              <a:rPr lang="en-US" sz="2000" b="1" dirty="0">
                 <a:latin typeface="Courier New" charset="0"/>
                 <a:ea typeface="Courier New" charset="0"/>
                 <a:cs typeface="Courier New" charset="0"/>
@@ -26944,7 +26323,7 @@
           <a:lstStyle/>
           <a:p>
             <a:r>
-              <a:rPr lang="en-US" b="1" dirty="0" smtClean="0">
+              <a:rPr lang="en-US" b="1" dirty="0">
                 <a:latin typeface="Courier New" charset="0"/>
                 <a:ea typeface="Courier New" charset="0"/>
                 <a:cs typeface="Courier New" charset="0"/>
@@ -26952,14 +26331,14 @@
               <a:t>resources/</a:t>
             </a:r>
             <a:r>
-              <a:rPr lang="en-US" b="1" dirty="0" err="1" smtClean="0">
+              <a:rPr lang="en-US" b="1" dirty="0" err="1">
                 <a:latin typeface="Courier New" charset="0"/>
                 <a:ea typeface="Courier New" charset="0"/>
                 <a:cs typeface="Courier New" charset="0"/>
               </a:rPr>
               <a:t>vhost.rb</a:t>
             </a:r>
-            <a:endParaRPr lang="en-US" b="1" dirty="0" smtClean="0">
+            <a:endParaRPr lang="en-US" b="1" dirty="0">
               <a:latin typeface="Courier New" charset="0"/>
               <a:ea typeface="Courier New" charset="0"/>
               <a:cs typeface="Courier New" charset="0"/>
@@ -26980,13 +26359,6 @@
   <p:transition spd="med">
     <p:fade/>
   </p:transition>
-  <p:timing>
-    <p:tnLst>
-      <p:par>
-        <p:cTn id="1" dur="indefinite" restart="never" nodeType="tmRoot"/>
-      </p:par>
-    </p:tnLst>
-  </p:timing>
 </p:sld>
 </file>
 
@@ -27023,10 +26395,9 @@
           <a:lstStyle/>
           <a:p>
             <a:r>
-              <a:rPr lang="en-US" dirty="0" smtClean="0"/>
+              <a:rPr lang="en-US" dirty="0"/>
               <a:t> </a:t>
             </a:r>
-            <a:endParaRPr lang="en-US" dirty="0"/>
           </a:p>
         </p:txBody>
       </p:sp>
@@ -27134,19 +26505,6 @@
               </a:rPr>
               <a:t>3</a:t>
             </a:r>
-            <a:endParaRPr lang="en-US" sz="4000" b="1" dirty="0" smtClean="0">
-              <a:gradFill>
-                <a:gsLst>
-                  <a:gs pos="0">
-                    <a:srgbClr val="FFFFFF"/>
-                  </a:gs>
-                  <a:gs pos="100000">
-                    <a:srgbClr val="FFFFFF"/>
-                  </a:gs>
-                </a:gsLst>
-                <a:lin ang="5400000" scaled="0"/>
-              </a:gradFill>
-            </a:endParaRPr>
           </a:p>
         </p:txBody>
       </p:sp>
@@ -27195,7 +26553,7 @@
           <a:p>
             <a:pPr algn="r" defTabSz="914099"/>
             <a:r>
-              <a:rPr lang="en-US" b="1" dirty="0" smtClean="0">
+              <a:rPr lang="en-US" b="1" dirty="0">
                 <a:gradFill>
                   <a:gsLst>
                     <a:gs pos="0">
@@ -27210,7 +26568,7 @@
               </a:rPr>
               <a:t>IMPLEMENTATION LANGUAGE - PROVIDER</a:t>
             </a:r>
-            <a:endParaRPr lang="en-US" sz="2400" b="1" dirty="0" smtClean="0">
+            <a:endParaRPr lang="en-US" sz="2400" b="1" dirty="0">
               <a:gradFill>
                 <a:gsLst>
                   <a:gs pos="0">
@@ -27254,30 +26612,22 @@
           <a:lstStyle/>
           <a:p>
             <a:r>
-              <a:rPr lang="en-US" sz="2000" b="1" dirty="0" smtClean="0">
-                <a:latin typeface="Courier New" charset="0"/>
-                <a:ea typeface="Courier New" charset="0"/>
-                <a:cs typeface="Courier New" charset="0"/>
-              </a:rPr>
-              <a:t>action :create do</a:t>
-            </a:r>
-          </a:p>
-          <a:p>
-            <a:r>
-              <a:rPr lang="en-US" sz="2000" b="1" dirty="0" smtClean="0">
-                <a:latin typeface="Courier New" charset="0"/>
-                <a:ea typeface="Courier New" charset="0"/>
-                <a:cs typeface="Courier New" charset="0"/>
-              </a:rPr>
-              <a:t>  directory </a:t>
-            </a:r>
-            <a:r>
               <a:rPr lang="en-US" sz="2000" b="1" dirty="0">
                 <a:latin typeface="Courier New" charset="0"/>
                 <a:ea typeface="Courier New" charset="0"/>
                 <a:cs typeface="Courier New" charset="0"/>
               </a:rPr>
-              <a:t>"/</a:t>
+              <a:t>action :create do</a:t>
+            </a:r>
+          </a:p>
+          <a:p>
+            <a:r>
+              <a:rPr lang="en-US" sz="2000" b="1" dirty="0">
+                <a:latin typeface="Courier New" charset="0"/>
+                <a:ea typeface="Courier New" charset="0"/>
+                <a:cs typeface="Courier New" charset="0"/>
+              </a:rPr>
+              <a:t>  directory "/</a:t>
             </a:r>
             <a:r>
               <a:rPr lang="en-US" sz="2000" b="1" dirty="0" err="1">
@@ -27293,31 +26643,15 @@
                 <a:ea typeface="Courier New" charset="0"/>
                 <a:cs typeface="Courier New" charset="0"/>
               </a:rPr>
-              <a:t>/apache</a:t>
-            </a:r>
-            <a:r>
-              <a:rPr lang="en-US" sz="2000" b="1" dirty="0" smtClean="0">
+              <a:t>/apache/#{</a:t>
+            </a:r>
+            <a:r>
+              <a:rPr lang="en-US" sz="2000" b="1" dirty="0" err="1">
                 <a:latin typeface="Courier New" charset="0"/>
                 <a:ea typeface="Courier New" charset="0"/>
                 <a:cs typeface="Courier New" charset="0"/>
               </a:rPr>
-              <a:t>/#{</a:t>
-            </a:r>
-            <a:r>
-              <a:rPr lang="en-US" sz="2000" b="1" dirty="0" err="1" smtClean="0">
-                <a:latin typeface="Courier New" charset="0"/>
-                <a:ea typeface="Courier New" charset="0"/>
-                <a:cs typeface="Courier New" charset="0"/>
-              </a:rPr>
               <a:t>new_resource.site_name</a:t>
-            </a:r>
-            <a:r>
-              <a:rPr lang="en-US" sz="2000" b="1" dirty="0" smtClean="0">
-                <a:latin typeface="Courier New" charset="0"/>
-                <a:ea typeface="Courier New" charset="0"/>
-                <a:cs typeface="Courier New" charset="0"/>
-              </a:rPr>
-              <a:t>}/</a:t>
             </a:r>
             <a:r>
               <a:rPr lang="en-US" sz="2000" b="1" dirty="0">
@@ -27325,7 +26659,7 @@
                 <a:ea typeface="Courier New" charset="0"/>
                 <a:cs typeface="Courier New" charset="0"/>
               </a:rPr>
-              <a:t>html' do</a:t>
+              <a:t>}/html' do</a:t>
             </a:r>
           </a:p>
           <a:p>
@@ -27388,15 +26722,7 @@
                 <a:ea typeface="Courier New" charset="0"/>
                 <a:cs typeface="Courier New" charset="0"/>
               </a:rPr>
-              <a:t>/apache</a:t>
-            </a:r>
-            <a:r>
-              <a:rPr lang="en-US" sz="2000" b="1" dirty="0" smtClean="0">
-                <a:latin typeface="Courier New" charset="0"/>
-                <a:ea typeface="Courier New" charset="0"/>
-                <a:cs typeface="Courier New" charset="0"/>
-              </a:rPr>
-              <a:t>/#{</a:t>
+              <a:t>/apache/#{</a:t>
             </a:r>
             <a:r>
               <a:rPr lang="en-US" sz="2000" b="1" dirty="0" err="1">
@@ -27407,20 +26733,12 @@
               <a:t>new_resource.site_name</a:t>
             </a:r>
             <a:r>
-              <a:rPr lang="en-US" sz="2000" b="1" dirty="0" smtClean="0">
-                <a:latin typeface="Courier New" charset="0"/>
-                <a:ea typeface="Courier New" charset="0"/>
-                <a:cs typeface="Courier New" charset="0"/>
-              </a:rPr>
-              <a:t>}/</a:t>
-            </a:r>
-            <a:r>
               <a:rPr lang="en-US" sz="2000" b="1" dirty="0">
                 <a:latin typeface="Courier New" charset="0"/>
                 <a:ea typeface="Courier New" charset="0"/>
                 <a:cs typeface="Courier New" charset="0"/>
               </a:rPr>
-              <a:t>html" do</a:t>
+              <a:t>}/html" do</a:t>
             </a:r>
           </a:p>
           <a:p>
@@ -27466,18 +26784,10 @@
                 <a:ea typeface="Courier New" charset="0"/>
                 <a:cs typeface="Courier New" charset="0"/>
               </a:rPr>
-              <a:t>    </a:t>
-            </a:r>
-            <a:r>
-              <a:rPr lang="en-US" sz="2000" b="1" dirty="0" smtClean="0">
-                <a:latin typeface="Courier New" charset="0"/>
-                <a:ea typeface="Courier New" charset="0"/>
-                <a:cs typeface="Courier New" charset="0"/>
-              </a:rPr>
-              <a:t>variables(</a:t>
-            </a:r>
-            <a:r>
-              <a:rPr lang="en-US" sz="2000" b="1" dirty="0" err="1" smtClean="0">
+              <a:t>    variables(</a:t>
+            </a:r>
+            <a:r>
+              <a:rPr lang="en-US" sz="2000" b="1" dirty="0" err="1">
                 <a:latin typeface="Courier New" charset="0"/>
                 <a:ea typeface="Courier New" charset="0"/>
                 <a:cs typeface="Courier New" charset="0"/>
@@ -27506,15 +26816,7 @@
                 <a:ea typeface="Courier New" charset="0"/>
                 <a:cs typeface="Courier New" charset="0"/>
               </a:rPr>
-              <a:t>/apache</a:t>
-            </a:r>
-            <a:r>
-              <a:rPr lang="en-US" sz="2000" b="1" dirty="0" smtClean="0">
-                <a:latin typeface="Courier New" charset="0"/>
-                <a:ea typeface="Courier New" charset="0"/>
-                <a:cs typeface="Courier New" charset="0"/>
-              </a:rPr>
-              <a:t>/#{</a:t>
+              <a:t>/apache/#{</a:t>
             </a:r>
             <a:r>
               <a:rPr lang="en-US" sz="2000" b="1" dirty="0" err="1">
@@ -27525,41 +26827,25 @@
               <a:t>new_resource.site_name</a:t>
             </a:r>
             <a:r>
-              <a:rPr lang="en-US" sz="2000" b="1" dirty="0" smtClean="0">
-                <a:latin typeface="Courier New" charset="0"/>
-                <a:ea typeface="Courier New" charset="0"/>
-                <a:cs typeface="Courier New" charset="0"/>
-              </a:rPr>
-              <a:t>}/</a:t>
-            </a:r>
-            <a:r>
               <a:rPr lang="en-US" sz="2000" b="1" dirty="0">
                 <a:latin typeface="Courier New" charset="0"/>
                 <a:ea typeface="Courier New" charset="0"/>
                 <a:cs typeface="Courier New" charset="0"/>
               </a:rPr>
-              <a:t>html", </a:t>
-            </a:r>
-          </a:p>
-          <a:p>
-            <a:r>
-              <a:rPr lang="en-US" sz="2000" b="1" dirty="0" smtClean="0">
-                <a:latin typeface="Courier New" charset="0"/>
-                <a:ea typeface="Courier New" charset="0"/>
-                <a:cs typeface="Courier New" charset="0"/>
-              </a:rPr>
-              <a:t>              port</a:t>
-            </a:r>
+              <a:t>}/html", </a:t>
+            </a:r>
+          </a:p>
+          <a:p>
             <a:r>
               <a:rPr lang="en-US" sz="2000" b="1" dirty="0">
                 <a:latin typeface="Courier New" charset="0"/>
                 <a:ea typeface="Courier New" charset="0"/>
                 <a:cs typeface="Courier New" charset="0"/>
               </a:rPr>
-              <a:t>: </a:t>
-            </a:r>
-            <a:r>
-              <a:rPr lang="en-US" sz="2000" b="1" dirty="0" err="1" smtClean="0">
+              <a:t>              port: </a:t>
+            </a:r>
+            <a:r>
+              <a:rPr lang="en-US" sz="2000" b="1" dirty="0" err="1">
                 <a:latin typeface="Courier New" charset="0"/>
                 <a:ea typeface="Courier New" charset="0"/>
                 <a:cs typeface="Courier New" charset="0"/>
@@ -27640,7 +26926,7 @@
           </a:p>
           <a:p>
             <a:r>
-              <a:rPr lang="en-US" sz="2000" b="1" dirty="0" smtClean="0">
+              <a:rPr lang="en-US" sz="2000" b="1" dirty="0">
                 <a:latin typeface="Courier New" charset="0"/>
                 <a:ea typeface="Courier New" charset="0"/>
                 <a:cs typeface="Courier New" charset="0"/>
@@ -27678,7 +26964,7 @@
           <a:lstStyle/>
           <a:p>
             <a:r>
-              <a:rPr lang="en-US" b="1" dirty="0" smtClean="0">
+              <a:rPr lang="en-US" b="1" dirty="0">
                 <a:latin typeface="Courier New" charset="0"/>
                 <a:ea typeface="Courier New" charset="0"/>
                 <a:cs typeface="Courier New" charset="0"/>
@@ -27686,14 +26972,14 @@
               <a:t>providers/</a:t>
             </a:r>
             <a:r>
-              <a:rPr lang="en-US" b="1" dirty="0" err="1" smtClean="0">
+              <a:rPr lang="en-US" b="1" dirty="0" err="1">
                 <a:latin typeface="Courier New" charset="0"/>
                 <a:ea typeface="Courier New" charset="0"/>
                 <a:cs typeface="Courier New" charset="0"/>
               </a:rPr>
               <a:t>vhost.rb</a:t>
             </a:r>
-            <a:endParaRPr lang="en-US" b="1" dirty="0" smtClean="0">
+            <a:endParaRPr lang="en-US" b="1" dirty="0">
               <a:latin typeface="Courier New" charset="0"/>
               <a:ea typeface="Courier New" charset="0"/>
               <a:cs typeface="Courier New" charset="0"/>
@@ -27714,13 +27000,6 @@
   <p:transition spd="med">
     <p:fade/>
   </p:transition>
-  <p:timing>
-    <p:tnLst>
-      <p:par>
-        <p:cTn id="1" dur="indefinite" restart="never" nodeType="tmRoot"/>
-      </p:par>
-    </p:tnLst>
-  </p:timing>
 </p:sld>
 </file>
 
@@ -27757,10 +27036,9 @@
           <a:lstStyle/>
           <a:p>
             <a:r>
-              <a:rPr lang="en-US" dirty="0" smtClean="0"/>
+              <a:rPr lang="en-US" dirty="0"/>
               <a:t> </a:t>
             </a:r>
-            <a:endParaRPr lang="en-US" dirty="0"/>
           </a:p>
         </p:txBody>
       </p:sp>
@@ -27868,19 +27146,6 @@
               </a:rPr>
               <a:t>3</a:t>
             </a:r>
-            <a:endParaRPr lang="en-US" sz="4000" b="1" dirty="0" smtClean="0">
-              <a:gradFill>
-                <a:gsLst>
-                  <a:gs pos="0">
-                    <a:srgbClr val="FFFFFF"/>
-                  </a:gs>
-                  <a:gs pos="100000">
-                    <a:srgbClr val="FFFFFF"/>
-                  </a:gs>
-                </a:gsLst>
-                <a:lin ang="5400000" scaled="0"/>
-              </a:gradFill>
-            </a:endParaRPr>
           </a:p>
         </p:txBody>
       </p:sp>
@@ -27929,7 +27194,7 @@
           <a:p>
             <a:pPr algn="r" defTabSz="914099"/>
             <a:r>
-              <a:rPr lang="en-US" b="1" dirty="0" smtClean="0">
+              <a:rPr lang="en-US" b="1" dirty="0">
                 <a:gradFill>
                   <a:gsLst>
                     <a:gs pos="0">
@@ -27944,7 +27209,7 @@
               </a:rPr>
               <a:t>USAGE</a:t>
             </a:r>
-            <a:endParaRPr lang="en-US" sz="2400" b="1" dirty="0" smtClean="0">
+            <a:endParaRPr lang="en-US" sz="2400" b="1" dirty="0">
               <a:gradFill>
                 <a:gsLst>
                   <a:gs pos="0">
@@ -28097,31 +27362,18 @@
                 <a:ea typeface="Courier New" charset="0"/>
                 <a:cs typeface="Courier New" charset="0"/>
               </a:rPr>
-              <a:t> </a:t>
-            </a:r>
-            <a:r>
-              <a:rPr lang="en-US" sz="2000" b="1" dirty="0" smtClean="0">
+              <a:t> 8080</a:t>
+            </a:r>
+          </a:p>
+          <a:p>
+            <a:r>
+              <a:rPr lang="en-US" sz="2000" b="1" dirty="0">
                 <a:latin typeface="Courier New" charset="0"/>
                 <a:ea typeface="Courier New" charset="0"/>
                 <a:cs typeface="Courier New" charset="0"/>
               </a:rPr>
-              <a:t>8080</a:t>
-            </a:r>
-          </a:p>
-          <a:p>
-            <a:r>
-              <a:rPr lang="en-US" sz="2000" b="1" dirty="0" smtClean="0">
-                <a:latin typeface="Courier New" charset="0"/>
-                <a:ea typeface="Courier New" charset="0"/>
-                <a:cs typeface="Courier New" charset="0"/>
-              </a:rPr>
               <a:t>end</a:t>
             </a:r>
-            <a:endParaRPr lang="en-US" sz="2000" b="1" dirty="0">
-              <a:latin typeface="Courier New" charset="0"/>
-              <a:ea typeface="Courier New" charset="0"/>
-              <a:cs typeface="Courier New" charset="0"/>
-            </a:endParaRPr>
           </a:p>
         </p:txBody>
       </p:sp>
@@ -28153,7 +27405,7 @@
           <a:lstStyle/>
           <a:p>
             <a:r>
-              <a:rPr lang="en-US" b="1" dirty="0" smtClean="0">
+              <a:rPr lang="en-US" b="1" dirty="0">
                 <a:latin typeface="Courier New" charset="0"/>
                 <a:ea typeface="Courier New" charset="0"/>
                 <a:cs typeface="Courier New" charset="0"/>
@@ -28161,14 +27413,14 @@
               <a:t>recipes/</a:t>
             </a:r>
             <a:r>
-              <a:rPr lang="en-US" b="1" dirty="0" err="1" smtClean="0">
+              <a:rPr lang="en-US" b="1" dirty="0" err="1">
                 <a:latin typeface="Courier New" charset="0"/>
                 <a:ea typeface="Courier New" charset="0"/>
                 <a:cs typeface="Courier New" charset="0"/>
               </a:rPr>
               <a:t>default.rb</a:t>
             </a:r>
-            <a:endParaRPr lang="en-US" b="1" dirty="0" smtClean="0">
+            <a:endParaRPr lang="en-US" b="1" dirty="0">
               <a:latin typeface="Courier New" charset="0"/>
               <a:ea typeface="Courier New" charset="0"/>
               <a:cs typeface="Courier New" charset="0"/>
@@ -28189,13 +27441,6 @@
   <p:transition spd="med">
     <p:fade/>
   </p:transition>
-  <p:timing>
-    <p:tnLst>
-      <p:par>
-        <p:cTn id="1" dur="indefinite" restart="never" nodeType="tmRoot"/>
-      </p:par>
-    </p:tnLst>
-  </p:timing>
 </p:sld>
 </file>
 
@@ -28232,10 +27477,9 @@
           <a:lstStyle/>
           <a:p>
             <a:r>
-              <a:rPr lang="en-US" dirty="0" smtClean="0"/>
+              <a:rPr lang="en-US" dirty="0"/>
               <a:t>Objectives</a:t>
             </a:r>
-            <a:endParaRPr lang="en-US" dirty="0"/>
           </a:p>
         </p:txBody>
       </p:sp>
@@ -28255,7 +27499,7 @@
           <a:lstStyle/>
           <a:p>
             <a:r>
-              <a:rPr lang="en-US" dirty="0" smtClean="0"/>
+              <a:rPr lang="en-US" dirty="0"/>
               <a:t>After completing this module, you should be able to:</a:t>
             </a:r>
           </a:p>
@@ -28268,7 +27512,7 @@
               <a:buChar char="Ø"/>
             </a:pPr>
             <a:r>
-              <a:rPr lang="en-US" dirty="0" smtClean="0"/>
+              <a:rPr lang="en-US" dirty="0"/>
               <a:t>Describe the difference between:</a:t>
             </a:r>
           </a:p>
@@ -28278,10 +27522,9 @@
               <a:buChar char="•"/>
             </a:pPr>
             <a:r>
-              <a:rPr lang="en-US" sz="2800" dirty="0" smtClean="0"/>
+              <a:rPr lang="en-US" sz="2800" dirty="0"/>
               <a:t>Custom Resources</a:t>
             </a:r>
-            <a:endParaRPr lang="en-US" sz="2800" dirty="0"/>
           </a:p>
           <a:p>
             <a:pPr marL="1296988" lvl="3" indent="-457200">
@@ -28289,7 +27532,7 @@
               <a:buChar char="•"/>
             </a:pPr>
             <a:r>
-              <a:rPr lang="en-US" sz="2800" dirty="0" smtClean="0"/>
+              <a:rPr lang="en-US" sz="2800" dirty="0"/>
               <a:t>Definitions</a:t>
             </a:r>
           </a:p>
@@ -28299,16 +27542,8 @@
               <a:buChar char="•"/>
             </a:pPr>
             <a:r>
-              <a:rPr lang="en-US" sz="2800" dirty="0" smtClean="0"/>
-              <a:t>Heavy</a:t>
-            </a:r>
-            <a:r>
               <a:rPr lang="en-US" sz="2800" dirty="0"/>
-              <a:t>-Weight Resource-</a:t>
-            </a:r>
-            <a:r>
-              <a:rPr lang="en-US" sz="2800" dirty="0" smtClean="0"/>
-              <a:t>Providers</a:t>
+              <a:t>Heavy-Weight Resource-Providers</a:t>
             </a:r>
           </a:p>
           <a:p>
@@ -28317,7 +27552,7 @@
               <a:buChar char="•"/>
             </a:pPr>
             <a:r>
-              <a:rPr lang="en-US" sz="2800" dirty="0" smtClean="0"/>
+              <a:rPr lang="en-US" sz="2800" dirty="0"/>
               <a:t>Light-Weight Resource-Providers</a:t>
             </a:r>
           </a:p>
@@ -28336,13 +27571,6 @@
   <p:transition spd="med">
     <p:fade/>
   </p:transition>
-  <p:timing>
-    <p:tnLst>
-      <p:par>
-        <p:cTn id="1" dur="indefinite" restart="never" nodeType="tmRoot"/>
-      </p:par>
-    </p:tnLst>
-  </p:timing>
 </p:sld>
 </file>
 
@@ -28379,10 +27607,9 @@
           <a:lstStyle/>
           <a:p>
             <a:r>
-              <a:rPr lang="en-US" dirty="0" smtClean="0"/>
+              <a:rPr lang="en-US" dirty="0"/>
               <a:t> </a:t>
             </a:r>
-            <a:endParaRPr lang="en-US" dirty="0"/>
           </a:p>
         </p:txBody>
       </p:sp>
@@ -28490,19 +27717,6 @@
               </a:rPr>
               <a:t>3</a:t>
             </a:r>
-            <a:endParaRPr lang="en-US" sz="4000" b="1" dirty="0" smtClean="0">
-              <a:gradFill>
-                <a:gsLst>
-                  <a:gs pos="0">
-                    <a:srgbClr val="FFFFFF"/>
-                  </a:gs>
-                  <a:gs pos="100000">
-                    <a:srgbClr val="FFFFFF"/>
-                  </a:gs>
-                </a:gsLst>
-                <a:lin ang="5400000" scaled="0"/>
-              </a:gradFill>
-            </a:endParaRPr>
           </a:p>
         </p:txBody>
       </p:sp>
@@ -28551,7 +27765,7 @@
           <a:p>
             <a:pPr algn="r" defTabSz="914099"/>
             <a:r>
-              <a:rPr lang="en-US" b="1" dirty="0" smtClean="0">
+              <a:rPr lang="en-US" b="1" dirty="0">
                 <a:gradFill>
                   <a:gsLst>
                     <a:gs pos="0">
@@ -28566,19 +27780,6 @@
               </a:rPr>
               <a:t>BENEFITS &amp; DRAWBACKS</a:t>
             </a:r>
-            <a:endParaRPr lang="en-US" b="1" dirty="0">
-              <a:gradFill>
-                <a:gsLst>
-                  <a:gs pos="0">
-                    <a:srgbClr val="FFFFFF"/>
-                  </a:gs>
-                  <a:gs pos="100000">
-                    <a:srgbClr val="FFFFFF"/>
-                  </a:gs>
-                </a:gsLst>
-                <a:lin ang="5400000" scaled="0"/>
-              </a:gradFill>
-            </a:endParaRPr>
           </a:p>
         </p:txBody>
       </p:sp>
@@ -28608,11 +27809,7 @@
             </a:pPr>
             <a:r>
               <a:rPr lang="en-US" dirty="0"/>
-              <a:t>Available in </a:t>
-            </a:r>
-            <a:r>
-              <a:rPr lang="en-US" dirty="0" smtClean="0"/>
-              <a:t>0.7.12 version of Chef</a:t>
+              <a:t>Available in 0.7.12 version of Chef</a:t>
             </a:r>
           </a:p>
           <a:p>
@@ -28621,10 +27818,9 @@
               <a:buChar char="•"/>
             </a:pPr>
             <a:r>
-              <a:rPr lang="en-US" dirty="0" smtClean="0"/>
+              <a:rPr lang="en-US" dirty="0"/>
               <a:t>Allows for a real resource definition without understanding Ruby (vs. HWRP)</a:t>
             </a:r>
-            <a:endParaRPr lang="en-US" dirty="0"/>
           </a:p>
           <a:p>
             <a:pPr marL="457200" indent="-457200">
@@ -28632,7 +27828,7 @@
               <a:buChar char="•"/>
             </a:pPr>
             <a:r>
-              <a:rPr lang="en-US" dirty="0" smtClean="0"/>
+              <a:rPr lang="en-US" dirty="0"/>
               <a:t>Resource and provider implementation require learning a new DSL</a:t>
             </a:r>
           </a:p>
@@ -28642,7 +27838,7 @@
               <a:buChar char="•"/>
             </a:pPr>
             <a:r>
-              <a:rPr lang="en-US" dirty="0" smtClean="0"/>
+              <a:rPr lang="en-US" dirty="0"/>
               <a:t>Complete resource definition is spread across two files</a:t>
             </a:r>
           </a:p>
@@ -28661,13 +27857,6 @@
   <p:transition spd="med">
     <p:fade/>
   </p:transition>
-  <p:timing>
-    <p:tnLst>
-      <p:par>
-        <p:cTn id="1" dur="indefinite" restart="never" nodeType="tmRoot"/>
-      </p:par>
-    </p:tnLst>
-  </p:timing>
 </p:sld>
 </file>
 
@@ -28704,10 +27893,9 @@
           <a:lstStyle/>
           <a:p>
             <a:r>
-              <a:rPr lang="en-US" dirty="0" smtClean="0"/>
+              <a:rPr lang="en-US" dirty="0"/>
               <a:t> </a:t>
             </a:r>
-            <a:endParaRPr lang="en-US" dirty="0"/>
           </a:p>
         </p:txBody>
       </p:sp>
@@ -28749,7 +27937,7 @@
           <a:lstStyle/>
           <a:p>
             <a:r>
-              <a:rPr lang="en-US" sz="3600" dirty="0" smtClean="0"/>
+              <a:rPr lang="en-US" sz="3600" dirty="0"/>
               <a:t>Custom Resources</a:t>
             </a:r>
           </a:p>
@@ -28815,19 +28003,6 @@
               </a:rPr>
               <a:t>4</a:t>
             </a:r>
-            <a:endParaRPr lang="en-US" sz="4000" b="1" dirty="0" smtClean="0">
-              <a:gradFill>
-                <a:gsLst>
-                  <a:gs pos="0">
-                    <a:srgbClr val="FFFFFF"/>
-                  </a:gs>
-                  <a:gs pos="100000">
-                    <a:srgbClr val="FFFFFF"/>
-                  </a:gs>
-                </a:gsLst>
-                <a:lin ang="5400000" scaled="0"/>
-              </a:gradFill>
-            </a:endParaRPr>
           </a:p>
         </p:txBody>
       </p:sp>
@@ -28876,7 +28051,7 @@
           <a:p>
             <a:pPr algn="r" defTabSz="914099"/>
             <a:r>
-              <a:rPr lang="en-US" b="1" dirty="0" smtClean="0">
+              <a:rPr lang="en-US" b="1" dirty="0">
                 <a:gradFill>
                   <a:gsLst>
                     <a:gs pos="0">
@@ -28891,7 +28066,7 @@
               </a:rPr>
               <a:t>DESCRIPTION</a:t>
             </a:r>
-            <a:endParaRPr lang="en-US" sz="2400" b="1" dirty="0" smtClean="0">
+            <a:endParaRPr lang="en-US" sz="2400" b="1" dirty="0">
               <a:gradFill>
                 <a:gsLst>
                   <a:gs pos="0">
@@ -28955,7 +28130,7 @@
           <a:p>
             <a:pPr algn="ctr" defTabSz="914099"/>
             <a:r>
-              <a:rPr lang="en-US" dirty="0" smtClean="0">
+              <a:rPr lang="en-US" dirty="0">
                 <a:gradFill>
                   <a:gsLst>
                     <a:gs pos="0">
@@ -28970,7 +28145,7 @@
               </a:rPr>
               <a:t>Custom Resource DSL</a:t>
             </a:r>
-            <a:endParaRPr lang="en-US" sz="2400" dirty="0" smtClean="0">
+            <a:endParaRPr lang="en-US" sz="2400" dirty="0">
               <a:gradFill>
                 <a:gsLst>
                   <a:gs pos="0">
@@ -29034,7 +28209,7 @@
           <a:p>
             <a:pPr algn="ctr" defTabSz="914099"/>
             <a:r>
-              <a:rPr lang="en-US" sz="2400" dirty="0" smtClean="0">
+              <a:rPr lang="en-US" sz="2400" dirty="0">
                 <a:gradFill>
                   <a:gsLst>
                     <a:gs pos="0">
@@ -29100,7 +28275,7 @@
           <a:p>
             <a:pPr algn="ctr" defTabSz="914099"/>
             <a:r>
-              <a:rPr lang="en-US" sz="2400" dirty="0" smtClean="0">
+              <a:rPr lang="en-US" sz="2400" dirty="0">
                 <a:gradFill>
                   <a:gsLst>
                     <a:gs pos="0">
@@ -29203,13 +28378,6 @@
   <p:transition spd="med">
     <p:fade/>
   </p:transition>
-  <p:timing>
-    <p:tnLst>
-      <p:par>
-        <p:cTn id="1" dur="indefinite" restart="never" nodeType="tmRoot"/>
-      </p:par>
-    </p:tnLst>
-  </p:timing>
 </p:sld>
 </file>
 
@@ -29246,10 +28414,9 @@
           <a:lstStyle/>
           <a:p>
             <a:r>
-              <a:rPr lang="en-US" dirty="0" smtClean="0"/>
+              <a:rPr lang="en-US" dirty="0"/>
               <a:t> </a:t>
             </a:r>
-            <a:endParaRPr lang="en-US" dirty="0"/>
           </a:p>
         </p:txBody>
       </p:sp>
@@ -29357,19 +28524,6 @@
               </a:rPr>
               <a:t>4</a:t>
             </a:r>
-            <a:endParaRPr lang="en-US" sz="4000" b="1" dirty="0" smtClean="0">
-              <a:gradFill>
-                <a:gsLst>
-                  <a:gs pos="0">
-                    <a:srgbClr val="FFFFFF"/>
-                  </a:gs>
-                  <a:gs pos="100000">
-                    <a:srgbClr val="FFFFFF"/>
-                  </a:gs>
-                </a:gsLst>
-                <a:lin ang="5400000" scaled="0"/>
-              </a:gradFill>
-            </a:endParaRPr>
           </a:p>
         </p:txBody>
       </p:sp>
@@ -29418,7 +28572,7 @@
           <a:p>
             <a:pPr algn="r" defTabSz="914099"/>
             <a:r>
-              <a:rPr lang="en-US" b="1" dirty="0" smtClean="0">
+              <a:rPr lang="en-US" b="1" dirty="0">
                 <a:gradFill>
                   <a:gsLst>
                     <a:gs pos="0">
@@ -29433,7 +28587,7 @@
               </a:rPr>
               <a:t>STRUCTURE</a:t>
             </a:r>
-            <a:endParaRPr lang="en-US" sz="2400" b="1" dirty="0" smtClean="0">
+            <a:endParaRPr lang="en-US" sz="2400" b="1" dirty="0">
               <a:gradFill>
                 <a:gsLst>
                   <a:gs pos="0">
@@ -29544,7 +28698,7 @@
                 </a:spcAft>
               </a:pPr>
               <a:r>
-                <a:rPr lang="en-US" sz="5600" b="1" kern="1200" dirty="0" err="1" smtClean="0">
+                <a:rPr lang="en-US" sz="5600" b="1" kern="1200" dirty="0" err="1">
                   <a:latin typeface="Courier New" charset="0"/>
                   <a:ea typeface="Courier New" charset="0"/>
                   <a:cs typeface="Courier New" charset="0"/>
@@ -29680,7 +28834,7 @@
                 </a:spcAft>
               </a:pPr>
               <a:r>
-                <a:rPr lang="en-US" b="1" dirty="0" smtClean="0">
+                <a:rPr lang="en-US" b="1" dirty="0">
                   <a:latin typeface="Courier New" charset="0"/>
                   <a:ea typeface="Courier New" charset="0"/>
                   <a:cs typeface="Courier New" charset="0"/>
@@ -29707,7 +28861,7 @@
                 <a:buChar char="••"/>
               </a:pPr>
               <a:r>
-                <a:rPr lang="en-US" sz="1900" b="1" dirty="0" smtClean="0">
+                <a:rPr lang="en-US" sz="1900" b="1" dirty="0">
                   <a:latin typeface="Courier New" charset="0"/>
                   <a:ea typeface="Courier New" charset="0"/>
                   <a:cs typeface="Courier New" charset="0"/>
@@ -29715,7 +28869,7 @@
                 <a:t>[</a:t>
               </a:r>
               <a:r>
-                <a:rPr lang="en-US" sz="1900" b="1" dirty="0" err="1" smtClean="0">
+                <a:rPr lang="en-US" sz="1900" b="1" dirty="0" err="1">
                   <a:latin typeface="Courier New" charset="0"/>
                   <a:ea typeface="Courier New" charset="0"/>
                   <a:cs typeface="Courier New" charset="0"/>
@@ -29723,7 +28877,7 @@
                 <a:t>my_resource_name</a:t>
               </a:r>
               <a:r>
-                <a:rPr lang="en-US" sz="1900" b="1" dirty="0" smtClean="0">
+                <a:rPr lang="en-US" sz="1900" b="1" dirty="0">
                   <a:latin typeface="Courier New" charset="0"/>
                   <a:ea typeface="Courier New" charset="0"/>
                   <a:cs typeface="Courier New" charset="0"/>
@@ -29731,14 +28885,14 @@
                 <a:t>].</a:t>
               </a:r>
               <a:r>
-                <a:rPr lang="en-US" sz="1900" b="1" dirty="0" err="1" smtClean="0">
+                <a:rPr lang="en-US" sz="1900" b="1" dirty="0" err="1">
                   <a:latin typeface="Courier New" charset="0"/>
                   <a:ea typeface="Courier New" charset="0"/>
                   <a:cs typeface="Courier New" charset="0"/>
                 </a:rPr>
                 <a:t>rb</a:t>
               </a:r>
-              <a:endParaRPr lang="en-US" sz="1900" b="1" dirty="0" smtClean="0">
+              <a:endParaRPr lang="en-US" sz="1900" b="1" dirty="0">
                 <a:latin typeface="Courier New" charset="0"/>
                 <a:ea typeface="Courier New" charset="0"/>
                 <a:cs typeface="Courier New" charset="0"/>
@@ -29769,7 +28923,7 @@
           <a:lstStyle/>
           <a:p>
             <a:r>
-              <a:rPr lang="en-US" dirty="0" smtClean="0"/>
+              <a:rPr lang="en-US" dirty="0"/>
               <a:t>A custom resource is defined in a single file within the resources directory.</a:t>
             </a:r>
           </a:p>
@@ -29788,13 +28942,6 @@
   <p:transition spd="med">
     <p:fade/>
   </p:transition>
-  <p:timing>
-    <p:tnLst>
-      <p:par>
-        <p:cTn id="1" dur="indefinite" restart="never" nodeType="tmRoot"/>
-      </p:par>
-    </p:tnLst>
-  </p:timing>
 </p:sld>
 </file>
 
@@ -29831,10 +28978,9 @@
           <a:lstStyle/>
           <a:p>
             <a:r>
-              <a:rPr lang="en-US" dirty="0" smtClean="0"/>
+              <a:rPr lang="en-US" dirty="0"/>
               <a:t> </a:t>
             </a:r>
-            <a:endParaRPr lang="en-US" dirty="0"/>
           </a:p>
         </p:txBody>
       </p:sp>
@@ -29942,19 +29088,6 @@
               </a:rPr>
               <a:t>4</a:t>
             </a:r>
-            <a:endParaRPr lang="en-US" sz="4000" b="1" dirty="0" smtClean="0">
-              <a:gradFill>
-                <a:gsLst>
-                  <a:gs pos="0">
-                    <a:srgbClr val="FFFFFF"/>
-                  </a:gs>
-                  <a:gs pos="100000">
-                    <a:srgbClr val="FFFFFF"/>
-                  </a:gs>
-                </a:gsLst>
-                <a:lin ang="5400000" scaled="0"/>
-              </a:gradFill>
-            </a:endParaRPr>
           </a:p>
         </p:txBody>
       </p:sp>
@@ -30003,7 +29136,7 @@
           <a:p>
             <a:pPr algn="r" defTabSz="914099"/>
             <a:r>
-              <a:rPr lang="en-US" b="1" dirty="0" smtClean="0">
+              <a:rPr lang="en-US" b="1" dirty="0">
                 <a:gradFill>
                   <a:gsLst>
                     <a:gs pos="0">
@@ -30018,7 +29151,7 @@
               </a:rPr>
               <a:t>IMPLEMENTATION LANGUAGE</a:t>
             </a:r>
-            <a:endParaRPr lang="en-US" sz="2400" b="1" dirty="0" smtClean="0">
+            <a:endParaRPr lang="en-US" sz="2400" b="1" dirty="0">
               <a:gradFill>
                 <a:gsLst>
                   <a:gs pos="0">
@@ -30062,7 +29195,7 @@
           <a:lstStyle/>
           <a:p>
             <a:r>
-              <a:rPr lang="en-US" sz="2000" b="1" dirty="0" err="1" smtClean="0">
+              <a:rPr lang="en-US" sz="2000" b="1" dirty="0" err="1">
                 <a:latin typeface="Courier New" charset="0"/>
                 <a:ea typeface="Courier New" charset="0"/>
                 <a:cs typeface="Courier New" charset="0"/>
@@ -30070,7 +29203,7 @@
               <a:t>resource_name</a:t>
             </a:r>
             <a:r>
-              <a:rPr lang="en-US" sz="2000" b="1" dirty="0" smtClean="0">
+              <a:rPr lang="en-US" sz="2000" b="1" dirty="0">
                 <a:latin typeface="Courier New" charset="0"/>
                 <a:ea typeface="Courier New" charset="0"/>
                 <a:cs typeface="Courier New" charset="0"/>
@@ -30078,20 +29211,13 @@
               <a:t> :</a:t>
             </a:r>
             <a:r>
-              <a:rPr lang="en-US" sz="2000" b="1" dirty="0" err="1" smtClean="0">
+              <a:rPr lang="en-US" sz="2000" b="1" dirty="0" err="1">
                 <a:latin typeface="Courier New" charset="0"/>
                 <a:ea typeface="Courier New" charset="0"/>
                 <a:cs typeface="Courier New" charset="0"/>
               </a:rPr>
               <a:t>apache_vhost</a:t>
             </a:r>
-            <a:endParaRPr lang="en-US" sz="2000" b="1" dirty="0" smtClean="0">
-              <a:latin typeface="Courier New" charset="0"/>
-              <a:ea typeface="Courier New" charset="0"/>
-              <a:cs typeface="Courier New" charset="0"/>
-            </a:endParaRPr>
-          </a:p>
-          <a:p>
             <a:endParaRPr lang="en-US" sz="2000" b="1" dirty="0">
               <a:latin typeface="Courier New" charset="0"/>
               <a:ea typeface="Courier New" charset="0"/>
@@ -30099,98 +29225,6 @@
             </a:endParaRPr>
           </a:p>
           <a:p>
-            <a:r>
-              <a:rPr lang="en-US" sz="2000" b="1" dirty="0" smtClean="0">
-                <a:latin typeface="Courier New" charset="0"/>
-                <a:ea typeface="Courier New" charset="0"/>
-                <a:cs typeface="Courier New" charset="0"/>
-              </a:rPr>
-              <a:t>property :</a:t>
-            </a:r>
-            <a:r>
-              <a:rPr lang="en-US" sz="2000" b="1" dirty="0" err="1" smtClean="0">
-                <a:latin typeface="Courier New" charset="0"/>
-                <a:ea typeface="Courier New" charset="0"/>
-                <a:cs typeface="Courier New" charset="0"/>
-              </a:rPr>
-              <a:t>site_name</a:t>
-            </a:r>
-            <a:r>
-              <a:rPr lang="en-US" sz="2000" b="1" dirty="0">
-                <a:latin typeface="Courier New" charset="0"/>
-                <a:ea typeface="Courier New" charset="0"/>
-                <a:cs typeface="Courier New" charset="0"/>
-              </a:rPr>
-              <a:t>, String, </a:t>
-            </a:r>
-            <a:r>
-              <a:rPr lang="en-US" sz="2000" b="1" dirty="0" err="1">
-                <a:latin typeface="Courier New" charset="0"/>
-                <a:ea typeface="Courier New" charset="0"/>
-                <a:cs typeface="Courier New" charset="0"/>
-              </a:rPr>
-              <a:t>name_attribute</a:t>
-            </a:r>
-            <a:r>
-              <a:rPr lang="en-US" sz="2000" b="1" dirty="0">
-                <a:latin typeface="Courier New" charset="0"/>
-                <a:ea typeface="Courier New" charset="0"/>
-                <a:cs typeface="Courier New" charset="0"/>
-              </a:rPr>
-              <a:t>: true</a:t>
-            </a:r>
-          </a:p>
-          <a:p>
-            <a:r>
-              <a:rPr lang="en-US" sz="2000" b="1" dirty="0">
-                <a:latin typeface="Courier New" charset="0"/>
-                <a:ea typeface="Courier New" charset="0"/>
-                <a:cs typeface="Courier New" charset="0"/>
-              </a:rPr>
-              <a:t>property</a:t>
-            </a:r>
-            <a:r>
-              <a:rPr lang="en-US" sz="2000" b="1" dirty="0" smtClean="0">
-                <a:latin typeface="Courier New" charset="0"/>
-                <a:ea typeface="Courier New" charset="0"/>
-                <a:cs typeface="Courier New" charset="0"/>
-              </a:rPr>
-              <a:t> </a:t>
-            </a:r>
-            <a:r>
-              <a:rPr lang="en-US" sz="2000" b="1" dirty="0">
-                <a:latin typeface="Courier New" charset="0"/>
-                <a:ea typeface="Courier New" charset="0"/>
-                <a:cs typeface="Courier New" charset="0"/>
-              </a:rPr>
-              <a:t>:</a:t>
-            </a:r>
-            <a:r>
-              <a:rPr lang="en-US" sz="2000" b="1" dirty="0" err="1">
-                <a:latin typeface="Courier New" charset="0"/>
-                <a:ea typeface="Courier New" charset="0"/>
-                <a:cs typeface="Courier New" charset="0"/>
-              </a:rPr>
-              <a:t>site_port</a:t>
-            </a:r>
-            <a:r>
-              <a:rPr lang="en-US" sz="2000" b="1" dirty="0">
-                <a:latin typeface="Courier New" charset="0"/>
-                <a:ea typeface="Courier New" charset="0"/>
-                <a:cs typeface="Courier New" charset="0"/>
-              </a:rPr>
-              <a:t>, Integer, default: </a:t>
-            </a:r>
-            <a:r>
-              <a:rPr lang="en-US" sz="2000" b="1" dirty="0" smtClean="0">
-                <a:latin typeface="Courier New" charset="0"/>
-                <a:ea typeface="Courier New" charset="0"/>
-                <a:cs typeface="Courier New" charset="0"/>
-              </a:rPr>
-              <a:t>80</a:t>
-            </a:r>
-          </a:p>
-          <a:p>
             <a:endParaRPr lang="en-US" sz="2000" b="1" dirty="0">
               <a:latin typeface="Courier New" charset="0"/>
               <a:ea typeface="Courier New" charset="0"/>
@@ -30199,30 +29233,12 @@
           </a:p>
           <a:p>
             <a:r>
-              <a:rPr lang="en-US" sz="2000" b="1" dirty="0" smtClean="0">
-                <a:latin typeface="Courier New" charset="0"/>
-                <a:ea typeface="Courier New" charset="0"/>
-                <a:cs typeface="Courier New" charset="0"/>
-              </a:rPr>
-              <a:t>action :create do</a:t>
-            </a:r>
-          </a:p>
-          <a:p>
-            <a:r>
-              <a:rPr lang="en-US" sz="2000" b="1" dirty="0" smtClean="0">
-                <a:latin typeface="Courier New" charset="0"/>
-                <a:ea typeface="Courier New" charset="0"/>
-                <a:cs typeface="Courier New" charset="0"/>
-              </a:rPr>
-              <a:t>  </a:t>
-            </a:r>
-            <a:r>
               <a:rPr lang="en-US" sz="2000" b="1" dirty="0">
                 <a:latin typeface="Courier New" charset="0"/>
                 <a:ea typeface="Courier New" charset="0"/>
                 <a:cs typeface="Courier New" charset="0"/>
               </a:rPr>
-              <a:t>directory "/</a:t>
+              <a:t>property :</a:t>
             </a:r>
             <a:r>
               <a:rPr lang="en-US" sz="2000" b="1" dirty="0" err="1">
@@ -30230,7 +29246,7 @@
                 <a:ea typeface="Courier New" charset="0"/>
                 <a:cs typeface="Courier New" charset="0"/>
               </a:rPr>
-              <a:t>srv</a:t>
+              <a:t>site_name</a:t>
             </a:r>
             <a:r>
               <a:rPr lang="en-US" sz="2000" b="1" dirty="0">
@@ -30238,23 +29254,15 @@
                 <a:ea typeface="Courier New" charset="0"/>
                 <a:cs typeface="Courier New" charset="0"/>
               </a:rPr>
-              <a:t>/apache</a:t>
-            </a:r>
-            <a:r>
-              <a:rPr lang="en-US" sz="2000" b="1" dirty="0" smtClean="0">
+              <a:t>, String, </a:t>
+            </a:r>
+            <a:r>
+              <a:rPr lang="en-US" sz="2000" b="1" dirty="0" err="1">
                 <a:latin typeface="Courier New" charset="0"/>
                 <a:ea typeface="Courier New" charset="0"/>
                 <a:cs typeface="Courier New" charset="0"/>
               </a:rPr>
-              <a:t>/#{</a:t>
-            </a:r>
-            <a:r>
-              <a:rPr lang="en-US" sz="2000" b="1" dirty="0" err="1" smtClean="0">
-                <a:latin typeface="Courier New" charset="0"/>
-                <a:ea typeface="Courier New" charset="0"/>
-                <a:cs typeface="Courier New" charset="0"/>
-              </a:rPr>
-              <a:t>site_name</a:t>
+              <a:t>name_attribute</a:t>
             </a:r>
             <a:r>
               <a:rPr lang="en-US" sz="2000" b="1" dirty="0">
@@ -30262,7 +29270,7 @@
                 <a:ea typeface="Courier New" charset="0"/>
                 <a:cs typeface="Courier New" charset="0"/>
               </a:rPr>
-              <a:t>}/html' do</a:t>
+              <a:t>: true</a:t>
             </a:r>
           </a:p>
           <a:p>
@@ -30272,27 +29280,23 @@
                 <a:ea typeface="Courier New" charset="0"/>
                 <a:cs typeface="Courier New" charset="0"/>
               </a:rPr>
-              <a:t>    recursive true</a:t>
-            </a:r>
-          </a:p>
-          <a:p>
+              <a:t>property :</a:t>
+            </a:r>
+            <a:r>
+              <a:rPr lang="en-US" sz="2000" b="1" dirty="0" err="1">
+                <a:latin typeface="Courier New" charset="0"/>
+                <a:ea typeface="Courier New" charset="0"/>
+                <a:cs typeface="Courier New" charset="0"/>
+              </a:rPr>
+              <a:t>site_port</a:t>
+            </a:r>
             <a:r>
               <a:rPr lang="en-US" sz="2000" b="1" dirty="0">
                 <a:latin typeface="Courier New" charset="0"/>
                 <a:ea typeface="Courier New" charset="0"/>
                 <a:cs typeface="Courier New" charset="0"/>
               </a:rPr>
-              <a:t>    mode '0755'</a:t>
-            </a:r>
-          </a:p>
-          <a:p>
-            <a:r>
-              <a:rPr lang="en-US" sz="2000" b="1" dirty="0">
-                <a:latin typeface="Courier New" charset="0"/>
-                <a:ea typeface="Courier New" charset="0"/>
-                <a:cs typeface="Courier New" charset="0"/>
-              </a:rPr>
-              <a:t>  end</a:t>
+              <a:t>, Integer, default: 80</a:t>
             </a:r>
           </a:p>
           <a:p>
@@ -30309,7 +29313,79 @@
                 <a:ea typeface="Courier New" charset="0"/>
                 <a:cs typeface="Courier New" charset="0"/>
               </a:rPr>
-              <a:t>  # ... remaining resources ...</a:t>
+              <a:t>action :create do</a:t>
+            </a:r>
+          </a:p>
+          <a:p>
+            <a:r>
+              <a:rPr lang="en-US" sz="2000" b="1" dirty="0">
+                <a:latin typeface="Courier New" charset="0"/>
+                <a:ea typeface="Courier New" charset="0"/>
+                <a:cs typeface="Courier New" charset="0"/>
+              </a:rPr>
+              <a:t>  directory "/</a:t>
+            </a:r>
+            <a:r>
+              <a:rPr lang="en-US" sz="2000" b="1" dirty="0" err="1">
+                <a:latin typeface="Courier New" charset="0"/>
+                <a:ea typeface="Courier New" charset="0"/>
+                <a:cs typeface="Courier New" charset="0"/>
+              </a:rPr>
+              <a:t>srv</a:t>
+            </a:r>
+            <a:r>
+              <a:rPr lang="en-US" sz="2000" b="1" dirty="0">
+                <a:latin typeface="Courier New" charset="0"/>
+                <a:ea typeface="Courier New" charset="0"/>
+                <a:cs typeface="Courier New" charset="0"/>
+              </a:rPr>
+              <a:t>/apache/#{</a:t>
+            </a:r>
+            <a:r>
+              <a:rPr lang="en-US" sz="2000" b="1" dirty="0" err="1">
+                <a:latin typeface="Courier New" charset="0"/>
+                <a:ea typeface="Courier New" charset="0"/>
+                <a:cs typeface="Courier New" charset="0"/>
+              </a:rPr>
+              <a:t>new_resource.site_name</a:t>
+            </a:r>
+            <a:r>
+              <a:rPr lang="en-US" sz="2000" b="1" dirty="0">
+                <a:latin typeface="Courier New" charset="0"/>
+                <a:ea typeface="Courier New" charset="0"/>
+                <a:cs typeface="Courier New" charset="0"/>
+              </a:rPr>
+              <a:t>}/html' do</a:t>
+            </a:r>
+          </a:p>
+          <a:p>
+            <a:r>
+              <a:rPr lang="en-US" sz="2000" b="1" dirty="0">
+                <a:latin typeface="Courier New" charset="0"/>
+                <a:ea typeface="Courier New" charset="0"/>
+                <a:cs typeface="Courier New" charset="0"/>
+              </a:rPr>
+              <a:t>    recursive true</a:t>
+            </a:r>
+          </a:p>
+          <a:p>
+            <a:r>
+              <a:rPr lang="en-US" sz="2000" b="1" dirty="0">
+                <a:latin typeface="Courier New" charset="0"/>
+                <a:ea typeface="Courier New" charset="0"/>
+                <a:cs typeface="Courier New" charset="0"/>
+              </a:rPr>
+              <a:t>    mode '0755'</a:t>
+            </a:r>
+          </a:p>
+          <a:p>
+            <a:r>
+              <a:rPr lang="en-US" sz="2000" b="1" dirty="0">
+                <a:latin typeface="Courier New" charset="0"/>
+                <a:ea typeface="Courier New" charset="0"/>
+                <a:cs typeface="Courier New" charset="0"/>
+              </a:rPr>
+              <a:t>  end</a:t>
             </a:r>
           </a:p>
           <a:p>
@@ -30321,12 +29397,12 @@
           </a:p>
           <a:p>
             <a:r>
-              <a:rPr lang="en-US" sz="2000" b="1" dirty="0" smtClean="0">
+              <a:rPr lang="en-US" sz="2000" b="1" dirty="0">
                 <a:latin typeface="Courier New" charset="0"/>
                 <a:ea typeface="Courier New" charset="0"/>
                 <a:cs typeface="Courier New" charset="0"/>
               </a:rPr>
-              <a:t>end</a:t>
+              <a:t>  # ... remaining resources ...</a:t>
             </a:r>
           </a:p>
           <a:p>
@@ -30338,18 +29414,30 @@
           </a:p>
           <a:p>
             <a:r>
-              <a:rPr lang="en-US" sz="2000" b="1" dirty="0" smtClean="0">
+              <a:rPr lang="en-US" sz="2000" b="1" dirty="0">
                 <a:latin typeface="Courier New" charset="0"/>
                 <a:ea typeface="Courier New" charset="0"/>
                 <a:cs typeface="Courier New" charset="0"/>
               </a:rPr>
-              <a:t># ... remaining actions ...</a:t>
-            </a:r>
+              <a:t>end</a:t>
+            </a:r>
+          </a:p>
+          <a:p>
             <a:endParaRPr lang="en-US" sz="2000" b="1" dirty="0">
               <a:latin typeface="Courier New" charset="0"/>
               <a:ea typeface="Courier New" charset="0"/>
               <a:cs typeface="Courier New" charset="0"/>
             </a:endParaRPr>
+          </a:p>
+          <a:p>
+            <a:r>
+              <a:rPr lang="en-US" sz="2000" b="1" dirty="0">
+                <a:latin typeface="Courier New" charset="0"/>
+                <a:ea typeface="Courier New" charset="0"/>
+                <a:cs typeface="Courier New" charset="0"/>
+              </a:rPr>
+              <a:t># ... remaining actions ...</a:t>
+            </a:r>
           </a:p>
         </p:txBody>
       </p:sp>
@@ -30381,7 +29469,7 @@
           <a:lstStyle/>
           <a:p>
             <a:r>
-              <a:rPr lang="en-US" b="1" dirty="0" smtClean="0">
+              <a:rPr lang="en-US" b="1" dirty="0">
                 <a:latin typeface="Courier New" charset="0"/>
                 <a:ea typeface="Courier New" charset="0"/>
                 <a:cs typeface="Courier New" charset="0"/>
@@ -30389,14 +29477,14 @@
               <a:t>resources/</a:t>
             </a:r>
             <a:r>
-              <a:rPr lang="en-US" b="1" dirty="0" err="1" smtClean="0">
+              <a:rPr lang="en-US" b="1" dirty="0" err="1">
                 <a:latin typeface="Courier New" charset="0"/>
                 <a:ea typeface="Courier New" charset="0"/>
                 <a:cs typeface="Courier New" charset="0"/>
               </a:rPr>
               <a:t>vhost.rb</a:t>
             </a:r>
-            <a:endParaRPr lang="en-US" b="1" dirty="0" smtClean="0">
+            <a:endParaRPr lang="en-US" b="1" dirty="0">
               <a:latin typeface="Courier New" charset="0"/>
               <a:ea typeface="Courier New" charset="0"/>
               <a:cs typeface="Courier New" charset="0"/>
@@ -30417,13 +29505,6 @@
   <p:transition spd="med">
     <p:fade/>
   </p:transition>
-  <p:timing>
-    <p:tnLst>
-      <p:par>
-        <p:cTn id="1" dur="indefinite" restart="never" nodeType="tmRoot"/>
-      </p:par>
-    </p:tnLst>
-  </p:timing>
 </p:sld>
 </file>
 
@@ -30460,10 +29541,9 @@
           <a:lstStyle/>
           <a:p>
             <a:r>
-              <a:rPr lang="en-US" dirty="0" smtClean="0"/>
+              <a:rPr lang="en-US" dirty="0"/>
               <a:t> </a:t>
             </a:r>
-            <a:endParaRPr lang="en-US" dirty="0"/>
           </a:p>
         </p:txBody>
       </p:sp>
@@ -30571,19 +29651,6 @@
               </a:rPr>
               <a:t>4</a:t>
             </a:r>
-            <a:endParaRPr lang="en-US" sz="4000" b="1" dirty="0" smtClean="0">
-              <a:gradFill>
-                <a:gsLst>
-                  <a:gs pos="0">
-                    <a:srgbClr val="FFFFFF"/>
-                  </a:gs>
-                  <a:gs pos="100000">
-                    <a:srgbClr val="FFFFFF"/>
-                  </a:gs>
-                </a:gsLst>
-                <a:lin ang="5400000" scaled="0"/>
-              </a:gradFill>
-            </a:endParaRPr>
           </a:p>
         </p:txBody>
       </p:sp>
@@ -30632,7 +29699,7 @@
           <a:p>
             <a:pPr algn="r" defTabSz="914099"/>
             <a:r>
-              <a:rPr lang="en-US" b="1" dirty="0" smtClean="0">
+              <a:rPr lang="en-US" b="1" dirty="0">
                 <a:gradFill>
                   <a:gsLst>
                     <a:gs pos="0">
@@ -30647,7 +29714,7 @@
               </a:rPr>
               <a:t>USAGE</a:t>
             </a:r>
-            <a:endParaRPr lang="en-US" sz="2400" b="1" dirty="0" smtClean="0">
+            <a:endParaRPr lang="en-US" sz="2400" b="1" dirty="0">
               <a:gradFill>
                 <a:gsLst>
                   <a:gs pos="0">
@@ -30843,7 +29910,7 @@
           <a:lstStyle/>
           <a:p>
             <a:r>
-              <a:rPr lang="en-US" b="1" dirty="0" smtClean="0">
+              <a:rPr lang="en-US" b="1" dirty="0">
                 <a:latin typeface="Courier New" charset="0"/>
                 <a:ea typeface="Courier New" charset="0"/>
                 <a:cs typeface="Courier New" charset="0"/>
@@ -30851,14 +29918,14 @@
               <a:t>recipes/</a:t>
             </a:r>
             <a:r>
-              <a:rPr lang="en-US" b="1" dirty="0" err="1" smtClean="0">
+              <a:rPr lang="en-US" b="1" dirty="0" err="1">
                 <a:latin typeface="Courier New" charset="0"/>
                 <a:ea typeface="Courier New" charset="0"/>
                 <a:cs typeface="Courier New" charset="0"/>
               </a:rPr>
               <a:t>default.rb</a:t>
             </a:r>
-            <a:endParaRPr lang="en-US" b="1" dirty="0" smtClean="0">
+            <a:endParaRPr lang="en-US" b="1" dirty="0">
               <a:latin typeface="Courier New" charset="0"/>
               <a:ea typeface="Courier New" charset="0"/>
               <a:cs typeface="Courier New" charset="0"/>
@@ -30879,13 +29946,6 @@
   <p:transition spd="med">
     <p:fade/>
   </p:transition>
-  <p:timing>
-    <p:tnLst>
-      <p:par>
-        <p:cTn id="1" dur="indefinite" restart="never" nodeType="tmRoot"/>
-      </p:par>
-    </p:tnLst>
-  </p:timing>
 </p:sld>
 </file>
 
@@ -30922,10 +29982,9 @@
           <a:lstStyle/>
           <a:p>
             <a:r>
-              <a:rPr lang="en-US" dirty="0" smtClean="0"/>
+              <a:rPr lang="en-US" dirty="0"/>
               <a:t> </a:t>
             </a:r>
-            <a:endParaRPr lang="en-US" dirty="0"/>
           </a:p>
         </p:txBody>
       </p:sp>
@@ -30967,7 +30026,7 @@
           <a:lstStyle/>
           <a:p>
             <a:r>
-              <a:rPr lang="en-US" sz="3600" dirty="0" smtClean="0"/>
+              <a:rPr lang="en-US" sz="3600" dirty="0"/>
               <a:t>Custom Resources</a:t>
             </a:r>
           </a:p>
@@ -31033,19 +30092,6 @@
               </a:rPr>
               <a:t>4</a:t>
             </a:r>
-            <a:endParaRPr lang="en-US" sz="4000" b="1" dirty="0" smtClean="0">
-              <a:gradFill>
-                <a:gsLst>
-                  <a:gs pos="0">
-                    <a:srgbClr val="FFFFFF"/>
-                  </a:gs>
-                  <a:gs pos="100000">
-                    <a:srgbClr val="FFFFFF"/>
-                  </a:gs>
-                </a:gsLst>
-                <a:lin ang="5400000" scaled="0"/>
-              </a:gradFill>
-            </a:endParaRPr>
           </a:p>
         </p:txBody>
       </p:sp>
@@ -31094,7 +30140,7 @@
           <a:p>
             <a:pPr algn="r" defTabSz="914099"/>
             <a:r>
-              <a:rPr lang="en-US" b="1" dirty="0" smtClean="0">
+              <a:rPr lang="en-US" b="1" dirty="0">
                 <a:gradFill>
                   <a:gsLst>
                     <a:gs pos="0">
@@ -31109,19 +30155,6 @@
               </a:rPr>
               <a:t>BENEFITS &amp; DRAWBACKS</a:t>
             </a:r>
-            <a:endParaRPr lang="en-US" b="1" dirty="0">
-              <a:gradFill>
-                <a:gsLst>
-                  <a:gs pos="0">
-                    <a:srgbClr val="FFFFFF"/>
-                  </a:gs>
-                  <a:gs pos="100000">
-                    <a:srgbClr val="FFFFFF"/>
-                  </a:gs>
-                </a:gsLst>
-                <a:lin ang="5400000" scaled="0"/>
-              </a:gradFill>
-            </a:endParaRPr>
           </a:p>
         </p:txBody>
       </p:sp>
@@ -31151,11 +30184,7 @@
             </a:pPr>
             <a:r>
               <a:rPr lang="en-US" dirty="0"/>
-              <a:t>Available in </a:t>
-            </a:r>
-            <a:r>
-              <a:rPr lang="en-US" dirty="0" smtClean="0"/>
-              <a:t>12.5.0 version of Chef</a:t>
+              <a:t>Available in 12.5.0 version of Chef</a:t>
             </a:r>
           </a:p>
           <a:p>
@@ -31164,7 +30193,7 @@
               <a:buChar char="•"/>
             </a:pPr>
             <a:r>
-              <a:rPr lang="en-US" dirty="0" smtClean="0"/>
+              <a:rPr lang="en-US" dirty="0"/>
               <a:t>Allows for a real resource definition without understanding Ruby (vs. HWRP)</a:t>
             </a:r>
           </a:p>
@@ -31175,13 +30204,8 @@
             </a:pPr>
             <a:r>
               <a:rPr lang="en-US" dirty="0"/>
-              <a:t>Complete resource definition is defined in a single file (vs. LWRP</a:t>
-            </a:r>
-            <a:r>
-              <a:rPr lang="en-US" dirty="0" smtClean="0"/>
-              <a:t>)</a:t>
-            </a:r>
-            <a:endParaRPr lang="en-US" dirty="0"/>
+              <a:t>Complete resource definition is defined in a single file (vs. LWRP)</a:t>
+            </a:r>
           </a:p>
           <a:p>
             <a:pPr marL="457200" indent="-457200">
@@ -31189,7 +30213,7 @@
               <a:buChar char="•"/>
             </a:pPr>
             <a:r>
-              <a:rPr lang="en-US" dirty="0" smtClean="0"/>
+              <a:rPr lang="en-US" dirty="0"/>
               <a:t>Custom resource implementation require learning a new DSL</a:t>
             </a:r>
           </a:p>
@@ -31208,13 +30232,6 @@
   <p:transition spd="med">
     <p:fade/>
   </p:transition>
-  <p:timing>
-    <p:tnLst>
-      <p:par>
-        <p:cTn id="1" dur="indefinite" restart="never" nodeType="tmRoot"/>
-      </p:par>
-    </p:tnLst>
-  </p:timing>
 </p:sld>
 </file>
 
@@ -31253,10 +30270,9 @@
           <a:lstStyle/>
           <a:p>
             <a:r>
-              <a:rPr lang="en-US" sz="5400" dirty="0" smtClean="0"/>
+              <a:rPr lang="en-US" sz="5400" dirty="0"/>
               <a:t>Approaches to Extending Resources</a:t>
             </a:r>
-            <a:endParaRPr lang="en-US" sz="5400" dirty="0"/>
           </a:p>
         </p:txBody>
       </p:sp>
@@ -31298,7 +30314,7 @@
           <a:lstStyle/>
           <a:p>
             <a:r>
-              <a:rPr lang="en-US" sz="3600" dirty="0" smtClean="0"/>
+              <a:rPr lang="en-US" sz="3600" dirty="0"/>
               <a:t>Light-Weight Resource-Providers (LWRP)</a:t>
             </a:r>
           </a:p>
@@ -31342,7 +30358,7 @@
           <a:lstStyle/>
           <a:p>
             <a:r>
-              <a:rPr lang="en-US" sz="3600" dirty="0" smtClean="0"/>
+              <a:rPr lang="en-US" sz="3600" dirty="0"/>
               <a:t>Pure Ruby (Heavy-Weight Resource-Providers / HWRP)</a:t>
             </a:r>
           </a:p>
@@ -31386,7 +30402,7 @@
           <a:lstStyle/>
           <a:p>
             <a:r>
-              <a:rPr lang="en-US" sz="3600" dirty="0" smtClean="0"/>
+              <a:rPr lang="en-US" sz="3600" dirty="0"/>
               <a:t>Definitions</a:t>
             </a:r>
           </a:p>
@@ -31430,7 +30446,7 @@
           <a:lstStyle/>
           <a:p>
             <a:r>
-              <a:rPr lang="en-US" sz="3600" dirty="0" smtClean="0"/>
+              <a:rPr lang="en-US" sz="3600" dirty="0"/>
               <a:t>Custom Resources</a:t>
             </a:r>
           </a:p>
@@ -31496,19 +30512,6 @@
               </a:rPr>
               <a:t>1</a:t>
             </a:r>
-            <a:endParaRPr lang="en-US" sz="4000" b="1" dirty="0" smtClean="0">
-              <a:gradFill>
-                <a:gsLst>
-                  <a:gs pos="0">
-                    <a:srgbClr val="FFFFFF"/>
-                  </a:gs>
-                  <a:gs pos="100000">
-                    <a:srgbClr val="FFFFFF"/>
-                  </a:gs>
-                </a:gsLst>
-                <a:lin ang="5400000" scaled="0"/>
-              </a:gradFill>
-            </a:endParaRPr>
           </a:p>
         </p:txBody>
       </p:sp>
@@ -31557,7 +30560,7 @@
           <a:p>
             <a:pPr algn="ctr" defTabSz="914099"/>
             <a:r>
-              <a:rPr lang="en-US" sz="4000" b="1" dirty="0" smtClean="0">
+              <a:rPr lang="en-US" sz="4000" b="1" dirty="0">
                 <a:gradFill>
                   <a:gsLst>
                     <a:gs pos="0">
@@ -31620,7 +30623,7 @@
           <a:p>
             <a:pPr algn="ctr" defTabSz="914099"/>
             <a:r>
-              <a:rPr lang="en-US" sz="4000" b="1" dirty="0" smtClean="0">
+              <a:rPr lang="en-US" sz="4000" b="1" dirty="0">
                 <a:gradFill>
                   <a:gsLst>
                     <a:gs pos="0">
@@ -31683,7 +30686,7 @@
           <a:p>
             <a:pPr algn="ctr" defTabSz="914099"/>
             <a:r>
-              <a:rPr lang="en-US" sz="4000" b="1" dirty="0" smtClean="0">
+              <a:rPr lang="en-US" sz="4000" b="1" dirty="0">
                 <a:gradFill>
                   <a:gsLst>
                     <a:gs pos="0">
@@ -31714,13 +30717,6 @@
   <p:transition spd="med">
     <p:fade/>
   </p:transition>
-  <p:timing>
-    <p:tnLst>
-      <p:par>
-        <p:cTn id="1" dur="indefinite" restart="never" nodeType="tmRoot"/>
-      </p:par>
-    </p:tnLst>
-  </p:timing>
 </p:sld>
 </file>
 
@@ -31759,10 +30755,9 @@
           <a:lstStyle/>
           <a:p>
             <a:r>
-              <a:rPr lang="en-US" dirty="0" smtClean="0"/>
+              <a:rPr lang="en-US" dirty="0"/>
               <a:t>Discussion</a:t>
             </a:r>
-            <a:endParaRPr lang="en-US" dirty="0"/>
           </a:p>
         </p:txBody>
       </p:sp>
@@ -31787,7 +30782,7 @@
           <a:lstStyle/>
           <a:p>
             <a:r>
-              <a:rPr lang="en-US" dirty="0" smtClean="0"/>
+              <a:rPr lang="en-US" dirty="0"/>
               <a:t>Which approaches require you to define your solution in two separate files?</a:t>
             </a:r>
           </a:p>
@@ -31796,7 +30791,7 @@
           </a:p>
           <a:p>
             <a:r>
-              <a:rPr lang="en-US" dirty="0" smtClean="0"/>
+              <a:rPr lang="en-US" dirty="0"/>
               <a:t>What are the limitations of choosing the Definitions approach?</a:t>
             </a:r>
           </a:p>
@@ -31805,7 +30800,7 @@
           </a:p>
           <a:p>
             <a:r>
-              <a:rPr lang="en-US" dirty="0" smtClean="0"/>
+              <a:rPr lang="en-US" dirty="0"/>
               <a:t>What are some differences between LWRP and Custom Resources?</a:t>
             </a:r>
           </a:p>
@@ -31814,10 +30809,9 @@
           </a:p>
           <a:p>
             <a:r>
-              <a:rPr lang="en-US" dirty="0" smtClean="0"/>
+              <a:rPr lang="en-US" dirty="0"/>
               <a:t>Given a Chef version prior to 12.5.0, which approach would you choose?</a:t>
             </a:r>
-            <a:endParaRPr lang="en-US" dirty="0"/>
           </a:p>
         </p:txBody>
       </p:sp>
@@ -31834,13 +30828,6 @@
   <p:transition spd="med">
     <p:fade/>
   </p:transition>
-  <p:timing>
-    <p:tnLst>
-      <p:par>
-        <p:cTn id="1" dur="indefinite" restart="never" nodeType="tmRoot"/>
-      </p:par>
-    </p:tnLst>
-  </p:timing>
 </p:sld>
 </file>
 
@@ -31879,10 +30866,9 @@
           <a:lstStyle/>
           <a:p>
             <a:r>
-              <a:rPr lang="en-US" dirty="0" smtClean="0"/>
+              <a:rPr lang="en-US" dirty="0"/>
               <a:t>Q&amp;A</a:t>
             </a:r>
-            <a:endParaRPr lang="en-US" dirty="0"/>
           </a:p>
         </p:txBody>
       </p:sp>
@@ -31902,10 +30888,9 @@
           <a:lstStyle/>
           <a:p>
             <a:r>
-              <a:rPr lang="en-US" dirty="0" smtClean="0"/>
+              <a:rPr lang="en-US" dirty="0"/>
               <a:t>What questions can we answer for you?</a:t>
             </a:r>
-            <a:endParaRPr lang="en-US" dirty="0"/>
           </a:p>
         </p:txBody>
       </p:sp>
@@ -31922,13 +30907,6 @@
   <p:transition spd="med">
     <p:fade/>
   </p:transition>
-  <p:timing>
-    <p:tnLst>
-      <p:par>
-        <p:cTn id="1" dur="indefinite" restart="never" nodeType="tmRoot"/>
-      </p:par>
-    </p:tnLst>
-  </p:timing>
 </p:sld>
 </file>
 
@@ -31962,13 +30940,6 @@
   <p:transition spd="med">
     <p:fade/>
   </p:transition>
-  <p:timing>
-    <p:tnLst>
-      <p:par>
-        <p:cTn id="1" dur="indefinite" restart="never" nodeType="tmRoot"/>
-      </p:par>
-    </p:tnLst>
-  </p:timing>
 </p:sld>
 </file>
 
@@ -32007,10 +30978,9 @@
           <a:lstStyle/>
           <a:p>
             <a:r>
-              <a:rPr lang="en-US" sz="5400" dirty="0" smtClean="0"/>
+              <a:rPr lang="en-US" sz="5400" dirty="0"/>
               <a:t>Approaches to Extending Resources</a:t>
             </a:r>
-            <a:endParaRPr lang="en-US" sz="5400" dirty="0"/>
           </a:p>
         </p:txBody>
       </p:sp>
@@ -32052,7 +31022,7 @@
           <a:lstStyle/>
           <a:p>
             <a:r>
-              <a:rPr lang="en-US" sz="3600" dirty="0" smtClean="0"/>
+              <a:rPr lang="en-US" sz="3600" dirty="0"/>
               <a:t>Light-Weight Resource-Providers (LWRP)</a:t>
             </a:r>
           </a:p>
@@ -32096,7 +31066,7 @@
           <a:lstStyle/>
           <a:p>
             <a:r>
-              <a:rPr lang="en-US" sz="3600" dirty="0" smtClean="0"/>
+              <a:rPr lang="en-US" sz="3600" dirty="0"/>
               <a:t>Pure Ruby (Heavy-Weight Resource-Providers / HWRP)</a:t>
             </a:r>
           </a:p>
@@ -32140,7 +31110,7 @@
           <a:lstStyle/>
           <a:p>
             <a:r>
-              <a:rPr lang="en-US" sz="3600" dirty="0" smtClean="0"/>
+              <a:rPr lang="en-US" sz="3600" dirty="0"/>
               <a:t>Definitions</a:t>
             </a:r>
           </a:p>
@@ -32184,7 +31154,7 @@
           <a:lstStyle/>
           <a:p>
             <a:r>
-              <a:rPr lang="en-US" sz="3600" dirty="0" smtClean="0"/>
+              <a:rPr lang="en-US" sz="3600" dirty="0"/>
               <a:t>Custom Resources</a:t>
             </a:r>
           </a:p>
@@ -32250,19 +31220,6 @@
               </a:rPr>
               <a:t>1</a:t>
             </a:r>
-            <a:endParaRPr lang="en-US" sz="4000" b="1" dirty="0" smtClean="0">
-              <a:gradFill>
-                <a:gsLst>
-                  <a:gs pos="0">
-                    <a:srgbClr val="FFFFFF"/>
-                  </a:gs>
-                  <a:gs pos="100000">
-                    <a:srgbClr val="FFFFFF"/>
-                  </a:gs>
-                </a:gsLst>
-                <a:lin ang="5400000" scaled="0"/>
-              </a:gradFill>
-            </a:endParaRPr>
           </a:p>
         </p:txBody>
       </p:sp>
@@ -32311,7 +31268,7 @@
           <a:p>
             <a:pPr algn="ctr" defTabSz="914099"/>
             <a:r>
-              <a:rPr lang="en-US" sz="4000" b="1" dirty="0" smtClean="0">
+              <a:rPr lang="en-US" sz="4000" b="1" dirty="0">
                 <a:gradFill>
                   <a:gsLst>
                     <a:gs pos="0">
@@ -32374,7 +31331,7 @@
           <a:p>
             <a:pPr algn="ctr" defTabSz="914099"/>
             <a:r>
-              <a:rPr lang="en-US" sz="4000" b="1" dirty="0" smtClean="0">
+              <a:rPr lang="en-US" sz="4000" b="1" dirty="0">
                 <a:gradFill>
                   <a:gsLst>
                     <a:gs pos="0">
@@ -32437,7 +31394,7 @@
           <a:p>
             <a:pPr algn="ctr" defTabSz="914099"/>
             <a:r>
-              <a:rPr lang="en-US" sz="4000" b="1" dirty="0" smtClean="0">
+              <a:rPr lang="en-US" sz="4000" b="1" dirty="0">
                 <a:gradFill>
                   <a:gsLst>
                     <a:gs pos="0">
@@ -32468,13 +31425,6 @@
   <p:transition spd="med">
     <p:fade/>
   </p:transition>
-  <p:timing>
-    <p:tnLst>
-      <p:par>
-        <p:cTn id="1" dur="indefinite" restart="never" nodeType="tmRoot"/>
-      </p:par>
-    </p:tnLst>
-  </p:timing>
 </p:sld>
 </file>
 
@@ -32513,10 +31463,9 @@
           <a:lstStyle/>
           <a:p>
             <a:r>
-              <a:rPr lang="en-US" dirty="0" smtClean="0"/>
+              <a:rPr lang="en-US" dirty="0"/>
               <a:t>Defining Each Approach</a:t>
             </a:r>
-            <a:endParaRPr lang="en-US" dirty="0"/>
           </a:p>
         </p:txBody>
       </p:sp>
@@ -32556,10 +31505,9 @@
               <a:buChar char="o"/>
             </a:pPr>
             <a:r>
-              <a:rPr lang="en-US" sz="3600" dirty="0" smtClean="0"/>
+              <a:rPr lang="en-US" sz="3600" dirty="0"/>
               <a:t>File and Folder Structure</a:t>
             </a:r>
-            <a:endParaRPr lang="en-US" sz="3600" dirty="0"/>
           </a:p>
           <a:p>
             <a:pPr marL="571500" indent="-571500">
@@ -32571,13 +31519,8 @@
             </a:pPr>
             <a:r>
               <a:rPr lang="en-US" sz="3600" dirty="0"/>
-              <a:t>Implementation </a:t>
-            </a:r>
-            <a:r>
-              <a:rPr lang="en-US" sz="3600" dirty="0" smtClean="0"/>
-              <a:t>Language &amp; Usage</a:t>
-            </a:r>
-            <a:endParaRPr lang="en-US" sz="3600" dirty="0"/>
+              <a:t>Implementation Language &amp; Usage</a:t>
+            </a:r>
           </a:p>
           <a:p>
             <a:pPr marL="571500" indent="-571500">
@@ -32588,10 +31531,9 @@
               <a:buChar char="o"/>
             </a:pPr>
             <a:r>
-              <a:rPr lang="en-US" sz="3600" dirty="0" smtClean="0"/>
+              <a:rPr lang="en-US" sz="3600" dirty="0"/>
               <a:t>Benefits &amp; Drawbacks</a:t>
             </a:r>
-            <a:endParaRPr lang="en-US" sz="3600" dirty="0"/>
           </a:p>
           <a:p>
             <a:pPr>
@@ -32641,7 +31583,7 @@
           <a:lstStyle/>
           <a:p>
             <a:r>
-              <a:rPr lang="en-US" sz="3600" dirty="0" smtClean="0"/>
+              <a:rPr lang="en-US" sz="3600" dirty="0"/>
               <a:t>Pure Ruby (Heavy-Weight Resource-Providers / HWRP)</a:t>
             </a:r>
           </a:p>
@@ -32707,19 +31649,6 @@
               </a:rPr>
               <a:t>1</a:t>
             </a:r>
-            <a:endParaRPr lang="en-US" sz="4000" b="1" dirty="0" smtClean="0">
-              <a:gradFill>
-                <a:gsLst>
-                  <a:gs pos="0">
-                    <a:srgbClr val="FFFFFF"/>
-                  </a:gs>
-                  <a:gs pos="100000">
-                    <a:srgbClr val="FFFFFF"/>
-                  </a:gs>
-                </a:gsLst>
-                <a:lin ang="5400000" scaled="0"/>
-              </a:gradFill>
-            </a:endParaRPr>
           </a:p>
         </p:txBody>
       </p:sp>
@@ -32736,13 +31665,6 @@
   <p:transition spd="med">
     <p:fade/>
   </p:transition>
-  <p:timing>
-    <p:tnLst>
-      <p:par>
-        <p:cTn id="1" dur="indefinite" restart="never" nodeType="tmRoot"/>
-      </p:par>
-    </p:tnLst>
-  </p:timing>
 </p:sld>
 </file>
 
@@ -32820,7 +31742,7 @@
           <a:lstStyle/>
           <a:p>
             <a:r>
-              <a:rPr lang="en-US" sz="3600" dirty="0" smtClean="0"/>
+              <a:rPr lang="en-US" sz="3600" dirty="0"/>
               <a:t>Pure Ruby (Heavy-Weight Resource-Providers)</a:t>
             </a:r>
           </a:p>
@@ -32886,19 +31808,6 @@
               </a:rPr>
               <a:t>1</a:t>
             </a:r>
-            <a:endParaRPr lang="en-US" sz="4000" b="1" dirty="0" smtClean="0">
-              <a:gradFill>
-                <a:gsLst>
-                  <a:gs pos="0">
-                    <a:srgbClr val="FFFFFF"/>
-                  </a:gs>
-                  <a:gs pos="100000">
-                    <a:srgbClr val="FFFFFF"/>
-                  </a:gs>
-                </a:gsLst>
-                <a:lin ang="5400000" scaled="0"/>
-              </a:gradFill>
-            </a:endParaRPr>
           </a:p>
         </p:txBody>
       </p:sp>
@@ -32947,7 +31856,7 @@
           <a:p>
             <a:pPr algn="r" defTabSz="914099"/>
             <a:r>
-              <a:rPr lang="en-US" b="1" dirty="0" smtClean="0">
+              <a:rPr lang="en-US" b="1" dirty="0">
                 <a:gradFill>
                   <a:gsLst>
                     <a:gs pos="0">
@@ -32962,7 +31871,7 @@
               </a:rPr>
               <a:t>DESCRIPTION</a:t>
             </a:r>
-            <a:endParaRPr lang="en-US" sz="2400" b="1" dirty="0" smtClean="0">
+            <a:endParaRPr lang="en-US" sz="2400" b="1" dirty="0">
               <a:gradFill>
                 <a:gsLst>
                   <a:gs pos="0">
@@ -33044,7 +31953,7 @@
           <a:lstStyle/>
           <a:p>
             <a:r>
-              <a:rPr lang="en-US" dirty="0" smtClean="0"/>
+              <a:rPr lang="en-US" dirty="0"/>
               <a:t>Describes how the resource appears within the recipe (e.g. resource name, properties, supported actions)</a:t>
             </a:r>
           </a:p>
@@ -33072,7 +31981,7 @@
           <a:lstStyle/>
           <a:p>
             <a:r>
-              <a:rPr lang="en-US" dirty="0" smtClean="0"/>
+              <a:rPr lang="en-US" dirty="0"/>
               <a:t>Describes how the resource behaves when it takes a supported action on each supported platform</a:t>
             </a:r>
           </a:p>
@@ -33091,13 +32000,6 @@
   <p:transition spd="med">
     <p:fade/>
   </p:transition>
-  <p:timing>
-    <p:tnLst>
-      <p:par>
-        <p:cTn id="1" dur="indefinite" restart="never" nodeType="tmRoot"/>
-      </p:par>
-    </p:tnLst>
-  </p:timing>
 </p:sld>
 </file>
 
@@ -33134,10 +32036,9 @@
           <a:lstStyle/>
           <a:p>
             <a:r>
-              <a:rPr lang="en-US" dirty="0" smtClean="0"/>
+              <a:rPr lang="en-US" dirty="0"/>
               <a:t> </a:t>
             </a:r>
-            <a:endParaRPr lang="en-US" dirty="0"/>
           </a:p>
         </p:txBody>
       </p:sp>
@@ -33179,7 +32080,7 @@
           <a:lstStyle/>
           <a:p>
             <a:r>
-              <a:rPr lang="en-US" sz="3600" dirty="0" smtClean="0"/>
+              <a:rPr lang="en-US" sz="3600" dirty="0"/>
               <a:t>Pure Ruby (Heavy-Weight Resource-Providers)</a:t>
             </a:r>
           </a:p>
@@ -33245,19 +32146,6 @@
               </a:rPr>
               <a:t>1</a:t>
             </a:r>
-            <a:endParaRPr lang="en-US" sz="4000" b="1" dirty="0" smtClean="0">
-              <a:gradFill>
-                <a:gsLst>
-                  <a:gs pos="0">
-                    <a:srgbClr val="FFFFFF"/>
-                  </a:gs>
-                  <a:gs pos="100000">
-                    <a:srgbClr val="FFFFFF"/>
-                  </a:gs>
-                </a:gsLst>
-                <a:lin ang="5400000" scaled="0"/>
-              </a:gradFill>
-            </a:endParaRPr>
           </a:p>
         </p:txBody>
       </p:sp>
@@ -33306,7 +32194,7 @@
           <a:p>
             <a:pPr algn="r" defTabSz="914099"/>
             <a:r>
-              <a:rPr lang="en-US" b="1" smtClean="0">
+              <a:rPr lang="en-US" b="1">
                 <a:gradFill>
                   <a:gsLst>
                     <a:gs pos="0">
@@ -33321,7 +32209,7 @@
               </a:rPr>
               <a:t>STRUCTURE</a:t>
             </a:r>
-            <a:endParaRPr lang="en-US" sz="2400" b="1" dirty="0" smtClean="0">
+            <a:endParaRPr lang="en-US" sz="2400" b="1" dirty="0">
               <a:gradFill>
                 <a:gsLst>
                   <a:gs pos="0">
@@ -33381,7 +32269,7 @@
           <a:lstStyle/>
           <a:p>
             <a:r>
-              <a:rPr lang="en-US" dirty="0" smtClean="0"/>
+              <a:rPr lang="en-US" dirty="0"/>
               <a:t>They are stored within the libraries folder in separate files for the resource and the provider. The file names are snake case representations of the class name stored within the file.</a:t>
             </a:r>
           </a:p>
@@ -33400,13 +32288,6 @@
   <p:transition spd="med">
     <p:fade/>
   </p:transition>
-  <p:timing>
-    <p:tnLst>
-      <p:par>
-        <p:cTn id="1" dur="indefinite" restart="never" nodeType="tmRoot"/>
-      </p:par>
-    </p:tnLst>
-  </p:timing>
 </p:sld>
 </file>
 
@@ -33443,10 +32324,9 @@
           <a:lstStyle/>
           <a:p>
             <a:r>
-              <a:rPr lang="en-US" dirty="0" smtClean="0"/>
+              <a:rPr lang="en-US" dirty="0"/>
               <a:t> </a:t>
             </a:r>
-            <a:endParaRPr lang="en-US" dirty="0"/>
           </a:p>
         </p:txBody>
       </p:sp>
@@ -33488,7 +32368,7 @@
           <a:lstStyle/>
           <a:p>
             <a:r>
-              <a:rPr lang="en-US" sz="3600" dirty="0" smtClean="0"/>
+              <a:rPr lang="en-US" sz="3600" dirty="0"/>
               <a:t>Pure Ruby (Heavy-Weight Resource-Providers)</a:t>
             </a:r>
           </a:p>
@@ -33554,19 +32434,6 @@
               </a:rPr>
               <a:t>1</a:t>
             </a:r>
-            <a:endParaRPr lang="en-US" sz="4000" b="1" dirty="0" smtClean="0">
-              <a:gradFill>
-                <a:gsLst>
-                  <a:gs pos="0">
-                    <a:srgbClr val="FFFFFF"/>
-                  </a:gs>
-                  <a:gs pos="100000">
-                    <a:srgbClr val="FFFFFF"/>
-                  </a:gs>
-                </a:gsLst>
-                <a:lin ang="5400000" scaled="0"/>
-              </a:gradFill>
-            </a:endParaRPr>
           </a:p>
         </p:txBody>
       </p:sp>
@@ -33615,7 +32482,7 @@
           <a:p>
             <a:pPr algn="r" defTabSz="914099"/>
             <a:r>
-              <a:rPr lang="en-US" b="1" dirty="0" smtClean="0">
+              <a:rPr lang="en-US" b="1" dirty="0">
                 <a:gradFill>
                   <a:gsLst>
                     <a:gs pos="0">
@@ -33630,7 +32497,7 @@
               </a:rPr>
               <a:t>IMPLEMENTATION LANGUAGE - RESOURCE</a:t>
             </a:r>
-            <a:endParaRPr lang="en-US" sz="2400" b="1" dirty="0" smtClean="0">
+            <a:endParaRPr lang="en-US" sz="2400" b="1" dirty="0">
               <a:gradFill>
                 <a:gsLst>
                   <a:gs pos="0">
@@ -33674,108 +32541,12 @@
           <a:lstStyle/>
           <a:p>
             <a:r>
-              <a:rPr lang="en-US" sz="2000" b="1" dirty="0" smtClean="0">
-                <a:latin typeface="Courier New" charset="0"/>
-                <a:ea typeface="Courier New" charset="0"/>
-                <a:cs typeface="Courier New" charset="0"/>
-              </a:rPr>
-              <a:t>class Chef</a:t>
-            </a:r>
-          </a:p>
-          <a:p>
-            <a:r>
               <a:rPr lang="en-US" sz="2000" b="1" dirty="0">
                 <a:latin typeface="Courier New" charset="0"/>
                 <a:ea typeface="Courier New" charset="0"/>
                 <a:cs typeface="Courier New" charset="0"/>
               </a:rPr>
-              <a:t> </a:t>
-            </a:r>
-            <a:r>
-              <a:rPr lang="en-US" sz="2000" b="1" dirty="0" smtClean="0">
-                <a:latin typeface="Courier New" charset="0"/>
-                <a:ea typeface="Courier New" charset="0"/>
-                <a:cs typeface="Courier New" charset="0"/>
-              </a:rPr>
-              <a:t> class Resource</a:t>
-            </a:r>
-          </a:p>
-          <a:p>
-            <a:r>
-              <a:rPr lang="en-US" sz="2000" b="1" dirty="0" smtClean="0">
-                <a:latin typeface="Courier New" charset="0"/>
-                <a:ea typeface="Courier New" charset="0"/>
-                <a:cs typeface="Courier New" charset="0"/>
-              </a:rPr>
-              <a:t>    class </a:t>
-            </a:r>
-            <a:r>
-              <a:rPr lang="en-US" sz="2000" b="1" dirty="0" err="1" smtClean="0">
-                <a:latin typeface="Courier New" charset="0"/>
-                <a:ea typeface="Courier New" charset="0"/>
-                <a:cs typeface="Courier New" charset="0"/>
-              </a:rPr>
-              <a:t>ApacheVhost</a:t>
-            </a:r>
-            <a:r>
-              <a:rPr lang="en-US" sz="2000" b="1" dirty="0" smtClean="0">
-                <a:latin typeface="Courier New" charset="0"/>
-                <a:ea typeface="Courier New" charset="0"/>
-                <a:cs typeface="Courier New" charset="0"/>
-              </a:rPr>
-              <a:t> &lt; Chef::Resource</a:t>
-            </a:r>
-          </a:p>
-          <a:p>
-            <a:r>
-              <a:rPr lang="en-US" sz="2000" b="1" dirty="0" smtClean="0">
-                <a:latin typeface="Courier New" charset="0"/>
-                <a:ea typeface="Courier New" charset="0"/>
-                <a:cs typeface="Courier New" charset="0"/>
-              </a:rPr>
-              <a:t>      </a:t>
-            </a:r>
-            <a:r>
-              <a:rPr lang="en-US" sz="2000" b="1" dirty="0" err="1" smtClean="0">
-                <a:latin typeface="Courier New" charset="0"/>
-                <a:ea typeface="Courier New" charset="0"/>
-                <a:cs typeface="Courier New" charset="0"/>
-              </a:rPr>
-              <a:t>def</a:t>
-            </a:r>
-            <a:r>
-              <a:rPr lang="en-US" sz="2000" b="1" dirty="0" smtClean="0">
-                <a:latin typeface="Courier New" charset="0"/>
-                <a:ea typeface="Courier New" charset="0"/>
-                <a:cs typeface="Courier New" charset="0"/>
-              </a:rPr>
-              <a:t> initialize(name, </a:t>
-            </a:r>
-            <a:r>
-              <a:rPr lang="en-US" sz="2000" b="1" dirty="0" err="1" smtClean="0">
-                <a:latin typeface="Courier New" charset="0"/>
-                <a:ea typeface="Courier New" charset="0"/>
-                <a:cs typeface="Courier New" charset="0"/>
-              </a:rPr>
-              <a:t>run_context</a:t>
-            </a:r>
-            <a:r>
-              <a:rPr lang="en-US" sz="2000" b="1" dirty="0" smtClean="0">
-                <a:latin typeface="Courier New" charset="0"/>
-                <a:ea typeface="Courier New" charset="0"/>
-                <a:cs typeface="Courier New" charset="0"/>
-              </a:rPr>
-              <a:t>=nil)</a:t>
-            </a:r>
-          </a:p>
-          <a:p>
-            <a:r>
-              <a:rPr lang="en-US" sz="2000" b="1" dirty="0" smtClean="0">
-                <a:latin typeface="Courier New" charset="0"/>
-                <a:ea typeface="Courier New" charset="0"/>
-                <a:cs typeface="Courier New" charset="0"/>
-              </a:rPr>
-              <a:t>        super</a:t>
+              <a:t>class Chef</a:t>
             </a:r>
           </a:p>
           <a:p>
@@ -33785,56 +32556,212 @@
                 <a:ea typeface="Courier New" charset="0"/>
                 <a:cs typeface="Courier New" charset="0"/>
               </a:rPr>
-              <a:t> </a:t>
-            </a:r>
-            <a:r>
-              <a:rPr lang="en-US" sz="2000" b="1" dirty="0" smtClean="0">
-                <a:latin typeface="Courier New" charset="0"/>
-                <a:ea typeface="Courier New" charset="0"/>
-                <a:cs typeface="Courier New" charset="0"/>
-              </a:rPr>
-              <a:t>       </a:t>
-            </a:r>
+              <a:t>  class Resource</a:t>
+            </a:r>
+          </a:p>
+          <a:p>
             <a:r>
               <a:rPr lang="en-US" sz="2000" b="1" dirty="0">
                 <a:latin typeface="Courier New" charset="0"/>
                 <a:ea typeface="Courier New" charset="0"/>
                 <a:cs typeface="Courier New" charset="0"/>
               </a:rPr>
-              <a:t>@</a:t>
-            </a:r>
-            <a:r>
-              <a:rPr lang="en-US" sz="2000" b="1" dirty="0" err="1" smtClean="0">
+              <a:t>    class </a:t>
+            </a:r>
+            <a:r>
+              <a:rPr lang="en-US" sz="2000" b="1" dirty="0" err="1">
                 <a:latin typeface="Courier New" charset="0"/>
                 <a:ea typeface="Courier New" charset="0"/>
                 <a:cs typeface="Courier New" charset="0"/>
               </a:rPr>
-              <a:t>resource_name</a:t>
-            </a:r>
-            <a:r>
-              <a:rPr lang="en-US" sz="2000" b="1" dirty="0" smtClean="0">
+              <a:t>ApacheVhost</a:t>
+            </a:r>
+            <a:r>
+              <a:rPr lang="en-US" sz="2000" b="1" dirty="0">
                 <a:latin typeface="Courier New" charset="0"/>
                 <a:ea typeface="Courier New" charset="0"/>
                 <a:cs typeface="Courier New" charset="0"/>
               </a:rPr>
-              <a:t> = :</a:t>
-            </a:r>
-            <a:r>
-              <a:rPr lang="en-US" sz="2000" b="1" dirty="0" err="1" smtClean="0">
+              <a:t> &lt; Chef::Resource</a:t>
+            </a:r>
+          </a:p>
+          <a:p>
+            <a:r>
+              <a:rPr lang="en-US" sz="2000" b="1" dirty="0">
                 <a:latin typeface="Courier New" charset="0"/>
                 <a:ea typeface="Courier New" charset="0"/>
                 <a:cs typeface="Courier New" charset="0"/>
               </a:rPr>
-              <a:t>apache_vhost</a:t>
-            </a:r>
-            <a:r>
-              <a:rPr lang="en-US" sz="2000" b="1" dirty="0" smtClean="0">
+              <a:t>      </a:t>
+            </a:r>
+            <a:r>
+              <a:rPr lang="en-US" sz="2000" b="1" dirty="0" err="1">
                 <a:latin typeface="Courier New" charset="0"/>
                 <a:ea typeface="Courier New" charset="0"/>
                 <a:cs typeface="Courier New" charset="0"/>
               </a:rPr>
+              <a:t>def</a:t>
+            </a:r>
+            <a:r>
+              <a:rPr lang="en-US" sz="2000" b="1" dirty="0">
+                <a:latin typeface="Courier New" charset="0"/>
+                <a:ea typeface="Courier New" charset="0"/>
+                <a:cs typeface="Courier New" charset="0"/>
+              </a:rPr>
+              <a:t> initialize(name, </a:t>
+            </a:r>
+            <a:r>
+              <a:rPr lang="en-US" sz="2000" b="1" dirty="0" err="1">
+                <a:latin typeface="Courier New" charset="0"/>
+                <a:ea typeface="Courier New" charset="0"/>
+                <a:cs typeface="Courier New" charset="0"/>
+              </a:rPr>
+              <a:t>run_context</a:t>
+            </a:r>
+            <a:r>
+              <a:rPr lang="en-US" sz="2000" b="1" dirty="0">
+                <a:latin typeface="Courier New" charset="0"/>
+                <a:ea typeface="Courier New" charset="0"/>
+                <a:cs typeface="Courier New" charset="0"/>
+              </a:rPr>
+              <a:t>=nil)</a:t>
+            </a:r>
+          </a:p>
+          <a:p>
+            <a:r>
+              <a:rPr lang="en-US" sz="2000" b="1" dirty="0">
+                <a:latin typeface="Courier New" charset="0"/>
+                <a:ea typeface="Courier New" charset="0"/>
+                <a:cs typeface="Courier New" charset="0"/>
+              </a:rPr>
+              <a:t>        super</a:t>
+            </a:r>
+          </a:p>
+          <a:p>
+            <a:r>
+              <a:rPr lang="en-US" sz="2000" b="1" dirty="0">
+                <a:latin typeface="Courier New" charset="0"/>
+                <a:ea typeface="Courier New" charset="0"/>
+                <a:cs typeface="Courier New" charset="0"/>
+              </a:rPr>
+              <a:t>        @</a:t>
+            </a:r>
+            <a:r>
+              <a:rPr lang="en-US" sz="2000" b="1" dirty="0" err="1">
+                <a:latin typeface="Courier New" charset="0"/>
+                <a:ea typeface="Courier New" charset="0"/>
+                <a:cs typeface="Courier New" charset="0"/>
+              </a:rPr>
+              <a:t>resource_name</a:t>
+            </a:r>
+            <a:r>
+              <a:rPr lang="en-US" sz="2000" b="1" dirty="0">
+                <a:latin typeface="Courier New" charset="0"/>
+                <a:ea typeface="Courier New" charset="0"/>
+                <a:cs typeface="Courier New" charset="0"/>
+              </a:rPr>
+              <a:t> = :</a:t>
+            </a:r>
+            <a:r>
+              <a:rPr lang="en-US" sz="2000" b="1" dirty="0" err="1">
+                <a:latin typeface="Courier New" charset="0"/>
+                <a:ea typeface="Courier New" charset="0"/>
+                <a:cs typeface="Courier New" charset="0"/>
+              </a:rPr>
+              <a:t>apache_vhost</a:t>
+            </a:r>
+            <a:r>
+              <a:rPr lang="en-US" sz="2000" b="1" dirty="0">
+                <a:latin typeface="Courier New" charset="0"/>
+                <a:ea typeface="Courier New" charset="0"/>
+                <a:cs typeface="Courier New" charset="0"/>
+              </a:rPr>
               <a:t>           # Defining the resource name</a:t>
             </a:r>
+          </a:p>
+          <a:p>
+            <a:r>
+              <a:rPr lang="en-US" sz="2000" b="1" dirty="0">
+                <a:latin typeface="Courier New" charset="0"/>
+                <a:ea typeface="Courier New" charset="0"/>
+                <a:cs typeface="Courier New" charset="0"/>
+              </a:rPr>
+              <a:t>        @provider = Chef::Provider::</a:t>
+            </a:r>
+            <a:r>
+              <a:rPr lang="en-US" sz="2000" b="1" dirty="0" err="1">
+                <a:latin typeface="Courier New" charset="0"/>
+                <a:ea typeface="Courier New" charset="0"/>
+                <a:cs typeface="Courier New" charset="0"/>
+              </a:rPr>
+              <a:t>ApacheVhost</a:t>
+            </a:r>
+            <a:r>
+              <a:rPr lang="en-US" sz="2000" b="1" dirty="0">
+                <a:latin typeface="Courier New" charset="0"/>
+                <a:ea typeface="Courier New" charset="0"/>
+                <a:cs typeface="Courier New" charset="0"/>
+              </a:rPr>
+              <a:t>  # Specifying which Provider to use</a:t>
+            </a:r>
+          </a:p>
+          <a:p>
+            <a:r>
+              <a:rPr lang="en-US" sz="2000" b="1" dirty="0">
+                <a:latin typeface="Courier New" charset="0"/>
+                <a:ea typeface="Courier New" charset="0"/>
+                <a:cs typeface="Courier New" charset="0"/>
+              </a:rPr>
+              <a:t>        @action = :create                        # Setting the default action</a:t>
+            </a:r>
+          </a:p>
+          <a:p>
+            <a:r>
+              <a:rPr lang="en-US" sz="2000" b="1" dirty="0">
+                <a:latin typeface="Courier New" charset="0"/>
+                <a:ea typeface="Courier New" charset="0"/>
+                <a:cs typeface="Courier New" charset="0"/>
+              </a:rPr>
+              <a:t>        @</a:t>
+            </a:r>
+            <a:r>
+              <a:rPr lang="en-US" sz="2000" b="1" dirty="0" err="1">
+                <a:latin typeface="Courier New" charset="0"/>
+                <a:ea typeface="Courier New" charset="0"/>
+                <a:cs typeface="Courier New" charset="0"/>
+              </a:rPr>
+              <a:t>allowed_actions</a:t>
+            </a:r>
+            <a:r>
+              <a:rPr lang="en-US" sz="2000" b="1" dirty="0">
+                <a:latin typeface="Courier New" charset="0"/>
+                <a:ea typeface="Courier New" charset="0"/>
+                <a:cs typeface="Courier New" charset="0"/>
+              </a:rPr>
+              <a:t> = [:create, :remove]    # Setting the list of actions</a:t>
+            </a:r>
+          </a:p>
+          <a:p>
+            <a:r>
+              <a:rPr lang="en-US" sz="2000" b="1" dirty="0">
+                <a:latin typeface="Courier New" charset="0"/>
+                <a:ea typeface="Courier New" charset="0"/>
+                <a:cs typeface="Courier New" charset="0"/>
+              </a:rPr>
+              <a:t>        # ... SETUP ANY DEFAULT VALUES HERE ...</a:t>
+            </a:r>
+          </a:p>
+          <a:p>
+            <a:r>
+              <a:rPr lang="en-US" sz="2000" b="1" dirty="0">
+                <a:latin typeface="Courier New" charset="0"/>
+                <a:ea typeface="Courier New" charset="0"/>
+                <a:cs typeface="Courier New" charset="0"/>
+              </a:rPr>
+              <a:t>      end</a:t>
+            </a:r>
+          </a:p>
+          <a:p>
             <a:endParaRPr lang="en-US" sz="2000" b="1" dirty="0">
               <a:latin typeface="Courier New" charset="0"/>
               <a:ea typeface="Courier New" charset="0"/>
@@ -33843,90 +32770,21 @@
           </a:p>
           <a:p>
             <a:r>
-              <a:rPr lang="en-US" sz="2000" b="1" dirty="0" smtClean="0">
-                <a:latin typeface="Courier New" charset="0"/>
-                <a:ea typeface="Courier New" charset="0"/>
-                <a:cs typeface="Courier New" charset="0"/>
-              </a:rPr>
-              <a:t>        @provider = Chef::Provider::</a:t>
-            </a:r>
-            <a:r>
-              <a:rPr lang="en-US" sz="2000" b="1" dirty="0" err="1" smtClean="0">
-                <a:latin typeface="Courier New" charset="0"/>
-                <a:ea typeface="Courier New" charset="0"/>
-                <a:cs typeface="Courier New" charset="0"/>
-              </a:rPr>
-              <a:t>ApacheVhost</a:t>
-            </a:r>
-            <a:r>
-              <a:rPr lang="en-US" sz="2000" b="1" dirty="0" smtClean="0">
-                <a:latin typeface="Courier New" charset="0"/>
-                <a:ea typeface="Courier New" charset="0"/>
-                <a:cs typeface="Courier New" charset="0"/>
-              </a:rPr>
-              <a:t>  # Specifying which Provider to use</a:t>
-            </a:r>
-            <a:endParaRPr lang="en-US" sz="2000" b="1" dirty="0">
-              <a:latin typeface="Courier New" charset="0"/>
-              <a:ea typeface="Courier New" charset="0"/>
-              <a:cs typeface="Courier New" charset="0"/>
-            </a:endParaRPr>
-          </a:p>
-          <a:p>
-            <a:r>
-              <a:rPr lang="en-US" sz="2000" b="1" dirty="0" smtClean="0">
-                <a:latin typeface="Courier New" charset="0"/>
-                <a:ea typeface="Courier New" charset="0"/>
-                <a:cs typeface="Courier New" charset="0"/>
-              </a:rPr>
-              <a:t>        @action = :create                        # Setting the default action</a:t>
-            </a:r>
-          </a:p>
-          <a:p>
-            <a:r>
               <a:rPr lang="en-US" sz="2000" b="1" dirty="0">
                 <a:latin typeface="Courier New" charset="0"/>
                 <a:ea typeface="Courier New" charset="0"/>
                 <a:cs typeface="Courier New" charset="0"/>
               </a:rPr>
-              <a:t> </a:t>
-            </a:r>
-            <a:r>
-              <a:rPr lang="en-US" sz="2000" b="1" dirty="0" smtClean="0">
+              <a:t>      </a:t>
+            </a:r>
+            <a:r>
+              <a:rPr lang="en-US" sz="2000" b="1" dirty="0" err="1">
                 <a:latin typeface="Courier New" charset="0"/>
                 <a:ea typeface="Courier New" charset="0"/>
                 <a:cs typeface="Courier New" charset="0"/>
               </a:rPr>
-              <a:t>       @</a:t>
-            </a:r>
-            <a:r>
-              <a:rPr lang="en-US" sz="2000" b="1" dirty="0" err="1" smtClean="0">
-                <a:latin typeface="Courier New" charset="0"/>
-                <a:ea typeface="Courier New" charset="0"/>
-                <a:cs typeface="Courier New" charset="0"/>
-              </a:rPr>
-              <a:t>allowed_actions</a:t>
-            </a:r>
-            <a:r>
-              <a:rPr lang="en-US" sz="2000" b="1" dirty="0" smtClean="0">
-                <a:latin typeface="Courier New" charset="0"/>
-                <a:ea typeface="Courier New" charset="0"/>
-                <a:cs typeface="Courier New" charset="0"/>
-              </a:rPr>
-              <a:t> = [:create, :remove]    # Setting the list of actions</a:t>
-            </a:r>
-          </a:p>
-          <a:p>
-            <a:r>
-              <a:rPr lang="en-US" sz="2000" b="1" dirty="0" smtClean="0">
-                <a:latin typeface="Courier New" charset="0"/>
-                <a:ea typeface="Courier New" charset="0"/>
-                <a:cs typeface="Courier New" charset="0"/>
-              </a:rPr>
-              <a:t>        # ... SETUP ANY DEFAULT VALUES HERE ...</a:t>
-            </a:r>
-          </a:p>
-          <a:p>
+              <a:t>def</a:t>
+            </a:r>
             <a:r>
               <a:rPr lang="en-US" sz="2000" b="1" dirty="0">
                 <a:latin typeface="Courier New" charset="0"/>
@@ -33936,207 +32794,145 @@
               <a:t> </a:t>
             </a:r>
             <a:r>
-              <a:rPr lang="en-US" sz="2000" b="1" dirty="0" smtClean="0">
+              <a:rPr lang="en-US" sz="2000" b="1" dirty="0" err="1">
                 <a:latin typeface="Courier New" charset="0"/>
                 <a:ea typeface="Courier New" charset="0"/>
                 <a:cs typeface="Courier New" charset="0"/>
               </a:rPr>
-              <a:t>     end</a:t>
-            </a:r>
-          </a:p>
-          <a:p>
-            <a:endParaRPr lang="en-US" sz="2000" b="1" dirty="0">
-              <a:latin typeface="Courier New" charset="0"/>
-              <a:ea typeface="Courier New" charset="0"/>
-              <a:cs typeface="Courier New" charset="0"/>
-            </a:endParaRPr>
-          </a:p>
-          <a:p>
-            <a:r>
-              <a:rPr lang="en-US" sz="2000" b="1" dirty="0" smtClean="0">
-                <a:latin typeface="Courier New" charset="0"/>
-                <a:ea typeface="Courier New" charset="0"/>
-                <a:cs typeface="Courier New" charset="0"/>
-              </a:rPr>
-              <a:t>      </a:t>
-            </a:r>
-            <a:r>
-              <a:rPr lang="en-US" sz="2000" b="1" dirty="0" err="1" smtClean="0">
-                <a:latin typeface="Courier New" charset="0"/>
-                <a:ea typeface="Courier New" charset="0"/>
-                <a:cs typeface="Courier New" charset="0"/>
-              </a:rPr>
-              <a:t>def</a:t>
-            </a:r>
-            <a:r>
-              <a:rPr lang="en-US" sz="2000" b="1" dirty="0" smtClean="0">
-                <a:latin typeface="Courier New" charset="0"/>
-                <a:ea typeface="Courier New" charset="0"/>
-                <a:cs typeface="Courier New" charset="0"/>
-              </a:rPr>
-              <a:t> </a:t>
-            </a:r>
-            <a:r>
-              <a:rPr lang="en-US" sz="2000" b="1" dirty="0" err="1" smtClean="0">
-                <a:latin typeface="Courier New" charset="0"/>
-                <a:ea typeface="Courier New" charset="0"/>
-                <a:cs typeface="Courier New" charset="0"/>
-              </a:rPr>
               <a:t>site_name</a:t>
             </a:r>
-            <a:r>
-              <a:rPr lang="en-US" sz="2000" b="1" dirty="0" smtClean="0">
-                <a:latin typeface="Courier New" charset="0"/>
-                <a:ea typeface="Courier New" charset="0"/>
-                <a:cs typeface="Courier New" charset="0"/>
-              </a:rPr>
-              <a:t>(</a:t>
-            </a:r>
-            <a:r>
-              <a:rPr lang="en-US" sz="2000" b="1" dirty="0" err="1" smtClean="0">
-                <a:latin typeface="Courier New" charset="0"/>
-                <a:ea typeface="Courier New" charset="0"/>
-                <a:cs typeface="Courier New" charset="0"/>
-              </a:rPr>
-              <a:t>arg</a:t>
-            </a:r>
-            <a:r>
-              <a:rPr lang="en-US" sz="2000" b="1" dirty="0" smtClean="0">
-                <a:latin typeface="Courier New" charset="0"/>
-                <a:ea typeface="Courier New" charset="0"/>
-                <a:cs typeface="Courier New" charset="0"/>
-              </a:rPr>
-              <a:t>=nil)</a:t>
-            </a:r>
-          </a:p>
-          <a:p>
             <a:r>
               <a:rPr lang="en-US" sz="2000" b="1" dirty="0">
                 <a:latin typeface="Courier New" charset="0"/>
                 <a:ea typeface="Courier New" charset="0"/>
                 <a:cs typeface="Courier New" charset="0"/>
               </a:rPr>
-              <a:t> </a:t>
-            </a:r>
-            <a:r>
-              <a:rPr lang="en-US" sz="2000" b="1" dirty="0" smtClean="0">
+              <a:t>(</a:t>
+            </a:r>
+            <a:r>
+              <a:rPr lang="en-US" sz="2000" b="1" dirty="0" err="1">
                 <a:latin typeface="Courier New" charset="0"/>
                 <a:ea typeface="Courier New" charset="0"/>
                 <a:cs typeface="Courier New" charset="0"/>
               </a:rPr>
-              <a:t>       </a:t>
-            </a:r>
-            <a:r>
-              <a:rPr lang="en-US" sz="2000" b="1" dirty="0" err="1" smtClean="0">
-                <a:latin typeface="Courier New" charset="0"/>
-                <a:ea typeface="Courier New" charset="0"/>
-                <a:cs typeface="Courier New" charset="0"/>
-              </a:rPr>
-              <a:t>set_or_return</a:t>
-            </a:r>
-            <a:r>
-              <a:rPr lang="en-US" sz="2000" b="1" dirty="0" smtClean="0">
-                <a:latin typeface="Courier New" charset="0"/>
-                <a:ea typeface="Courier New" charset="0"/>
-                <a:cs typeface="Courier New" charset="0"/>
-              </a:rPr>
-              <a:t>(:</a:t>
-            </a:r>
-            <a:r>
-              <a:rPr lang="en-US" sz="2000" b="1" dirty="0" err="1" smtClean="0">
-                <a:latin typeface="Courier New" charset="0"/>
-                <a:ea typeface="Courier New" charset="0"/>
-                <a:cs typeface="Courier New" charset="0"/>
-              </a:rPr>
-              <a:t>site_name</a:t>
-            </a:r>
-            <a:r>
-              <a:rPr lang="en-US" sz="2000" b="1" dirty="0" smtClean="0">
-                <a:latin typeface="Courier New" charset="0"/>
-                <a:ea typeface="Courier New" charset="0"/>
-                <a:cs typeface="Courier New" charset="0"/>
-              </a:rPr>
-              <a:t>, </a:t>
-            </a:r>
-            <a:r>
-              <a:rPr lang="en-US" sz="2000" b="1" dirty="0" err="1" smtClean="0">
-                <a:latin typeface="Courier New" charset="0"/>
-                <a:ea typeface="Courier New" charset="0"/>
-                <a:cs typeface="Courier New" charset="0"/>
-              </a:rPr>
               <a:t>arg</a:t>
             </a:r>
-            <a:r>
-              <a:rPr lang="en-US" sz="2000" b="1" dirty="0" smtClean="0">
-                <a:latin typeface="Courier New" charset="0"/>
-                <a:ea typeface="Courier New" charset="0"/>
-                <a:cs typeface="Courier New" charset="0"/>
-              </a:rPr>
-              <a:t>, :</a:t>
-            </a:r>
-            <a:r>
-              <a:rPr lang="en-US" sz="2000" b="1" dirty="0" err="1" smtClean="0">
-                <a:latin typeface="Courier New" charset="0"/>
-                <a:ea typeface="Courier New" charset="0"/>
-                <a:cs typeface="Courier New" charset="0"/>
-              </a:rPr>
-              <a:t>kind_of</a:t>
-            </a:r>
-            <a:r>
-              <a:rPr lang="en-US" sz="2000" b="1" dirty="0" smtClean="0">
-                <a:latin typeface="Courier New" charset="0"/>
-                <a:ea typeface="Courier New" charset="0"/>
-                <a:cs typeface="Courier New" charset="0"/>
-              </a:rPr>
-              <a:t> =&gt; String)</a:t>
-            </a:r>
-          </a:p>
-          <a:p>
             <a:r>
               <a:rPr lang="en-US" sz="2000" b="1" dirty="0">
                 <a:latin typeface="Courier New" charset="0"/>
                 <a:ea typeface="Courier New" charset="0"/>
                 <a:cs typeface="Courier New" charset="0"/>
               </a:rPr>
-              <a:t> </a:t>
-            </a:r>
-            <a:r>
-              <a:rPr lang="en-US" sz="2000" b="1" dirty="0" smtClean="0">
+              <a:t>=nil)</a:t>
+            </a:r>
+          </a:p>
+          <a:p>
+            <a:r>
+              <a:rPr lang="en-US" sz="2000" b="1" dirty="0">
                 <a:latin typeface="Courier New" charset="0"/>
                 <a:ea typeface="Courier New" charset="0"/>
                 <a:cs typeface="Courier New" charset="0"/>
               </a:rPr>
-              <a:t>     end</a:t>
-            </a:r>
-            <a:endParaRPr lang="en-US" sz="2000" b="1" dirty="0">
-              <a:latin typeface="Courier New" charset="0"/>
-              <a:ea typeface="Courier New" charset="0"/>
-              <a:cs typeface="Courier New" charset="0"/>
-            </a:endParaRPr>
-          </a:p>
-          <a:p>
-            <a:r>
-              <a:rPr lang="en-US" sz="2000" b="1" dirty="0" smtClean="0">
+              <a:t>        </a:t>
+            </a:r>
+            <a:r>
+              <a:rPr lang="en-US" sz="2000" b="1" dirty="0" err="1">
                 <a:latin typeface="Courier New" charset="0"/>
                 <a:ea typeface="Courier New" charset="0"/>
                 <a:cs typeface="Courier New" charset="0"/>
               </a:rPr>
-              <a:t>    end</a:t>
-            </a:r>
-          </a:p>
-          <a:p>
-            <a:r>
-              <a:rPr lang="en-US" sz="2000" b="1" dirty="0" smtClean="0">
+              <a:t>set_or_return</a:t>
+            </a:r>
+            <a:r>
+              <a:rPr lang="en-US" sz="2000" b="1" dirty="0">
                 <a:latin typeface="Courier New" charset="0"/>
                 <a:ea typeface="Courier New" charset="0"/>
                 <a:cs typeface="Courier New" charset="0"/>
               </a:rPr>
+              <a:t>(:</a:t>
+            </a:r>
+            <a:r>
+              <a:rPr lang="en-US" sz="2000" b="1" dirty="0" err="1">
+                <a:latin typeface="Courier New" charset="0"/>
+                <a:ea typeface="Courier New" charset="0"/>
+                <a:cs typeface="Courier New" charset="0"/>
+              </a:rPr>
+              <a:t>site_name</a:t>
+            </a:r>
+            <a:r>
+              <a:rPr lang="en-US" sz="2000" b="1" dirty="0">
+                <a:latin typeface="Courier New" charset="0"/>
+                <a:ea typeface="Courier New" charset="0"/>
+                <a:cs typeface="Courier New" charset="0"/>
+              </a:rPr>
+              <a:t>, </a:t>
+            </a:r>
+            <a:r>
+              <a:rPr lang="en-US" sz="2000" b="1" dirty="0" err="1">
+                <a:latin typeface="Courier New" charset="0"/>
+                <a:ea typeface="Courier New" charset="0"/>
+                <a:cs typeface="Courier New" charset="0"/>
+              </a:rPr>
+              <a:t>arg</a:t>
+            </a:r>
+            <a:r>
+              <a:rPr lang="en-US" sz="2000" b="1" dirty="0">
+                <a:latin typeface="Courier New" charset="0"/>
+                <a:ea typeface="Courier New" charset="0"/>
+                <a:cs typeface="Courier New" charset="0"/>
+              </a:rPr>
+              <a:t>, :</a:t>
+            </a:r>
+            <a:r>
+              <a:rPr lang="en-US" sz="2000" b="1" dirty="0" err="1">
+                <a:latin typeface="Courier New" charset="0"/>
+                <a:ea typeface="Courier New" charset="0"/>
+                <a:cs typeface="Courier New" charset="0"/>
+              </a:rPr>
+              <a:t>kind_of</a:t>
+            </a:r>
+            <a:r>
+              <a:rPr lang="en-US" sz="2000" b="1" dirty="0">
+                <a:latin typeface="Courier New" charset="0"/>
+                <a:ea typeface="Courier New" charset="0"/>
+                <a:cs typeface="Courier New" charset="0"/>
+              </a:rPr>
+              <a:t> =&gt; String)</a:t>
+            </a:r>
+          </a:p>
+          <a:p>
+            <a:r>
+              <a:rPr lang="en-US" sz="2000" b="1" dirty="0">
+                <a:latin typeface="Courier New" charset="0"/>
+                <a:ea typeface="Courier New" charset="0"/>
+                <a:cs typeface="Courier New" charset="0"/>
+              </a:rPr>
+              <a:t>      end</a:t>
+            </a:r>
+          </a:p>
+          <a:p>
+            <a:r>
+              <a:rPr lang="en-US" sz="2000" b="1" dirty="0">
+                <a:latin typeface="Courier New" charset="0"/>
+                <a:ea typeface="Courier New" charset="0"/>
+                <a:cs typeface="Courier New" charset="0"/>
+              </a:rPr>
+              <a:t>    end</a:t>
+            </a:r>
+          </a:p>
+          <a:p>
+            <a:r>
+              <a:rPr lang="en-US" sz="2000" b="1" dirty="0">
+                <a:latin typeface="Courier New" charset="0"/>
+                <a:ea typeface="Courier New" charset="0"/>
+                <a:cs typeface="Courier New" charset="0"/>
+              </a:rPr>
               <a:t>  end</a:t>
             </a:r>
           </a:p>
           <a:p>
             <a:r>
-              <a:rPr lang="en-US" sz="2000" b="1" dirty="0" smtClean="0">
+              <a:rPr lang="en-US" sz="2000" b="1" dirty="0">
                 <a:latin typeface="Courier New" charset="0"/>
                 <a:ea typeface="Courier New" charset="0"/>
                 <a:cs typeface="Courier New" charset="0"/>
@@ -34174,7 +32970,7 @@
           <a:lstStyle/>
           <a:p>
             <a:r>
-              <a:rPr lang="en-US" b="1" dirty="0" smtClean="0">
+              <a:rPr lang="en-US" b="1" dirty="0">
                 <a:latin typeface="Courier New" charset="0"/>
                 <a:ea typeface="Courier New" charset="0"/>
                 <a:cs typeface="Courier New" charset="0"/>
@@ -34182,14 +32978,14 @@
               <a:t>libraries/</a:t>
             </a:r>
             <a:r>
-              <a:rPr lang="en-US" b="1" dirty="0" err="1" smtClean="0">
+              <a:rPr lang="en-US" b="1" dirty="0" err="1">
                 <a:latin typeface="Courier New" charset="0"/>
                 <a:ea typeface="Courier New" charset="0"/>
                 <a:cs typeface="Courier New" charset="0"/>
               </a:rPr>
               <a:t>apache_vhost_resource.rb</a:t>
             </a:r>
-            <a:endParaRPr lang="en-US" b="1" dirty="0" smtClean="0">
+            <a:endParaRPr lang="en-US" b="1" dirty="0">
               <a:latin typeface="Courier New" charset="0"/>
               <a:ea typeface="Courier New" charset="0"/>
               <a:cs typeface="Courier New" charset="0"/>
@@ -34210,13 +33006,6 @@
   <p:transition spd="med">
     <p:fade/>
   </p:transition>
-  <p:timing>
-    <p:tnLst>
-      <p:par>
-        <p:cTn id="1" dur="indefinite" restart="never" nodeType="tmRoot"/>
-      </p:par>
-    </p:tnLst>
-  </p:timing>
 </p:sld>
 </file>
 
@@ -34253,10 +33042,9 @@
           <a:lstStyle/>
           <a:p>
             <a:r>
-              <a:rPr lang="en-US" dirty="0" smtClean="0"/>
+              <a:rPr lang="en-US" dirty="0"/>
               <a:t> </a:t>
             </a:r>
-            <a:endParaRPr lang="en-US" dirty="0"/>
           </a:p>
         </p:txBody>
       </p:sp>
@@ -34298,7 +33086,7 @@
           <a:lstStyle/>
           <a:p>
             <a:r>
-              <a:rPr lang="en-US" sz="3600" dirty="0" smtClean="0"/>
+              <a:rPr lang="en-US" sz="3600" dirty="0"/>
               <a:t>Pure Ruby (Heavy-Weight Resource-Providers)</a:t>
             </a:r>
           </a:p>
@@ -34364,19 +33152,6 @@
               </a:rPr>
               <a:t>1</a:t>
             </a:r>
-            <a:endParaRPr lang="en-US" sz="4000" b="1" dirty="0" smtClean="0">
-              <a:gradFill>
-                <a:gsLst>
-                  <a:gs pos="0">
-                    <a:srgbClr val="FFFFFF"/>
-                  </a:gs>
-                  <a:gs pos="100000">
-                    <a:srgbClr val="FFFFFF"/>
-                  </a:gs>
-                </a:gsLst>
-                <a:lin ang="5400000" scaled="0"/>
-              </a:gradFill>
-            </a:endParaRPr>
           </a:p>
         </p:txBody>
       </p:sp>
@@ -34425,7 +33200,7 @@
           <a:p>
             <a:pPr algn="r" defTabSz="914099"/>
             <a:r>
-              <a:rPr lang="en-US" b="1" dirty="0" smtClean="0">
+              <a:rPr lang="en-US" b="1" dirty="0">
                 <a:gradFill>
                   <a:gsLst>
                     <a:gs pos="0">
@@ -34440,7 +33215,7 @@
               </a:rPr>
               <a:t>IMPLEMENTATION LANGUAGE - PROVIDER</a:t>
             </a:r>
-            <a:endParaRPr lang="en-US" sz="2400" b="1" dirty="0" smtClean="0">
+            <a:endParaRPr lang="en-US" sz="2400" b="1" dirty="0">
               <a:gradFill>
                 <a:gsLst>
                   <a:gs pos="0">
@@ -34484,153 +33259,12 @@
           <a:lstStyle/>
           <a:p>
             <a:r>
-              <a:rPr lang="en-US" sz="2000" b="1" dirty="0" smtClean="0">
-                <a:latin typeface="Courier New" charset="0"/>
-                <a:ea typeface="Courier New" charset="0"/>
-                <a:cs typeface="Courier New" charset="0"/>
-              </a:rPr>
-              <a:t>class Chef</a:t>
-            </a:r>
-          </a:p>
-          <a:p>
-            <a:r>
               <a:rPr lang="en-US" sz="2000" b="1" dirty="0">
                 <a:latin typeface="Courier New" charset="0"/>
                 <a:ea typeface="Courier New" charset="0"/>
                 <a:cs typeface="Courier New" charset="0"/>
               </a:rPr>
-              <a:t> </a:t>
-            </a:r>
-            <a:r>
-              <a:rPr lang="en-US" sz="2000" b="1" dirty="0" smtClean="0">
-                <a:latin typeface="Courier New" charset="0"/>
-                <a:ea typeface="Courier New" charset="0"/>
-                <a:cs typeface="Courier New" charset="0"/>
-              </a:rPr>
-              <a:t> class Provider</a:t>
-            </a:r>
-          </a:p>
-          <a:p>
-            <a:r>
-              <a:rPr lang="en-US" sz="2000" b="1" dirty="0" smtClean="0">
-                <a:latin typeface="Courier New" charset="0"/>
-                <a:ea typeface="Courier New" charset="0"/>
-                <a:cs typeface="Courier New" charset="0"/>
-              </a:rPr>
-              <a:t>    class </a:t>
-            </a:r>
-            <a:r>
-              <a:rPr lang="en-US" sz="2000" b="1" dirty="0" err="1" smtClean="0">
-                <a:latin typeface="Courier New" charset="0"/>
-                <a:ea typeface="Courier New" charset="0"/>
-                <a:cs typeface="Courier New" charset="0"/>
-              </a:rPr>
-              <a:t>ApacheVhost</a:t>
-            </a:r>
-            <a:r>
-              <a:rPr lang="en-US" sz="2000" b="1" dirty="0" smtClean="0">
-                <a:latin typeface="Courier New" charset="0"/>
-                <a:ea typeface="Courier New" charset="0"/>
-                <a:cs typeface="Courier New" charset="0"/>
-              </a:rPr>
-              <a:t> &lt; Chef::Provider</a:t>
-            </a:r>
-          </a:p>
-          <a:p>
-            <a:r>
-              <a:rPr lang="en-US" sz="2000" b="1" dirty="0" smtClean="0">
-                <a:latin typeface="Courier New" charset="0"/>
-                <a:ea typeface="Courier New" charset="0"/>
-                <a:cs typeface="Courier New" charset="0"/>
-              </a:rPr>
-              <a:t>      </a:t>
-            </a:r>
-            <a:r>
-              <a:rPr lang="en-US" sz="2000" b="1" dirty="0" err="1" smtClean="0">
-                <a:latin typeface="Courier New" charset="0"/>
-                <a:ea typeface="Courier New" charset="0"/>
-                <a:cs typeface="Courier New" charset="0"/>
-              </a:rPr>
-              <a:t>def</a:t>
-            </a:r>
-            <a:r>
-              <a:rPr lang="en-US" sz="2000" b="1" dirty="0" smtClean="0">
-                <a:latin typeface="Courier New" charset="0"/>
-                <a:ea typeface="Courier New" charset="0"/>
-                <a:cs typeface="Courier New" charset="0"/>
-              </a:rPr>
-              <a:t> </a:t>
-            </a:r>
-            <a:r>
-              <a:rPr lang="en-US" sz="2000" b="1" dirty="0" err="1" smtClean="0">
-                <a:latin typeface="Courier New" charset="0"/>
-                <a:ea typeface="Courier New" charset="0"/>
-                <a:cs typeface="Courier New" charset="0"/>
-              </a:rPr>
-              <a:t>load_current_resource</a:t>
-            </a:r>
-            <a:endParaRPr lang="en-US" sz="2000" b="1" dirty="0" smtClean="0">
-              <a:latin typeface="Courier New" charset="0"/>
-              <a:ea typeface="Courier New" charset="0"/>
-              <a:cs typeface="Courier New" charset="0"/>
-            </a:endParaRPr>
-          </a:p>
-          <a:p>
-            <a:r>
-              <a:rPr lang="en-US" sz="2000" b="1" dirty="0" smtClean="0">
-                <a:latin typeface="Courier New" charset="0"/>
-                <a:ea typeface="Courier New" charset="0"/>
-                <a:cs typeface="Courier New" charset="0"/>
-              </a:rPr>
-              <a:t>        @</a:t>
-            </a:r>
-            <a:r>
-              <a:rPr lang="en-US" sz="2000" b="1" dirty="0" err="1" smtClean="0">
-                <a:latin typeface="Courier New" charset="0"/>
-                <a:ea typeface="Courier New" charset="0"/>
-                <a:cs typeface="Courier New" charset="0"/>
-              </a:rPr>
-              <a:t>current_resource</a:t>
-            </a:r>
-            <a:r>
-              <a:rPr lang="en-US" sz="2000" b="1" dirty="0" smtClean="0">
-                <a:latin typeface="Courier New" charset="0"/>
-                <a:ea typeface="Courier New" charset="0"/>
-                <a:cs typeface="Courier New" charset="0"/>
-              </a:rPr>
-              <a:t> ||= Chef::Resource::</a:t>
-            </a:r>
-            <a:r>
-              <a:rPr lang="en-US" sz="2000" b="1" dirty="0" err="1" smtClean="0">
-                <a:latin typeface="Courier New" charset="0"/>
-                <a:ea typeface="Courier New" charset="0"/>
-                <a:cs typeface="Courier New" charset="0"/>
-              </a:rPr>
-              <a:t>ApacheVhost.new</a:t>
-            </a:r>
-            <a:r>
-              <a:rPr lang="en-US" sz="2000" b="1" dirty="0" smtClean="0">
-                <a:latin typeface="Courier New" charset="0"/>
-                <a:ea typeface="Courier New" charset="0"/>
-                <a:cs typeface="Courier New" charset="0"/>
-              </a:rPr>
-              <a:t>(</a:t>
-            </a:r>
-            <a:r>
-              <a:rPr lang="en-US" sz="2000" b="1" dirty="0" err="1" smtClean="0">
-                <a:latin typeface="Courier New" charset="0"/>
-                <a:ea typeface="Courier New" charset="0"/>
-                <a:cs typeface="Courier New" charset="0"/>
-              </a:rPr>
-              <a:t>new_resource.name</a:t>
-            </a:r>
-            <a:r>
-              <a:rPr lang="en-US" sz="2000" b="1" dirty="0" smtClean="0">
-                <a:latin typeface="Courier New" charset="0"/>
-                <a:ea typeface="Courier New" charset="0"/>
-                <a:cs typeface="Courier New" charset="0"/>
-              </a:rPr>
-              <a:t>)</a:t>
+              <a:t>class Chef</a:t>
             </a:r>
           </a:p>
           <a:p>
@@ -34640,15 +33274,7 @@
                 <a:ea typeface="Courier New" charset="0"/>
                 <a:cs typeface="Courier New" charset="0"/>
               </a:rPr>
-              <a:t> </a:t>
-            </a:r>
-            <a:r>
-              <a:rPr lang="en-US" sz="2000" b="1" dirty="0" smtClean="0">
-                <a:latin typeface="Courier New" charset="0"/>
-                <a:ea typeface="Courier New" charset="0"/>
-                <a:cs typeface="Courier New" charset="0"/>
-              </a:rPr>
-              <a:t>       </a:t>
+              <a:t>  class Provider</a:t>
             </a:r>
           </a:p>
           <a:p>
@@ -34658,65 +33284,23 @@
                 <a:ea typeface="Courier New" charset="0"/>
                 <a:cs typeface="Courier New" charset="0"/>
               </a:rPr>
-              <a:t> </a:t>
-            </a:r>
-            <a:r>
-              <a:rPr lang="en-US" sz="2000" b="1" dirty="0" smtClean="0">
+              <a:t>    class </a:t>
+            </a:r>
+            <a:r>
+              <a:rPr lang="en-US" sz="2000" b="1" dirty="0" err="1">
                 <a:latin typeface="Courier New" charset="0"/>
                 <a:ea typeface="Courier New" charset="0"/>
                 <a:cs typeface="Courier New" charset="0"/>
               </a:rPr>
-              <a:t>       @</a:t>
-            </a:r>
-            <a:r>
-              <a:rPr lang="en-US" sz="2000" b="1" dirty="0" err="1" smtClean="0">
-                <a:latin typeface="Courier New" charset="0"/>
-                <a:ea typeface="Courier New" charset="0"/>
-                <a:cs typeface="Courier New" charset="0"/>
-              </a:rPr>
-              <a:t>current_resource.site_name</a:t>
-            </a:r>
-            <a:r>
-              <a:rPr lang="en-US" sz="2000" b="1" dirty="0" smtClean="0">
-                <a:latin typeface="Courier New" charset="0"/>
-                <a:ea typeface="Courier New" charset="0"/>
-                <a:cs typeface="Courier New" charset="0"/>
-              </a:rPr>
-              <a:t>(</a:t>
-            </a:r>
-            <a:r>
-              <a:rPr lang="en-US" sz="2000" b="1" dirty="0" err="1" smtClean="0">
-                <a:latin typeface="Courier New" charset="0"/>
-                <a:ea typeface="Courier New" charset="0"/>
-                <a:cs typeface="Courier New" charset="0"/>
-              </a:rPr>
-              <a:t>new_resource.site_name</a:t>
-            </a:r>
-            <a:r>
-              <a:rPr lang="en-US" sz="2000" b="1" dirty="0" smtClean="0">
-                <a:latin typeface="Courier New" charset="0"/>
-                <a:ea typeface="Courier New" charset="0"/>
-                <a:cs typeface="Courier New" charset="0"/>
-              </a:rPr>
-              <a:t>)</a:t>
-            </a:r>
-          </a:p>
-          <a:p>
+              <a:t>ApacheVhost</a:t>
+            </a:r>
             <a:r>
               <a:rPr lang="en-US" sz="2000" b="1" dirty="0">
                 <a:latin typeface="Courier New" charset="0"/>
                 <a:ea typeface="Courier New" charset="0"/>
                 <a:cs typeface="Courier New" charset="0"/>
               </a:rPr>
-              <a:t> </a:t>
-            </a:r>
-            <a:r>
-              <a:rPr lang="en-US" sz="2000" b="1" dirty="0" smtClean="0">
-                <a:latin typeface="Courier New" charset="0"/>
-                <a:ea typeface="Courier New" charset="0"/>
-                <a:cs typeface="Courier New" charset="0"/>
-              </a:rPr>
-              <a:t>       # ... remaining properties defined in the resource</a:t>
+              <a:t> &lt; Chef::Provider</a:t>
             </a:r>
           </a:p>
           <a:p>
@@ -34726,23 +33310,31 @@
                 <a:ea typeface="Courier New" charset="0"/>
                 <a:cs typeface="Courier New" charset="0"/>
               </a:rPr>
-              <a:t> </a:t>
-            </a:r>
-            <a:r>
-              <a:rPr lang="en-US" sz="2000" b="1" dirty="0" smtClean="0">
+              <a:t>      </a:t>
+            </a:r>
+            <a:r>
+              <a:rPr lang="en-US" sz="2000" b="1" dirty="0" err="1">
                 <a:latin typeface="Courier New" charset="0"/>
                 <a:ea typeface="Courier New" charset="0"/>
                 <a:cs typeface="Courier New" charset="0"/>
               </a:rPr>
-              <a:t>       @</a:t>
-            </a:r>
-            <a:r>
-              <a:rPr lang="en-US" sz="2000" b="1" dirty="0" err="1" smtClean="0">
+              <a:t>def</a:t>
+            </a:r>
+            <a:r>
+              <a:rPr lang="en-US" sz="2000" b="1" dirty="0">
                 <a:latin typeface="Courier New" charset="0"/>
                 <a:ea typeface="Courier New" charset="0"/>
                 <a:cs typeface="Courier New" charset="0"/>
               </a:rPr>
-              <a:t>current_resource</a:t>
+              <a:t> </a:t>
+            </a:r>
+            <a:r>
+              <a:rPr lang="en-US" sz="2000" b="1" dirty="0" err="1">
+                <a:latin typeface="Courier New" charset="0"/>
+                <a:ea typeface="Courier New" charset="0"/>
+                <a:cs typeface="Courier New" charset="0"/>
+              </a:rPr>
+              <a:t>load_current_resource</a:t>
             </a:r>
             <a:endParaRPr lang="en-US" sz="2000" b="1" dirty="0">
               <a:latin typeface="Courier New" charset="0"/>
@@ -34752,15 +33344,141 @@
           </a:p>
           <a:p>
             <a:r>
-              <a:rPr lang="en-US" sz="2000" b="1" dirty="0" smtClean="0">
+              <a:rPr lang="en-US" sz="2000" b="1" dirty="0">
                 <a:latin typeface="Courier New" charset="0"/>
                 <a:ea typeface="Courier New" charset="0"/>
                 <a:cs typeface="Courier New" charset="0"/>
               </a:rPr>
-              <a:t>      end</a:t>
-            </a:r>
-          </a:p>
-          <a:p>
+              <a:t>        @</a:t>
+            </a:r>
+            <a:r>
+              <a:rPr lang="en-US" sz="2000" b="1" dirty="0" err="1">
+                <a:latin typeface="Courier New" charset="0"/>
+                <a:ea typeface="Courier New" charset="0"/>
+                <a:cs typeface="Courier New" charset="0"/>
+              </a:rPr>
+              <a:t>current_resource</a:t>
+            </a:r>
+            <a:r>
+              <a:rPr lang="en-US" sz="2000" b="1" dirty="0">
+                <a:latin typeface="Courier New" charset="0"/>
+                <a:ea typeface="Courier New" charset="0"/>
+                <a:cs typeface="Courier New" charset="0"/>
+              </a:rPr>
+              <a:t> ||= Chef::Resource::</a:t>
+            </a:r>
+            <a:r>
+              <a:rPr lang="en-US" sz="2000" b="1" dirty="0" err="1">
+                <a:latin typeface="Courier New" charset="0"/>
+                <a:ea typeface="Courier New" charset="0"/>
+                <a:cs typeface="Courier New" charset="0"/>
+              </a:rPr>
+              <a:t>ApacheVhost.new</a:t>
+            </a:r>
+            <a:r>
+              <a:rPr lang="en-US" sz="2000" b="1" dirty="0">
+                <a:latin typeface="Courier New" charset="0"/>
+                <a:ea typeface="Courier New" charset="0"/>
+                <a:cs typeface="Courier New" charset="0"/>
+              </a:rPr>
+              <a:t>(</a:t>
+            </a:r>
+            <a:r>
+              <a:rPr lang="en-US" sz="2000" b="1" dirty="0" err="1">
+                <a:latin typeface="Courier New" charset="0"/>
+                <a:ea typeface="Courier New" charset="0"/>
+                <a:cs typeface="Courier New" charset="0"/>
+              </a:rPr>
+              <a:t>new_resource.name</a:t>
+            </a:r>
+            <a:r>
+              <a:rPr lang="en-US" sz="2000" b="1" dirty="0">
+                <a:latin typeface="Courier New" charset="0"/>
+                <a:ea typeface="Courier New" charset="0"/>
+                <a:cs typeface="Courier New" charset="0"/>
+              </a:rPr>
+              <a:t>)</a:t>
+            </a:r>
+          </a:p>
+          <a:p>
+            <a:r>
+              <a:rPr lang="en-US" sz="2000" b="1" dirty="0">
+                <a:latin typeface="Courier New" charset="0"/>
+                <a:ea typeface="Courier New" charset="0"/>
+                <a:cs typeface="Courier New" charset="0"/>
+              </a:rPr>
+              <a:t>        </a:t>
+            </a:r>
+          </a:p>
+          <a:p>
+            <a:r>
+              <a:rPr lang="en-US" sz="2000" b="1" dirty="0">
+                <a:latin typeface="Courier New" charset="0"/>
+                <a:ea typeface="Courier New" charset="0"/>
+                <a:cs typeface="Courier New" charset="0"/>
+              </a:rPr>
+              <a:t>        @</a:t>
+            </a:r>
+            <a:r>
+              <a:rPr lang="en-US" sz="2000" b="1" dirty="0" err="1">
+                <a:latin typeface="Courier New" charset="0"/>
+                <a:ea typeface="Courier New" charset="0"/>
+                <a:cs typeface="Courier New" charset="0"/>
+              </a:rPr>
+              <a:t>current_resource.site_name</a:t>
+            </a:r>
+            <a:r>
+              <a:rPr lang="en-US" sz="2000" b="1" dirty="0">
+                <a:latin typeface="Courier New" charset="0"/>
+                <a:ea typeface="Courier New" charset="0"/>
+                <a:cs typeface="Courier New" charset="0"/>
+              </a:rPr>
+              <a:t>(</a:t>
+            </a:r>
+            <a:r>
+              <a:rPr lang="en-US" sz="2000" b="1" dirty="0" err="1">
+                <a:latin typeface="Courier New" charset="0"/>
+                <a:ea typeface="Courier New" charset="0"/>
+                <a:cs typeface="Courier New" charset="0"/>
+              </a:rPr>
+              <a:t>new_resource.site_name</a:t>
+            </a:r>
+            <a:r>
+              <a:rPr lang="en-US" sz="2000" b="1" dirty="0">
+                <a:latin typeface="Courier New" charset="0"/>
+                <a:ea typeface="Courier New" charset="0"/>
+                <a:cs typeface="Courier New" charset="0"/>
+              </a:rPr>
+              <a:t>)</a:t>
+            </a:r>
+          </a:p>
+          <a:p>
+            <a:r>
+              <a:rPr lang="en-US" sz="2000" b="1" dirty="0">
+                <a:latin typeface="Courier New" charset="0"/>
+                <a:ea typeface="Courier New" charset="0"/>
+                <a:cs typeface="Courier New" charset="0"/>
+              </a:rPr>
+              <a:t>        # ... remaining properties defined in the resource</a:t>
+            </a:r>
+          </a:p>
+          <a:p>
+            <a:r>
+              <a:rPr lang="en-US" sz="2000" b="1" dirty="0">
+                <a:latin typeface="Courier New" charset="0"/>
+                <a:ea typeface="Courier New" charset="0"/>
+                <a:cs typeface="Courier New" charset="0"/>
+              </a:rPr>
+              <a:t>        @</a:t>
+            </a:r>
+            <a:r>
+              <a:rPr lang="en-US" sz="2000" b="1" dirty="0" err="1">
+                <a:latin typeface="Courier New" charset="0"/>
+                <a:ea typeface="Courier New" charset="0"/>
+                <a:cs typeface="Courier New" charset="0"/>
+              </a:rPr>
+              <a:t>current_resource</a:t>
+            </a:r>
             <a:endParaRPr lang="en-US" sz="2000" b="1" dirty="0">
               <a:latin typeface="Courier New" charset="0"/>
               <a:ea typeface="Courier New" charset="0"/>
@@ -34769,78 +33487,15 @@
           </a:p>
           <a:p>
             <a:r>
-              <a:rPr lang="en-US" sz="2000" b="1" dirty="0" smtClean="0">
-                <a:latin typeface="Courier New" charset="0"/>
-                <a:ea typeface="Courier New" charset="0"/>
-                <a:cs typeface="Courier New" charset="0"/>
-              </a:rPr>
-              <a:t>      </a:t>
-            </a:r>
-            <a:r>
-              <a:rPr lang="en-US" sz="2000" b="1" dirty="0" err="1" smtClean="0">
-                <a:latin typeface="Courier New" charset="0"/>
-                <a:ea typeface="Courier New" charset="0"/>
-                <a:cs typeface="Courier New" charset="0"/>
-              </a:rPr>
-              <a:t>def</a:t>
-            </a:r>
-            <a:r>
-              <a:rPr lang="en-US" sz="2000" b="1" dirty="0" smtClean="0">
-                <a:latin typeface="Courier New" charset="0"/>
-                <a:ea typeface="Courier New" charset="0"/>
-                <a:cs typeface="Courier New" charset="0"/>
-              </a:rPr>
-              <a:t> </a:t>
-            </a:r>
-            <a:r>
-              <a:rPr lang="en-US" sz="2000" b="1" dirty="0" err="1" smtClean="0">
-                <a:latin typeface="Courier New" charset="0"/>
-                <a:ea typeface="Courier New" charset="0"/>
-                <a:cs typeface="Courier New" charset="0"/>
-              </a:rPr>
-              <a:t>action_create</a:t>
-            </a:r>
-            <a:endParaRPr lang="en-US" sz="2000" b="1" dirty="0" smtClean="0">
-              <a:latin typeface="Courier New" charset="0"/>
-              <a:ea typeface="Courier New" charset="0"/>
-              <a:cs typeface="Courier New" charset="0"/>
-            </a:endParaRPr>
-          </a:p>
-          <a:p>
-            <a:r>
               <a:rPr lang="en-US" sz="2000" b="1" dirty="0">
                 <a:latin typeface="Courier New" charset="0"/>
                 <a:ea typeface="Courier New" charset="0"/>
                 <a:cs typeface="Courier New" charset="0"/>
               </a:rPr>
-              <a:t> </a:t>
-            </a:r>
-            <a:r>
-              <a:rPr lang="en-US" sz="2000" b="1" dirty="0" smtClean="0">
-                <a:latin typeface="Courier New" charset="0"/>
-                <a:ea typeface="Courier New" charset="0"/>
-                <a:cs typeface="Courier New" charset="0"/>
-              </a:rPr>
-              <a:t>       # ... code that creates the resource on all supported platforms ...</a:t>
-            </a:r>
-          </a:p>
-          <a:p>
-            <a:r>
-              <a:rPr lang="en-US" sz="2000" b="1" dirty="0">
-                <a:latin typeface="Courier New" charset="0"/>
-                <a:ea typeface="Courier New" charset="0"/>
-                <a:cs typeface="Courier New" charset="0"/>
-              </a:rPr>
-              <a:t> </a:t>
-            </a:r>
-            <a:r>
-              <a:rPr lang="en-US" sz="2000" b="1" dirty="0" smtClean="0">
-                <a:latin typeface="Courier New" charset="0"/>
-                <a:ea typeface="Courier New" charset="0"/>
-                <a:cs typeface="Courier New" charset="0"/>
-              </a:rPr>
-              <a:t>     end</a:t>
-            </a:r>
+              <a:t>      end</a:t>
+            </a:r>
+          </a:p>
+          <a:p>
             <a:endParaRPr lang="en-US" sz="2000" b="1" dirty="0">
               <a:latin typeface="Courier New" charset="0"/>
               <a:ea typeface="Courier New" charset="0"/>
@@ -34849,27 +33504,86 @@
           </a:p>
           <a:p>
             <a:r>
-              <a:rPr lang="en-US" sz="2000" b="1" dirty="0" smtClean="0">
+              <a:rPr lang="en-US" sz="2000" b="1" dirty="0">
                 <a:latin typeface="Courier New" charset="0"/>
                 <a:ea typeface="Courier New" charset="0"/>
                 <a:cs typeface="Courier New" charset="0"/>
               </a:rPr>
-              <a:t>    end</a:t>
-            </a:r>
-          </a:p>
-          <a:p>
-            <a:r>
-              <a:rPr lang="en-US" sz="2000" b="1" dirty="0" smtClean="0">
+              <a:t>      </a:t>
+            </a:r>
+            <a:r>
+              <a:rPr lang="en-US" sz="2000" b="1" dirty="0" err="1">
                 <a:latin typeface="Courier New" charset="0"/>
                 <a:ea typeface="Courier New" charset="0"/>
                 <a:cs typeface="Courier New" charset="0"/>
               </a:rPr>
+              <a:t>def</a:t>
+            </a:r>
+            <a:r>
+              <a:rPr lang="en-US" sz="2000" b="1" dirty="0">
+                <a:latin typeface="Courier New" charset="0"/>
+                <a:ea typeface="Courier New" charset="0"/>
+                <a:cs typeface="Courier New" charset="0"/>
+              </a:rPr>
+              <a:t> </a:t>
+            </a:r>
+            <a:r>
+              <a:rPr lang="en-US" sz="2000" b="1" dirty="0" err="1">
+                <a:latin typeface="Courier New" charset="0"/>
+                <a:ea typeface="Courier New" charset="0"/>
+                <a:cs typeface="Courier New" charset="0"/>
+              </a:rPr>
+              <a:t>action_create</a:t>
+            </a:r>
+            <a:endParaRPr lang="en-US" sz="2000" b="1" dirty="0">
+              <a:latin typeface="Courier New" charset="0"/>
+              <a:ea typeface="Courier New" charset="0"/>
+              <a:cs typeface="Courier New" charset="0"/>
+            </a:endParaRPr>
+          </a:p>
+          <a:p>
+            <a:r>
+              <a:rPr lang="en-US" sz="2000" b="1" dirty="0">
+                <a:latin typeface="Courier New" charset="0"/>
+                <a:ea typeface="Courier New" charset="0"/>
+                <a:cs typeface="Courier New" charset="0"/>
+              </a:rPr>
+              <a:t>        # ... code that creates the resource on all supported platforms ...</a:t>
+            </a:r>
+          </a:p>
+          <a:p>
+            <a:r>
+              <a:rPr lang="en-US" sz="2000" b="1" dirty="0">
+                <a:latin typeface="Courier New" charset="0"/>
+                <a:ea typeface="Courier New" charset="0"/>
+                <a:cs typeface="Courier New" charset="0"/>
+              </a:rPr>
+              <a:t>      end</a:t>
+            </a:r>
+          </a:p>
+          <a:p>
+            <a:r>
+              <a:rPr lang="en-US" sz="2000" b="1" dirty="0">
+                <a:latin typeface="Courier New" charset="0"/>
+                <a:ea typeface="Courier New" charset="0"/>
+                <a:cs typeface="Courier New" charset="0"/>
+              </a:rPr>
+              <a:t>    end</a:t>
+            </a:r>
+          </a:p>
+          <a:p>
+            <a:r>
+              <a:rPr lang="en-US" sz="2000" b="1" dirty="0">
+                <a:latin typeface="Courier New" charset="0"/>
+                <a:ea typeface="Courier New" charset="0"/>
+                <a:cs typeface="Courier New" charset="0"/>
+              </a:rPr>
               <a:t>  end</a:t>
             </a:r>
           </a:p>
           <a:p>
             <a:r>
-              <a:rPr lang="en-US" sz="2000" b="1" dirty="0" smtClean="0">
+              <a:rPr lang="en-US" sz="2000" b="1" dirty="0">
                 <a:latin typeface="Courier New" charset="0"/>
                 <a:ea typeface="Courier New" charset="0"/>
                 <a:cs typeface="Courier New" charset="0"/>
@@ -34907,7 +33621,7 @@
           <a:lstStyle/>
           <a:p>
             <a:r>
-              <a:rPr lang="en-US" b="1" dirty="0" smtClean="0">
+              <a:rPr lang="en-US" b="1" dirty="0">
                 <a:latin typeface="Courier New" charset="0"/>
                 <a:ea typeface="Courier New" charset="0"/>
                 <a:cs typeface="Courier New" charset="0"/>
@@ -34915,14 +33629,14 @@
               <a:t>libraries/</a:t>
             </a:r>
             <a:r>
-              <a:rPr lang="en-US" b="1" dirty="0" err="1" smtClean="0">
+              <a:rPr lang="en-US" b="1" dirty="0" err="1">
                 <a:latin typeface="Courier New" charset="0"/>
                 <a:ea typeface="Courier New" charset="0"/>
                 <a:cs typeface="Courier New" charset="0"/>
               </a:rPr>
               <a:t>apache_vhost_provider.rb</a:t>
             </a:r>
-            <a:endParaRPr lang="en-US" b="1" dirty="0" smtClean="0">
+            <a:endParaRPr lang="en-US" b="1" dirty="0">
               <a:latin typeface="Courier New" charset="0"/>
               <a:ea typeface="Courier New" charset="0"/>
               <a:cs typeface="Courier New" charset="0"/>
@@ -34943,13 +33657,6 @@
   <p:transition spd="med">
     <p:fade/>
   </p:transition>
-  <p:timing>
-    <p:tnLst>
-      <p:par>
-        <p:cTn id="1" dur="indefinite" restart="never" nodeType="tmRoot"/>
-      </p:par>
-    </p:tnLst>
-  </p:timing>
 </p:sld>
 </file>
 
@@ -34986,10 +33693,9 @@
           <a:lstStyle/>
           <a:p>
             <a:r>
-              <a:rPr lang="en-US" dirty="0" smtClean="0"/>
+              <a:rPr lang="en-US" dirty="0"/>
               <a:t> </a:t>
             </a:r>
-            <a:endParaRPr lang="en-US" dirty="0"/>
           </a:p>
         </p:txBody>
       </p:sp>
@@ -35031,7 +33737,7 @@
           <a:lstStyle/>
           <a:p>
             <a:r>
-              <a:rPr lang="en-US" sz="3600" dirty="0" smtClean="0"/>
+              <a:rPr lang="en-US" sz="3600" dirty="0"/>
               <a:t>Pure Ruby (Heavy-Weight Resource-Providers)</a:t>
             </a:r>
           </a:p>
@@ -35097,19 +33803,6 @@
               </a:rPr>
               <a:t>1</a:t>
             </a:r>
-            <a:endParaRPr lang="en-US" sz="4000" b="1" dirty="0" smtClean="0">
-              <a:gradFill>
-                <a:gsLst>
-                  <a:gs pos="0">
-                    <a:srgbClr val="FFFFFF"/>
-                  </a:gs>
-                  <a:gs pos="100000">
-                    <a:srgbClr val="FFFFFF"/>
-                  </a:gs>
-                </a:gsLst>
-                <a:lin ang="5400000" scaled="0"/>
-              </a:gradFill>
-            </a:endParaRPr>
           </a:p>
         </p:txBody>
       </p:sp>
@@ -35158,7 +33851,7 @@
           <a:p>
             <a:pPr algn="r" defTabSz="914099"/>
             <a:r>
-              <a:rPr lang="en-US" b="1" dirty="0" smtClean="0">
+              <a:rPr lang="en-US" b="1" dirty="0">
                 <a:gradFill>
                   <a:gsLst>
                     <a:gs pos="0">
@@ -35173,7 +33866,7 @@
               </a:rPr>
               <a:t>USAGE</a:t>
             </a:r>
-            <a:endParaRPr lang="en-US" sz="2400" b="1" dirty="0" smtClean="0">
+            <a:endParaRPr lang="en-US" sz="2400" b="1" dirty="0">
               <a:gradFill>
                 <a:gsLst>
                   <a:gs pos="0">
@@ -35217,7 +33910,7 @@
           <a:lstStyle/>
           <a:p>
             <a:r>
-              <a:rPr lang="en-US" sz="2000" b="1" dirty="0" err="1" smtClean="0">
+              <a:rPr lang="en-US" sz="2000" b="1" dirty="0" err="1">
                 <a:latin typeface="Courier New" charset="0"/>
                 <a:ea typeface="Courier New" charset="0"/>
                 <a:cs typeface="Courier New" charset="0"/>
@@ -35225,7 +33918,7 @@
               <a:t>apache_vhost</a:t>
             </a:r>
             <a:r>
-              <a:rPr lang="en-US" sz="2000" b="1" dirty="0" smtClean="0">
+              <a:rPr lang="en-US" sz="2000" b="1" dirty="0">
                 <a:latin typeface="Courier New" charset="0"/>
                 <a:ea typeface="Courier New" charset="0"/>
                 <a:cs typeface="Courier New" charset="0"/>
@@ -35235,13 +33928,25 @@
           </a:p>
           <a:p>
             <a:r>
-              <a:rPr lang="en-US" sz="2000" b="1" dirty="0" smtClean="0">
+              <a:rPr lang="en-US" sz="2000" b="1" dirty="0">
                 <a:latin typeface="Courier New" charset="0"/>
                 <a:ea typeface="Courier New" charset="0"/>
                 <a:cs typeface="Courier New" charset="0"/>
               </a:rPr>
               <a:t>  action :delete</a:t>
             </a:r>
+          </a:p>
+          <a:p>
+            <a:r>
+              <a:rPr lang="en-US" sz="2000" b="1" dirty="0">
+                <a:latin typeface="Courier New" charset="0"/>
+                <a:ea typeface="Courier New" charset="0"/>
+                <a:cs typeface="Courier New" charset="0"/>
+              </a:rPr>
+              <a:t>end</a:t>
+            </a:r>
+          </a:p>
+          <a:p>
             <a:endParaRPr lang="en-US" sz="2000" b="1" dirty="0">
               <a:latin typeface="Courier New" charset="0"/>
               <a:ea typeface="Courier New" charset="0"/>
@@ -35250,37 +33955,12 @@
           </a:p>
           <a:p>
             <a:r>
-              <a:rPr lang="en-US" sz="2000" b="1" dirty="0" smtClean="0">
+              <a:rPr lang="en-US" sz="2000" b="1" dirty="0" err="1">
                 <a:latin typeface="Courier New" charset="0"/>
                 <a:ea typeface="Courier New" charset="0"/>
                 <a:cs typeface="Courier New" charset="0"/>
               </a:rPr>
-              <a:t>end</a:t>
-            </a:r>
-          </a:p>
-          <a:p>
-            <a:endParaRPr lang="en-US" sz="2000" b="1" dirty="0">
-              <a:latin typeface="Courier New" charset="0"/>
-              <a:ea typeface="Courier New" charset="0"/>
-              <a:cs typeface="Courier New" charset="0"/>
-            </a:endParaRPr>
-          </a:p>
-          <a:p>
-            <a:r>
-              <a:rPr lang="en-US" sz="2000" b="1" dirty="0" err="1" smtClean="0">
-                <a:latin typeface="Courier New" charset="0"/>
-                <a:ea typeface="Courier New" charset="0"/>
-                <a:cs typeface="Courier New" charset="0"/>
-              </a:rPr>
               <a:t>apache_vhost</a:t>
-            </a:r>
-            <a:r>
-              <a:rPr lang="en-US" sz="2000" b="1" dirty="0" smtClean="0">
-                <a:latin typeface="Courier New" charset="0"/>
-                <a:ea typeface="Courier New" charset="0"/>
-                <a:cs typeface="Courier New" charset="0"/>
-              </a:rPr>
-              <a:t> </a:t>
             </a:r>
             <a:r>
               <a:rPr lang="en-US" sz="2000" b="1" dirty="0">
@@ -35288,7 +33968,7 @@
                 <a:ea typeface="Courier New" charset="0"/>
                 <a:cs typeface="Courier New" charset="0"/>
               </a:rPr>
-              <a:t>'users'</a:t>
+              <a:t> 'users'</a:t>
             </a:r>
           </a:p>
           <a:p>
@@ -35382,7 +34062,7 @@
           <a:lstStyle/>
           <a:p>
             <a:r>
-              <a:rPr lang="en-US" b="1" dirty="0" smtClean="0">
+              <a:rPr lang="en-US" b="1" dirty="0">
                 <a:latin typeface="Courier New" charset="0"/>
                 <a:ea typeface="Courier New" charset="0"/>
                 <a:cs typeface="Courier New" charset="0"/>
@@ -35390,14 +34070,14 @@
               <a:t>recipes/</a:t>
             </a:r>
             <a:r>
-              <a:rPr lang="en-US" b="1" dirty="0" err="1" smtClean="0">
+              <a:rPr lang="en-US" b="1" dirty="0" err="1">
                 <a:latin typeface="Courier New" charset="0"/>
                 <a:ea typeface="Courier New" charset="0"/>
                 <a:cs typeface="Courier New" charset="0"/>
               </a:rPr>
               <a:t>default.rb</a:t>
             </a:r>
-            <a:endParaRPr lang="en-US" b="1" dirty="0" smtClean="0">
+            <a:endParaRPr lang="en-US" b="1" dirty="0">
               <a:latin typeface="Courier New" charset="0"/>
               <a:ea typeface="Courier New" charset="0"/>
               <a:cs typeface="Courier New" charset="0"/>
@@ -35418,13 +34098,6 @@
   <p:transition spd="med">
     <p:fade/>
   </p:transition>
-  <p:timing>
-    <p:tnLst>
-      <p:par>
-        <p:cTn id="1" dur="indefinite" restart="never" nodeType="tmRoot"/>
-      </p:par>
-    </p:tnLst>
-  </p:timing>
 </p:sld>
 </file>
 
@@ -36759,6 +35432,52 @@
 </file>
 
 <file path=customXml/item1.xml><?xml version="1.0" encoding="utf-8"?>
+<?mso-contentType ?>
+<spe:Receivers xmlns:spe="http://schemas.microsoft.com/sharepoint/events">
+  <Receiver>
+    <Name>Document ID Generator</Name>
+    <Synchronization>Synchronous</Synchronization>
+    <Type>10001</Type>
+    <SequenceNumber>1000</SequenceNumber>
+    <Assembly>Microsoft.Office.DocumentManagement, Version=14.0.0.0, Culture=neutral, PublicKeyToken=71e9bce111e9429c</Assembly>
+    <Class>Microsoft.Office.DocumentManagement.Internal.DocIdHandler</Class>
+    <Data/>
+    <Filter/>
+  </Receiver>
+  <Receiver>
+    <Name>Document ID Generator</Name>
+    <Synchronization>Synchronous</Synchronization>
+    <Type>10002</Type>
+    <SequenceNumber>1001</SequenceNumber>
+    <Assembly>Microsoft.Office.DocumentManagement, Version=14.0.0.0, Culture=neutral, PublicKeyToken=71e9bce111e9429c</Assembly>
+    <Class>Microsoft.Office.DocumentManagement.Internal.DocIdHandler</Class>
+    <Data/>
+    <Filter/>
+  </Receiver>
+  <Receiver>
+    <Name>Document ID Generator</Name>
+    <Synchronization>Synchronous</Synchronization>
+    <Type>10004</Type>
+    <SequenceNumber>1002</SequenceNumber>
+    <Assembly>Microsoft.Office.DocumentManagement, Version=14.0.0.0, Culture=neutral, PublicKeyToken=71e9bce111e9429c</Assembly>
+    <Class>Microsoft.Office.DocumentManagement.Internal.DocIdHandler</Class>
+    <Data/>
+    <Filter/>
+  </Receiver>
+  <Receiver>
+    <Name>Document ID Generator</Name>
+    <Synchronization>Synchronous</Synchronization>
+    <Type>10006</Type>
+    <SequenceNumber>1003</SequenceNumber>
+    <Assembly>Microsoft.Office.DocumentManagement, Version=14.0.0.0, Culture=neutral, PublicKeyToken=71e9bce111e9429c</Assembly>
+    <Class>Microsoft.Office.DocumentManagement.Internal.DocIdHandler</Class>
+    <Data/>
+    <Filter/>
+  </Receiver>
+</spe:Receivers>
+</file>
+
+<file path=customXml/item2.xml><?xml version="1.0" encoding="utf-8"?>
 <ct:contentTypeSchema xmlns:ct="http://schemas.microsoft.com/office/2006/metadata/contentType" xmlns:ma="http://schemas.microsoft.com/office/2006/metadata/properties/metaAttributes" ct:_="" ma:_="" ma:contentTypeName="Document" ma:contentTypeID="0x0101000812F700BE7F874999720E88173FE491" ma:contentTypeVersion="0" ma:contentTypeDescription="Create a new document." ma:contentTypeScope="" ma:versionID="3f79f408e2ca720b7aba6e0e32464d0c">
   <xsd:schema xmlns:xsd="http://www.w3.org/2001/XMLSchema" xmlns:xs="http://www.w3.org/2001/XMLSchema" xmlns:p="http://schemas.microsoft.com/office/2006/metadata/properties" xmlns:ns2="7bb5d761-a2ea-4873-95f7-7a6658fb3ef0" targetNamespace="http://schemas.microsoft.com/office/2006/metadata/properties" ma:root="true" ma:fieldsID="1e062cd38ba31e406bfc4340fbc7f87a" ns2:_="">
     <xsd:import namespace="7bb5d761-a2ea-4873-95f7-7a6658fb3ef0"/>
@@ -36903,62 +35622,7 @@
 </ct:contentTypeSchema>
 </file>
 
-<file path=customXml/item2.xml><?xml version="1.0" encoding="utf-8"?>
-<?mso-contentType ?>
-<spe:Receivers xmlns:spe="http://schemas.microsoft.com/sharepoint/events">
-  <Receiver>
-    <Name>Document ID Generator</Name>
-    <Synchronization>Synchronous</Synchronization>
-    <Type>10001</Type>
-    <SequenceNumber>1000</SequenceNumber>
-    <Assembly>Microsoft.Office.DocumentManagement, Version=14.0.0.0, Culture=neutral, PublicKeyToken=71e9bce111e9429c</Assembly>
-    <Class>Microsoft.Office.DocumentManagement.Internal.DocIdHandler</Class>
-    <Data/>
-    <Filter/>
-  </Receiver>
-  <Receiver>
-    <Name>Document ID Generator</Name>
-    <Synchronization>Synchronous</Synchronization>
-    <Type>10002</Type>
-    <SequenceNumber>1001</SequenceNumber>
-    <Assembly>Microsoft.Office.DocumentManagement, Version=14.0.0.0, Culture=neutral, PublicKeyToken=71e9bce111e9429c</Assembly>
-    <Class>Microsoft.Office.DocumentManagement.Internal.DocIdHandler</Class>
-    <Data/>
-    <Filter/>
-  </Receiver>
-  <Receiver>
-    <Name>Document ID Generator</Name>
-    <Synchronization>Synchronous</Synchronization>
-    <Type>10004</Type>
-    <SequenceNumber>1002</SequenceNumber>
-    <Assembly>Microsoft.Office.DocumentManagement, Version=14.0.0.0, Culture=neutral, PublicKeyToken=71e9bce111e9429c</Assembly>
-    <Class>Microsoft.Office.DocumentManagement.Internal.DocIdHandler</Class>
-    <Data/>
-    <Filter/>
-  </Receiver>
-  <Receiver>
-    <Name>Document ID Generator</Name>
-    <Synchronization>Synchronous</Synchronization>
-    <Type>10006</Type>
-    <SequenceNumber>1003</SequenceNumber>
-    <Assembly>Microsoft.Office.DocumentManagement, Version=14.0.0.0, Culture=neutral, PublicKeyToken=71e9bce111e9429c</Assembly>
-    <Class>Microsoft.Office.DocumentManagement.Internal.DocIdHandler</Class>
-    <Data/>
-    <Filter/>
-  </Receiver>
-</spe:Receivers>
-</file>
-
 <file path=customXml/item3.xml><?xml version="1.0" encoding="utf-8"?>
-<?mso-contentType ?>
-<FormTemplates xmlns="http://schemas.microsoft.com/sharepoint/v3/contenttype/forms">
-  <Display>DocumentLibraryForm</Display>
-  <Edit>DocumentLibraryForm</Edit>
-  <New>DocumentLibraryForm</New>
-</FormTemplates>
-</file>
-
-<file path=customXml/item4.xml><?xml version="1.0" encoding="utf-8"?>
 <p:properties xmlns:p="http://schemas.microsoft.com/office/2006/metadata/properties" xmlns:xsi="http://www.w3.org/2001/XMLSchema-instance" xmlns:pc="http://schemas.microsoft.com/office/infopath/2007/PartnerControls">
   <documentManagement>
     <_dlc_DocId xmlns="7bb5d761-a2ea-4873-95f7-7a6658fb3ef0">M4CWTKMW727E-592-73</_dlc_DocId>
@@ -36970,7 +35634,24 @@
 </p:properties>
 </file>
 
+<file path=customXml/item4.xml><?xml version="1.0" encoding="utf-8"?>
+<?mso-contentType ?>
+<FormTemplates xmlns="http://schemas.microsoft.com/sharepoint/v3/contenttype/forms">
+  <Display>DocumentLibraryForm</Display>
+  <Edit>DocumentLibraryForm</Edit>
+  <New>DocumentLibraryForm</New>
+</FormTemplates>
+</file>
+
 <file path=customXml/itemProps1.xml><?xml version="1.0" encoding="utf-8"?>
+<ds:datastoreItem xmlns:ds="http://schemas.openxmlformats.org/officeDocument/2006/customXml" ds:itemID="{B13EBC30-FE27-4C6A-B723-23FC2188F7DC}">
+  <ds:schemaRefs>
+    <ds:schemaRef ds:uri="http://schemas.microsoft.com/sharepoint/events"/>
+  </ds:schemaRefs>
+</ds:datastoreItem>
+</file>
+
+<file path=customXml/itemProps2.xml><?xml version="1.0" encoding="utf-8"?>
 <ds:datastoreItem xmlns:ds="http://schemas.openxmlformats.org/officeDocument/2006/customXml" ds:itemID="{164479E5-0B02-49AC-B79E-EC1D6164DDD3}">
   <ds:schemaRefs>
     <ds:schemaRef ds:uri="http://schemas.microsoft.com/office/2006/metadata/contentType"/>
@@ -36988,23 +35669,7 @@
 </ds:datastoreItem>
 </file>
 
-<file path=customXml/itemProps2.xml><?xml version="1.0" encoding="utf-8"?>
-<ds:datastoreItem xmlns:ds="http://schemas.openxmlformats.org/officeDocument/2006/customXml" ds:itemID="{B13EBC30-FE27-4C6A-B723-23FC2188F7DC}">
-  <ds:schemaRefs>
-    <ds:schemaRef ds:uri="http://schemas.microsoft.com/sharepoint/events"/>
-  </ds:schemaRefs>
-</ds:datastoreItem>
-</file>
-
 <file path=customXml/itemProps3.xml><?xml version="1.0" encoding="utf-8"?>
-<ds:datastoreItem xmlns:ds="http://schemas.openxmlformats.org/officeDocument/2006/customXml" ds:itemID="{5CDEB364-43EC-4510-9881-539C2A3FCE9E}">
-  <ds:schemaRefs>
-    <ds:schemaRef ds:uri="http://schemas.microsoft.com/sharepoint/v3/contenttype/forms"/>
-  </ds:schemaRefs>
-</ds:datastoreItem>
-</file>
-
-<file path=customXml/itemProps4.xml><?xml version="1.0" encoding="utf-8"?>
 <ds:datastoreItem xmlns:ds="http://schemas.openxmlformats.org/officeDocument/2006/customXml" ds:itemID="{6921749B-AEB7-461B-845F-603CABD25259}">
   <ds:schemaRefs>
     <ds:schemaRef ds:uri="7bb5d761-a2ea-4873-95f7-7a6658fb3ef0"/>
@@ -37018,4 +35683,12 @@
     <ds:schemaRef ds:uri="http://www.w3.org/XML/1998/namespace"/>
   </ds:schemaRefs>
 </ds:datastoreItem>
+</file>
+
+<file path=customXml/itemProps4.xml><?xml version="1.0" encoding="utf-8"?>
+<ds:datastoreItem xmlns:ds="http://schemas.openxmlformats.org/officeDocument/2006/customXml" ds:itemID="{5CDEB364-43EC-4510-9881-539C2A3FCE9E}">
+  <ds:schemaRefs>
+    <ds:schemaRef ds:uri="http://schemas.microsoft.com/sharepoint/v3/contenttype/forms"/>
+  </ds:schemaRefs>
+</ds:datastoreItem>
 </file>
--- a/09-approaches_to_extending_resources.pptx
+++ b/09-approaches_to_extending_resources.pptx
@@ -12387,15 +12387,7 @@
             </a:pPr>
             <a:r>
               <a:rPr lang="en-US" baseline="0" dirty="0"/>
-              <a:t>The custom resource implementation is similar to the LWRP except all of the details that describe the resource are combined into a single file. The custom resource DSL is similar to one defined for the LWRP resource and LWRP provider DSL. It is an evolution of the LWRP implementation with some minor changes. The attributes are instead called properties and when used within the action implementations they no longer require the '</a:t>
-            </a:r>
-            <a:r>
-              <a:rPr lang="en-US" baseline="0" dirty="0" err="1"/>
-              <a:t>new_resource</a:t>
-            </a:r>
-            <a:r>
-              <a:rPr lang="en-US" baseline="0" dirty="0"/>
-              <a:t>' local variable or method. The default action is assumed to be the first action defined in this file: create.</a:t>
+              <a:t>The custom resource implementation is similar to the LWRP except all of the details that describe the resource are combined into a single file. The custom resource DSL is similar to one defined for the LWRP resource and LWRP provider DSL. It is an evolution of the LWRP implementation with some minor changes. The attributes are instead called. The default action is assumed to be the first action defined in this file: create.</a:t>
             </a:r>
           </a:p>
         </p:txBody>
@@ -14772,14 +14764,14 @@
           </a:ln>
           <a:extLst>
             <a:ext uri="{909E8E84-426E-40dd-AFC4-6F175D3DCCD1}">
-              <a14:hiddenFill xmlns="" xmlns:a14="http://schemas.microsoft.com/office/drawing/2010/main">
+              <a14:hiddenFill xmlns:a14="http://schemas.microsoft.com/office/drawing/2010/main" xmlns="">
                 <a:solidFill>
                   <a:srgbClr val="FFFFFF"/>
                 </a:solidFill>
               </a14:hiddenFill>
             </a:ext>
             <a:ext uri="{91240B29-F687-4f45-9708-019B960494DF}">
-              <a14:hiddenLine xmlns="" xmlns:a14="http://schemas.microsoft.com/office/drawing/2010/main" w="9525">
+              <a14:hiddenLine xmlns:a14="http://schemas.microsoft.com/office/drawing/2010/main" xmlns="" w="9525">
                 <a:solidFill>
                   <a:srgbClr val="000000"/>
                 </a:solidFill>
@@ -14927,14 +14919,14 @@
           </a:ln>
           <a:extLst>
             <a:ext uri="{909E8E84-426E-40dd-AFC4-6F175D3DCCD1}">
-              <a14:hiddenFill xmlns="" xmlns:a14="http://schemas.microsoft.com/office/drawing/2010/main">
+              <a14:hiddenFill xmlns:a14="http://schemas.microsoft.com/office/drawing/2010/main" xmlns="">
                 <a:solidFill>
                   <a:srgbClr val="FFFFFF"/>
                 </a:solidFill>
               </a14:hiddenFill>
             </a:ext>
             <a:ext uri="{91240B29-F687-4f45-9708-019B960494DF}">
-              <a14:hiddenLine xmlns="" xmlns:a14="http://schemas.microsoft.com/office/drawing/2010/main" w="9525">
+              <a14:hiddenLine xmlns:a14="http://schemas.microsoft.com/office/drawing/2010/main" xmlns="" w="9525">
                 <a:solidFill>
                   <a:srgbClr val="000000"/>
                 </a:solidFill>
@@ -15425,14 +15417,14 @@
           </a:ln>
           <a:extLst>
             <a:ext uri="{909E8E84-426E-40dd-AFC4-6F175D3DCCD1}">
-              <a14:hiddenFill xmlns="" xmlns:a14="http://schemas.microsoft.com/office/drawing/2010/main">
+              <a14:hiddenFill xmlns:a14="http://schemas.microsoft.com/office/drawing/2010/main" xmlns="">
                 <a:solidFill>
                   <a:srgbClr val="FFFFFF"/>
                 </a:solidFill>
               </a14:hiddenFill>
             </a:ext>
             <a:ext uri="{91240B29-F687-4f45-9708-019B960494DF}">
-              <a14:hiddenLine xmlns="" xmlns:a14="http://schemas.microsoft.com/office/drawing/2010/main" w="9525">
+              <a14:hiddenLine xmlns:a14="http://schemas.microsoft.com/office/drawing/2010/main" xmlns="" w="9525">
                 <a:solidFill>
                   <a:srgbClr val="000000"/>
                 </a:solidFill>
@@ -16859,14 +16851,14 @@
           </a:ln>
           <a:extLst>
             <a:ext uri="{909E8E84-426E-40dd-AFC4-6F175D3DCCD1}">
-              <a14:hiddenFill xmlns="" xmlns:a14="http://schemas.microsoft.com/office/drawing/2010/main">
+              <a14:hiddenFill xmlns:a14="http://schemas.microsoft.com/office/drawing/2010/main" xmlns="">
                 <a:solidFill>
                   <a:srgbClr val="FFFFFF"/>
                 </a:solidFill>
               </a14:hiddenFill>
             </a:ext>
             <a:ext uri="{91240B29-F687-4f45-9708-019B960494DF}">
-              <a14:hiddenLine xmlns="" xmlns:a14="http://schemas.microsoft.com/office/drawing/2010/main" w="9525">
+              <a14:hiddenLine xmlns:a14="http://schemas.microsoft.com/office/drawing/2010/main" xmlns="" w="9525">
                 <a:solidFill>
                   <a:srgbClr val="000000"/>
                 </a:solidFill>
@@ -18200,14 +18192,14 @@
           </a:ln>
           <a:extLst>
             <a:ext uri="{909E8E84-426E-40dd-AFC4-6F175D3DCCD1}">
-              <a14:hiddenFill xmlns="" xmlns:a14="http://schemas.microsoft.com/office/drawing/2010/main">
+              <a14:hiddenFill xmlns:a14="http://schemas.microsoft.com/office/drawing/2010/main" xmlns="">
                 <a:solidFill>
                   <a:srgbClr val="FFFFFF"/>
                 </a:solidFill>
               </a14:hiddenFill>
             </a:ext>
             <a:ext uri="{91240B29-F687-4f45-9708-019B960494DF}">
-              <a14:hiddenLine xmlns="" xmlns:a14="http://schemas.microsoft.com/office/drawing/2010/main" w="9525">
+              <a14:hiddenLine xmlns:a14="http://schemas.microsoft.com/office/drawing/2010/main" xmlns="" w="9525">
                 <a:solidFill>
                   <a:srgbClr val="000000"/>
                 </a:solidFill>
@@ -18765,14 +18757,14 @@
           </a:ln>
           <a:extLst>
             <a:ext uri="{909E8E84-426E-40dd-AFC4-6F175D3DCCD1}">
-              <a14:hiddenFill xmlns="" xmlns:a14="http://schemas.microsoft.com/office/drawing/2010/main">
+              <a14:hiddenFill xmlns:a14="http://schemas.microsoft.com/office/drawing/2010/main" xmlns="">
                 <a:solidFill>
                   <a:srgbClr val="FFFFFF"/>
                 </a:solidFill>
               </a14:hiddenFill>
             </a:ext>
             <a:ext uri="{91240B29-F687-4f45-9708-019B960494DF}">
-              <a14:hiddenLine xmlns="" xmlns:a14="http://schemas.microsoft.com/office/drawing/2010/main" w="9525">
+              <a14:hiddenLine xmlns:a14="http://schemas.microsoft.com/office/drawing/2010/main" xmlns="" w="9525">
                 <a:solidFill>
                   <a:srgbClr val="000000"/>
                 </a:solidFill>
@@ -19339,14 +19331,14 @@
           </a:ln>
           <a:extLst>
             <a:ext uri="{909E8E84-426E-40dd-AFC4-6F175D3DCCD1}">
-              <a14:hiddenFill xmlns="" xmlns:a14="http://schemas.microsoft.com/office/drawing/2010/main">
+              <a14:hiddenFill xmlns:a14="http://schemas.microsoft.com/office/drawing/2010/main" xmlns="">
                 <a:solidFill>
                   <a:srgbClr val="FFFFFF"/>
                 </a:solidFill>
               </a14:hiddenFill>
             </a:ext>
             <a:ext uri="{91240B29-F687-4f45-9708-019B960494DF}">
-              <a14:hiddenLine xmlns="" xmlns:a14="http://schemas.microsoft.com/office/drawing/2010/main" w="9525">
+              <a14:hiddenLine xmlns:a14="http://schemas.microsoft.com/office/drawing/2010/main" xmlns="" w="9525">
                 <a:solidFill>
                   <a:srgbClr val="000000"/>
                 </a:solidFill>
@@ -20286,14 +20278,14 @@
           </a:ln>
           <a:extLst>
             <a:ext uri="{909E8E84-426E-40dd-AFC4-6F175D3DCCD1}">
-              <a14:hiddenFill xmlns="" xmlns:a14="http://schemas.microsoft.com/office/drawing/2010/main">
+              <a14:hiddenFill xmlns:a14="http://schemas.microsoft.com/office/drawing/2010/main" xmlns="">
                 <a:solidFill>
                   <a:srgbClr val="FFFFFF"/>
                 </a:solidFill>
               </a14:hiddenFill>
             </a:ext>
             <a:ext uri="{91240B29-F687-4f45-9708-019B960494DF}">
-              <a14:hiddenLine xmlns="" xmlns:a14="http://schemas.microsoft.com/office/drawing/2010/main" w="9525">
+              <a14:hiddenLine xmlns:a14="http://schemas.microsoft.com/office/drawing/2010/main" xmlns="" w="9525">
                 <a:solidFill>
                   <a:srgbClr val="000000"/>
                 </a:solidFill>
@@ -21048,14 +21040,14 @@
           </a:ln>
           <a:extLst>
             <a:ext uri="{909E8E84-426E-40dd-AFC4-6F175D3DCCD1}">
-              <a14:hiddenFill xmlns="" xmlns:a14="http://schemas.microsoft.com/office/drawing/2010/main">
+              <a14:hiddenFill xmlns:a14="http://schemas.microsoft.com/office/drawing/2010/main" xmlns="">
                 <a:solidFill>
                   <a:srgbClr val="FFFFFF"/>
                 </a:solidFill>
               </a14:hiddenFill>
             </a:ext>
             <a:ext uri="{91240B29-F687-4f45-9708-019B960494DF}">
-              <a14:hiddenLine xmlns="" xmlns:a14="http://schemas.microsoft.com/office/drawing/2010/main" w="9525">
+              <a14:hiddenLine xmlns:a14="http://schemas.microsoft.com/office/drawing/2010/main" xmlns="" w="9525">
                 <a:solidFill>
                   <a:srgbClr val="000000"/>
                 </a:solidFill>
@@ -35432,52 +35424,6 @@
 </file>
 
 <file path=customXml/item1.xml><?xml version="1.0" encoding="utf-8"?>
-<?mso-contentType ?>
-<spe:Receivers xmlns:spe="http://schemas.microsoft.com/sharepoint/events">
-  <Receiver>
-    <Name>Document ID Generator</Name>
-    <Synchronization>Synchronous</Synchronization>
-    <Type>10001</Type>
-    <SequenceNumber>1000</SequenceNumber>
-    <Assembly>Microsoft.Office.DocumentManagement, Version=14.0.0.0, Culture=neutral, PublicKeyToken=71e9bce111e9429c</Assembly>
-    <Class>Microsoft.Office.DocumentManagement.Internal.DocIdHandler</Class>
-    <Data/>
-    <Filter/>
-  </Receiver>
-  <Receiver>
-    <Name>Document ID Generator</Name>
-    <Synchronization>Synchronous</Synchronization>
-    <Type>10002</Type>
-    <SequenceNumber>1001</SequenceNumber>
-    <Assembly>Microsoft.Office.DocumentManagement, Version=14.0.0.0, Culture=neutral, PublicKeyToken=71e9bce111e9429c</Assembly>
-    <Class>Microsoft.Office.DocumentManagement.Internal.DocIdHandler</Class>
-    <Data/>
-    <Filter/>
-  </Receiver>
-  <Receiver>
-    <Name>Document ID Generator</Name>
-    <Synchronization>Synchronous</Synchronization>
-    <Type>10004</Type>
-    <SequenceNumber>1002</SequenceNumber>
-    <Assembly>Microsoft.Office.DocumentManagement, Version=14.0.0.0, Culture=neutral, PublicKeyToken=71e9bce111e9429c</Assembly>
-    <Class>Microsoft.Office.DocumentManagement.Internal.DocIdHandler</Class>
-    <Data/>
-    <Filter/>
-  </Receiver>
-  <Receiver>
-    <Name>Document ID Generator</Name>
-    <Synchronization>Synchronous</Synchronization>
-    <Type>10006</Type>
-    <SequenceNumber>1003</SequenceNumber>
-    <Assembly>Microsoft.Office.DocumentManagement, Version=14.0.0.0, Culture=neutral, PublicKeyToken=71e9bce111e9429c</Assembly>
-    <Class>Microsoft.Office.DocumentManagement.Internal.DocIdHandler</Class>
-    <Data/>
-    <Filter/>
-  </Receiver>
-</spe:Receivers>
-</file>
-
-<file path=customXml/item2.xml><?xml version="1.0" encoding="utf-8"?>
 <ct:contentTypeSchema xmlns:ct="http://schemas.microsoft.com/office/2006/metadata/contentType" xmlns:ma="http://schemas.microsoft.com/office/2006/metadata/properties/metaAttributes" ct:_="" ma:_="" ma:contentTypeName="Document" ma:contentTypeID="0x0101000812F700BE7F874999720E88173FE491" ma:contentTypeVersion="0" ma:contentTypeDescription="Create a new document." ma:contentTypeScope="" ma:versionID="3f79f408e2ca720b7aba6e0e32464d0c">
   <xsd:schema xmlns:xsd="http://www.w3.org/2001/XMLSchema" xmlns:xs="http://www.w3.org/2001/XMLSchema" xmlns:p="http://schemas.microsoft.com/office/2006/metadata/properties" xmlns:ns2="7bb5d761-a2ea-4873-95f7-7a6658fb3ef0" targetNamespace="http://schemas.microsoft.com/office/2006/metadata/properties" ma:root="true" ma:fieldsID="1e062cd38ba31e406bfc4340fbc7f87a" ns2:_="">
     <xsd:import namespace="7bb5d761-a2ea-4873-95f7-7a6658fb3ef0"/>
@@ -35622,7 +35568,62 @@
 </ct:contentTypeSchema>
 </file>
 
+<file path=customXml/item2.xml><?xml version="1.0" encoding="utf-8"?>
+<?mso-contentType ?>
+<spe:Receivers xmlns:spe="http://schemas.microsoft.com/sharepoint/events">
+  <Receiver>
+    <Name>Document ID Generator</Name>
+    <Synchronization>Synchronous</Synchronization>
+    <Type>10001</Type>
+    <SequenceNumber>1000</SequenceNumber>
+    <Assembly>Microsoft.Office.DocumentManagement, Version=14.0.0.0, Culture=neutral, PublicKeyToken=71e9bce111e9429c</Assembly>
+    <Class>Microsoft.Office.DocumentManagement.Internal.DocIdHandler</Class>
+    <Data/>
+    <Filter/>
+  </Receiver>
+  <Receiver>
+    <Name>Document ID Generator</Name>
+    <Synchronization>Synchronous</Synchronization>
+    <Type>10002</Type>
+    <SequenceNumber>1001</SequenceNumber>
+    <Assembly>Microsoft.Office.DocumentManagement, Version=14.0.0.0, Culture=neutral, PublicKeyToken=71e9bce111e9429c</Assembly>
+    <Class>Microsoft.Office.DocumentManagement.Internal.DocIdHandler</Class>
+    <Data/>
+    <Filter/>
+  </Receiver>
+  <Receiver>
+    <Name>Document ID Generator</Name>
+    <Synchronization>Synchronous</Synchronization>
+    <Type>10004</Type>
+    <SequenceNumber>1002</SequenceNumber>
+    <Assembly>Microsoft.Office.DocumentManagement, Version=14.0.0.0, Culture=neutral, PublicKeyToken=71e9bce111e9429c</Assembly>
+    <Class>Microsoft.Office.DocumentManagement.Internal.DocIdHandler</Class>
+    <Data/>
+    <Filter/>
+  </Receiver>
+  <Receiver>
+    <Name>Document ID Generator</Name>
+    <Synchronization>Synchronous</Synchronization>
+    <Type>10006</Type>
+    <SequenceNumber>1003</SequenceNumber>
+    <Assembly>Microsoft.Office.DocumentManagement, Version=14.0.0.0, Culture=neutral, PublicKeyToken=71e9bce111e9429c</Assembly>
+    <Class>Microsoft.Office.DocumentManagement.Internal.DocIdHandler</Class>
+    <Data/>
+    <Filter/>
+  </Receiver>
+</spe:Receivers>
+</file>
+
 <file path=customXml/item3.xml><?xml version="1.0" encoding="utf-8"?>
+<?mso-contentType ?>
+<FormTemplates xmlns="http://schemas.microsoft.com/sharepoint/v3/contenttype/forms">
+  <Display>DocumentLibraryForm</Display>
+  <Edit>DocumentLibraryForm</Edit>
+  <New>DocumentLibraryForm</New>
+</FormTemplates>
+</file>
+
+<file path=customXml/item4.xml><?xml version="1.0" encoding="utf-8"?>
 <p:properties xmlns:p="http://schemas.microsoft.com/office/2006/metadata/properties" xmlns:xsi="http://www.w3.org/2001/XMLSchema-instance" xmlns:pc="http://schemas.microsoft.com/office/infopath/2007/PartnerControls">
   <documentManagement>
     <_dlc_DocId xmlns="7bb5d761-a2ea-4873-95f7-7a6658fb3ef0">M4CWTKMW727E-592-73</_dlc_DocId>
@@ -35634,24 +35635,7 @@
 </p:properties>
 </file>
 
-<file path=customXml/item4.xml><?xml version="1.0" encoding="utf-8"?>
-<?mso-contentType ?>
-<FormTemplates xmlns="http://schemas.microsoft.com/sharepoint/v3/contenttype/forms">
-  <Display>DocumentLibraryForm</Display>
-  <Edit>DocumentLibraryForm</Edit>
-  <New>DocumentLibraryForm</New>
-</FormTemplates>
-</file>
-
 <file path=customXml/itemProps1.xml><?xml version="1.0" encoding="utf-8"?>
-<ds:datastoreItem xmlns:ds="http://schemas.openxmlformats.org/officeDocument/2006/customXml" ds:itemID="{B13EBC30-FE27-4C6A-B723-23FC2188F7DC}">
-  <ds:schemaRefs>
-    <ds:schemaRef ds:uri="http://schemas.microsoft.com/sharepoint/events"/>
-  </ds:schemaRefs>
-</ds:datastoreItem>
-</file>
-
-<file path=customXml/itemProps2.xml><?xml version="1.0" encoding="utf-8"?>
 <ds:datastoreItem xmlns:ds="http://schemas.openxmlformats.org/officeDocument/2006/customXml" ds:itemID="{164479E5-0B02-49AC-B79E-EC1D6164DDD3}">
   <ds:schemaRefs>
     <ds:schemaRef ds:uri="http://schemas.microsoft.com/office/2006/metadata/contentType"/>
@@ -35669,7 +35653,23 @@
 </ds:datastoreItem>
 </file>
 
+<file path=customXml/itemProps2.xml><?xml version="1.0" encoding="utf-8"?>
+<ds:datastoreItem xmlns:ds="http://schemas.openxmlformats.org/officeDocument/2006/customXml" ds:itemID="{B13EBC30-FE27-4C6A-B723-23FC2188F7DC}">
+  <ds:schemaRefs>
+    <ds:schemaRef ds:uri="http://schemas.microsoft.com/sharepoint/events"/>
+  </ds:schemaRefs>
+</ds:datastoreItem>
+</file>
+
 <file path=customXml/itemProps3.xml><?xml version="1.0" encoding="utf-8"?>
+<ds:datastoreItem xmlns:ds="http://schemas.openxmlformats.org/officeDocument/2006/customXml" ds:itemID="{5CDEB364-43EC-4510-9881-539C2A3FCE9E}">
+  <ds:schemaRefs>
+    <ds:schemaRef ds:uri="http://schemas.microsoft.com/sharepoint/v3/contenttype/forms"/>
+  </ds:schemaRefs>
+</ds:datastoreItem>
+</file>
+
+<file path=customXml/itemProps4.xml><?xml version="1.0" encoding="utf-8"?>
 <ds:datastoreItem xmlns:ds="http://schemas.openxmlformats.org/officeDocument/2006/customXml" ds:itemID="{6921749B-AEB7-461B-845F-603CABD25259}">
   <ds:schemaRefs>
     <ds:schemaRef ds:uri="7bb5d761-a2ea-4873-95f7-7a6658fb3ef0"/>
@@ -35683,12 +35683,4 @@
     <ds:schemaRef ds:uri="http://www.w3.org/XML/1998/namespace"/>
   </ds:schemaRefs>
 </ds:datastoreItem>
-</file>
-
-<file path=customXml/itemProps4.xml><?xml version="1.0" encoding="utf-8"?>
-<ds:datastoreItem xmlns:ds="http://schemas.openxmlformats.org/officeDocument/2006/customXml" ds:itemID="{5CDEB364-43EC-4510-9881-539C2A3FCE9E}">
-  <ds:schemaRefs>
-    <ds:schemaRef ds:uri="http://schemas.microsoft.com/sharepoint/v3/contenttype/forms"/>
-  </ds:schemaRefs>
-</ds:datastoreItem>
 </file>